--- a/Other/人工智能和游戏.pptx
+++ b/Other/人工智能和游戏.pptx
@@ -5,7 +5,7 @@
     <p:sldMasterId id="2147483648" r:id="rId1"/>
   </p:sldMasterIdLst>
   <p:notesMasterIdLst>
-    <p:notesMasterId r:id="rId24"/>
+    <p:notesMasterId r:id="rId27"/>
   </p:notesMasterIdLst>
   <p:sldIdLst>
     <p:sldId id="256" r:id="rId2"/>
@@ -25,11 +25,14 @@
     <p:sldId id="303" r:id="rId16"/>
     <p:sldId id="306" r:id="rId17"/>
     <p:sldId id="307" r:id="rId18"/>
-    <p:sldId id="305" r:id="rId19"/>
-    <p:sldId id="265" r:id="rId20"/>
-    <p:sldId id="272" r:id="rId21"/>
-    <p:sldId id="285" r:id="rId22"/>
-    <p:sldId id="279" r:id="rId23"/>
+    <p:sldId id="308" r:id="rId19"/>
+    <p:sldId id="309" r:id="rId20"/>
+    <p:sldId id="310" r:id="rId21"/>
+    <p:sldId id="305" r:id="rId22"/>
+    <p:sldId id="265" r:id="rId23"/>
+    <p:sldId id="272" r:id="rId24"/>
+    <p:sldId id="285" r:id="rId25"/>
+    <p:sldId id="279" r:id="rId26"/>
   </p:sldIdLst>
   <p:sldSz cx="9144000" cy="5143500" type="screen16x9"/>
   <p:notesSz cx="6858000" cy="9144000"/>
@@ -174,7 +177,7 @@
   </p:defaultTextStyle>
   <p:extLst>
     <p:ext uri="{EFAFB233-063F-42B5-8137-9DF3F51BA10A}">
-      <p15:sldGuideLst xmlns:p15="http://schemas.microsoft.com/office/powerpoint/2012/main">
+      <p15:sldGuideLst xmlns:p15="http://schemas.microsoft.com/office/powerpoint/2012/main" xmlns="">
         <p15:guide id="1" orient="horz" pos="2160">
           <p15:clr>
             <a:srgbClr val="A4A3A4"/>
@@ -1917,37 +1920,82 @@
           <a:lstStyle/>
           <a:p>
             <a:r>
-              <a:rPr lang="zh-CN" altLang="en-US" dirty="0"/>
-              <a:t>简单总结一下，早先人工智能在游戏中广泛应用的是有限状态机和行为树</a:t>
-            </a:r>
-            <a:endParaRPr lang="en-US" altLang="zh-CN" dirty="0"/>
+              <a:rPr lang="zh-CN" altLang="en-US" dirty="0" smtClean="0"/>
+              <a:t>除了上面根据算法的特征对机器学习进行分类之外</a:t>
+            </a:r>
+            <a:endParaRPr lang="en-US" altLang="zh-CN" dirty="0" smtClean="0"/>
           </a:p>
           <a:p>
             <a:r>
-              <a:rPr lang="zh-CN" altLang="en-US" dirty="0"/>
-              <a:t>随着机器学习的火热，在游戏中和游戏开发中的应用已经越来越多了</a:t>
-            </a:r>
-            <a:endParaRPr lang="en-US" altLang="zh-CN" dirty="0"/>
+              <a:rPr lang="zh-CN" altLang="en-US" dirty="0" smtClean="0"/>
+              <a:t>还可以通过机器学习的具体实现来将机器学习分为：监督学习、非监督学习、半监督学习、强化学习以及模仿学习</a:t>
+            </a:r>
+            <a:endParaRPr lang="en-US" altLang="zh-CN" dirty="0" smtClean="0"/>
           </a:p>
           <a:p>
             <a:r>
-              <a:rPr lang="zh-CN" altLang="en-US" dirty="0"/>
-              <a:t>关于有限状态机和行为树，网上有很多例子，这里就不做介绍了</a:t>
-            </a:r>
-            <a:endParaRPr lang="en-US" altLang="zh-CN" dirty="0"/>
+              <a:rPr lang="zh-CN" altLang="en-US" dirty="0" smtClean="0"/>
+              <a:t>为了分清楚这几个概念，我们先来了解一下机器学习的基本步骤</a:t>
+            </a:r>
+            <a:endParaRPr lang="en-US" altLang="zh-CN" dirty="0" smtClean="0"/>
           </a:p>
           <a:p>
             <a:r>
-              <a:rPr lang="zh-CN" altLang="en-US" dirty="0"/>
-              <a:t>接下来我主要分享几个关于机器学习在游戏中应用的例子</a:t>
-            </a:r>
+              <a:rPr lang="zh-CN" altLang="en-US" dirty="0" smtClean="0"/>
+              <a:t>第一步，给模型或者说是算法提供训练数据，可以是</a:t>
+            </a:r>
+            <a:r>
+              <a:rPr lang="en-US" altLang="zh-CN" dirty="0" smtClean="0"/>
+              <a:t>1</a:t>
+            </a:r>
+            <a:r>
+              <a:rPr lang="zh-CN" altLang="en-US" dirty="0" smtClean="0"/>
+              <a:t>个或者</a:t>
+            </a:r>
+            <a:r>
+              <a:rPr lang="en-US" altLang="zh-CN" dirty="0" smtClean="0"/>
+              <a:t>N</a:t>
+            </a:r>
+            <a:r>
+              <a:rPr lang="zh-CN" altLang="en-US" dirty="0" smtClean="0"/>
+              <a:t>个</a:t>
+            </a:r>
+            <a:endParaRPr lang="en-US" altLang="zh-CN" dirty="0" smtClean="0"/>
+          </a:p>
+          <a:p>
+            <a:r>
+              <a:rPr lang="zh-CN" altLang="en-US" dirty="0" smtClean="0"/>
+              <a:t>第二步，使用模型学习训练数据从而得到训练结果，学习的方法就是我们之前说的方法</a:t>
+            </a:r>
+            <a:endParaRPr lang="en-US" altLang="zh-CN" dirty="0" smtClean="0"/>
+          </a:p>
+          <a:p>
+            <a:r>
+              <a:rPr lang="zh-CN" altLang="en-US" dirty="0" smtClean="0"/>
+              <a:t>第三步，验证模型的训练结果，通过一些验证数据，来判断该训练结果是否符合要求</a:t>
+            </a:r>
+            <a:endParaRPr lang="en-US" altLang="zh-CN" dirty="0" smtClean="0"/>
+          </a:p>
+          <a:p>
+            <a:r>
+              <a:rPr lang="zh-CN" altLang="en-US" dirty="0" smtClean="0"/>
+              <a:t>如果满足要求就执行第四步，如果不满足就执行第二步或者第一步，继续训练</a:t>
+            </a:r>
+            <a:endParaRPr lang="en-US" altLang="zh-CN" dirty="0" smtClean="0"/>
+          </a:p>
+          <a:p>
+            <a:r>
+              <a:rPr lang="zh-CN" altLang="en-US" dirty="0" smtClean="0"/>
+              <a:t>第四步，就是输出并应用最终训练的结果</a:t>
+            </a:r>
+            <a:endParaRPr lang="en-US" altLang="zh-CN" dirty="0" smtClean="0"/>
           </a:p>
         </p:txBody>
       </p:sp>
     </p:spTree>
     <p:extLst>
       <p:ext uri="{BB962C8B-B14F-4D97-AF65-F5344CB8AC3E}">
-        <p14:creationId xmlns:p14="http://schemas.microsoft.com/office/powerpoint/2010/main" val="3408138463"/>
+        <p14:creationId xmlns:p14="http://schemas.microsoft.com/office/powerpoint/2010/main" val="2382926538"/>
       </p:ext>
     </p:extLst>
   </p:cSld>
@@ -2001,14 +2049,101 @@
           <a:bodyPr/>
           <a:lstStyle/>
           <a:p>
-            <a:endParaRPr lang="zh-CN" altLang="en-US"/>
+            <a:r>
+              <a:rPr lang="zh-CN" altLang="en-US" dirty="0" smtClean="0">
+                <a:solidFill>
+                  <a:schemeClr val="bg1"/>
+                </a:solidFill>
+              </a:rPr>
+              <a:t>监督学习指，给定的数据是有标签的，那么最终训练的模型也只能识别对应的标签</a:t>
+            </a:r>
+            <a:endParaRPr lang="en-US" altLang="zh-CN" dirty="0" smtClean="0">
+              <a:solidFill>
+                <a:schemeClr val="bg1"/>
+              </a:solidFill>
+            </a:endParaRPr>
+          </a:p>
+          <a:p>
+            <a:r>
+              <a:rPr lang="zh-CN" altLang="en-US" dirty="0" smtClean="0">
+                <a:solidFill>
+                  <a:schemeClr val="bg1"/>
+                </a:solidFill>
+              </a:rPr>
+              <a:t>例如：我给程序一堆猫的照片和狗的照片，并标注，哪些照片是猫，哪些是狗，然后让程序去学习，最后给我一套判别猫狗的训练结果</a:t>
+            </a:r>
+            <a:endParaRPr lang="en-US" altLang="zh-CN" dirty="0" smtClean="0">
+              <a:solidFill>
+                <a:schemeClr val="bg1"/>
+              </a:solidFill>
+            </a:endParaRPr>
+          </a:p>
+          <a:p>
+            <a:r>
+              <a:rPr lang="zh-CN" altLang="en-US" dirty="0" smtClean="0">
+                <a:solidFill>
+                  <a:schemeClr val="bg1"/>
+                </a:solidFill>
+              </a:rPr>
+              <a:t>那么即使是我给它一张老鼠的照片去作为测试数据，它也会告诉我这是猫或者狗</a:t>
+            </a:r>
+            <a:endParaRPr lang="en-US" altLang="zh-CN" dirty="0" smtClean="0">
+              <a:solidFill>
+                <a:schemeClr val="bg1"/>
+              </a:solidFill>
+            </a:endParaRPr>
+          </a:p>
+          <a:p>
+            <a:r>
+              <a:rPr lang="zh-CN" altLang="en-US" dirty="0" smtClean="0">
+                <a:solidFill>
+                  <a:schemeClr val="bg1"/>
+                </a:solidFill>
+              </a:rPr>
+              <a:t>非监督学习指，给定的数据没有标签，让程序自己去分类，最终的结果就有多个种类的标签</a:t>
+            </a:r>
+            <a:endParaRPr lang="en-US" altLang="zh-CN" dirty="0" smtClean="0">
+              <a:solidFill>
+                <a:schemeClr val="bg1"/>
+              </a:solidFill>
+            </a:endParaRPr>
+          </a:p>
+          <a:p>
+            <a:r>
+              <a:rPr lang="zh-CN" altLang="en-US" dirty="0" smtClean="0">
+                <a:solidFill>
+                  <a:schemeClr val="bg1"/>
+                </a:solidFill>
+              </a:rPr>
+              <a:t>半监督学习就是指用少量有标签数据和大量无标签数据作为测试数据</a:t>
+            </a:r>
+            <a:endParaRPr lang="en-US" altLang="zh-CN" dirty="0" smtClean="0">
+              <a:solidFill>
+                <a:schemeClr val="bg1"/>
+              </a:solidFill>
+            </a:endParaRPr>
+          </a:p>
+          <a:p>
+            <a:r>
+              <a:rPr lang="zh-CN" altLang="en-US" dirty="0" smtClean="0">
+                <a:solidFill>
+                  <a:schemeClr val="bg1"/>
+                </a:solidFill>
+              </a:rPr>
+              <a:t>最终的结果可能会扩展我们现有的标签</a:t>
+            </a:r>
+            <a:endParaRPr lang="zh-CN" altLang="en-US" dirty="0">
+              <a:solidFill>
+                <a:schemeClr val="bg1"/>
+              </a:solidFill>
+            </a:endParaRPr>
           </a:p>
         </p:txBody>
       </p:sp>
     </p:spTree>
     <p:extLst>
       <p:ext uri="{BB962C8B-B14F-4D97-AF65-F5344CB8AC3E}">
-        <p14:creationId xmlns:p14="http://schemas.microsoft.com/office/powerpoint/2010/main" val="2354609464"/>
+        <p14:creationId xmlns:p14="http://schemas.microsoft.com/office/powerpoint/2010/main" val="810957626"/>
       </p:ext>
     </p:extLst>
   </p:cSld>
@@ -2169,6 +2304,740 @@
           <a:bodyPr/>
           <a:lstStyle/>
           <a:p>
+            <a:pPr marL="0" marR="0" indent="0" algn="l" defTabSz="171450" rtl="0" eaLnBrk="0" fontAlgn="base" latinLnBrk="0" hangingPunct="0">
+              <a:lnSpc>
+                <a:spcPct val="118000"/>
+              </a:lnSpc>
+              <a:spcBef>
+                <a:spcPct val="30000"/>
+              </a:spcBef>
+              <a:spcAft>
+                <a:spcPct val="0"/>
+              </a:spcAft>
+              <a:buClrTx/>
+              <a:buSzTx/>
+              <a:buFontTx/>
+              <a:buNone/>
+              <a:tabLst/>
+              <a:defRPr/>
+            </a:pPr>
+            <a:r>
+              <a:rPr lang="zh-CN" altLang="en-US" dirty="0" smtClean="0">
+                <a:solidFill>
+                  <a:schemeClr val="bg1"/>
+                </a:solidFill>
+              </a:rPr>
+              <a:t>强化学习是在无标签数据的基础上，设置回报函数，来引导机器训练结果</a:t>
+            </a:r>
+            <a:endParaRPr lang="en-US" altLang="zh-CN" dirty="0" smtClean="0">
+              <a:solidFill>
+                <a:schemeClr val="bg1"/>
+              </a:solidFill>
+            </a:endParaRPr>
+          </a:p>
+          <a:p>
+            <a:pPr marL="0" marR="0" indent="0" algn="l" defTabSz="171450" rtl="0" eaLnBrk="0" fontAlgn="base" latinLnBrk="0" hangingPunct="0">
+              <a:lnSpc>
+                <a:spcPct val="118000"/>
+              </a:lnSpc>
+              <a:spcBef>
+                <a:spcPct val="30000"/>
+              </a:spcBef>
+              <a:spcAft>
+                <a:spcPct val="0"/>
+              </a:spcAft>
+              <a:buClrTx/>
+              <a:buSzTx/>
+              <a:buFontTx/>
+              <a:buNone/>
+              <a:tabLst/>
+              <a:defRPr/>
+            </a:pPr>
+            <a:r>
+              <a:rPr lang="zh-CN" altLang="en-US" dirty="0" smtClean="0">
+                <a:solidFill>
+                  <a:schemeClr val="bg1"/>
+                </a:solidFill>
+              </a:rPr>
+              <a:t>这个有点难理解，就是说我给机器一张猫的图片，如果它回答说这是一个动物，就给他加一分，如果不是就减一分，</a:t>
+            </a:r>
+            <a:endParaRPr lang="en-US" altLang="zh-CN" dirty="0" smtClean="0">
+              <a:solidFill>
+                <a:schemeClr val="bg1"/>
+              </a:solidFill>
+            </a:endParaRPr>
+          </a:p>
+          <a:p>
+            <a:pPr marL="0" marR="0" indent="0" algn="l" defTabSz="171450" rtl="0" eaLnBrk="0" fontAlgn="base" latinLnBrk="0" hangingPunct="0">
+              <a:lnSpc>
+                <a:spcPct val="118000"/>
+              </a:lnSpc>
+              <a:spcBef>
+                <a:spcPct val="30000"/>
+              </a:spcBef>
+              <a:spcAft>
+                <a:spcPct val="0"/>
+              </a:spcAft>
+              <a:buClrTx/>
+              <a:buSzTx/>
+              <a:buFontTx/>
+              <a:buNone/>
+              <a:tabLst/>
+              <a:defRPr/>
+            </a:pPr>
+            <a:r>
+              <a:rPr lang="zh-CN" altLang="en-US" dirty="0" smtClean="0">
+                <a:solidFill>
+                  <a:schemeClr val="bg1"/>
+                </a:solidFill>
+              </a:rPr>
+              <a:t>进而回答说是猫科动物，再加一分，最后回答 猫，再加一分，最后把这些奖励累积起来得到最优策略</a:t>
+            </a:r>
+            <a:endParaRPr lang="en-US" altLang="zh-CN" dirty="0" smtClean="0">
+              <a:solidFill>
+                <a:schemeClr val="bg1"/>
+              </a:solidFill>
+            </a:endParaRPr>
+          </a:p>
+          <a:p>
+            <a:pPr marL="0" marR="0" indent="0" algn="l" defTabSz="171450" rtl="0" eaLnBrk="0" fontAlgn="base" latinLnBrk="0" hangingPunct="0">
+              <a:lnSpc>
+                <a:spcPct val="118000"/>
+              </a:lnSpc>
+              <a:spcBef>
+                <a:spcPct val="30000"/>
+              </a:spcBef>
+              <a:spcAft>
+                <a:spcPct val="0"/>
+              </a:spcAft>
+              <a:buClrTx/>
+              <a:buSzTx/>
+              <a:buFontTx/>
+              <a:buNone/>
+              <a:tabLst/>
+              <a:defRPr/>
+            </a:pPr>
+            <a:endParaRPr lang="en-US" altLang="zh-CN" dirty="0" smtClean="0">
+              <a:solidFill>
+                <a:schemeClr val="bg1"/>
+              </a:solidFill>
+            </a:endParaRPr>
+          </a:p>
+          <a:p>
+            <a:pPr marL="0" marR="0" indent="0" algn="l" defTabSz="171450" rtl="0" eaLnBrk="0" fontAlgn="base" latinLnBrk="0" hangingPunct="0">
+              <a:lnSpc>
+                <a:spcPct val="118000"/>
+              </a:lnSpc>
+              <a:spcBef>
+                <a:spcPct val="30000"/>
+              </a:spcBef>
+              <a:spcAft>
+                <a:spcPct val="0"/>
+              </a:spcAft>
+              <a:buClrTx/>
+              <a:buSzTx/>
+              <a:buFontTx/>
+              <a:buNone/>
+              <a:tabLst/>
+              <a:defRPr/>
+            </a:pPr>
+            <a:r>
+              <a:rPr lang="zh-CN" altLang="en-US" dirty="0" smtClean="0">
+                <a:solidFill>
+                  <a:schemeClr val="bg1"/>
+                </a:solidFill>
+              </a:rPr>
+              <a:t>模仿学习是通过对模仿者的决策和状态数据进行学习，来得到跟模仿这一致的策略</a:t>
+            </a:r>
+          </a:p>
+          <a:p>
+            <a:pPr marL="0" marR="0" indent="0" algn="l" defTabSz="171450" rtl="0" eaLnBrk="0" fontAlgn="base" latinLnBrk="0" hangingPunct="0">
+              <a:lnSpc>
+                <a:spcPct val="118000"/>
+              </a:lnSpc>
+              <a:spcBef>
+                <a:spcPct val="30000"/>
+              </a:spcBef>
+              <a:spcAft>
+                <a:spcPct val="0"/>
+              </a:spcAft>
+              <a:buClrTx/>
+              <a:buSzTx/>
+              <a:buFontTx/>
+              <a:buNone/>
+              <a:tabLst/>
+              <a:defRPr/>
+            </a:pPr>
+            <a:r>
+              <a:rPr lang="zh-CN" altLang="en-US" dirty="0" smtClean="0">
+                <a:solidFill>
+                  <a:schemeClr val="bg1"/>
+                </a:solidFill>
+              </a:rPr>
+              <a:t>也就是说除了输入测试数据，还要输入模仿者的决策数据，例如，人类在分析一张图片是猫还是狗的时候，可能我们先看</a:t>
+            </a:r>
+            <a:endParaRPr lang="en-US" altLang="zh-CN" dirty="0" smtClean="0">
+              <a:solidFill>
+                <a:schemeClr val="bg1"/>
+              </a:solidFill>
+            </a:endParaRPr>
+          </a:p>
+          <a:p>
+            <a:pPr marL="0" marR="0" indent="0" algn="l" defTabSz="171450" rtl="0" eaLnBrk="0" fontAlgn="base" latinLnBrk="0" hangingPunct="0">
+              <a:lnSpc>
+                <a:spcPct val="118000"/>
+              </a:lnSpc>
+              <a:spcBef>
+                <a:spcPct val="30000"/>
+              </a:spcBef>
+              <a:spcAft>
+                <a:spcPct val="0"/>
+              </a:spcAft>
+              <a:buClrTx/>
+              <a:buSzTx/>
+              <a:buFontTx/>
+              <a:buNone/>
+              <a:tabLst/>
+              <a:defRPr/>
+            </a:pPr>
+            <a:r>
+              <a:rPr lang="zh-CN" altLang="en-US" dirty="0" smtClean="0">
+                <a:solidFill>
+                  <a:schemeClr val="bg1"/>
+                </a:solidFill>
+              </a:rPr>
+              <a:t>耳朵是尖的，还是耷拉着的，然后再看鼻子，再看腿</a:t>
+            </a:r>
+            <a:r>
+              <a:rPr lang="en-US" altLang="zh-CN" dirty="0" smtClean="0">
+                <a:solidFill>
+                  <a:schemeClr val="bg1"/>
+                </a:solidFill>
+              </a:rPr>
+              <a:t>...</a:t>
+            </a:r>
+            <a:r>
+              <a:rPr lang="zh-CN" altLang="en-US" dirty="0" smtClean="0">
+                <a:solidFill>
+                  <a:schemeClr val="bg1"/>
+                </a:solidFill>
+              </a:rPr>
+              <a:t>最后做出分类</a:t>
+            </a:r>
+            <a:endParaRPr lang="en-US" altLang="zh-CN" dirty="0" smtClean="0">
+              <a:solidFill>
+                <a:schemeClr val="bg1"/>
+              </a:solidFill>
+            </a:endParaRPr>
+          </a:p>
+          <a:p>
+            <a:pPr marL="0" marR="0" indent="0" algn="l" defTabSz="171450" rtl="0" eaLnBrk="0" fontAlgn="base" latinLnBrk="0" hangingPunct="0">
+              <a:lnSpc>
+                <a:spcPct val="118000"/>
+              </a:lnSpc>
+              <a:spcBef>
+                <a:spcPct val="30000"/>
+              </a:spcBef>
+              <a:spcAft>
+                <a:spcPct val="0"/>
+              </a:spcAft>
+              <a:buClrTx/>
+              <a:buSzTx/>
+              <a:buFontTx/>
+              <a:buNone/>
+              <a:tabLst/>
+              <a:defRPr/>
+            </a:pPr>
+            <a:endParaRPr lang="en-US" altLang="zh-CN" dirty="0" smtClean="0">
+              <a:solidFill>
+                <a:schemeClr val="bg1"/>
+              </a:solidFill>
+            </a:endParaRPr>
+          </a:p>
+          <a:p>
+            <a:pPr marL="0" marR="0" indent="0" algn="l" defTabSz="171450" rtl="0" eaLnBrk="0" fontAlgn="base" latinLnBrk="0" hangingPunct="0">
+              <a:lnSpc>
+                <a:spcPct val="118000"/>
+              </a:lnSpc>
+              <a:spcBef>
+                <a:spcPct val="30000"/>
+              </a:spcBef>
+              <a:spcAft>
+                <a:spcPct val="0"/>
+              </a:spcAft>
+              <a:buClrTx/>
+              <a:buSzTx/>
+              <a:buFontTx/>
+              <a:buNone/>
+              <a:tabLst/>
+              <a:defRPr/>
+            </a:pPr>
+            <a:r>
+              <a:rPr lang="zh-CN" altLang="en-US" dirty="0" smtClean="0">
+                <a:solidFill>
+                  <a:schemeClr val="bg1"/>
+                </a:solidFill>
+              </a:rPr>
+              <a:t>这里要注意的是，强化学习和模仿学习 与 监督学习，非监督学习，半监督学习之间是不冲突的</a:t>
+            </a:r>
+            <a:endParaRPr lang="en-US" altLang="zh-CN" dirty="0" smtClean="0">
+              <a:solidFill>
+                <a:schemeClr val="bg1"/>
+              </a:solidFill>
+            </a:endParaRPr>
+          </a:p>
+          <a:p>
+            <a:pPr marL="0" marR="0" indent="0" algn="l" defTabSz="171450" rtl="0" eaLnBrk="0" fontAlgn="base" latinLnBrk="0" hangingPunct="0">
+              <a:lnSpc>
+                <a:spcPct val="118000"/>
+              </a:lnSpc>
+              <a:spcBef>
+                <a:spcPct val="30000"/>
+              </a:spcBef>
+              <a:spcAft>
+                <a:spcPct val="0"/>
+              </a:spcAft>
+              <a:buClrTx/>
+              <a:buSzTx/>
+              <a:buFontTx/>
+              <a:buNone/>
+              <a:tabLst/>
+              <a:defRPr/>
+            </a:pPr>
+            <a:r>
+              <a:rPr lang="zh-CN" altLang="en-US" dirty="0" smtClean="0">
+                <a:solidFill>
+                  <a:schemeClr val="bg1"/>
+                </a:solidFill>
+              </a:rPr>
+              <a:t>不过一般说的强化学习都是指监督学习，因为非监督学习，没有标签的数据不容易设置回报函数</a:t>
+            </a:r>
+            <a:endParaRPr lang="en-US" altLang="zh-CN" dirty="0" smtClean="0">
+              <a:solidFill>
+                <a:schemeClr val="bg1"/>
+              </a:solidFill>
+            </a:endParaRPr>
+          </a:p>
+          <a:p>
+            <a:pPr marL="0" marR="0" indent="0" algn="l" defTabSz="171450" rtl="0" eaLnBrk="0" fontAlgn="base" latinLnBrk="0" hangingPunct="0">
+              <a:lnSpc>
+                <a:spcPct val="118000"/>
+              </a:lnSpc>
+              <a:spcBef>
+                <a:spcPct val="30000"/>
+              </a:spcBef>
+              <a:spcAft>
+                <a:spcPct val="0"/>
+              </a:spcAft>
+              <a:buClrTx/>
+              <a:buSzTx/>
+              <a:buFontTx/>
+              <a:buNone/>
+              <a:tabLst/>
+              <a:defRPr/>
+            </a:pPr>
+            <a:endParaRPr lang="en-US" altLang="zh-CN" dirty="0" smtClean="0">
+              <a:solidFill>
+                <a:schemeClr val="bg1"/>
+              </a:solidFill>
+            </a:endParaRPr>
+          </a:p>
+          <a:p>
+            <a:pPr marL="0" marR="0" indent="0" algn="l" defTabSz="171450" rtl="0" eaLnBrk="0" fontAlgn="base" latinLnBrk="0" hangingPunct="0">
+              <a:lnSpc>
+                <a:spcPct val="118000"/>
+              </a:lnSpc>
+              <a:spcBef>
+                <a:spcPct val="30000"/>
+              </a:spcBef>
+              <a:spcAft>
+                <a:spcPct val="0"/>
+              </a:spcAft>
+              <a:buClrTx/>
+              <a:buSzTx/>
+              <a:buFontTx/>
+              <a:buNone/>
+              <a:tabLst/>
+              <a:defRPr/>
+            </a:pPr>
+            <a:r>
+              <a:rPr lang="zh-CN" altLang="en-US" dirty="0" smtClean="0">
+                <a:solidFill>
+                  <a:schemeClr val="bg1"/>
+                </a:solidFill>
+              </a:rPr>
+              <a:t>强化学习会让人工智能更完美，模仿学习会让人工智能更像人</a:t>
+            </a:r>
+            <a:endParaRPr lang="zh-CN" altLang="en-US" dirty="0" smtClean="0"/>
+          </a:p>
+          <a:p>
+            <a:pPr marL="0" marR="0" indent="0" algn="l" defTabSz="171450" rtl="0" eaLnBrk="0" fontAlgn="base" latinLnBrk="0" hangingPunct="0">
+              <a:lnSpc>
+                <a:spcPct val="118000"/>
+              </a:lnSpc>
+              <a:spcBef>
+                <a:spcPct val="30000"/>
+              </a:spcBef>
+              <a:spcAft>
+                <a:spcPct val="0"/>
+              </a:spcAft>
+              <a:buClrTx/>
+              <a:buSzTx/>
+              <a:buFontTx/>
+              <a:buNone/>
+              <a:tabLst/>
+              <a:defRPr/>
+            </a:pPr>
+            <a:r>
+              <a:rPr lang="zh-CN" altLang="en-US" dirty="0" smtClean="0">
+                <a:solidFill>
+                  <a:schemeClr val="bg1"/>
+                </a:solidFill>
+              </a:rPr>
+              <a:t>事实上，模仿学习有很大的局限，是因为模仿者的决策数据很难提供，一些简单的倒很好理解，</a:t>
+            </a:r>
+            <a:endParaRPr lang="en-US" altLang="zh-CN" dirty="0" smtClean="0">
+              <a:solidFill>
+                <a:schemeClr val="bg1"/>
+              </a:solidFill>
+            </a:endParaRPr>
+          </a:p>
+          <a:p>
+            <a:pPr marL="0" marR="0" indent="0" algn="l" defTabSz="171450" rtl="0" eaLnBrk="0" fontAlgn="base" latinLnBrk="0" hangingPunct="0">
+              <a:lnSpc>
+                <a:spcPct val="118000"/>
+              </a:lnSpc>
+              <a:spcBef>
+                <a:spcPct val="30000"/>
+              </a:spcBef>
+              <a:spcAft>
+                <a:spcPct val="0"/>
+              </a:spcAft>
+              <a:buClrTx/>
+              <a:buSzTx/>
+              <a:buFontTx/>
+              <a:buNone/>
+              <a:tabLst/>
+              <a:defRPr/>
+            </a:pPr>
+            <a:r>
+              <a:rPr lang="zh-CN" altLang="en-US" dirty="0" smtClean="0">
+                <a:solidFill>
+                  <a:schemeClr val="bg1"/>
+                </a:solidFill>
+              </a:rPr>
+              <a:t>但是一些复杂的处理，例如电竞比赛，</a:t>
+            </a:r>
+            <a:r>
+              <a:rPr lang="en-US" altLang="zh-CN" dirty="0" smtClean="0">
+                <a:solidFill>
+                  <a:schemeClr val="bg1"/>
+                </a:solidFill>
+              </a:rPr>
+              <a:t>DOTA2</a:t>
+            </a:r>
+            <a:r>
+              <a:rPr lang="zh-CN" altLang="en-US" dirty="0" smtClean="0">
+                <a:solidFill>
+                  <a:schemeClr val="bg1"/>
+                </a:solidFill>
+              </a:rPr>
+              <a:t>的人工智能就输给了职业队</a:t>
+            </a:r>
+            <a:endParaRPr lang="en-US" altLang="zh-CN" dirty="0" smtClean="0">
+              <a:solidFill>
+                <a:schemeClr val="bg1"/>
+              </a:solidFill>
+            </a:endParaRPr>
+          </a:p>
+          <a:p>
+            <a:pPr marL="0" marR="0" indent="0" algn="l" defTabSz="171450" rtl="0" eaLnBrk="0" fontAlgn="base" latinLnBrk="0" hangingPunct="0">
+              <a:lnSpc>
+                <a:spcPct val="118000"/>
+              </a:lnSpc>
+              <a:spcBef>
+                <a:spcPct val="30000"/>
+              </a:spcBef>
+              <a:spcAft>
+                <a:spcPct val="0"/>
+              </a:spcAft>
+              <a:buClrTx/>
+              <a:buSzTx/>
+              <a:buFontTx/>
+              <a:buNone/>
+              <a:tabLst/>
+              <a:defRPr/>
+            </a:pPr>
+            <a:r>
+              <a:rPr lang="en-US" altLang="zh-CN" dirty="0" smtClean="0">
+                <a:solidFill>
+                  <a:schemeClr val="bg1"/>
+                </a:solidFill>
+              </a:rPr>
+              <a:t>AI</a:t>
+            </a:r>
+            <a:r>
+              <a:rPr lang="zh-CN" altLang="en-US" dirty="0" smtClean="0">
+                <a:solidFill>
+                  <a:schemeClr val="bg1"/>
+                </a:solidFill>
+              </a:rPr>
+              <a:t>和</a:t>
+            </a:r>
+            <a:r>
+              <a:rPr lang="en-US" altLang="zh-CN" dirty="0" smtClean="0">
+                <a:solidFill>
+                  <a:schemeClr val="bg1"/>
+                </a:solidFill>
+              </a:rPr>
+              <a:t>AI</a:t>
+            </a:r>
+            <a:r>
+              <a:rPr lang="zh-CN" altLang="en-US" dirty="0" smtClean="0">
+                <a:solidFill>
+                  <a:schemeClr val="bg1"/>
+                </a:solidFill>
+              </a:rPr>
+              <a:t>做对抗训练也是为了提供更多的测试数据</a:t>
+            </a:r>
+            <a:endParaRPr lang="en-US" altLang="zh-CN" dirty="0" smtClean="0">
+              <a:solidFill>
+                <a:schemeClr val="bg1"/>
+              </a:solidFill>
+            </a:endParaRPr>
+          </a:p>
+          <a:p>
+            <a:pPr marL="0" marR="0" indent="0" algn="l" defTabSz="171450" rtl="0" eaLnBrk="0" fontAlgn="base" latinLnBrk="0" hangingPunct="0">
+              <a:lnSpc>
+                <a:spcPct val="118000"/>
+              </a:lnSpc>
+              <a:spcBef>
+                <a:spcPct val="30000"/>
+              </a:spcBef>
+              <a:spcAft>
+                <a:spcPct val="0"/>
+              </a:spcAft>
+              <a:buClrTx/>
+              <a:buSzTx/>
+              <a:buFontTx/>
+              <a:buNone/>
+              <a:tabLst/>
+              <a:defRPr/>
+            </a:pPr>
+            <a:endParaRPr lang="zh-CN" altLang="en-US" dirty="0" smtClean="0">
+              <a:solidFill>
+                <a:schemeClr val="bg1"/>
+              </a:solidFill>
+            </a:endParaRPr>
+          </a:p>
+          <a:p>
+            <a:endParaRPr lang="zh-CN" altLang="en-US" dirty="0"/>
+          </a:p>
+        </p:txBody>
+      </p:sp>
+    </p:spTree>
+    <p:extLst>
+      <p:ext uri="{BB962C8B-B14F-4D97-AF65-F5344CB8AC3E}">
+        <p14:creationId xmlns:p14="http://schemas.microsoft.com/office/powerpoint/2010/main" val="1713183276"/>
+      </p:ext>
+    </p:extLst>
+  </p:cSld>
+  <p:clrMapOvr>
+    <a:masterClrMapping/>
+  </p:clrMapOvr>
+</p:notes>
+</file>
+
+<file path=ppt/notesSlides/notesSlide21.xml><?xml version="1.0" encoding="utf-8"?>
+<p:notes xmlns:a="http://schemas.openxmlformats.org/drawingml/2006/main" xmlns:r="http://schemas.openxmlformats.org/officeDocument/2006/relationships" xmlns:p="http://schemas.openxmlformats.org/presentationml/2006/main">
+  <p:cSld>
+    <p:spTree>
+      <p:nvGrpSpPr>
+        <p:cNvPr id="1" name=""/>
+        <p:cNvGrpSpPr/>
+        <p:nvPr/>
+      </p:nvGrpSpPr>
+      <p:grpSpPr>
+        <a:xfrm>
+          <a:off x="0" y="0"/>
+          <a:ext cx="0" cy="0"/>
+          <a:chOff x="0" y="0"/>
+          <a:chExt cx="0" cy="0"/>
+        </a:xfrm>
+      </p:grpSpPr>
+      <p:sp>
+        <p:nvSpPr>
+          <p:cNvPr id="2" name="幻灯片图像占位符 1"/>
+          <p:cNvSpPr>
+            <a:spLocks noGrp="1" noRot="1" noChangeAspect="1"/>
+          </p:cNvSpPr>
+          <p:nvPr>
+            <p:ph type="sldImg"/>
+          </p:nvPr>
+        </p:nvSpPr>
+        <p:spPr/>
+      </p:sp>
+      <p:sp>
+        <p:nvSpPr>
+          <p:cNvPr id="3" name="备注占位符 2"/>
+          <p:cNvSpPr>
+            <a:spLocks noGrp="1"/>
+          </p:cNvSpPr>
+          <p:nvPr>
+            <p:ph type="body" idx="1"/>
+          </p:nvPr>
+        </p:nvSpPr>
+        <p:spPr/>
+        <p:txBody>
+          <a:bodyPr/>
+          <a:lstStyle/>
+          <a:p>
+            <a:r>
+              <a:rPr lang="zh-CN" altLang="en-US" dirty="0"/>
+              <a:t>简单总结一下，早先人工智能在游戏中广泛应用的是有限状态机和行为树</a:t>
+            </a:r>
+            <a:endParaRPr lang="en-US" altLang="zh-CN" dirty="0"/>
+          </a:p>
+          <a:p>
+            <a:r>
+              <a:rPr lang="zh-CN" altLang="en-US" dirty="0"/>
+              <a:t>随着机器学习的火热，在游戏中和游戏开发中的应用已经越来越多了</a:t>
+            </a:r>
+            <a:endParaRPr lang="en-US" altLang="zh-CN" dirty="0"/>
+          </a:p>
+          <a:p>
+            <a:r>
+              <a:rPr lang="zh-CN" altLang="en-US" dirty="0"/>
+              <a:t>关于有限状态机和行为树，网上有很多例子，这里就不做介绍了</a:t>
+            </a:r>
+            <a:endParaRPr lang="en-US" altLang="zh-CN" dirty="0"/>
+          </a:p>
+          <a:p>
+            <a:r>
+              <a:rPr lang="zh-CN" altLang="en-US" dirty="0"/>
+              <a:t>接下来我主要分享几个关于机器学习在游戏中应用的例子</a:t>
+            </a:r>
+          </a:p>
+        </p:txBody>
+      </p:sp>
+    </p:spTree>
+    <p:extLst>
+      <p:ext uri="{BB962C8B-B14F-4D97-AF65-F5344CB8AC3E}">
+        <p14:creationId xmlns:p14="http://schemas.microsoft.com/office/powerpoint/2010/main" val="3408138463"/>
+      </p:ext>
+    </p:extLst>
+  </p:cSld>
+  <p:clrMapOvr>
+    <a:masterClrMapping/>
+  </p:clrMapOvr>
+</p:notes>
+</file>
+
+<file path=ppt/notesSlides/notesSlide22.xml><?xml version="1.0" encoding="utf-8"?>
+<p:notes xmlns:a="http://schemas.openxmlformats.org/drawingml/2006/main" xmlns:r="http://schemas.openxmlformats.org/officeDocument/2006/relationships" xmlns:p="http://schemas.openxmlformats.org/presentationml/2006/main">
+  <p:cSld>
+    <p:spTree>
+      <p:nvGrpSpPr>
+        <p:cNvPr id="1" name=""/>
+        <p:cNvGrpSpPr/>
+        <p:nvPr/>
+      </p:nvGrpSpPr>
+      <p:grpSpPr>
+        <a:xfrm>
+          <a:off x="0" y="0"/>
+          <a:ext cx="0" cy="0"/>
+          <a:chOff x="0" y="0"/>
+          <a:chExt cx="0" cy="0"/>
+        </a:xfrm>
+      </p:grpSpPr>
+      <p:sp>
+        <p:nvSpPr>
+          <p:cNvPr id="2" name="幻灯片图像占位符 1"/>
+          <p:cNvSpPr>
+            <a:spLocks noGrp="1" noRot="1" noChangeAspect="1"/>
+          </p:cNvSpPr>
+          <p:nvPr>
+            <p:ph type="sldImg"/>
+          </p:nvPr>
+        </p:nvSpPr>
+        <p:spPr/>
+      </p:sp>
+      <p:sp>
+        <p:nvSpPr>
+          <p:cNvPr id="3" name="备注占位符 2"/>
+          <p:cNvSpPr>
+            <a:spLocks noGrp="1"/>
+          </p:cNvSpPr>
+          <p:nvPr>
+            <p:ph type="body" idx="1"/>
+          </p:nvPr>
+        </p:nvSpPr>
+        <p:spPr/>
+        <p:txBody>
+          <a:bodyPr/>
+          <a:lstStyle/>
+          <a:p>
+            <a:endParaRPr lang="zh-CN" altLang="en-US"/>
+          </a:p>
+        </p:txBody>
+      </p:sp>
+    </p:spTree>
+    <p:extLst>
+      <p:ext uri="{BB962C8B-B14F-4D97-AF65-F5344CB8AC3E}">
+        <p14:creationId xmlns:p14="http://schemas.microsoft.com/office/powerpoint/2010/main" val="2354609464"/>
+      </p:ext>
+    </p:extLst>
+  </p:cSld>
+  <p:clrMapOvr>
+    <a:masterClrMapping/>
+  </p:clrMapOvr>
+</p:notes>
+</file>
+
+<file path=ppt/notesSlides/notesSlide23.xml><?xml version="1.0" encoding="utf-8"?>
+<p:notes xmlns:a="http://schemas.openxmlformats.org/drawingml/2006/main" xmlns:r="http://schemas.openxmlformats.org/officeDocument/2006/relationships" xmlns:p="http://schemas.openxmlformats.org/presentationml/2006/main">
+  <p:cSld>
+    <p:spTree>
+      <p:nvGrpSpPr>
+        <p:cNvPr id="1" name=""/>
+        <p:cNvGrpSpPr/>
+        <p:nvPr/>
+      </p:nvGrpSpPr>
+      <p:grpSpPr>
+        <a:xfrm>
+          <a:off x="0" y="0"/>
+          <a:ext cx="0" cy="0"/>
+          <a:chOff x="0" y="0"/>
+          <a:chExt cx="0" cy="0"/>
+        </a:xfrm>
+      </p:grpSpPr>
+      <p:sp>
+        <p:nvSpPr>
+          <p:cNvPr id="2" name="幻灯片图像占位符 1"/>
+          <p:cNvSpPr>
+            <a:spLocks noGrp="1" noRot="1" noChangeAspect="1"/>
+          </p:cNvSpPr>
+          <p:nvPr>
+            <p:ph type="sldImg"/>
+          </p:nvPr>
+        </p:nvSpPr>
+        <p:spPr/>
+      </p:sp>
+      <p:sp>
+        <p:nvSpPr>
+          <p:cNvPr id="3" name="备注占位符 2"/>
+          <p:cNvSpPr>
+            <a:spLocks noGrp="1"/>
+          </p:cNvSpPr>
+          <p:nvPr>
+            <p:ph type="body" idx="1"/>
+          </p:nvPr>
+        </p:nvSpPr>
+        <p:spPr/>
+        <p:txBody>
+          <a:bodyPr/>
+          <a:lstStyle/>
+          <a:p>
             <a:endParaRPr lang="zh-CN" altLang="en-US"/>
           </a:p>
         </p:txBody>
@@ -2186,7 +3055,7 @@
 </p:notes>
 </file>
 
-<file path=ppt/notesSlides/notesSlide21.xml><?xml version="1.0" encoding="utf-8"?>
+<file path=ppt/notesSlides/notesSlide24.xml><?xml version="1.0" encoding="utf-8"?>
 <p:notes xmlns:a="http://schemas.openxmlformats.org/drawingml/2006/main" xmlns:r="http://schemas.openxmlformats.org/officeDocument/2006/relationships" xmlns:p="http://schemas.openxmlformats.org/presentationml/2006/main">
   <p:cSld>
     <p:spTree>
@@ -2247,7 +3116,7 @@
 </p:notes>
 </file>
 
-<file path=ppt/notesSlides/notesSlide22.xml><?xml version="1.0" encoding="utf-8"?>
+<file path=ppt/notesSlides/notesSlide25.xml><?xml version="1.0" encoding="utf-8"?>
 <p:notes xmlns:a="http://schemas.openxmlformats.org/drawingml/2006/main" xmlns:r="http://schemas.openxmlformats.org/officeDocument/2006/relationships" xmlns:p="http://schemas.openxmlformats.org/presentationml/2006/main">
   <p:cSld>
     <p:spTree>
@@ -10590,7 +11459,7 @@
           <p:cNvPr id="2" name="矩形 1">
             <a:extLst>
               <a:ext uri="{FF2B5EF4-FFF2-40B4-BE49-F238E27FC236}">
-                <a16:creationId xmlns:a16="http://schemas.microsoft.com/office/drawing/2014/main" id="{2F62B19A-0395-44DB-8314-9CF638AD484C}"/>
+                <a16:creationId xmlns:a16="http://schemas.microsoft.com/office/drawing/2014/main" xmlns="" id="{2F62B19A-0395-44DB-8314-9CF638AD484C}"/>
               </a:ext>
             </a:extLst>
           </p:cNvPr>
@@ -10636,7 +11505,7 @@
           <p:cNvPr id="3" name="矩形 2">
             <a:extLst>
               <a:ext uri="{FF2B5EF4-FFF2-40B4-BE49-F238E27FC236}">
-                <a16:creationId xmlns:a16="http://schemas.microsoft.com/office/drawing/2014/main" id="{18826611-167C-43DE-B7AE-F47D236B5F6F}"/>
+                <a16:creationId xmlns:a16="http://schemas.microsoft.com/office/drawing/2014/main" xmlns="" id="{18826611-167C-43DE-B7AE-F47D236B5F6F}"/>
               </a:ext>
             </a:extLst>
           </p:cNvPr>
@@ -10674,7 +11543,7 @@
           <p:cNvPr id="6" name="矩形 5">
             <a:extLst>
               <a:ext uri="{FF2B5EF4-FFF2-40B4-BE49-F238E27FC236}">
-                <a16:creationId xmlns:a16="http://schemas.microsoft.com/office/drawing/2014/main" id="{A970E7D6-AB30-4DFC-9504-A5D4EBF25A8D}"/>
+                <a16:creationId xmlns:a16="http://schemas.microsoft.com/office/drawing/2014/main" xmlns="" id="{A970E7D6-AB30-4DFC-9504-A5D4EBF25A8D}"/>
               </a:ext>
             </a:extLst>
           </p:cNvPr>
@@ -10720,7 +11589,7 @@
           <p:cNvPr id="10" name="图片 9">
             <a:extLst>
               <a:ext uri="{FF2B5EF4-FFF2-40B4-BE49-F238E27FC236}">
-                <a16:creationId xmlns:a16="http://schemas.microsoft.com/office/drawing/2014/main" id="{DF694E71-3F8C-4586-99E2-2875E4ACBC42}"/>
+                <a16:creationId xmlns:a16="http://schemas.microsoft.com/office/drawing/2014/main" xmlns="" id="{DF694E71-3F8C-4586-99E2-2875E4ACBC42}"/>
               </a:ext>
             </a:extLst>
           </p:cNvPr>
@@ -10756,7 +11625,7 @@
           <p:cNvPr id="1030" name="Picture 6" descr="preview">
             <a:extLst>
               <a:ext uri="{FF2B5EF4-FFF2-40B4-BE49-F238E27FC236}">
-                <a16:creationId xmlns:a16="http://schemas.microsoft.com/office/drawing/2014/main" id="{709D20EC-1849-4D66-A0F8-86C4CBBDC9D2}"/>
+                <a16:creationId xmlns:a16="http://schemas.microsoft.com/office/drawing/2014/main" xmlns="" id="{709D20EC-1849-4D66-A0F8-86C4CBBDC9D2}"/>
               </a:ext>
             </a:extLst>
           </p:cNvPr>
@@ -10803,7 +11672,7 @@
           <p:cNvPr id="11" name="矩形 10">
             <a:extLst>
               <a:ext uri="{FF2B5EF4-FFF2-40B4-BE49-F238E27FC236}">
-                <a16:creationId xmlns:a16="http://schemas.microsoft.com/office/drawing/2014/main" id="{B11D5530-8E5E-42D5-B556-B5EBEB57ED2E}"/>
+                <a16:creationId xmlns:a16="http://schemas.microsoft.com/office/drawing/2014/main" xmlns="" id="{B11D5530-8E5E-42D5-B556-B5EBEB57ED2E}"/>
               </a:ext>
             </a:extLst>
           </p:cNvPr>
@@ -10837,7 +11706,7 @@
           <p:cNvPr id="13" name="矩形 12">
             <a:extLst>
               <a:ext uri="{FF2B5EF4-FFF2-40B4-BE49-F238E27FC236}">
-                <a16:creationId xmlns:a16="http://schemas.microsoft.com/office/drawing/2014/main" id="{CFC54612-EE01-47AE-8432-553D2D42AA98}"/>
+                <a16:creationId xmlns:a16="http://schemas.microsoft.com/office/drawing/2014/main" xmlns="" id="{CFC54612-EE01-47AE-8432-553D2D42AA98}"/>
               </a:ext>
             </a:extLst>
           </p:cNvPr>
@@ -10871,7 +11740,7 @@
           <p:cNvPr id="14" name="矩形 13">
             <a:extLst>
               <a:ext uri="{FF2B5EF4-FFF2-40B4-BE49-F238E27FC236}">
-                <a16:creationId xmlns:a16="http://schemas.microsoft.com/office/drawing/2014/main" id="{C4291F71-6E66-4BC0-BD41-020126556EF4}"/>
+                <a16:creationId xmlns:a16="http://schemas.microsoft.com/office/drawing/2014/main" xmlns="" id="{C4291F71-6E66-4BC0-BD41-020126556EF4}"/>
               </a:ext>
             </a:extLst>
           </p:cNvPr>
@@ -10911,6 +11780,13 @@
     <a:masterClrMapping/>
   </p:clrMapOvr>
   <p:transition spd="med"/>
+  <p:timing>
+    <p:tnLst>
+      <p:par>
+        <p:cTn id="1" dur="indefinite" restart="never" nodeType="tmRoot"/>
+      </p:par>
+    </p:tnLst>
+  </p:timing>
 </p:sld>
 </file>
 
@@ -10936,7 +11812,7 @@
           <p:cNvPr id="2" name="矩形 1">
             <a:extLst>
               <a:ext uri="{FF2B5EF4-FFF2-40B4-BE49-F238E27FC236}">
-                <a16:creationId xmlns:a16="http://schemas.microsoft.com/office/drawing/2014/main" id="{620F39ED-80CE-4B6A-868F-F76697837295}"/>
+                <a16:creationId xmlns:a16="http://schemas.microsoft.com/office/drawing/2014/main" xmlns="" id="{620F39ED-80CE-4B6A-868F-F76697837295}"/>
               </a:ext>
             </a:extLst>
           </p:cNvPr>
@@ -10990,7 +11866,7 @@
           <p:cNvPr id="3" name="矩形 2">
             <a:extLst>
               <a:ext uri="{FF2B5EF4-FFF2-40B4-BE49-F238E27FC236}">
-                <a16:creationId xmlns:a16="http://schemas.microsoft.com/office/drawing/2014/main" id="{71E0BB07-DABC-4E82-848D-1D9092AA7876}"/>
+                <a16:creationId xmlns:a16="http://schemas.microsoft.com/office/drawing/2014/main" xmlns="" id="{71E0BB07-DABC-4E82-848D-1D9092AA7876}"/>
               </a:ext>
             </a:extLst>
           </p:cNvPr>
@@ -11029,7 +11905,7 @@
           <p:cNvPr id="4" name="矩形 3">
             <a:extLst>
               <a:ext uri="{FF2B5EF4-FFF2-40B4-BE49-F238E27FC236}">
-                <a16:creationId xmlns:a16="http://schemas.microsoft.com/office/drawing/2014/main" id="{C8623CFB-CA48-4B0B-BF4A-C6BB8552C691}"/>
+                <a16:creationId xmlns:a16="http://schemas.microsoft.com/office/drawing/2014/main" xmlns="" id="{C8623CFB-CA48-4B0B-BF4A-C6BB8552C691}"/>
               </a:ext>
             </a:extLst>
           </p:cNvPr>
@@ -11072,7 +11948,7 @@
           <p:cNvPr id="5" name="矩形 4">
             <a:extLst>
               <a:ext uri="{FF2B5EF4-FFF2-40B4-BE49-F238E27FC236}">
-                <a16:creationId xmlns:a16="http://schemas.microsoft.com/office/drawing/2014/main" id="{79720D10-0FC1-44F1-9590-B27E08618AA5}"/>
+                <a16:creationId xmlns:a16="http://schemas.microsoft.com/office/drawing/2014/main" xmlns="" id="{79720D10-0FC1-44F1-9590-B27E08618AA5}"/>
               </a:ext>
             </a:extLst>
           </p:cNvPr>
@@ -11110,7 +11986,7 @@
           <p:cNvPr id="6" name="矩形 5">
             <a:extLst>
               <a:ext uri="{FF2B5EF4-FFF2-40B4-BE49-F238E27FC236}">
-                <a16:creationId xmlns:a16="http://schemas.microsoft.com/office/drawing/2014/main" id="{432C8103-D184-4546-A34F-6622986D4FB9}"/>
+                <a16:creationId xmlns:a16="http://schemas.microsoft.com/office/drawing/2014/main" xmlns="" id="{432C8103-D184-4546-A34F-6622986D4FB9}"/>
               </a:ext>
             </a:extLst>
           </p:cNvPr>
@@ -11148,7 +12024,7 @@
           <p:cNvPr id="7" name="矩形 6">
             <a:extLst>
               <a:ext uri="{FF2B5EF4-FFF2-40B4-BE49-F238E27FC236}">
-                <a16:creationId xmlns:a16="http://schemas.microsoft.com/office/drawing/2014/main" id="{11DAC584-34D8-4548-AAA8-F3882FAE41DC}"/>
+                <a16:creationId xmlns:a16="http://schemas.microsoft.com/office/drawing/2014/main" xmlns="" id="{11DAC584-34D8-4548-AAA8-F3882FAE41DC}"/>
               </a:ext>
             </a:extLst>
           </p:cNvPr>
@@ -11192,7 +12068,7 @@
           <p:cNvPr id="8" name="矩形 7">
             <a:extLst>
               <a:ext uri="{FF2B5EF4-FFF2-40B4-BE49-F238E27FC236}">
-                <a16:creationId xmlns:a16="http://schemas.microsoft.com/office/drawing/2014/main" id="{3C5F45D5-094B-4525-8AEC-10380C53303F}"/>
+                <a16:creationId xmlns:a16="http://schemas.microsoft.com/office/drawing/2014/main" xmlns="" id="{3C5F45D5-094B-4525-8AEC-10380C53303F}"/>
               </a:ext>
             </a:extLst>
           </p:cNvPr>
@@ -11230,7 +12106,7 @@
           <p:cNvPr id="9" name="矩形 8">
             <a:extLst>
               <a:ext uri="{FF2B5EF4-FFF2-40B4-BE49-F238E27FC236}">
-                <a16:creationId xmlns:a16="http://schemas.microsoft.com/office/drawing/2014/main" id="{9D95CBE9-7514-42E3-A1CB-2FABA0D895D1}"/>
+                <a16:creationId xmlns:a16="http://schemas.microsoft.com/office/drawing/2014/main" xmlns="" id="{9D95CBE9-7514-42E3-A1CB-2FABA0D895D1}"/>
               </a:ext>
             </a:extLst>
           </p:cNvPr>
@@ -11268,7 +12144,7 @@
           <p:cNvPr id="10" name="矩形 9">
             <a:extLst>
               <a:ext uri="{FF2B5EF4-FFF2-40B4-BE49-F238E27FC236}">
-                <a16:creationId xmlns:a16="http://schemas.microsoft.com/office/drawing/2014/main" id="{828564E8-77F5-4651-8647-6999B92E5628}"/>
+                <a16:creationId xmlns:a16="http://schemas.microsoft.com/office/drawing/2014/main" xmlns="" id="{828564E8-77F5-4651-8647-6999B92E5628}"/>
               </a:ext>
             </a:extLst>
           </p:cNvPr>
@@ -11277,7 +12153,7 @@
         </p:nvSpPr>
         <p:spPr>
           <a:xfrm>
-            <a:off x="5320801" y="2421081"/>
+            <a:off x="5135553" y="2421081"/>
             <a:ext cx="3229667" cy="369332"/>
           </a:xfrm>
           <a:prstGeom prst="rect">
@@ -11330,7 +12206,7 @@
           <p:cNvPr id="11" name="矩形 10">
             <a:extLst>
               <a:ext uri="{FF2B5EF4-FFF2-40B4-BE49-F238E27FC236}">
-                <a16:creationId xmlns:a16="http://schemas.microsoft.com/office/drawing/2014/main" id="{6C1F008D-468D-40EC-8688-B951A219217D}"/>
+                <a16:creationId xmlns:a16="http://schemas.microsoft.com/office/drawing/2014/main" xmlns="" id="{6C1F008D-468D-40EC-8688-B951A219217D}"/>
               </a:ext>
             </a:extLst>
           </p:cNvPr>
@@ -11339,7 +12215,7 @@
         </p:nvSpPr>
         <p:spPr>
           <a:xfrm>
-            <a:off x="5320801" y="2960955"/>
+            <a:off x="5144337" y="2960955"/>
             <a:ext cx="3716980" cy="369332"/>
           </a:xfrm>
           <a:prstGeom prst="rect">
@@ -11408,7 +12284,7 @@
           <p:cNvPr id="12" name="矩形 11">
             <a:extLst>
               <a:ext uri="{FF2B5EF4-FFF2-40B4-BE49-F238E27FC236}">
-                <a16:creationId xmlns:a16="http://schemas.microsoft.com/office/drawing/2014/main" id="{66E2D6C7-EAE6-4272-8F5A-1074F0199149}"/>
+                <a16:creationId xmlns:a16="http://schemas.microsoft.com/office/drawing/2014/main" xmlns="" id="{66E2D6C7-EAE6-4272-8F5A-1074F0199149}"/>
               </a:ext>
             </a:extLst>
           </p:cNvPr>
@@ -11452,10 +12328,4818 @@
     <a:masterClrMapping/>
   </p:clrMapOvr>
   <p:transition spd="med"/>
+  <p:timing>
+    <p:tnLst>
+      <p:par>
+        <p:cTn id="1" dur="indefinite" restart="never" nodeType="tmRoot"/>
+      </p:par>
+    </p:tnLst>
+  </p:timing>
 </p:sld>
 </file>
 
 <file path=ppt/slides/slide18.xml><?xml version="1.0" encoding="utf-8"?>
+<p:sld xmlns:a="http://schemas.openxmlformats.org/drawingml/2006/main" xmlns:r="http://schemas.openxmlformats.org/officeDocument/2006/relationships" xmlns:p="http://schemas.openxmlformats.org/presentationml/2006/main">
+  <p:cSld>
+    <p:spTree>
+      <p:nvGrpSpPr>
+        <p:cNvPr id="1" name=""/>
+        <p:cNvGrpSpPr/>
+        <p:nvPr/>
+      </p:nvGrpSpPr>
+      <p:grpSpPr>
+        <a:xfrm>
+          <a:off x="0" y="0"/>
+          <a:ext cx="0" cy="0"/>
+          <a:chOff x="0" y="0"/>
+          <a:chExt cx="0" cy="0"/>
+        </a:xfrm>
+      </p:grpSpPr>
+      <p:sp>
+        <p:nvSpPr>
+          <p:cNvPr id="2" name="矩形 1"/>
+          <p:cNvSpPr/>
+          <p:nvPr/>
+        </p:nvSpPr>
+        <p:spPr>
+          <a:xfrm>
+            <a:off x="486266" y="365778"/>
+            <a:ext cx="2954655" cy="461665"/>
+          </a:xfrm>
+          <a:prstGeom prst="rect">
+            <a:avLst/>
+          </a:prstGeom>
+        </p:spPr>
+        <p:txBody>
+          <a:bodyPr wrap="none">
+            <a:spAutoFit/>
+          </a:bodyPr>
+          <a:lstStyle/>
+          <a:p>
+            <a:r>
+              <a:rPr lang="zh-CN" altLang="en-US" sz="2400" dirty="0">
+                <a:solidFill>
+                  <a:schemeClr val="bg1"/>
+                </a:solidFill>
+              </a:rPr>
+              <a:t>机器学习的基本步骤</a:t>
+            </a:r>
+          </a:p>
+        </p:txBody>
+      </p:sp>
+      <p:sp>
+        <p:nvSpPr>
+          <p:cNvPr id="3" name="矩形 2"/>
+          <p:cNvSpPr/>
+          <p:nvPr/>
+        </p:nvSpPr>
+        <p:spPr>
+          <a:xfrm>
+            <a:off x="1178763" y="1308250"/>
+            <a:ext cx="2608406" cy="369332"/>
+          </a:xfrm>
+          <a:prstGeom prst="rect">
+            <a:avLst/>
+          </a:prstGeom>
+        </p:spPr>
+        <p:txBody>
+          <a:bodyPr wrap="none">
+            <a:spAutoFit/>
+          </a:bodyPr>
+          <a:lstStyle/>
+          <a:p>
+            <a:r>
+              <a:rPr lang="en-US" altLang="zh-CN" dirty="0" smtClean="0">
+                <a:solidFill>
+                  <a:schemeClr val="bg1"/>
+                </a:solidFill>
+              </a:rPr>
+              <a:t>1</a:t>
+            </a:r>
+            <a:r>
+              <a:rPr lang="zh-CN" altLang="en-US" dirty="0" smtClean="0">
+                <a:solidFill>
+                  <a:schemeClr val="bg1"/>
+                </a:solidFill>
+              </a:rPr>
+              <a:t>、给模型提供训练数据</a:t>
+            </a:r>
+            <a:endParaRPr lang="zh-CN" altLang="en-US" dirty="0">
+              <a:solidFill>
+                <a:schemeClr val="bg1"/>
+              </a:solidFill>
+            </a:endParaRPr>
+          </a:p>
+        </p:txBody>
+      </p:sp>
+      <p:sp>
+        <p:nvSpPr>
+          <p:cNvPr id="4" name="矩形 3"/>
+          <p:cNvSpPr/>
+          <p:nvPr/>
+        </p:nvSpPr>
+        <p:spPr>
+          <a:xfrm>
+            <a:off x="1178761" y="2045001"/>
+            <a:ext cx="4224233" cy="369332"/>
+          </a:xfrm>
+          <a:prstGeom prst="rect">
+            <a:avLst/>
+          </a:prstGeom>
+        </p:spPr>
+        <p:txBody>
+          <a:bodyPr wrap="none">
+            <a:spAutoFit/>
+          </a:bodyPr>
+          <a:lstStyle/>
+          <a:p>
+            <a:r>
+              <a:rPr lang="en-US" altLang="zh-CN" dirty="0">
+                <a:solidFill>
+                  <a:schemeClr val="bg1"/>
+                </a:solidFill>
+              </a:rPr>
+              <a:t>2</a:t>
+            </a:r>
+            <a:r>
+              <a:rPr lang="zh-CN" altLang="en-US" dirty="0" smtClean="0">
+                <a:solidFill>
+                  <a:schemeClr val="bg1"/>
+                </a:solidFill>
+              </a:rPr>
+              <a:t>、使用模型学习训练数据得到训练结果</a:t>
+            </a:r>
+            <a:endParaRPr lang="zh-CN" altLang="en-US" dirty="0">
+              <a:solidFill>
+                <a:schemeClr val="bg1"/>
+              </a:solidFill>
+            </a:endParaRPr>
+          </a:p>
+        </p:txBody>
+      </p:sp>
+      <p:sp>
+        <p:nvSpPr>
+          <p:cNvPr id="5" name="矩形 4"/>
+          <p:cNvSpPr/>
+          <p:nvPr/>
+        </p:nvSpPr>
+        <p:spPr>
+          <a:xfrm>
+            <a:off x="1178761" y="2809734"/>
+            <a:ext cx="2608406" cy="369332"/>
+          </a:xfrm>
+          <a:prstGeom prst="rect">
+            <a:avLst/>
+          </a:prstGeom>
+        </p:spPr>
+        <p:txBody>
+          <a:bodyPr wrap="none">
+            <a:spAutoFit/>
+          </a:bodyPr>
+          <a:lstStyle/>
+          <a:p>
+            <a:r>
+              <a:rPr lang="en-US" altLang="zh-CN" dirty="0" smtClean="0">
+                <a:solidFill>
+                  <a:schemeClr val="bg1"/>
+                </a:solidFill>
+              </a:rPr>
+              <a:t>3</a:t>
+            </a:r>
+            <a:r>
+              <a:rPr lang="zh-CN" altLang="en-US" dirty="0" smtClean="0">
+                <a:solidFill>
+                  <a:schemeClr val="bg1"/>
+                </a:solidFill>
+              </a:rPr>
+              <a:t>、验证模型的训练结果</a:t>
+            </a:r>
+            <a:endParaRPr lang="zh-CN" altLang="en-US" dirty="0">
+              <a:solidFill>
+                <a:schemeClr val="bg1"/>
+              </a:solidFill>
+            </a:endParaRPr>
+          </a:p>
+        </p:txBody>
+      </p:sp>
+      <p:sp>
+        <p:nvSpPr>
+          <p:cNvPr id="6" name="矩形 5"/>
+          <p:cNvSpPr/>
+          <p:nvPr/>
+        </p:nvSpPr>
+        <p:spPr>
+          <a:xfrm>
+            <a:off x="1178763" y="3622962"/>
+            <a:ext cx="2608406" cy="369332"/>
+          </a:xfrm>
+          <a:prstGeom prst="rect">
+            <a:avLst/>
+          </a:prstGeom>
+        </p:spPr>
+        <p:txBody>
+          <a:bodyPr wrap="none">
+            <a:spAutoFit/>
+          </a:bodyPr>
+          <a:lstStyle/>
+          <a:p>
+            <a:r>
+              <a:rPr lang="en-US" altLang="zh-CN" dirty="0">
+                <a:solidFill>
+                  <a:schemeClr val="bg1"/>
+                </a:solidFill>
+              </a:rPr>
+              <a:t>4</a:t>
+            </a:r>
+            <a:r>
+              <a:rPr lang="zh-CN" altLang="en-US" dirty="0" smtClean="0">
+                <a:solidFill>
+                  <a:schemeClr val="bg1"/>
+                </a:solidFill>
+              </a:rPr>
+              <a:t>、输出并使用训练结果</a:t>
+            </a:r>
+            <a:endParaRPr lang="zh-CN" altLang="en-US" dirty="0">
+              <a:solidFill>
+                <a:schemeClr val="bg1"/>
+              </a:solidFill>
+            </a:endParaRPr>
+          </a:p>
+        </p:txBody>
+      </p:sp>
+      <p:sp>
+        <p:nvSpPr>
+          <p:cNvPr id="7" name="矩形 6"/>
+          <p:cNvSpPr/>
+          <p:nvPr/>
+        </p:nvSpPr>
+        <p:spPr>
+          <a:xfrm>
+            <a:off x="6151602" y="938918"/>
+            <a:ext cx="1107996" cy="369332"/>
+          </a:xfrm>
+          <a:prstGeom prst="rect">
+            <a:avLst/>
+          </a:prstGeom>
+        </p:spPr>
+        <p:txBody>
+          <a:bodyPr wrap="none">
+            <a:spAutoFit/>
+          </a:bodyPr>
+          <a:lstStyle/>
+          <a:p>
+            <a:r>
+              <a:rPr lang="zh-CN" altLang="en-US" dirty="0">
+                <a:solidFill>
+                  <a:schemeClr val="bg1"/>
+                </a:solidFill>
+              </a:rPr>
+              <a:t>监督学习</a:t>
+            </a:r>
+          </a:p>
+        </p:txBody>
+      </p:sp>
+      <p:sp>
+        <p:nvSpPr>
+          <p:cNvPr id="8" name="矩形 7"/>
+          <p:cNvSpPr/>
+          <p:nvPr/>
+        </p:nvSpPr>
+        <p:spPr>
+          <a:xfrm>
+            <a:off x="6151602" y="1469489"/>
+            <a:ext cx="1338828" cy="369332"/>
+          </a:xfrm>
+          <a:prstGeom prst="rect">
+            <a:avLst/>
+          </a:prstGeom>
+        </p:spPr>
+        <p:txBody>
+          <a:bodyPr wrap="none">
+            <a:spAutoFit/>
+          </a:bodyPr>
+          <a:lstStyle/>
+          <a:p>
+            <a:r>
+              <a:rPr lang="zh-CN" altLang="en-US" dirty="0" smtClean="0">
+                <a:solidFill>
+                  <a:schemeClr val="bg1"/>
+                </a:solidFill>
+              </a:rPr>
+              <a:t>非监</a:t>
+            </a:r>
+            <a:r>
+              <a:rPr lang="zh-CN" altLang="en-US" dirty="0">
+                <a:solidFill>
+                  <a:schemeClr val="bg1"/>
+                </a:solidFill>
+              </a:rPr>
+              <a:t>督学习</a:t>
+            </a:r>
+          </a:p>
+        </p:txBody>
+      </p:sp>
+      <p:sp>
+        <p:nvSpPr>
+          <p:cNvPr id="9" name="矩形 8"/>
+          <p:cNvSpPr/>
+          <p:nvPr/>
+        </p:nvSpPr>
+        <p:spPr>
+          <a:xfrm>
+            <a:off x="6151602" y="1992857"/>
+            <a:ext cx="1338828" cy="369332"/>
+          </a:xfrm>
+          <a:prstGeom prst="rect">
+            <a:avLst/>
+          </a:prstGeom>
+        </p:spPr>
+        <p:txBody>
+          <a:bodyPr wrap="none">
+            <a:spAutoFit/>
+          </a:bodyPr>
+          <a:lstStyle/>
+          <a:p>
+            <a:r>
+              <a:rPr lang="zh-CN" altLang="en-US" dirty="0">
+                <a:solidFill>
+                  <a:schemeClr val="bg1"/>
+                </a:solidFill>
+              </a:rPr>
+              <a:t>半</a:t>
+            </a:r>
+            <a:r>
+              <a:rPr lang="zh-CN" altLang="en-US" dirty="0" smtClean="0">
+                <a:solidFill>
+                  <a:schemeClr val="bg1"/>
+                </a:solidFill>
+              </a:rPr>
+              <a:t>监</a:t>
+            </a:r>
+            <a:r>
+              <a:rPr lang="zh-CN" altLang="en-US" dirty="0">
+                <a:solidFill>
+                  <a:schemeClr val="bg1"/>
+                </a:solidFill>
+              </a:rPr>
+              <a:t>督学习</a:t>
+            </a:r>
+          </a:p>
+        </p:txBody>
+      </p:sp>
+      <p:sp>
+        <p:nvSpPr>
+          <p:cNvPr id="10" name="矩形 9"/>
+          <p:cNvSpPr/>
+          <p:nvPr/>
+        </p:nvSpPr>
+        <p:spPr>
+          <a:xfrm>
+            <a:off x="6151602" y="2504570"/>
+            <a:ext cx="1107996" cy="369332"/>
+          </a:xfrm>
+          <a:prstGeom prst="rect">
+            <a:avLst/>
+          </a:prstGeom>
+        </p:spPr>
+        <p:txBody>
+          <a:bodyPr wrap="none">
+            <a:spAutoFit/>
+          </a:bodyPr>
+          <a:lstStyle/>
+          <a:p>
+            <a:r>
+              <a:rPr lang="zh-CN" altLang="en-US" dirty="0" smtClean="0">
+                <a:solidFill>
+                  <a:schemeClr val="bg1"/>
+                </a:solidFill>
+              </a:rPr>
+              <a:t>强化学习</a:t>
+            </a:r>
+            <a:endParaRPr lang="zh-CN" altLang="en-US" dirty="0">
+              <a:solidFill>
+                <a:schemeClr val="bg1"/>
+              </a:solidFill>
+            </a:endParaRPr>
+          </a:p>
+        </p:txBody>
+      </p:sp>
+      <p:sp>
+        <p:nvSpPr>
+          <p:cNvPr id="11" name="矩形 10"/>
+          <p:cNvSpPr/>
+          <p:nvPr/>
+        </p:nvSpPr>
+        <p:spPr>
+          <a:xfrm>
+            <a:off x="6151602" y="3000587"/>
+            <a:ext cx="1107996" cy="369332"/>
+          </a:xfrm>
+          <a:prstGeom prst="rect">
+            <a:avLst/>
+          </a:prstGeom>
+        </p:spPr>
+        <p:txBody>
+          <a:bodyPr wrap="none">
+            <a:spAutoFit/>
+          </a:bodyPr>
+          <a:lstStyle/>
+          <a:p>
+            <a:r>
+              <a:rPr lang="zh-CN" altLang="en-US" dirty="0">
+                <a:solidFill>
+                  <a:schemeClr val="bg1"/>
+                </a:solidFill>
+              </a:rPr>
+              <a:t>模仿</a:t>
+            </a:r>
+            <a:r>
+              <a:rPr lang="zh-CN" altLang="en-US" dirty="0" smtClean="0">
+                <a:solidFill>
+                  <a:schemeClr val="bg1"/>
+                </a:solidFill>
+              </a:rPr>
+              <a:t>学习</a:t>
+            </a:r>
+            <a:endParaRPr lang="zh-CN" altLang="en-US" dirty="0">
+              <a:solidFill>
+                <a:schemeClr val="bg1"/>
+              </a:solidFill>
+            </a:endParaRPr>
+          </a:p>
+        </p:txBody>
+      </p:sp>
+    </p:spTree>
+    <p:extLst>
+      <p:ext uri="{BB962C8B-B14F-4D97-AF65-F5344CB8AC3E}">
+        <p14:creationId xmlns:p14="http://schemas.microsoft.com/office/powerpoint/2010/main" val="3190646906"/>
+      </p:ext>
+    </p:extLst>
+  </p:cSld>
+  <p:clrMapOvr>
+    <a:masterClrMapping/>
+  </p:clrMapOvr>
+  <p:transition spd="med"/>
+  <p:timing>
+    <p:tnLst>
+      <p:par>
+        <p:cTn id="1" dur="indefinite" restart="never" nodeType="tmRoot"/>
+      </p:par>
+    </p:tnLst>
+  </p:timing>
+</p:sld>
+</file>
+
+<file path=ppt/slides/slide19.xml><?xml version="1.0" encoding="utf-8"?>
+<p:sld xmlns:a="http://schemas.openxmlformats.org/drawingml/2006/main" xmlns:r="http://schemas.openxmlformats.org/officeDocument/2006/relationships" xmlns:p="http://schemas.openxmlformats.org/presentationml/2006/main">
+  <p:cSld>
+    <p:spTree>
+      <p:nvGrpSpPr>
+        <p:cNvPr id="1" name=""/>
+        <p:cNvGrpSpPr/>
+        <p:nvPr/>
+      </p:nvGrpSpPr>
+      <p:grpSpPr>
+        <a:xfrm>
+          <a:off x="0" y="0"/>
+          <a:ext cx="0" cy="0"/>
+          <a:chOff x="0" y="0"/>
+          <a:chExt cx="0" cy="0"/>
+        </a:xfrm>
+      </p:grpSpPr>
+      <p:pic>
+        <p:nvPicPr>
+          <p:cNvPr id="1030" name="Picture 6" descr="https://timgsa.baidu.com/timg?image&amp;quality=80&amp;size=b10000_10000&amp;sec=1535556406&amp;di=31b92a3c11895b50e47b829a316bd4bb&amp;src=http://img.tuku.cn/file_big/201403/4b6c0f431b464422a5b807c666c3c275.jpg"/>
+          <p:cNvPicPr>
+            <a:picLocks noChangeAspect="1" noChangeArrowheads="1"/>
+          </p:cNvPicPr>
+          <p:nvPr/>
+        </p:nvPicPr>
+        <p:blipFill>
+          <a:blip r:embed="rId3" cstate="print">
+            <a:extLst>
+              <a:ext uri="{28A0092B-C50C-407E-A947-70E740481C1C}">
+                <a14:useLocalDpi xmlns:a14="http://schemas.microsoft.com/office/drawing/2010/main" val="0"/>
+              </a:ext>
+            </a:extLst>
+          </a:blip>
+          <a:srcRect/>
+          <a:stretch>
+            <a:fillRect/>
+          </a:stretch>
+        </p:blipFill>
+        <p:spPr bwMode="auto">
+          <a:xfrm flipH="1">
+            <a:off x="6431111" y="2682725"/>
+            <a:ext cx="2712889" cy="1925690"/>
+          </a:xfrm>
+          <a:prstGeom prst="rect">
+            <a:avLst/>
+          </a:prstGeom>
+          <a:noFill/>
+          <a:extLst>
+            <a:ext uri="{909E8E84-426E-40DD-AFC4-6F175D3DCCD1}">
+              <a14:hiddenFill xmlns:a14="http://schemas.microsoft.com/office/drawing/2010/main">
+                <a:solidFill>
+                  <a:srgbClr val="FFFFFF"/>
+                </a:solidFill>
+              </a14:hiddenFill>
+            </a:ext>
+          </a:extLst>
+        </p:spPr>
+      </p:pic>
+      <p:sp>
+        <p:nvSpPr>
+          <p:cNvPr id="2" name="矩形 1"/>
+          <p:cNvSpPr/>
+          <p:nvPr/>
+        </p:nvSpPr>
+        <p:spPr>
+          <a:xfrm>
+            <a:off x="432591" y="569586"/>
+            <a:ext cx="3877985" cy="369332"/>
+          </a:xfrm>
+          <a:prstGeom prst="rect">
+            <a:avLst/>
+          </a:prstGeom>
+        </p:spPr>
+        <p:txBody>
+          <a:bodyPr wrap="none">
+            <a:spAutoFit/>
+          </a:bodyPr>
+          <a:lstStyle/>
+          <a:p>
+            <a:r>
+              <a:rPr lang="zh-CN" altLang="en-US" dirty="0">
+                <a:solidFill>
+                  <a:schemeClr val="bg1"/>
+                </a:solidFill>
+              </a:rPr>
+              <a:t>监督学</a:t>
+            </a:r>
+            <a:r>
+              <a:rPr lang="zh-CN" altLang="en-US" dirty="0" smtClean="0">
+                <a:solidFill>
+                  <a:schemeClr val="bg1"/>
+                </a:solidFill>
+              </a:rPr>
+              <a:t>习：用有标签的数据训练模型</a:t>
+            </a:r>
+            <a:endParaRPr lang="zh-CN" altLang="en-US" dirty="0">
+              <a:solidFill>
+                <a:schemeClr val="bg1"/>
+              </a:solidFill>
+            </a:endParaRPr>
+          </a:p>
+        </p:txBody>
+      </p:sp>
+      <p:sp>
+        <p:nvSpPr>
+          <p:cNvPr id="3" name="矩形 2"/>
+          <p:cNvSpPr/>
+          <p:nvPr/>
+        </p:nvSpPr>
+        <p:spPr>
+          <a:xfrm>
+            <a:off x="432591" y="1091318"/>
+            <a:ext cx="3877985" cy="369332"/>
+          </a:xfrm>
+          <a:prstGeom prst="rect">
+            <a:avLst/>
+          </a:prstGeom>
+        </p:spPr>
+        <p:txBody>
+          <a:bodyPr wrap="none">
+            <a:spAutoFit/>
+          </a:bodyPr>
+          <a:lstStyle/>
+          <a:p>
+            <a:r>
+              <a:rPr lang="zh-CN" altLang="en-US" dirty="0" smtClean="0">
+                <a:solidFill>
+                  <a:schemeClr val="bg1"/>
+                </a:solidFill>
+              </a:rPr>
+              <a:t>无监督学习：用无标签数据训练模型</a:t>
+            </a:r>
+            <a:endParaRPr lang="zh-CN" altLang="en-US" dirty="0">
+              <a:solidFill>
+                <a:schemeClr val="bg1"/>
+              </a:solidFill>
+            </a:endParaRPr>
+          </a:p>
+        </p:txBody>
+      </p:sp>
+      <p:sp>
+        <p:nvSpPr>
+          <p:cNvPr id="4" name="矩形 3"/>
+          <p:cNvSpPr/>
+          <p:nvPr/>
+        </p:nvSpPr>
+        <p:spPr>
+          <a:xfrm>
+            <a:off x="432591" y="1636750"/>
+            <a:ext cx="6417141" cy="369332"/>
+          </a:xfrm>
+          <a:prstGeom prst="rect">
+            <a:avLst/>
+          </a:prstGeom>
+        </p:spPr>
+        <p:txBody>
+          <a:bodyPr wrap="none">
+            <a:spAutoFit/>
+          </a:bodyPr>
+          <a:lstStyle/>
+          <a:p>
+            <a:r>
+              <a:rPr lang="zh-CN" altLang="en-US" dirty="0">
+                <a:solidFill>
+                  <a:schemeClr val="bg1"/>
+                </a:solidFill>
+              </a:rPr>
+              <a:t>半</a:t>
+            </a:r>
+            <a:r>
+              <a:rPr lang="zh-CN" altLang="en-US" dirty="0" smtClean="0">
+                <a:solidFill>
+                  <a:schemeClr val="bg1"/>
+                </a:solidFill>
+              </a:rPr>
+              <a:t>监督学习：用少量有标签数据和大量无标签数据训练模型</a:t>
+            </a:r>
+            <a:endParaRPr lang="zh-CN" altLang="en-US" dirty="0">
+              <a:solidFill>
+                <a:schemeClr val="bg1"/>
+              </a:solidFill>
+            </a:endParaRPr>
+          </a:p>
+        </p:txBody>
+      </p:sp>
+      <p:pic>
+        <p:nvPicPr>
+          <p:cNvPr id="1026" name="Picture 2" descr="https://timgsa.baidu.com/timg?image&amp;quality=80&amp;size=b9999_10000&amp;sec=1535566285248&amp;di=960720cfb2c1c62cf147e753a760fa6d&amp;imgtype=0&amp;src=http%3A%2F%2Fimg1.sc115.com%2Fuploads%2Fsc%2Fjpg%2F144%2F18622.jpg"/>
+          <p:cNvPicPr>
+            <a:picLocks noChangeAspect="1" noChangeArrowheads="1"/>
+          </p:cNvPicPr>
+          <p:nvPr/>
+        </p:nvPicPr>
+        <p:blipFill>
+          <a:blip r:embed="rId4">
+            <a:extLst>
+              <a:ext uri="{28A0092B-C50C-407E-A947-70E740481C1C}">
+                <a14:useLocalDpi xmlns:a14="http://schemas.microsoft.com/office/drawing/2010/main" val="0"/>
+              </a:ext>
+            </a:extLst>
+          </a:blip>
+          <a:srcRect/>
+          <a:stretch>
+            <a:fillRect/>
+          </a:stretch>
+        </p:blipFill>
+        <p:spPr bwMode="auto">
+          <a:xfrm>
+            <a:off x="3485896" y="2276325"/>
+            <a:ext cx="3284634" cy="2332090"/>
+          </a:xfrm>
+          <a:prstGeom prst="rect">
+            <a:avLst/>
+          </a:prstGeom>
+          <a:noFill/>
+          <a:extLst>
+            <a:ext uri="{909E8E84-426E-40DD-AFC4-6F175D3DCCD1}">
+              <a14:hiddenFill xmlns:a14="http://schemas.microsoft.com/office/drawing/2010/main">
+                <a:solidFill>
+                  <a:srgbClr val="FFFFFF"/>
+                </a:solidFill>
+              </a14:hiddenFill>
+            </a:ext>
+          </a:extLst>
+        </p:spPr>
+      </p:pic>
+      <p:pic>
+        <p:nvPicPr>
+          <p:cNvPr id="1028" name="Picture 4" descr="https://timgsa.baidu.com/timg?image&amp;quality=80&amp;size=b9999_10000&amp;sec=1535566318458&amp;di=75158bb53e946dc7c9d240a55d9cd465&amp;imgtype=jpg&amp;src=http%3A%2F%2Fimg4.imgtn.bdimg.com%2Fit%2Fu%3D3170168934%2C889350365%26fm%3D214%26gp%3D0.jpg"/>
+          <p:cNvPicPr>
+            <a:picLocks noChangeAspect="1" noChangeArrowheads="1"/>
+          </p:cNvPicPr>
+          <p:nvPr/>
+        </p:nvPicPr>
+        <p:blipFill>
+          <a:blip r:embed="rId5" cstate="print">
+            <a:extLst>
+              <a:ext uri="{28A0092B-C50C-407E-A947-70E740481C1C}">
+                <a14:useLocalDpi xmlns:a14="http://schemas.microsoft.com/office/drawing/2010/main" val="0"/>
+              </a:ext>
+            </a:extLst>
+          </a:blip>
+          <a:srcRect/>
+          <a:stretch>
+            <a:fillRect/>
+          </a:stretch>
+        </p:blipFill>
+        <p:spPr bwMode="auto">
+          <a:xfrm>
+            <a:off x="376444" y="2276325"/>
+            <a:ext cx="3109452" cy="2332090"/>
+          </a:xfrm>
+          <a:prstGeom prst="rect">
+            <a:avLst/>
+          </a:prstGeom>
+          <a:noFill/>
+          <a:extLst>
+            <a:ext uri="{909E8E84-426E-40DD-AFC4-6F175D3DCCD1}">
+              <a14:hiddenFill xmlns:a14="http://schemas.microsoft.com/office/drawing/2010/main">
+                <a:solidFill>
+                  <a:srgbClr val="FFFFFF"/>
+                </a:solidFill>
+              </a14:hiddenFill>
+            </a:ext>
+          </a:extLst>
+        </p:spPr>
+      </p:pic>
+    </p:spTree>
+    <p:extLst>
+      <p:ext uri="{BB962C8B-B14F-4D97-AF65-F5344CB8AC3E}">
+        <p14:creationId xmlns:p14="http://schemas.microsoft.com/office/powerpoint/2010/main" val="639074270"/>
+      </p:ext>
+    </p:extLst>
+  </p:cSld>
+  <p:clrMapOvr>
+    <a:masterClrMapping/>
+  </p:clrMapOvr>
+  <p:transition spd="med"/>
+  <p:timing>
+    <p:tnLst>
+      <p:par>
+        <p:cTn id="1" dur="indefinite" restart="never" nodeType="tmRoot"/>
+      </p:par>
+    </p:tnLst>
+  </p:timing>
+</p:sld>
+</file>
+
+<file path=ppt/slides/slide2.xml><?xml version="1.0" encoding="utf-8"?>
+<p:sld xmlns:a="http://schemas.openxmlformats.org/drawingml/2006/main" xmlns:r="http://schemas.openxmlformats.org/officeDocument/2006/relationships" xmlns:p="http://schemas.openxmlformats.org/presentationml/2006/main">
+  <p:cSld>
+    <p:spTree>
+      <p:nvGrpSpPr>
+        <p:cNvPr id="1" name=""/>
+        <p:cNvGrpSpPr/>
+        <p:nvPr/>
+      </p:nvGrpSpPr>
+      <p:grpSpPr>
+        <a:xfrm>
+          <a:off x="0" y="0"/>
+          <a:ext cx="0" cy="0"/>
+          <a:chOff x="0" y="0"/>
+          <a:chExt cx="0" cy="0"/>
+        </a:xfrm>
+      </p:grpSpPr>
+      <p:sp>
+        <p:nvSpPr>
+          <p:cNvPr id="13314" name="Shape 99"/>
+          <p:cNvSpPr>
+            <a:spLocks noChangeArrowheads="1"/>
+          </p:cNvSpPr>
+          <p:nvPr/>
+        </p:nvSpPr>
+        <p:spPr bwMode="auto">
+          <a:xfrm>
+            <a:off x="2820988" y="820738"/>
+            <a:ext cx="3502025" cy="3502025"/>
+          </a:xfrm>
+          <a:custGeom>
+            <a:avLst/>
+            <a:gdLst>
+              <a:gd name="T0" fmla="*/ 16796 w 19679"/>
+              <a:gd name="T1" fmla="*/ 2882 h 19679"/>
+              <a:gd name="T2" fmla="*/ 16796 w 19679"/>
+              <a:gd name="T3" fmla="*/ 16796 h 19679"/>
+              <a:gd name="T4" fmla="*/ 2882 w 19679"/>
+              <a:gd name="T5" fmla="*/ 16796 h 19679"/>
+              <a:gd name="T6" fmla="*/ 2882 w 19679"/>
+              <a:gd name="T7" fmla="*/ 2882 h 19679"/>
+              <a:gd name="T8" fmla="*/ 16796 w 19679"/>
+              <a:gd name="T9" fmla="*/ 2882 h 19679"/>
+            </a:gdLst>
+            <a:ahLst/>
+            <a:cxnLst>
+              <a:cxn ang="0">
+                <a:pos x="T0" y="T1"/>
+              </a:cxn>
+              <a:cxn ang="0">
+                <a:pos x="T2" y="T3"/>
+              </a:cxn>
+              <a:cxn ang="0">
+                <a:pos x="T4" y="T5"/>
+              </a:cxn>
+              <a:cxn ang="0">
+                <a:pos x="T6" y="T7"/>
+              </a:cxn>
+              <a:cxn ang="0">
+                <a:pos x="T8" y="T9"/>
+              </a:cxn>
+            </a:cxnLst>
+            <a:rect l="0" t="0" r="r" b="b"/>
+            <a:pathLst>
+              <a:path w="19679" h="19679">
+                <a:moveTo>
+                  <a:pt x="16796" y="2882"/>
+                </a:moveTo>
+                <a:cubicBezTo>
+                  <a:pt x="20639" y="6724"/>
+                  <a:pt x="20639" y="12954"/>
+                  <a:pt x="16796" y="16796"/>
+                </a:cubicBezTo>
+                <a:cubicBezTo>
+                  <a:pt x="12954" y="20639"/>
+                  <a:pt x="6724" y="20639"/>
+                  <a:pt x="2882" y="16796"/>
+                </a:cubicBezTo>
+                <a:cubicBezTo>
+                  <a:pt x="-961" y="12954"/>
+                  <a:pt x="-961" y="6724"/>
+                  <a:pt x="2882" y="2882"/>
+                </a:cubicBezTo>
+                <a:cubicBezTo>
+                  <a:pt x="6724" y="-961"/>
+                  <a:pt x="12954" y="-961"/>
+                  <a:pt x="16796" y="2882"/>
+                </a:cubicBezTo>
+                <a:close/>
+              </a:path>
+            </a:pathLst>
+          </a:custGeom>
+          <a:noFill/>
+          <a:ln w="9525">
+            <a:solidFill>
+              <a:srgbClr val="FFFFFF">
+                <a:alpha val="65097"/>
+              </a:srgbClr>
+            </a:solidFill>
+            <a:miter lim="400000"/>
+            <a:headEnd/>
+            <a:tailEnd/>
+          </a:ln>
+          <a:extLst>
+            <a:ext uri="{909E8E84-426E-40DD-AFC4-6F175D3DCCD1}">
+              <a14:hiddenFill xmlns:a14="http://schemas.microsoft.com/office/drawing/2010/main">
+                <a:solidFill>
+                  <a:srgbClr val="FFFFFF"/>
+                </a:solidFill>
+              </a14:hiddenFill>
+            </a:ext>
+          </a:extLst>
+        </p:spPr>
+        <p:txBody>
+          <a:bodyPr/>
+          <a:lstStyle/>
+          <a:p>
+            <a:pPr eaLnBrk="0" hangingPunct="0"/>
+            <a:endParaRPr lang="zh-CN" altLang="en-US"/>
+          </a:p>
+        </p:txBody>
+      </p:sp>
+      <p:sp>
+        <p:nvSpPr>
+          <p:cNvPr id="13315" name="Shape 100"/>
+          <p:cNvSpPr>
+            <a:spLocks noChangeArrowheads="1"/>
+          </p:cNvSpPr>
+          <p:nvPr/>
+        </p:nvSpPr>
+        <p:spPr bwMode="auto">
+          <a:xfrm>
+            <a:off x="2001838" y="1588"/>
+            <a:ext cx="5140325" cy="5140325"/>
+          </a:xfrm>
+          <a:custGeom>
+            <a:avLst/>
+            <a:gdLst>
+              <a:gd name="T0" fmla="*/ 16796 w 19679"/>
+              <a:gd name="T1" fmla="*/ 2882 h 19679"/>
+              <a:gd name="T2" fmla="*/ 16796 w 19679"/>
+              <a:gd name="T3" fmla="*/ 16796 h 19679"/>
+              <a:gd name="T4" fmla="*/ 2882 w 19679"/>
+              <a:gd name="T5" fmla="*/ 16796 h 19679"/>
+              <a:gd name="T6" fmla="*/ 2882 w 19679"/>
+              <a:gd name="T7" fmla="*/ 2882 h 19679"/>
+              <a:gd name="T8" fmla="*/ 16796 w 19679"/>
+              <a:gd name="T9" fmla="*/ 2882 h 19679"/>
+            </a:gdLst>
+            <a:ahLst/>
+            <a:cxnLst>
+              <a:cxn ang="0">
+                <a:pos x="T0" y="T1"/>
+              </a:cxn>
+              <a:cxn ang="0">
+                <a:pos x="T2" y="T3"/>
+              </a:cxn>
+              <a:cxn ang="0">
+                <a:pos x="T4" y="T5"/>
+              </a:cxn>
+              <a:cxn ang="0">
+                <a:pos x="T6" y="T7"/>
+              </a:cxn>
+              <a:cxn ang="0">
+                <a:pos x="T8" y="T9"/>
+              </a:cxn>
+            </a:cxnLst>
+            <a:rect l="0" t="0" r="r" b="b"/>
+            <a:pathLst>
+              <a:path w="19679" h="19679">
+                <a:moveTo>
+                  <a:pt x="16796" y="2882"/>
+                </a:moveTo>
+                <a:cubicBezTo>
+                  <a:pt x="20639" y="6724"/>
+                  <a:pt x="20639" y="12954"/>
+                  <a:pt x="16796" y="16796"/>
+                </a:cubicBezTo>
+                <a:cubicBezTo>
+                  <a:pt x="12954" y="20639"/>
+                  <a:pt x="6724" y="20639"/>
+                  <a:pt x="2882" y="16796"/>
+                </a:cubicBezTo>
+                <a:cubicBezTo>
+                  <a:pt x="-961" y="12954"/>
+                  <a:pt x="-961" y="6724"/>
+                  <a:pt x="2882" y="2882"/>
+                </a:cubicBezTo>
+                <a:cubicBezTo>
+                  <a:pt x="6724" y="-961"/>
+                  <a:pt x="12954" y="-961"/>
+                  <a:pt x="16796" y="2882"/>
+                </a:cubicBezTo>
+                <a:close/>
+              </a:path>
+            </a:pathLst>
+          </a:custGeom>
+          <a:noFill/>
+          <a:ln w="6350">
+            <a:solidFill>
+              <a:srgbClr val="FFFFFF">
+                <a:alpha val="32156"/>
+              </a:srgbClr>
+            </a:solidFill>
+            <a:miter lim="400000"/>
+            <a:headEnd/>
+            <a:tailEnd/>
+          </a:ln>
+          <a:extLst>
+            <a:ext uri="{909E8E84-426E-40DD-AFC4-6F175D3DCCD1}">
+              <a14:hiddenFill xmlns:a14="http://schemas.microsoft.com/office/drawing/2010/main">
+                <a:solidFill>
+                  <a:srgbClr val="FFFFFF"/>
+                </a:solidFill>
+              </a14:hiddenFill>
+            </a:ext>
+          </a:extLst>
+        </p:spPr>
+        <p:txBody>
+          <a:bodyPr/>
+          <a:lstStyle/>
+          <a:p>
+            <a:pPr eaLnBrk="0" hangingPunct="0"/>
+            <a:endParaRPr lang="zh-CN" altLang="en-US"/>
+          </a:p>
+        </p:txBody>
+      </p:sp>
+      <p:sp>
+        <p:nvSpPr>
+          <p:cNvPr id="13316" name="Shape 101"/>
+          <p:cNvSpPr>
+            <a:spLocks noChangeArrowheads="1"/>
+          </p:cNvSpPr>
+          <p:nvPr/>
+        </p:nvSpPr>
+        <p:spPr bwMode="auto">
+          <a:xfrm rot="18871351" flipH="1">
+            <a:off x="7308850" y="688976"/>
+            <a:ext cx="987425" cy="19050"/>
+          </a:xfrm>
+          <a:prstGeom prst="roundRect">
+            <a:avLst>
+              <a:gd name="adj" fmla="val 16667"/>
+            </a:avLst>
+          </a:prstGeom>
+          <a:solidFill>
+            <a:srgbClr val="FFFFFF">
+              <a:alpha val="0"/>
+            </a:srgbClr>
+          </a:solidFill>
+          <a:ln>
+            <a:noFill/>
+          </a:ln>
+          <a:extLst>
+            <a:ext uri="{91240B29-F687-4F45-9708-019B960494DF}">
+              <a14:hiddenLine xmlns:a14="http://schemas.microsoft.com/office/drawing/2010/main" w="12700">
+                <a:solidFill>
+                  <a:srgbClr val="000000"/>
+                </a:solidFill>
+                <a:round/>
+                <a:headEnd/>
+                <a:tailEnd/>
+              </a14:hiddenLine>
+            </a:ext>
+          </a:extLst>
+        </p:spPr>
+        <p:txBody>
+          <a:bodyPr lIns="17145" rIns="17145" anchor="ctr"/>
+          <a:lstStyle>
+            <a:lvl1pPr defTabSz="342900" eaLnBrk="0" hangingPunct="0">
+              <a:defRPr>
+                <a:solidFill>
+                  <a:schemeClr val="tx1"/>
+                </a:solidFill>
+                <a:latin typeface="Helvetica Light"/>
+                <a:ea typeface="Helvetica Light"/>
+                <a:cs typeface="Helvetica Light"/>
+                <a:sym typeface="Helvetica Light"/>
+              </a:defRPr>
+            </a:lvl1pPr>
+            <a:lvl2pPr defTabSz="342900" eaLnBrk="0" hangingPunct="0">
+              <a:defRPr>
+                <a:solidFill>
+                  <a:schemeClr val="tx1"/>
+                </a:solidFill>
+                <a:latin typeface="Helvetica Light"/>
+                <a:ea typeface="Helvetica Light"/>
+                <a:cs typeface="Helvetica Light"/>
+                <a:sym typeface="Helvetica Light"/>
+              </a:defRPr>
+            </a:lvl2pPr>
+            <a:lvl3pPr defTabSz="342900" eaLnBrk="0" hangingPunct="0">
+              <a:defRPr>
+                <a:solidFill>
+                  <a:schemeClr val="tx1"/>
+                </a:solidFill>
+                <a:latin typeface="Helvetica Light"/>
+                <a:ea typeface="Helvetica Light"/>
+                <a:cs typeface="Helvetica Light"/>
+                <a:sym typeface="Helvetica Light"/>
+              </a:defRPr>
+            </a:lvl3pPr>
+            <a:lvl4pPr defTabSz="342900" eaLnBrk="0" hangingPunct="0">
+              <a:defRPr>
+                <a:solidFill>
+                  <a:schemeClr val="tx1"/>
+                </a:solidFill>
+                <a:latin typeface="Helvetica Light"/>
+                <a:ea typeface="Helvetica Light"/>
+                <a:cs typeface="Helvetica Light"/>
+                <a:sym typeface="Helvetica Light"/>
+              </a:defRPr>
+            </a:lvl4pPr>
+            <a:lvl5pPr defTabSz="342900" eaLnBrk="0" hangingPunct="0">
+              <a:defRPr>
+                <a:solidFill>
+                  <a:schemeClr val="tx1"/>
+                </a:solidFill>
+                <a:latin typeface="Helvetica Light"/>
+                <a:ea typeface="Helvetica Light"/>
+                <a:cs typeface="Helvetica Light"/>
+                <a:sym typeface="Helvetica Light"/>
+              </a:defRPr>
+            </a:lvl5pPr>
+            <a:lvl6pPr indent="-1485900" defTabSz="342900" eaLnBrk="0" fontAlgn="base" hangingPunct="0">
+              <a:spcBef>
+                <a:spcPct val="0"/>
+              </a:spcBef>
+              <a:spcAft>
+                <a:spcPct val="0"/>
+              </a:spcAft>
+              <a:buFont typeface="Arial" pitchFamily="34" charset="0"/>
+              <a:defRPr>
+                <a:solidFill>
+                  <a:schemeClr val="tx1"/>
+                </a:solidFill>
+                <a:latin typeface="Helvetica Light"/>
+                <a:ea typeface="Helvetica Light"/>
+                <a:cs typeface="Helvetica Light"/>
+                <a:sym typeface="Helvetica Light"/>
+              </a:defRPr>
+            </a:lvl6pPr>
+            <a:lvl7pPr indent="-1485900" defTabSz="342900" eaLnBrk="0" fontAlgn="base" hangingPunct="0">
+              <a:spcBef>
+                <a:spcPct val="0"/>
+              </a:spcBef>
+              <a:spcAft>
+                <a:spcPct val="0"/>
+              </a:spcAft>
+              <a:buFont typeface="Arial" pitchFamily="34" charset="0"/>
+              <a:defRPr>
+                <a:solidFill>
+                  <a:schemeClr val="tx1"/>
+                </a:solidFill>
+                <a:latin typeface="Helvetica Light"/>
+                <a:ea typeface="Helvetica Light"/>
+                <a:cs typeface="Helvetica Light"/>
+                <a:sym typeface="Helvetica Light"/>
+              </a:defRPr>
+            </a:lvl7pPr>
+            <a:lvl8pPr indent="-1485900" defTabSz="342900" eaLnBrk="0" fontAlgn="base" hangingPunct="0">
+              <a:spcBef>
+                <a:spcPct val="0"/>
+              </a:spcBef>
+              <a:spcAft>
+                <a:spcPct val="0"/>
+              </a:spcAft>
+              <a:buFont typeface="Arial" pitchFamily="34" charset="0"/>
+              <a:defRPr>
+                <a:solidFill>
+                  <a:schemeClr val="tx1"/>
+                </a:solidFill>
+                <a:latin typeface="Helvetica Light"/>
+                <a:ea typeface="Helvetica Light"/>
+                <a:cs typeface="Helvetica Light"/>
+                <a:sym typeface="Helvetica Light"/>
+              </a:defRPr>
+            </a:lvl8pPr>
+            <a:lvl9pPr indent="-1485900" defTabSz="342900" eaLnBrk="0" fontAlgn="base" hangingPunct="0">
+              <a:spcBef>
+                <a:spcPct val="0"/>
+              </a:spcBef>
+              <a:spcAft>
+                <a:spcPct val="0"/>
+              </a:spcAft>
+              <a:buFont typeface="Arial" pitchFamily="34" charset="0"/>
+              <a:defRPr>
+                <a:solidFill>
+                  <a:schemeClr val="tx1"/>
+                </a:solidFill>
+                <a:latin typeface="Helvetica Light"/>
+                <a:ea typeface="Helvetica Light"/>
+                <a:cs typeface="Helvetica Light"/>
+                <a:sym typeface="Helvetica Light"/>
+              </a:defRPr>
+            </a:lvl9pPr>
+          </a:lstStyle>
+          <a:p>
+            <a:pPr eaLnBrk="1" hangingPunct="1"/>
+            <a:endParaRPr lang="zh-CN" altLang="zh-CN" sz="600">
+              <a:solidFill>
+                <a:srgbClr val="000000"/>
+              </a:solidFill>
+              <a:latin typeface="Arial" pitchFamily="34" charset="0"/>
+              <a:cs typeface="Arial" pitchFamily="34" charset="0"/>
+              <a:sym typeface="Arial" pitchFamily="34" charset="0"/>
+            </a:endParaRPr>
+          </a:p>
+        </p:txBody>
+      </p:sp>
+      <p:sp>
+        <p:nvSpPr>
+          <p:cNvPr id="13317" name="Shape 102"/>
+          <p:cNvSpPr>
+            <a:spLocks noChangeArrowheads="1"/>
+          </p:cNvSpPr>
+          <p:nvPr/>
+        </p:nvSpPr>
+        <p:spPr bwMode="auto">
+          <a:xfrm rot="18871351" flipH="1">
+            <a:off x="7294563" y="1192213"/>
+            <a:ext cx="647700" cy="12700"/>
+          </a:xfrm>
+          <a:prstGeom prst="roundRect">
+            <a:avLst>
+              <a:gd name="adj" fmla="val 16667"/>
+            </a:avLst>
+          </a:prstGeom>
+          <a:solidFill>
+            <a:srgbClr val="FFFFFF">
+              <a:alpha val="0"/>
+            </a:srgbClr>
+          </a:solidFill>
+          <a:ln>
+            <a:noFill/>
+          </a:ln>
+          <a:extLst>
+            <a:ext uri="{91240B29-F687-4F45-9708-019B960494DF}">
+              <a14:hiddenLine xmlns:a14="http://schemas.microsoft.com/office/drawing/2010/main" w="12700">
+                <a:solidFill>
+                  <a:srgbClr val="000000"/>
+                </a:solidFill>
+                <a:round/>
+                <a:headEnd/>
+                <a:tailEnd/>
+              </a14:hiddenLine>
+            </a:ext>
+          </a:extLst>
+        </p:spPr>
+        <p:txBody>
+          <a:bodyPr lIns="17145" rIns="17145" anchor="ctr"/>
+          <a:lstStyle>
+            <a:lvl1pPr defTabSz="342900" eaLnBrk="0" hangingPunct="0">
+              <a:defRPr>
+                <a:solidFill>
+                  <a:schemeClr val="tx1"/>
+                </a:solidFill>
+                <a:latin typeface="Helvetica Light"/>
+                <a:ea typeface="Helvetica Light"/>
+                <a:cs typeface="Helvetica Light"/>
+                <a:sym typeface="Helvetica Light"/>
+              </a:defRPr>
+            </a:lvl1pPr>
+            <a:lvl2pPr defTabSz="342900" eaLnBrk="0" hangingPunct="0">
+              <a:defRPr>
+                <a:solidFill>
+                  <a:schemeClr val="tx1"/>
+                </a:solidFill>
+                <a:latin typeface="Helvetica Light"/>
+                <a:ea typeface="Helvetica Light"/>
+                <a:cs typeface="Helvetica Light"/>
+                <a:sym typeface="Helvetica Light"/>
+              </a:defRPr>
+            </a:lvl2pPr>
+            <a:lvl3pPr defTabSz="342900" eaLnBrk="0" hangingPunct="0">
+              <a:defRPr>
+                <a:solidFill>
+                  <a:schemeClr val="tx1"/>
+                </a:solidFill>
+                <a:latin typeface="Helvetica Light"/>
+                <a:ea typeface="Helvetica Light"/>
+                <a:cs typeface="Helvetica Light"/>
+                <a:sym typeface="Helvetica Light"/>
+              </a:defRPr>
+            </a:lvl3pPr>
+            <a:lvl4pPr defTabSz="342900" eaLnBrk="0" hangingPunct="0">
+              <a:defRPr>
+                <a:solidFill>
+                  <a:schemeClr val="tx1"/>
+                </a:solidFill>
+                <a:latin typeface="Helvetica Light"/>
+                <a:ea typeface="Helvetica Light"/>
+                <a:cs typeface="Helvetica Light"/>
+                <a:sym typeface="Helvetica Light"/>
+              </a:defRPr>
+            </a:lvl4pPr>
+            <a:lvl5pPr defTabSz="342900" eaLnBrk="0" hangingPunct="0">
+              <a:defRPr>
+                <a:solidFill>
+                  <a:schemeClr val="tx1"/>
+                </a:solidFill>
+                <a:latin typeface="Helvetica Light"/>
+                <a:ea typeface="Helvetica Light"/>
+                <a:cs typeface="Helvetica Light"/>
+                <a:sym typeface="Helvetica Light"/>
+              </a:defRPr>
+            </a:lvl5pPr>
+            <a:lvl6pPr indent="-1485900" defTabSz="342900" eaLnBrk="0" fontAlgn="base" hangingPunct="0">
+              <a:spcBef>
+                <a:spcPct val="0"/>
+              </a:spcBef>
+              <a:spcAft>
+                <a:spcPct val="0"/>
+              </a:spcAft>
+              <a:buFont typeface="Arial" pitchFamily="34" charset="0"/>
+              <a:defRPr>
+                <a:solidFill>
+                  <a:schemeClr val="tx1"/>
+                </a:solidFill>
+                <a:latin typeface="Helvetica Light"/>
+                <a:ea typeface="Helvetica Light"/>
+                <a:cs typeface="Helvetica Light"/>
+                <a:sym typeface="Helvetica Light"/>
+              </a:defRPr>
+            </a:lvl6pPr>
+            <a:lvl7pPr indent="-1485900" defTabSz="342900" eaLnBrk="0" fontAlgn="base" hangingPunct="0">
+              <a:spcBef>
+                <a:spcPct val="0"/>
+              </a:spcBef>
+              <a:spcAft>
+                <a:spcPct val="0"/>
+              </a:spcAft>
+              <a:buFont typeface="Arial" pitchFamily="34" charset="0"/>
+              <a:defRPr>
+                <a:solidFill>
+                  <a:schemeClr val="tx1"/>
+                </a:solidFill>
+                <a:latin typeface="Helvetica Light"/>
+                <a:ea typeface="Helvetica Light"/>
+                <a:cs typeface="Helvetica Light"/>
+                <a:sym typeface="Helvetica Light"/>
+              </a:defRPr>
+            </a:lvl7pPr>
+            <a:lvl8pPr indent="-1485900" defTabSz="342900" eaLnBrk="0" fontAlgn="base" hangingPunct="0">
+              <a:spcBef>
+                <a:spcPct val="0"/>
+              </a:spcBef>
+              <a:spcAft>
+                <a:spcPct val="0"/>
+              </a:spcAft>
+              <a:buFont typeface="Arial" pitchFamily="34" charset="0"/>
+              <a:defRPr>
+                <a:solidFill>
+                  <a:schemeClr val="tx1"/>
+                </a:solidFill>
+                <a:latin typeface="Helvetica Light"/>
+                <a:ea typeface="Helvetica Light"/>
+                <a:cs typeface="Helvetica Light"/>
+                <a:sym typeface="Helvetica Light"/>
+              </a:defRPr>
+            </a:lvl8pPr>
+            <a:lvl9pPr indent="-1485900" defTabSz="342900" eaLnBrk="0" fontAlgn="base" hangingPunct="0">
+              <a:spcBef>
+                <a:spcPct val="0"/>
+              </a:spcBef>
+              <a:spcAft>
+                <a:spcPct val="0"/>
+              </a:spcAft>
+              <a:buFont typeface="Arial" pitchFamily="34" charset="0"/>
+              <a:defRPr>
+                <a:solidFill>
+                  <a:schemeClr val="tx1"/>
+                </a:solidFill>
+                <a:latin typeface="Helvetica Light"/>
+                <a:ea typeface="Helvetica Light"/>
+                <a:cs typeface="Helvetica Light"/>
+                <a:sym typeface="Helvetica Light"/>
+              </a:defRPr>
+            </a:lvl9pPr>
+          </a:lstStyle>
+          <a:p>
+            <a:pPr eaLnBrk="1" hangingPunct="1"/>
+            <a:endParaRPr lang="zh-CN" altLang="zh-CN" sz="600">
+              <a:solidFill>
+                <a:srgbClr val="000000"/>
+              </a:solidFill>
+              <a:latin typeface="Arial" pitchFamily="34" charset="0"/>
+              <a:cs typeface="Arial" pitchFamily="34" charset="0"/>
+              <a:sym typeface="Arial" pitchFamily="34" charset="0"/>
+            </a:endParaRPr>
+          </a:p>
+        </p:txBody>
+      </p:sp>
+      <p:sp>
+        <p:nvSpPr>
+          <p:cNvPr id="13318" name="Shape 103"/>
+          <p:cNvSpPr>
+            <a:spLocks noChangeArrowheads="1"/>
+          </p:cNvSpPr>
+          <p:nvPr/>
+        </p:nvSpPr>
+        <p:spPr bwMode="auto">
+          <a:xfrm rot="18871351" flipH="1">
+            <a:off x="5456237" y="892176"/>
+            <a:ext cx="625475" cy="12700"/>
+          </a:xfrm>
+          <a:prstGeom prst="roundRect">
+            <a:avLst>
+              <a:gd name="adj" fmla="val 16667"/>
+            </a:avLst>
+          </a:prstGeom>
+          <a:solidFill>
+            <a:srgbClr val="FFFFFF">
+              <a:alpha val="0"/>
+            </a:srgbClr>
+          </a:solidFill>
+          <a:ln>
+            <a:noFill/>
+          </a:ln>
+          <a:extLst>
+            <a:ext uri="{91240B29-F687-4F45-9708-019B960494DF}">
+              <a14:hiddenLine xmlns:a14="http://schemas.microsoft.com/office/drawing/2010/main" w="12700">
+                <a:solidFill>
+                  <a:srgbClr val="000000"/>
+                </a:solidFill>
+                <a:round/>
+                <a:headEnd/>
+                <a:tailEnd/>
+              </a14:hiddenLine>
+            </a:ext>
+          </a:extLst>
+        </p:spPr>
+        <p:txBody>
+          <a:bodyPr lIns="17145" rIns="17145" anchor="ctr"/>
+          <a:lstStyle>
+            <a:lvl1pPr defTabSz="342900" eaLnBrk="0" hangingPunct="0">
+              <a:defRPr>
+                <a:solidFill>
+                  <a:schemeClr val="tx1"/>
+                </a:solidFill>
+                <a:latin typeface="Helvetica Light"/>
+                <a:ea typeface="Helvetica Light"/>
+                <a:cs typeface="Helvetica Light"/>
+                <a:sym typeface="Helvetica Light"/>
+              </a:defRPr>
+            </a:lvl1pPr>
+            <a:lvl2pPr defTabSz="342900" eaLnBrk="0" hangingPunct="0">
+              <a:defRPr>
+                <a:solidFill>
+                  <a:schemeClr val="tx1"/>
+                </a:solidFill>
+                <a:latin typeface="Helvetica Light"/>
+                <a:ea typeface="Helvetica Light"/>
+                <a:cs typeface="Helvetica Light"/>
+                <a:sym typeface="Helvetica Light"/>
+              </a:defRPr>
+            </a:lvl2pPr>
+            <a:lvl3pPr defTabSz="342900" eaLnBrk="0" hangingPunct="0">
+              <a:defRPr>
+                <a:solidFill>
+                  <a:schemeClr val="tx1"/>
+                </a:solidFill>
+                <a:latin typeface="Helvetica Light"/>
+                <a:ea typeface="Helvetica Light"/>
+                <a:cs typeface="Helvetica Light"/>
+                <a:sym typeface="Helvetica Light"/>
+              </a:defRPr>
+            </a:lvl3pPr>
+            <a:lvl4pPr defTabSz="342900" eaLnBrk="0" hangingPunct="0">
+              <a:defRPr>
+                <a:solidFill>
+                  <a:schemeClr val="tx1"/>
+                </a:solidFill>
+                <a:latin typeface="Helvetica Light"/>
+                <a:ea typeface="Helvetica Light"/>
+                <a:cs typeface="Helvetica Light"/>
+                <a:sym typeface="Helvetica Light"/>
+              </a:defRPr>
+            </a:lvl4pPr>
+            <a:lvl5pPr defTabSz="342900" eaLnBrk="0" hangingPunct="0">
+              <a:defRPr>
+                <a:solidFill>
+                  <a:schemeClr val="tx1"/>
+                </a:solidFill>
+                <a:latin typeface="Helvetica Light"/>
+                <a:ea typeface="Helvetica Light"/>
+                <a:cs typeface="Helvetica Light"/>
+                <a:sym typeface="Helvetica Light"/>
+              </a:defRPr>
+            </a:lvl5pPr>
+            <a:lvl6pPr indent="-1485900" defTabSz="342900" eaLnBrk="0" fontAlgn="base" hangingPunct="0">
+              <a:spcBef>
+                <a:spcPct val="0"/>
+              </a:spcBef>
+              <a:spcAft>
+                <a:spcPct val="0"/>
+              </a:spcAft>
+              <a:buFont typeface="Arial" pitchFamily="34" charset="0"/>
+              <a:defRPr>
+                <a:solidFill>
+                  <a:schemeClr val="tx1"/>
+                </a:solidFill>
+                <a:latin typeface="Helvetica Light"/>
+                <a:ea typeface="Helvetica Light"/>
+                <a:cs typeface="Helvetica Light"/>
+                <a:sym typeface="Helvetica Light"/>
+              </a:defRPr>
+            </a:lvl6pPr>
+            <a:lvl7pPr indent="-1485900" defTabSz="342900" eaLnBrk="0" fontAlgn="base" hangingPunct="0">
+              <a:spcBef>
+                <a:spcPct val="0"/>
+              </a:spcBef>
+              <a:spcAft>
+                <a:spcPct val="0"/>
+              </a:spcAft>
+              <a:buFont typeface="Arial" pitchFamily="34" charset="0"/>
+              <a:defRPr>
+                <a:solidFill>
+                  <a:schemeClr val="tx1"/>
+                </a:solidFill>
+                <a:latin typeface="Helvetica Light"/>
+                <a:ea typeface="Helvetica Light"/>
+                <a:cs typeface="Helvetica Light"/>
+                <a:sym typeface="Helvetica Light"/>
+              </a:defRPr>
+            </a:lvl7pPr>
+            <a:lvl8pPr indent="-1485900" defTabSz="342900" eaLnBrk="0" fontAlgn="base" hangingPunct="0">
+              <a:spcBef>
+                <a:spcPct val="0"/>
+              </a:spcBef>
+              <a:spcAft>
+                <a:spcPct val="0"/>
+              </a:spcAft>
+              <a:buFont typeface="Arial" pitchFamily="34" charset="0"/>
+              <a:defRPr>
+                <a:solidFill>
+                  <a:schemeClr val="tx1"/>
+                </a:solidFill>
+                <a:latin typeface="Helvetica Light"/>
+                <a:ea typeface="Helvetica Light"/>
+                <a:cs typeface="Helvetica Light"/>
+                <a:sym typeface="Helvetica Light"/>
+              </a:defRPr>
+            </a:lvl8pPr>
+            <a:lvl9pPr indent="-1485900" defTabSz="342900" eaLnBrk="0" fontAlgn="base" hangingPunct="0">
+              <a:spcBef>
+                <a:spcPct val="0"/>
+              </a:spcBef>
+              <a:spcAft>
+                <a:spcPct val="0"/>
+              </a:spcAft>
+              <a:buFont typeface="Arial" pitchFamily="34" charset="0"/>
+              <a:defRPr>
+                <a:solidFill>
+                  <a:schemeClr val="tx1"/>
+                </a:solidFill>
+                <a:latin typeface="Helvetica Light"/>
+                <a:ea typeface="Helvetica Light"/>
+                <a:cs typeface="Helvetica Light"/>
+                <a:sym typeface="Helvetica Light"/>
+              </a:defRPr>
+            </a:lvl9pPr>
+          </a:lstStyle>
+          <a:p>
+            <a:pPr eaLnBrk="1" hangingPunct="1"/>
+            <a:endParaRPr lang="zh-CN" altLang="zh-CN" sz="600">
+              <a:solidFill>
+                <a:srgbClr val="000000"/>
+              </a:solidFill>
+              <a:latin typeface="Arial" pitchFamily="34" charset="0"/>
+              <a:cs typeface="Arial" pitchFamily="34" charset="0"/>
+              <a:sym typeface="Arial" pitchFamily="34" charset="0"/>
+            </a:endParaRPr>
+          </a:p>
+        </p:txBody>
+      </p:sp>
+      <p:sp>
+        <p:nvSpPr>
+          <p:cNvPr id="13319" name="Shape 104"/>
+          <p:cNvSpPr>
+            <a:spLocks noChangeArrowheads="1"/>
+          </p:cNvSpPr>
+          <p:nvPr/>
+        </p:nvSpPr>
+        <p:spPr bwMode="auto">
+          <a:xfrm rot="18871351" flipH="1">
+            <a:off x="6677025" y="2354263"/>
+            <a:ext cx="1065213" cy="20637"/>
+          </a:xfrm>
+          <a:prstGeom prst="roundRect">
+            <a:avLst>
+              <a:gd name="adj" fmla="val 16667"/>
+            </a:avLst>
+          </a:prstGeom>
+          <a:solidFill>
+            <a:srgbClr val="FFFFFF">
+              <a:alpha val="0"/>
+            </a:srgbClr>
+          </a:solidFill>
+          <a:ln>
+            <a:noFill/>
+          </a:ln>
+          <a:extLst>
+            <a:ext uri="{91240B29-F687-4F45-9708-019B960494DF}">
+              <a14:hiddenLine xmlns:a14="http://schemas.microsoft.com/office/drawing/2010/main" w="12700">
+                <a:solidFill>
+                  <a:srgbClr val="000000"/>
+                </a:solidFill>
+                <a:round/>
+                <a:headEnd/>
+                <a:tailEnd/>
+              </a14:hiddenLine>
+            </a:ext>
+          </a:extLst>
+        </p:spPr>
+        <p:txBody>
+          <a:bodyPr lIns="17145" rIns="17145" anchor="ctr"/>
+          <a:lstStyle>
+            <a:lvl1pPr defTabSz="342900" eaLnBrk="0" hangingPunct="0">
+              <a:defRPr>
+                <a:solidFill>
+                  <a:schemeClr val="tx1"/>
+                </a:solidFill>
+                <a:latin typeface="Helvetica Light"/>
+                <a:ea typeface="Helvetica Light"/>
+                <a:cs typeface="Helvetica Light"/>
+                <a:sym typeface="Helvetica Light"/>
+              </a:defRPr>
+            </a:lvl1pPr>
+            <a:lvl2pPr defTabSz="342900" eaLnBrk="0" hangingPunct="0">
+              <a:defRPr>
+                <a:solidFill>
+                  <a:schemeClr val="tx1"/>
+                </a:solidFill>
+                <a:latin typeface="Helvetica Light"/>
+                <a:ea typeface="Helvetica Light"/>
+                <a:cs typeface="Helvetica Light"/>
+                <a:sym typeface="Helvetica Light"/>
+              </a:defRPr>
+            </a:lvl2pPr>
+            <a:lvl3pPr defTabSz="342900" eaLnBrk="0" hangingPunct="0">
+              <a:defRPr>
+                <a:solidFill>
+                  <a:schemeClr val="tx1"/>
+                </a:solidFill>
+                <a:latin typeface="Helvetica Light"/>
+                <a:ea typeface="Helvetica Light"/>
+                <a:cs typeface="Helvetica Light"/>
+                <a:sym typeface="Helvetica Light"/>
+              </a:defRPr>
+            </a:lvl3pPr>
+            <a:lvl4pPr defTabSz="342900" eaLnBrk="0" hangingPunct="0">
+              <a:defRPr>
+                <a:solidFill>
+                  <a:schemeClr val="tx1"/>
+                </a:solidFill>
+                <a:latin typeface="Helvetica Light"/>
+                <a:ea typeface="Helvetica Light"/>
+                <a:cs typeface="Helvetica Light"/>
+                <a:sym typeface="Helvetica Light"/>
+              </a:defRPr>
+            </a:lvl4pPr>
+            <a:lvl5pPr defTabSz="342900" eaLnBrk="0" hangingPunct="0">
+              <a:defRPr>
+                <a:solidFill>
+                  <a:schemeClr val="tx1"/>
+                </a:solidFill>
+                <a:latin typeface="Helvetica Light"/>
+                <a:ea typeface="Helvetica Light"/>
+                <a:cs typeface="Helvetica Light"/>
+                <a:sym typeface="Helvetica Light"/>
+              </a:defRPr>
+            </a:lvl5pPr>
+            <a:lvl6pPr indent="-1485900" defTabSz="342900" eaLnBrk="0" fontAlgn="base" hangingPunct="0">
+              <a:spcBef>
+                <a:spcPct val="0"/>
+              </a:spcBef>
+              <a:spcAft>
+                <a:spcPct val="0"/>
+              </a:spcAft>
+              <a:buFont typeface="Arial" pitchFamily="34" charset="0"/>
+              <a:defRPr>
+                <a:solidFill>
+                  <a:schemeClr val="tx1"/>
+                </a:solidFill>
+                <a:latin typeface="Helvetica Light"/>
+                <a:ea typeface="Helvetica Light"/>
+                <a:cs typeface="Helvetica Light"/>
+                <a:sym typeface="Helvetica Light"/>
+              </a:defRPr>
+            </a:lvl6pPr>
+            <a:lvl7pPr indent="-1485900" defTabSz="342900" eaLnBrk="0" fontAlgn="base" hangingPunct="0">
+              <a:spcBef>
+                <a:spcPct val="0"/>
+              </a:spcBef>
+              <a:spcAft>
+                <a:spcPct val="0"/>
+              </a:spcAft>
+              <a:buFont typeface="Arial" pitchFamily="34" charset="0"/>
+              <a:defRPr>
+                <a:solidFill>
+                  <a:schemeClr val="tx1"/>
+                </a:solidFill>
+                <a:latin typeface="Helvetica Light"/>
+                <a:ea typeface="Helvetica Light"/>
+                <a:cs typeface="Helvetica Light"/>
+                <a:sym typeface="Helvetica Light"/>
+              </a:defRPr>
+            </a:lvl7pPr>
+            <a:lvl8pPr indent="-1485900" defTabSz="342900" eaLnBrk="0" fontAlgn="base" hangingPunct="0">
+              <a:spcBef>
+                <a:spcPct val="0"/>
+              </a:spcBef>
+              <a:spcAft>
+                <a:spcPct val="0"/>
+              </a:spcAft>
+              <a:buFont typeface="Arial" pitchFamily="34" charset="0"/>
+              <a:defRPr>
+                <a:solidFill>
+                  <a:schemeClr val="tx1"/>
+                </a:solidFill>
+                <a:latin typeface="Helvetica Light"/>
+                <a:ea typeface="Helvetica Light"/>
+                <a:cs typeface="Helvetica Light"/>
+                <a:sym typeface="Helvetica Light"/>
+              </a:defRPr>
+            </a:lvl8pPr>
+            <a:lvl9pPr indent="-1485900" defTabSz="342900" eaLnBrk="0" fontAlgn="base" hangingPunct="0">
+              <a:spcBef>
+                <a:spcPct val="0"/>
+              </a:spcBef>
+              <a:spcAft>
+                <a:spcPct val="0"/>
+              </a:spcAft>
+              <a:buFont typeface="Arial" pitchFamily="34" charset="0"/>
+              <a:defRPr>
+                <a:solidFill>
+                  <a:schemeClr val="tx1"/>
+                </a:solidFill>
+                <a:latin typeface="Helvetica Light"/>
+                <a:ea typeface="Helvetica Light"/>
+                <a:cs typeface="Helvetica Light"/>
+                <a:sym typeface="Helvetica Light"/>
+              </a:defRPr>
+            </a:lvl9pPr>
+          </a:lstStyle>
+          <a:p>
+            <a:pPr eaLnBrk="1" hangingPunct="1"/>
+            <a:endParaRPr lang="zh-CN" altLang="zh-CN" sz="600">
+              <a:solidFill>
+                <a:srgbClr val="000000"/>
+              </a:solidFill>
+              <a:latin typeface="Arial" pitchFamily="34" charset="0"/>
+              <a:cs typeface="Arial" pitchFamily="34" charset="0"/>
+              <a:sym typeface="Arial" pitchFamily="34" charset="0"/>
+            </a:endParaRPr>
+          </a:p>
+        </p:txBody>
+      </p:sp>
+      <p:sp>
+        <p:nvSpPr>
+          <p:cNvPr id="13326" name="Shape 101"/>
+          <p:cNvSpPr>
+            <a:spLocks noChangeArrowheads="1"/>
+          </p:cNvSpPr>
+          <p:nvPr/>
+        </p:nvSpPr>
+        <p:spPr bwMode="auto">
+          <a:xfrm rot="18871351" flipH="1">
+            <a:off x="2300288" y="3560763"/>
+            <a:ext cx="990600" cy="19050"/>
+          </a:xfrm>
+          <a:prstGeom prst="roundRect">
+            <a:avLst>
+              <a:gd name="adj" fmla="val 16667"/>
+            </a:avLst>
+          </a:prstGeom>
+          <a:solidFill>
+            <a:srgbClr val="FFFFFF">
+              <a:alpha val="0"/>
+            </a:srgbClr>
+          </a:solidFill>
+          <a:ln>
+            <a:noFill/>
+          </a:ln>
+          <a:extLst>
+            <a:ext uri="{91240B29-F687-4F45-9708-019B960494DF}">
+              <a14:hiddenLine xmlns:a14="http://schemas.microsoft.com/office/drawing/2010/main" w="12700">
+                <a:solidFill>
+                  <a:srgbClr val="000000"/>
+                </a:solidFill>
+                <a:round/>
+                <a:headEnd/>
+                <a:tailEnd/>
+              </a14:hiddenLine>
+            </a:ext>
+          </a:extLst>
+        </p:spPr>
+        <p:txBody>
+          <a:bodyPr lIns="17145" rIns="17145" anchor="ctr"/>
+          <a:lstStyle>
+            <a:lvl1pPr defTabSz="342900" eaLnBrk="0" hangingPunct="0">
+              <a:defRPr>
+                <a:solidFill>
+                  <a:schemeClr val="tx1"/>
+                </a:solidFill>
+                <a:latin typeface="Helvetica Light"/>
+                <a:ea typeface="Helvetica Light"/>
+                <a:cs typeface="Helvetica Light"/>
+                <a:sym typeface="Helvetica Light"/>
+              </a:defRPr>
+            </a:lvl1pPr>
+            <a:lvl2pPr defTabSz="342900" eaLnBrk="0" hangingPunct="0">
+              <a:defRPr>
+                <a:solidFill>
+                  <a:schemeClr val="tx1"/>
+                </a:solidFill>
+                <a:latin typeface="Helvetica Light"/>
+                <a:ea typeface="Helvetica Light"/>
+                <a:cs typeface="Helvetica Light"/>
+                <a:sym typeface="Helvetica Light"/>
+              </a:defRPr>
+            </a:lvl2pPr>
+            <a:lvl3pPr defTabSz="342900" eaLnBrk="0" hangingPunct="0">
+              <a:defRPr>
+                <a:solidFill>
+                  <a:schemeClr val="tx1"/>
+                </a:solidFill>
+                <a:latin typeface="Helvetica Light"/>
+                <a:ea typeface="Helvetica Light"/>
+                <a:cs typeface="Helvetica Light"/>
+                <a:sym typeface="Helvetica Light"/>
+              </a:defRPr>
+            </a:lvl3pPr>
+            <a:lvl4pPr defTabSz="342900" eaLnBrk="0" hangingPunct="0">
+              <a:defRPr>
+                <a:solidFill>
+                  <a:schemeClr val="tx1"/>
+                </a:solidFill>
+                <a:latin typeface="Helvetica Light"/>
+                <a:ea typeface="Helvetica Light"/>
+                <a:cs typeface="Helvetica Light"/>
+                <a:sym typeface="Helvetica Light"/>
+              </a:defRPr>
+            </a:lvl4pPr>
+            <a:lvl5pPr defTabSz="342900" eaLnBrk="0" hangingPunct="0">
+              <a:defRPr>
+                <a:solidFill>
+                  <a:schemeClr val="tx1"/>
+                </a:solidFill>
+                <a:latin typeface="Helvetica Light"/>
+                <a:ea typeface="Helvetica Light"/>
+                <a:cs typeface="Helvetica Light"/>
+                <a:sym typeface="Helvetica Light"/>
+              </a:defRPr>
+            </a:lvl5pPr>
+            <a:lvl6pPr indent="-1485900" defTabSz="342900" eaLnBrk="0" fontAlgn="base" hangingPunct="0">
+              <a:spcBef>
+                <a:spcPct val="0"/>
+              </a:spcBef>
+              <a:spcAft>
+                <a:spcPct val="0"/>
+              </a:spcAft>
+              <a:buFont typeface="Arial" pitchFamily="34" charset="0"/>
+              <a:defRPr>
+                <a:solidFill>
+                  <a:schemeClr val="tx1"/>
+                </a:solidFill>
+                <a:latin typeface="Helvetica Light"/>
+                <a:ea typeface="Helvetica Light"/>
+                <a:cs typeface="Helvetica Light"/>
+                <a:sym typeface="Helvetica Light"/>
+              </a:defRPr>
+            </a:lvl6pPr>
+            <a:lvl7pPr indent="-1485900" defTabSz="342900" eaLnBrk="0" fontAlgn="base" hangingPunct="0">
+              <a:spcBef>
+                <a:spcPct val="0"/>
+              </a:spcBef>
+              <a:spcAft>
+                <a:spcPct val="0"/>
+              </a:spcAft>
+              <a:buFont typeface="Arial" pitchFamily="34" charset="0"/>
+              <a:defRPr>
+                <a:solidFill>
+                  <a:schemeClr val="tx1"/>
+                </a:solidFill>
+                <a:latin typeface="Helvetica Light"/>
+                <a:ea typeface="Helvetica Light"/>
+                <a:cs typeface="Helvetica Light"/>
+                <a:sym typeface="Helvetica Light"/>
+              </a:defRPr>
+            </a:lvl7pPr>
+            <a:lvl8pPr indent="-1485900" defTabSz="342900" eaLnBrk="0" fontAlgn="base" hangingPunct="0">
+              <a:spcBef>
+                <a:spcPct val="0"/>
+              </a:spcBef>
+              <a:spcAft>
+                <a:spcPct val="0"/>
+              </a:spcAft>
+              <a:buFont typeface="Arial" pitchFamily="34" charset="0"/>
+              <a:defRPr>
+                <a:solidFill>
+                  <a:schemeClr val="tx1"/>
+                </a:solidFill>
+                <a:latin typeface="Helvetica Light"/>
+                <a:ea typeface="Helvetica Light"/>
+                <a:cs typeface="Helvetica Light"/>
+                <a:sym typeface="Helvetica Light"/>
+              </a:defRPr>
+            </a:lvl8pPr>
+            <a:lvl9pPr indent="-1485900" defTabSz="342900" eaLnBrk="0" fontAlgn="base" hangingPunct="0">
+              <a:spcBef>
+                <a:spcPct val="0"/>
+              </a:spcBef>
+              <a:spcAft>
+                <a:spcPct val="0"/>
+              </a:spcAft>
+              <a:buFont typeface="Arial" pitchFamily="34" charset="0"/>
+              <a:defRPr>
+                <a:solidFill>
+                  <a:schemeClr val="tx1"/>
+                </a:solidFill>
+                <a:latin typeface="Helvetica Light"/>
+                <a:ea typeface="Helvetica Light"/>
+                <a:cs typeface="Helvetica Light"/>
+                <a:sym typeface="Helvetica Light"/>
+              </a:defRPr>
+            </a:lvl9pPr>
+          </a:lstStyle>
+          <a:p>
+            <a:pPr eaLnBrk="1" hangingPunct="1"/>
+            <a:endParaRPr lang="zh-CN" altLang="zh-CN" sz="600">
+              <a:solidFill>
+                <a:srgbClr val="000000"/>
+              </a:solidFill>
+              <a:latin typeface="Arial" pitchFamily="34" charset="0"/>
+              <a:cs typeface="Arial" pitchFamily="34" charset="0"/>
+              <a:sym typeface="Arial" pitchFamily="34" charset="0"/>
+            </a:endParaRPr>
+          </a:p>
+        </p:txBody>
+      </p:sp>
+      <p:sp>
+        <p:nvSpPr>
+          <p:cNvPr id="13327" name="Shape 102"/>
+          <p:cNvSpPr>
+            <a:spLocks noChangeArrowheads="1"/>
+          </p:cNvSpPr>
+          <p:nvPr/>
+        </p:nvSpPr>
+        <p:spPr bwMode="auto">
+          <a:xfrm rot="18871351" flipH="1">
+            <a:off x="2290763" y="4064000"/>
+            <a:ext cx="647700" cy="12700"/>
+          </a:xfrm>
+          <a:prstGeom prst="roundRect">
+            <a:avLst>
+              <a:gd name="adj" fmla="val 16667"/>
+            </a:avLst>
+          </a:prstGeom>
+          <a:solidFill>
+            <a:srgbClr val="FFFFFF">
+              <a:alpha val="0"/>
+            </a:srgbClr>
+          </a:solidFill>
+          <a:ln>
+            <a:noFill/>
+          </a:ln>
+          <a:extLst>
+            <a:ext uri="{91240B29-F687-4F45-9708-019B960494DF}">
+              <a14:hiddenLine xmlns:a14="http://schemas.microsoft.com/office/drawing/2010/main" w="12700">
+                <a:solidFill>
+                  <a:srgbClr val="000000"/>
+                </a:solidFill>
+                <a:round/>
+                <a:headEnd/>
+                <a:tailEnd/>
+              </a14:hiddenLine>
+            </a:ext>
+          </a:extLst>
+        </p:spPr>
+        <p:txBody>
+          <a:bodyPr lIns="17145" rIns="17145" anchor="ctr"/>
+          <a:lstStyle>
+            <a:lvl1pPr defTabSz="342900" eaLnBrk="0" hangingPunct="0">
+              <a:defRPr>
+                <a:solidFill>
+                  <a:schemeClr val="tx1"/>
+                </a:solidFill>
+                <a:latin typeface="Helvetica Light"/>
+                <a:ea typeface="Helvetica Light"/>
+                <a:cs typeface="Helvetica Light"/>
+                <a:sym typeface="Helvetica Light"/>
+              </a:defRPr>
+            </a:lvl1pPr>
+            <a:lvl2pPr defTabSz="342900" eaLnBrk="0" hangingPunct="0">
+              <a:defRPr>
+                <a:solidFill>
+                  <a:schemeClr val="tx1"/>
+                </a:solidFill>
+                <a:latin typeface="Helvetica Light"/>
+                <a:ea typeface="Helvetica Light"/>
+                <a:cs typeface="Helvetica Light"/>
+                <a:sym typeface="Helvetica Light"/>
+              </a:defRPr>
+            </a:lvl2pPr>
+            <a:lvl3pPr defTabSz="342900" eaLnBrk="0" hangingPunct="0">
+              <a:defRPr>
+                <a:solidFill>
+                  <a:schemeClr val="tx1"/>
+                </a:solidFill>
+                <a:latin typeface="Helvetica Light"/>
+                <a:ea typeface="Helvetica Light"/>
+                <a:cs typeface="Helvetica Light"/>
+                <a:sym typeface="Helvetica Light"/>
+              </a:defRPr>
+            </a:lvl3pPr>
+            <a:lvl4pPr defTabSz="342900" eaLnBrk="0" hangingPunct="0">
+              <a:defRPr>
+                <a:solidFill>
+                  <a:schemeClr val="tx1"/>
+                </a:solidFill>
+                <a:latin typeface="Helvetica Light"/>
+                <a:ea typeface="Helvetica Light"/>
+                <a:cs typeface="Helvetica Light"/>
+                <a:sym typeface="Helvetica Light"/>
+              </a:defRPr>
+            </a:lvl4pPr>
+            <a:lvl5pPr defTabSz="342900" eaLnBrk="0" hangingPunct="0">
+              <a:defRPr>
+                <a:solidFill>
+                  <a:schemeClr val="tx1"/>
+                </a:solidFill>
+                <a:latin typeface="Helvetica Light"/>
+                <a:ea typeface="Helvetica Light"/>
+                <a:cs typeface="Helvetica Light"/>
+                <a:sym typeface="Helvetica Light"/>
+              </a:defRPr>
+            </a:lvl5pPr>
+            <a:lvl6pPr indent="-1485900" defTabSz="342900" eaLnBrk="0" fontAlgn="base" hangingPunct="0">
+              <a:spcBef>
+                <a:spcPct val="0"/>
+              </a:spcBef>
+              <a:spcAft>
+                <a:spcPct val="0"/>
+              </a:spcAft>
+              <a:buFont typeface="Arial" pitchFamily="34" charset="0"/>
+              <a:defRPr>
+                <a:solidFill>
+                  <a:schemeClr val="tx1"/>
+                </a:solidFill>
+                <a:latin typeface="Helvetica Light"/>
+                <a:ea typeface="Helvetica Light"/>
+                <a:cs typeface="Helvetica Light"/>
+                <a:sym typeface="Helvetica Light"/>
+              </a:defRPr>
+            </a:lvl6pPr>
+            <a:lvl7pPr indent="-1485900" defTabSz="342900" eaLnBrk="0" fontAlgn="base" hangingPunct="0">
+              <a:spcBef>
+                <a:spcPct val="0"/>
+              </a:spcBef>
+              <a:spcAft>
+                <a:spcPct val="0"/>
+              </a:spcAft>
+              <a:buFont typeface="Arial" pitchFamily="34" charset="0"/>
+              <a:defRPr>
+                <a:solidFill>
+                  <a:schemeClr val="tx1"/>
+                </a:solidFill>
+                <a:latin typeface="Helvetica Light"/>
+                <a:ea typeface="Helvetica Light"/>
+                <a:cs typeface="Helvetica Light"/>
+                <a:sym typeface="Helvetica Light"/>
+              </a:defRPr>
+            </a:lvl7pPr>
+            <a:lvl8pPr indent="-1485900" defTabSz="342900" eaLnBrk="0" fontAlgn="base" hangingPunct="0">
+              <a:spcBef>
+                <a:spcPct val="0"/>
+              </a:spcBef>
+              <a:spcAft>
+                <a:spcPct val="0"/>
+              </a:spcAft>
+              <a:buFont typeface="Arial" pitchFamily="34" charset="0"/>
+              <a:defRPr>
+                <a:solidFill>
+                  <a:schemeClr val="tx1"/>
+                </a:solidFill>
+                <a:latin typeface="Helvetica Light"/>
+                <a:ea typeface="Helvetica Light"/>
+                <a:cs typeface="Helvetica Light"/>
+                <a:sym typeface="Helvetica Light"/>
+              </a:defRPr>
+            </a:lvl8pPr>
+            <a:lvl9pPr indent="-1485900" defTabSz="342900" eaLnBrk="0" fontAlgn="base" hangingPunct="0">
+              <a:spcBef>
+                <a:spcPct val="0"/>
+              </a:spcBef>
+              <a:spcAft>
+                <a:spcPct val="0"/>
+              </a:spcAft>
+              <a:buFont typeface="Arial" pitchFamily="34" charset="0"/>
+              <a:defRPr>
+                <a:solidFill>
+                  <a:schemeClr val="tx1"/>
+                </a:solidFill>
+                <a:latin typeface="Helvetica Light"/>
+                <a:ea typeface="Helvetica Light"/>
+                <a:cs typeface="Helvetica Light"/>
+                <a:sym typeface="Helvetica Light"/>
+              </a:defRPr>
+            </a:lvl9pPr>
+          </a:lstStyle>
+          <a:p>
+            <a:pPr eaLnBrk="1" hangingPunct="1"/>
+            <a:endParaRPr lang="zh-CN" altLang="zh-CN" sz="600">
+              <a:solidFill>
+                <a:srgbClr val="000000"/>
+              </a:solidFill>
+              <a:latin typeface="Arial" pitchFamily="34" charset="0"/>
+              <a:cs typeface="Arial" pitchFamily="34" charset="0"/>
+              <a:sym typeface="Arial" pitchFamily="34" charset="0"/>
+            </a:endParaRPr>
+          </a:p>
+        </p:txBody>
+      </p:sp>
+      <p:sp>
+        <p:nvSpPr>
+          <p:cNvPr id="13328" name="Shape 103"/>
+          <p:cNvSpPr>
+            <a:spLocks noChangeArrowheads="1"/>
+          </p:cNvSpPr>
+          <p:nvPr/>
+        </p:nvSpPr>
+        <p:spPr bwMode="auto">
+          <a:xfrm rot="18871351" flipH="1">
+            <a:off x="452437" y="3763963"/>
+            <a:ext cx="625475" cy="12700"/>
+          </a:xfrm>
+          <a:prstGeom prst="roundRect">
+            <a:avLst>
+              <a:gd name="adj" fmla="val 16667"/>
+            </a:avLst>
+          </a:prstGeom>
+          <a:solidFill>
+            <a:srgbClr val="FFFFFF">
+              <a:alpha val="0"/>
+            </a:srgbClr>
+          </a:solidFill>
+          <a:ln>
+            <a:noFill/>
+          </a:ln>
+          <a:extLst>
+            <a:ext uri="{91240B29-F687-4F45-9708-019B960494DF}">
+              <a14:hiddenLine xmlns:a14="http://schemas.microsoft.com/office/drawing/2010/main" w="12700">
+                <a:solidFill>
+                  <a:srgbClr val="000000"/>
+                </a:solidFill>
+                <a:round/>
+                <a:headEnd/>
+                <a:tailEnd/>
+              </a14:hiddenLine>
+            </a:ext>
+          </a:extLst>
+        </p:spPr>
+        <p:txBody>
+          <a:bodyPr lIns="17145" rIns="17145" anchor="ctr"/>
+          <a:lstStyle>
+            <a:lvl1pPr defTabSz="342900" eaLnBrk="0" hangingPunct="0">
+              <a:defRPr>
+                <a:solidFill>
+                  <a:schemeClr val="tx1"/>
+                </a:solidFill>
+                <a:latin typeface="Helvetica Light"/>
+                <a:ea typeface="Helvetica Light"/>
+                <a:cs typeface="Helvetica Light"/>
+                <a:sym typeface="Helvetica Light"/>
+              </a:defRPr>
+            </a:lvl1pPr>
+            <a:lvl2pPr defTabSz="342900" eaLnBrk="0" hangingPunct="0">
+              <a:defRPr>
+                <a:solidFill>
+                  <a:schemeClr val="tx1"/>
+                </a:solidFill>
+                <a:latin typeface="Helvetica Light"/>
+                <a:ea typeface="Helvetica Light"/>
+                <a:cs typeface="Helvetica Light"/>
+                <a:sym typeface="Helvetica Light"/>
+              </a:defRPr>
+            </a:lvl2pPr>
+            <a:lvl3pPr defTabSz="342900" eaLnBrk="0" hangingPunct="0">
+              <a:defRPr>
+                <a:solidFill>
+                  <a:schemeClr val="tx1"/>
+                </a:solidFill>
+                <a:latin typeface="Helvetica Light"/>
+                <a:ea typeface="Helvetica Light"/>
+                <a:cs typeface="Helvetica Light"/>
+                <a:sym typeface="Helvetica Light"/>
+              </a:defRPr>
+            </a:lvl3pPr>
+            <a:lvl4pPr defTabSz="342900" eaLnBrk="0" hangingPunct="0">
+              <a:defRPr>
+                <a:solidFill>
+                  <a:schemeClr val="tx1"/>
+                </a:solidFill>
+                <a:latin typeface="Helvetica Light"/>
+                <a:ea typeface="Helvetica Light"/>
+                <a:cs typeface="Helvetica Light"/>
+                <a:sym typeface="Helvetica Light"/>
+              </a:defRPr>
+            </a:lvl4pPr>
+            <a:lvl5pPr defTabSz="342900" eaLnBrk="0" hangingPunct="0">
+              <a:defRPr>
+                <a:solidFill>
+                  <a:schemeClr val="tx1"/>
+                </a:solidFill>
+                <a:latin typeface="Helvetica Light"/>
+                <a:ea typeface="Helvetica Light"/>
+                <a:cs typeface="Helvetica Light"/>
+                <a:sym typeface="Helvetica Light"/>
+              </a:defRPr>
+            </a:lvl5pPr>
+            <a:lvl6pPr indent="-1485900" defTabSz="342900" eaLnBrk="0" fontAlgn="base" hangingPunct="0">
+              <a:spcBef>
+                <a:spcPct val="0"/>
+              </a:spcBef>
+              <a:spcAft>
+                <a:spcPct val="0"/>
+              </a:spcAft>
+              <a:buFont typeface="Arial" pitchFamily="34" charset="0"/>
+              <a:defRPr>
+                <a:solidFill>
+                  <a:schemeClr val="tx1"/>
+                </a:solidFill>
+                <a:latin typeface="Helvetica Light"/>
+                <a:ea typeface="Helvetica Light"/>
+                <a:cs typeface="Helvetica Light"/>
+                <a:sym typeface="Helvetica Light"/>
+              </a:defRPr>
+            </a:lvl6pPr>
+            <a:lvl7pPr indent="-1485900" defTabSz="342900" eaLnBrk="0" fontAlgn="base" hangingPunct="0">
+              <a:spcBef>
+                <a:spcPct val="0"/>
+              </a:spcBef>
+              <a:spcAft>
+                <a:spcPct val="0"/>
+              </a:spcAft>
+              <a:buFont typeface="Arial" pitchFamily="34" charset="0"/>
+              <a:defRPr>
+                <a:solidFill>
+                  <a:schemeClr val="tx1"/>
+                </a:solidFill>
+                <a:latin typeface="Helvetica Light"/>
+                <a:ea typeface="Helvetica Light"/>
+                <a:cs typeface="Helvetica Light"/>
+                <a:sym typeface="Helvetica Light"/>
+              </a:defRPr>
+            </a:lvl7pPr>
+            <a:lvl8pPr indent="-1485900" defTabSz="342900" eaLnBrk="0" fontAlgn="base" hangingPunct="0">
+              <a:spcBef>
+                <a:spcPct val="0"/>
+              </a:spcBef>
+              <a:spcAft>
+                <a:spcPct val="0"/>
+              </a:spcAft>
+              <a:buFont typeface="Arial" pitchFamily="34" charset="0"/>
+              <a:defRPr>
+                <a:solidFill>
+                  <a:schemeClr val="tx1"/>
+                </a:solidFill>
+                <a:latin typeface="Helvetica Light"/>
+                <a:ea typeface="Helvetica Light"/>
+                <a:cs typeface="Helvetica Light"/>
+                <a:sym typeface="Helvetica Light"/>
+              </a:defRPr>
+            </a:lvl8pPr>
+            <a:lvl9pPr indent="-1485900" defTabSz="342900" eaLnBrk="0" fontAlgn="base" hangingPunct="0">
+              <a:spcBef>
+                <a:spcPct val="0"/>
+              </a:spcBef>
+              <a:spcAft>
+                <a:spcPct val="0"/>
+              </a:spcAft>
+              <a:buFont typeface="Arial" pitchFamily="34" charset="0"/>
+              <a:defRPr>
+                <a:solidFill>
+                  <a:schemeClr val="tx1"/>
+                </a:solidFill>
+                <a:latin typeface="Helvetica Light"/>
+                <a:ea typeface="Helvetica Light"/>
+                <a:cs typeface="Helvetica Light"/>
+                <a:sym typeface="Helvetica Light"/>
+              </a:defRPr>
+            </a:lvl9pPr>
+          </a:lstStyle>
+          <a:p>
+            <a:pPr eaLnBrk="1" hangingPunct="1"/>
+            <a:endParaRPr lang="zh-CN" altLang="zh-CN" sz="600">
+              <a:solidFill>
+                <a:srgbClr val="000000"/>
+              </a:solidFill>
+              <a:latin typeface="Arial" pitchFamily="34" charset="0"/>
+              <a:cs typeface="Arial" pitchFamily="34" charset="0"/>
+              <a:sym typeface="Arial" pitchFamily="34" charset="0"/>
+            </a:endParaRPr>
+          </a:p>
+        </p:txBody>
+      </p:sp>
+      <p:sp>
+        <p:nvSpPr>
+          <p:cNvPr id="13330" name="Shape 99"/>
+          <p:cNvSpPr>
+            <a:spLocks noChangeArrowheads="1"/>
+          </p:cNvSpPr>
+          <p:nvPr/>
+        </p:nvSpPr>
+        <p:spPr bwMode="auto">
+          <a:xfrm>
+            <a:off x="2822575" y="819150"/>
+            <a:ext cx="3503613" cy="3502025"/>
+          </a:xfrm>
+          <a:custGeom>
+            <a:avLst/>
+            <a:gdLst>
+              <a:gd name="T0" fmla="*/ 16796 w 19679"/>
+              <a:gd name="T1" fmla="*/ 2882 h 19679"/>
+              <a:gd name="T2" fmla="*/ 16796 w 19679"/>
+              <a:gd name="T3" fmla="*/ 16796 h 19679"/>
+              <a:gd name="T4" fmla="*/ 2882 w 19679"/>
+              <a:gd name="T5" fmla="*/ 16796 h 19679"/>
+              <a:gd name="T6" fmla="*/ 2882 w 19679"/>
+              <a:gd name="T7" fmla="*/ 2882 h 19679"/>
+              <a:gd name="T8" fmla="*/ 16796 w 19679"/>
+              <a:gd name="T9" fmla="*/ 2882 h 19679"/>
+            </a:gdLst>
+            <a:ahLst/>
+            <a:cxnLst>
+              <a:cxn ang="0">
+                <a:pos x="T0" y="T1"/>
+              </a:cxn>
+              <a:cxn ang="0">
+                <a:pos x="T2" y="T3"/>
+              </a:cxn>
+              <a:cxn ang="0">
+                <a:pos x="T4" y="T5"/>
+              </a:cxn>
+              <a:cxn ang="0">
+                <a:pos x="T6" y="T7"/>
+              </a:cxn>
+              <a:cxn ang="0">
+                <a:pos x="T8" y="T9"/>
+              </a:cxn>
+            </a:cxnLst>
+            <a:rect l="0" t="0" r="r" b="b"/>
+            <a:pathLst>
+              <a:path w="19679" h="19679">
+                <a:moveTo>
+                  <a:pt x="16796" y="2882"/>
+                </a:moveTo>
+                <a:cubicBezTo>
+                  <a:pt x="20639" y="6724"/>
+                  <a:pt x="20639" y="12954"/>
+                  <a:pt x="16796" y="16796"/>
+                </a:cubicBezTo>
+                <a:cubicBezTo>
+                  <a:pt x="12954" y="20639"/>
+                  <a:pt x="6724" y="20639"/>
+                  <a:pt x="2882" y="16796"/>
+                </a:cubicBezTo>
+                <a:cubicBezTo>
+                  <a:pt x="-961" y="12954"/>
+                  <a:pt x="-961" y="6724"/>
+                  <a:pt x="2882" y="2882"/>
+                </a:cubicBezTo>
+                <a:cubicBezTo>
+                  <a:pt x="6724" y="-961"/>
+                  <a:pt x="12954" y="-961"/>
+                  <a:pt x="16796" y="2882"/>
+                </a:cubicBezTo>
+                <a:close/>
+              </a:path>
+            </a:pathLst>
+          </a:custGeom>
+          <a:noFill/>
+          <a:ln w="9525">
+            <a:solidFill>
+              <a:srgbClr val="FFFFFF">
+                <a:alpha val="65097"/>
+              </a:srgbClr>
+            </a:solidFill>
+            <a:miter lim="400000"/>
+            <a:headEnd/>
+            <a:tailEnd/>
+          </a:ln>
+          <a:extLst>
+            <a:ext uri="{909E8E84-426E-40DD-AFC4-6F175D3DCCD1}">
+              <a14:hiddenFill xmlns:a14="http://schemas.microsoft.com/office/drawing/2010/main">
+                <a:solidFill>
+                  <a:srgbClr val="FFFFFF"/>
+                </a:solidFill>
+              </a14:hiddenFill>
+            </a:ext>
+          </a:extLst>
+        </p:spPr>
+        <p:txBody>
+          <a:bodyPr/>
+          <a:lstStyle/>
+          <a:p>
+            <a:pPr eaLnBrk="0" hangingPunct="0"/>
+            <a:endParaRPr lang="zh-CN" altLang="en-US"/>
+          </a:p>
+        </p:txBody>
+      </p:sp>
+      <p:sp>
+        <p:nvSpPr>
+          <p:cNvPr id="13331" name="Shape 100"/>
+          <p:cNvSpPr>
+            <a:spLocks noChangeArrowheads="1"/>
+          </p:cNvSpPr>
+          <p:nvPr/>
+        </p:nvSpPr>
+        <p:spPr bwMode="auto">
+          <a:xfrm>
+            <a:off x="2003425" y="0"/>
+            <a:ext cx="5141913" cy="5141913"/>
+          </a:xfrm>
+          <a:custGeom>
+            <a:avLst/>
+            <a:gdLst>
+              <a:gd name="T0" fmla="*/ 16796 w 19679"/>
+              <a:gd name="T1" fmla="*/ 2882 h 19679"/>
+              <a:gd name="T2" fmla="*/ 16796 w 19679"/>
+              <a:gd name="T3" fmla="*/ 16796 h 19679"/>
+              <a:gd name="T4" fmla="*/ 2882 w 19679"/>
+              <a:gd name="T5" fmla="*/ 16796 h 19679"/>
+              <a:gd name="T6" fmla="*/ 2882 w 19679"/>
+              <a:gd name="T7" fmla="*/ 2882 h 19679"/>
+              <a:gd name="T8" fmla="*/ 16796 w 19679"/>
+              <a:gd name="T9" fmla="*/ 2882 h 19679"/>
+            </a:gdLst>
+            <a:ahLst/>
+            <a:cxnLst>
+              <a:cxn ang="0">
+                <a:pos x="T0" y="T1"/>
+              </a:cxn>
+              <a:cxn ang="0">
+                <a:pos x="T2" y="T3"/>
+              </a:cxn>
+              <a:cxn ang="0">
+                <a:pos x="T4" y="T5"/>
+              </a:cxn>
+              <a:cxn ang="0">
+                <a:pos x="T6" y="T7"/>
+              </a:cxn>
+              <a:cxn ang="0">
+                <a:pos x="T8" y="T9"/>
+              </a:cxn>
+            </a:cxnLst>
+            <a:rect l="0" t="0" r="r" b="b"/>
+            <a:pathLst>
+              <a:path w="19679" h="19679">
+                <a:moveTo>
+                  <a:pt x="16796" y="2882"/>
+                </a:moveTo>
+                <a:cubicBezTo>
+                  <a:pt x="20639" y="6724"/>
+                  <a:pt x="20639" y="12954"/>
+                  <a:pt x="16796" y="16796"/>
+                </a:cubicBezTo>
+                <a:cubicBezTo>
+                  <a:pt x="12954" y="20639"/>
+                  <a:pt x="6724" y="20639"/>
+                  <a:pt x="2882" y="16796"/>
+                </a:cubicBezTo>
+                <a:cubicBezTo>
+                  <a:pt x="-961" y="12954"/>
+                  <a:pt x="-961" y="6724"/>
+                  <a:pt x="2882" y="2882"/>
+                </a:cubicBezTo>
+                <a:cubicBezTo>
+                  <a:pt x="6724" y="-961"/>
+                  <a:pt x="12954" y="-961"/>
+                  <a:pt x="16796" y="2882"/>
+                </a:cubicBezTo>
+                <a:close/>
+              </a:path>
+            </a:pathLst>
+          </a:custGeom>
+          <a:noFill/>
+          <a:ln w="6350">
+            <a:solidFill>
+              <a:srgbClr val="FFFFFF">
+                <a:alpha val="32156"/>
+              </a:srgbClr>
+            </a:solidFill>
+            <a:miter lim="400000"/>
+            <a:headEnd/>
+            <a:tailEnd/>
+          </a:ln>
+          <a:extLst>
+            <a:ext uri="{909E8E84-426E-40DD-AFC4-6F175D3DCCD1}">
+              <a14:hiddenFill xmlns:a14="http://schemas.microsoft.com/office/drawing/2010/main">
+                <a:solidFill>
+                  <a:srgbClr val="FFFFFF"/>
+                </a:solidFill>
+              </a14:hiddenFill>
+            </a:ext>
+          </a:extLst>
+        </p:spPr>
+        <p:txBody>
+          <a:bodyPr/>
+          <a:lstStyle/>
+          <a:p>
+            <a:pPr eaLnBrk="0" hangingPunct="0"/>
+            <a:endParaRPr lang="zh-CN" altLang="en-US"/>
+          </a:p>
+        </p:txBody>
+      </p:sp>
+      <p:sp>
+        <p:nvSpPr>
+          <p:cNvPr id="21" name="TextBox 42" descr="6A3013BADB884660B194CAD3FEF2932C# #TextBox 42"/>
+          <p:cNvSpPr txBox="1">
+            <a:spLocks noChangeArrowheads="1"/>
+          </p:cNvSpPr>
+          <p:nvPr/>
+        </p:nvSpPr>
+        <p:spPr bwMode="auto">
+          <a:xfrm>
+            <a:off x="541358" y="436861"/>
+            <a:ext cx="1415773" cy="461665"/>
+          </a:xfrm>
+          <a:prstGeom prst="rect">
+            <a:avLst/>
+          </a:prstGeom>
+          <a:noFill/>
+          <a:ln>
+            <a:noFill/>
+          </a:ln>
+          <a:extLst>
+            <a:ext uri="{909E8E84-426E-40DD-AFC4-6F175D3DCCD1}">
+              <a14:hiddenFill xmlns:a14="http://schemas.microsoft.com/office/drawing/2010/main">
+                <a:solidFill>
+                  <a:srgbClr val="FFFFFF"/>
+                </a:solidFill>
+              </a14:hiddenFill>
+            </a:ext>
+            <a:ext uri="{91240B29-F687-4F45-9708-019B960494DF}">
+              <a14:hiddenLine xmlns:a14="http://schemas.microsoft.com/office/drawing/2010/main" w="9525">
+                <a:solidFill>
+                  <a:srgbClr val="000000"/>
+                </a:solidFill>
+                <a:miter lim="800000"/>
+                <a:headEnd/>
+                <a:tailEnd/>
+              </a14:hiddenLine>
+            </a:ext>
+          </a:extLst>
+        </p:spPr>
+        <p:txBody>
+          <a:bodyPr wrap="none">
+            <a:spAutoFit/>
+          </a:bodyPr>
+          <a:lstStyle>
+            <a:lvl1pPr eaLnBrk="0" hangingPunct="0">
+              <a:spcBef>
+                <a:spcPct val="20000"/>
+              </a:spcBef>
+              <a:buFont typeface="Arial" charset="0"/>
+              <a:buChar char="•"/>
+              <a:defRPr sz="3200">
+                <a:solidFill>
+                  <a:schemeClr val="tx1"/>
+                </a:solidFill>
+                <a:latin typeface="Calibri" pitchFamily="34" charset="0"/>
+                <a:ea typeface="宋体" pitchFamily="2" charset="-122"/>
+              </a:defRPr>
+            </a:lvl1pPr>
+            <a:lvl2pPr marL="742950" indent="-285750" eaLnBrk="0" hangingPunct="0">
+              <a:spcBef>
+                <a:spcPct val="20000"/>
+              </a:spcBef>
+              <a:buFont typeface="Arial" charset="0"/>
+              <a:buChar char="–"/>
+              <a:defRPr sz="2800">
+                <a:solidFill>
+                  <a:schemeClr val="tx1"/>
+                </a:solidFill>
+                <a:latin typeface="Calibri" pitchFamily="34" charset="0"/>
+                <a:ea typeface="宋体" pitchFamily="2" charset="-122"/>
+              </a:defRPr>
+            </a:lvl2pPr>
+            <a:lvl3pPr marL="1143000" indent="-228600" eaLnBrk="0" hangingPunct="0">
+              <a:spcBef>
+                <a:spcPct val="20000"/>
+              </a:spcBef>
+              <a:buFont typeface="Arial" charset="0"/>
+              <a:buChar char="•"/>
+              <a:defRPr sz="2400">
+                <a:solidFill>
+                  <a:schemeClr val="tx1"/>
+                </a:solidFill>
+                <a:latin typeface="Calibri" pitchFamily="34" charset="0"/>
+                <a:ea typeface="宋体" pitchFamily="2" charset="-122"/>
+              </a:defRPr>
+            </a:lvl3pPr>
+            <a:lvl4pPr marL="1600200" indent="-228600" eaLnBrk="0" hangingPunct="0">
+              <a:spcBef>
+                <a:spcPct val="20000"/>
+              </a:spcBef>
+              <a:buFont typeface="Arial" charset="0"/>
+              <a:buChar char="–"/>
+              <a:defRPr sz="2000">
+                <a:solidFill>
+                  <a:schemeClr val="tx1"/>
+                </a:solidFill>
+                <a:latin typeface="Calibri" pitchFamily="34" charset="0"/>
+                <a:ea typeface="宋体" pitchFamily="2" charset="-122"/>
+              </a:defRPr>
+            </a:lvl4pPr>
+            <a:lvl5pPr marL="2057400" indent="-228600" eaLnBrk="0" hangingPunct="0">
+              <a:spcBef>
+                <a:spcPct val="20000"/>
+              </a:spcBef>
+              <a:buFont typeface="Arial" charset="0"/>
+              <a:buChar char="»"/>
+              <a:defRPr sz="2000">
+                <a:solidFill>
+                  <a:schemeClr val="tx1"/>
+                </a:solidFill>
+                <a:latin typeface="Calibri" pitchFamily="34" charset="0"/>
+                <a:ea typeface="宋体" pitchFamily="2" charset="-122"/>
+              </a:defRPr>
+            </a:lvl5pPr>
+            <a:lvl6pPr marL="2514600" indent="-228600" eaLnBrk="0" fontAlgn="base" hangingPunct="0">
+              <a:spcBef>
+                <a:spcPct val="20000"/>
+              </a:spcBef>
+              <a:spcAft>
+                <a:spcPct val="0"/>
+              </a:spcAft>
+              <a:buFont typeface="Arial" charset="0"/>
+              <a:buChar char="»"/>
+              <a:defRPr sz="2000">
+                <a:solidFill>
+                  <a:schemeClr val="tx1"/>
+                </a:solidFill>
+                <a:latin typeface="Calibri" pitchFamily="34" charset="0"/>
+                <a:ea typeface="宋体" pitchFamily="2" charset="-122"/>
+              </a:defRPr>
+            </a:lvl6pPr>
+            <a:lvl7pPr marL="2971800" indent="-228600" eaLnBrk="0" fontAlgn="base" hangingPunct="0">
+              <a:spcBef>
+                <a:spcPct val="20000"/>
+              </a:spcBef>
+              <a:spcAft>
+                <a:spcPct val="0"/>
+              </a:spcAft>
+              <a:buFont typeface="Arial" charset="0"/>
+              <a:buChar char="»"/>
+              <a:defRPr sz="2000">
+                <a:solidFill>
+                  <a:schemeClr val="tx1"/>
+                </a:solidFill>
+                <a:latin typeface="Calibri" pitchFamily="34" charset="0"/>
+                <a:ea typeface="宋体" pitchFamily="2" charset="-122"/>
+              </a:defRPr>
+            </a:lvl7pPr>
+            <a:lvl8pPr marL="3429000" indent="-228600" eaLnBrk="0" fontAlgn="base" hangingPunct="0">
+              <a:spcBef>
+                <a:spcPct val="20000"/>
+              </a:spcBef>
+              <a:spcAft>
+                <a:spcPct val="0"/>
+              </a:spcAft>
+              <a:buFont typeface="Arial" charset="0"/>
+              <a:buChar char="»"/>
+              <a:defRPr sz="2000">
+                <a:solidFill>
+                  <a:schemeClr val="tx1"/>
+                </a:solidFill>
+                <a:latin typeface="Calibri" pitchFamily="34" charset="0"/>
+                <a:ea typeface="宋体" pitchFamily="2" charset="-122"/>
+              </a:defRPr>
+            </a:lvl8pPr>
+            <a:lvl9pPr marL="3886200" indent="-228600" eaLnBrk="0" fontAlgn="base" hangingPunct="0">
+              <a:spcBef>
+                <a:spcPct val="20000"/>
+              </a:spcBef>
+              <a:spcAft>
+                <a:spcPct val="0"/>
+              </a:spcAft>
+              <a:buFont typeface="Arial" charset="0"/>
+              <a:buChar char="»"/>
+              <a:defRPr sz="2000">
+                <a:solidFill>
+                  <a:schemeClr val="tx1"/>
+                </a:solidFill>
+                <a:latin typeface="Calibri" pitchFamily="34" charset="0"/>
+                <a:ea typeface="宋体" pitchFamily="2" charset="-122"/>
+              </a:defRPr>
+            </a:lvl9pPr>
+          </a:lstStyle>
+          <a:p>
+            <a:pPr algn="ctr" eaLnBrk="1" hangingPunct="1">
+              <a:spcBef>
+                <a:spcPct val="0"/>
+              </a:spcBef>
+              <a:buFontTx/>
+              <a:buNone/>
+              <a:defRPr/>
+            </a:pPr>
+            <a:r>
+              <a:rPr lang="zh-CN" altLang="en-US" sz="2400" dirty="0">
+                <a:solidFill>
+                  <a:schemeClr val="bg1"/>
+                </a:solidFill>
+                <a:latin typeface="微软雅黑" panose="020B0503020204020204" pitchFamily="34" charset="-122"/>
+                <a:ea typeface="微软雅黑" panose="020B0503020204020204" pitchFamily="34" charset="-122"/>
+              </a:rPr>
+              <a:t>人工智能</a:t>
+            </a:r>
+          </a:p>
+        </p:txBody>
+      </p:sp>
+      <p:sp>
+        <p:nvSpPr>
+          <p:cNvPr id="23" name="TextBox 42" descr="6A3013BADB884660B194CAD3FEF2932C# #TextBox 42"/>
+          <p:cNvSpPr txBox="1">
+            <a:spLocks noChangeArrowheads="1"/>
+          </p:cNvSpPr>
+          <p:nvPr/>
+        </p:nvSpPr>
+        <p:spPr bwMode="auto">
+          <a:xfrm>
+            <a:off x="3734139" y="927634"/>
+            <a:ext cx="1415773" cy="461665"/>
+          </a:xfrm>
+          <a:prstGeom prst="rect">
+            <a:avLst/>
+          </a:prstGeom>
+          <a:noFill/>
+          <a:ln>
+            <a:noFill/>
+          </a:ln>
+          <a:extLst>
+            <a:ext uri="{909E8E84-426E-40DD-AFC4-6F175D3DCCD1}">
+              <a14:hiddenFill xmlns:a14="http://schemas.microsoft.com/office/drawing/2010/main">
+                <a:solidFill>
+                  <a:srgbClr val="FFFFFF"/>
+                </a:solidFill>
+              </a14:hiddenFill>
+            </a:ext>
+            <a:ext uri="{91240B29-F687-4F45-9708-019B960494DF}">
+              <a14:hiddenLine xmlns:a14="http://schemas.microsoft.com/office/drawing/2010/main" w="9525">
+                <a:solidFill>
+                  <a:srgbClr val="000000"/>
+                </a:solidFill>
+                <a:miter lim="800000"/>
+                <a:headEnd/>
+                <a:tailEnd/>
+              </a14:hiddenLine>
+            </a:ext>
+          </a:extLst>
+        </p:spPr>
+        <p:txBody>
+          <a:bodyPr wrap="none">
+            <a:spAutoFit/>
+          </a:bodyPr>
+          <a:lstStyle>
+            <a:lvl1pPr eaLnBrk="0" hangingPunct="0">
+              <a:spcBef>
+                <a:spcPct val="20000"/>
+              </a:spcBef>
+              <a:buFont typeface="Arial" charset="0"/>
+              <a:buChar char="•"/>
+              <a:defRPr sz="3200">
+                <a:solidFill>
+                  <a:schemeClr val="tx1"/>
+                </a:solidFill>
+                <a:latin typeface="Calibri" pitchFamily="34" charset="0"/>
+                <a:ea typeface="宋体" pitchFamily="2" charset="-122"/>
+              </a:defRPr>
+            </a:lvl1pPr>
+            <a:lvl2pPr marL="742950" indent="-285750" eaLnBrk="0" hangingPunct="0">
+              <a:spcBef>
+                <a:spcPct val="20000"/>
+              </a:spcBef>
+              <a:buFont typeface="Arial" charset="0"/>
+              <a:buChar char="–"/>
+              <a:defRPr sz="2800">
+                <a:solidFill>
+                  <a:schemeClr val="tx1"/>
+                </a:solidFill>
+                <a:latin typeface="Calibri" pitchFamily="34" charset="0"/>
+                <a:ea typeface="宋体" pitchFamily="2" charset="-122"/>
+              </a:defRPr>
+            </a:lvl2pPr>
+            <a:lvl3pPr marL="1143000" indent="-228600" eaLnBrk="0" hangingPunct="0">
+              <a:spcBef>
+                <a:spcPct val="20000"/>
+              </a:spcBef>
+              <a:buFont typeface="Arial" charset="0"/>
+              <a:buChar char="•"/>
+              <a:defRPr sz="2400">
+                <a:solidFill>
+                  <a:schemeClr val="tx1"/>
+                </a:solidFill>
+                <a:latin typeface="Calibri" pitchFamily="34" charset="0"/>
+                <a:ea typeface="宋体" pitchFamily="2" charset="-122"/>
+              </a:defRPr>
+            </a:lvl3pPr>
+            <a:lvl4pPr marL="1600200" indent="-228600" eaLnBrk="0" hangingPunct="0">
+              <a:spcBef>
+                <a:spcPct val="20000"/>
+              </a:spcBef>
+              <a:buFont typeface="Arial" charset="0"/>
+              <a:buChar char="–"/>
+              <a:defRPr sz="2000">
+                <a:solidFill>
+                  <a:schemeClr val="tx1"/>
+                </a:solidFill>
+                <a:latin typeface="Calibri" pitchFamily="34" charset="0"/>
+                <a:ea typeface="宋体" pitchFamily="2" charset="-122"/>
+              </a:defRPr>
+            </a:lvl4pPr>
+            <a:lvl5pPr marL="2057400" indent="-228600" eaLnBrk="0" hangingPunct="0">
+              <a:spcBef>
+                <a:spcPct val="20000"/>
+              </a:spcBef>
+              <a:buFont typeface="Arial" charset="0"/>
+              <a:buChar char="»"/>
+              <a:defRPr sz="2000">
+                <a:solidFill>
+                  <a:schemeClr val="tx1"/>
+                </a:solidFill>
+                <a:latin typeface="Calibri" pitchFamily="34" charset="0"/>
+                <a:ea typeface="宋体" pitchFamily="2" charset="-122"/>
+              </a:defRPr>
+            </a:lvl5pPr>
+            <a:lvl6pPr marL="2514600" indent="-228600" eaLnBrk="0" fontAlgn="base" hangingPunct="0">
+              <a:spcBef>
+                <a:spcPct val="20000"/>
+              </a:spcBef>
+              <a:spcAft>
+                <a:spcPct val="0"/>
+              </a:spcAft>
+              <a:buFont typeface="Arial" charset="0"/>
+              <a:buChar char="»"/>
+              <a:defRPr sz="2000">
+                <a:solidFill>
+                  <a:schemeClr val="tx1"/>
+                </a:solidFill>
+                <a:latin typeface="Calibri" pitchFamily="34" charset="0"/>
+                <a:ea typeface="宋体" pitchFamily="2" charset="-122"/>
+              </a:defRPr>
+            </a:lvl6pPr>
+            <a:lvl7pPr marL="2971800" indent="-228600" eaLnBrk="0" fontAlgn="base" hangingPunct="0">
+              <a:spcBef>
+                <a:spcPct val="20000"/>
+              </a:spcBef>
+              <a:spcAft>
+                <a:spcPct val="0"/>
+              </a:spcAft>
+              <a:buFont typeface="Arial" charset="0"/>
+              <a:buChar char="»"/>
+              <a:defRPr sz="2000">
+                <a:solidFill>
+                  <a:schemeClr val="tx1"/>
+                </a:solidFill>
+                <a:latin typeface="Calibri" pitchFamily="34" charset="0"/>
+                <a:ea typeface="宋体" pitchFamily="2" charset="-122"/>
+              </a:defRPr>
+            </a:lvl7pPr>
+            <a:lvl8pPr marL="3429000" indent="-228600" eaLnBrk="0" fontAlgn="base" hangingPunct="0">
+              <a:spcBef>
+                <a:spcPct val="20000"/>
+              </a:spcBef>
+              <a:spcAft>
+                <a:spcPct val="0"/>
+              </a:spcAft>
+              <a:buFont typeface="Arial" charset="0"/>
+              <a:buChar char="»"/>
+              <a:defRPr sz="2000">
+                <a:solidFill>
+                  <a:schemeClr val="tx1"/>
+                </a:solidFill>
+                <a:latin typeface="Calibri" pitchFamily="34" charset="0"/>
+                <a:ea typeface="宋体" pitchFamily="2" charset="-122"/>
+              </a:defRPr>
+            </a:lvl8pPr>
+            <a:lvl9pPr marL="3886200" indent="-228600" eaLnBrk="0" fontAlgn="base" hangingPunct="0">
+              <a:spcBef>
+                <a:spcPct val="20000"/>
+              </a:spcBef>
+              <a:spcAft>
+                <a:spcPct val="0"/>
+              </a:spcAft>
+              <a:buFont typeface="Arial" charset="0"/>
+              <a:buChar char="»"/>
+              <a:defRPr sz="2000">
+                <a:solidFill>
+                  <a:schemeClr val="tx1"/>
+                </a:solidFill>
+                <a:latin typeface="Calibri" pitchFamily="34" charset="0"/>
+                <a:ea typeface="宋体" pitchFamily="2" charset="-122"/>
+              </a:defRPr>
+            </a:lvl9pPr>
+          </a:lstStyle>
+          <a:p>
+            <a:pPr algn="ctr" eaLnBrk="1" hangingPunct="1">
+              <a:spcBef>
+                <a:spcPct val="0"/>
+              </a:spcBef>
+              <a:buFontTx/>
+              <a:buNone/>
+              <a:defRPr/>
+            </a:pPr>
+            <a:r>
+              <a:rPr lang="zh-CN" altLang="en-US" sz="2400" dirty="0">
+                <a:solidFill>
+                  <a:schemeClr val="bg1"/>
+                </a:solidFill>
+                <a:latin typeface="微软雅黑" panose="020B0503020204020204" pitchFamily="34" charset="-122"/>
+                <a:ea typeface="微软雅黑" panose="020B0503020204020204" pitchFamily="34" charset="-122"/>
+              </a:rPr>
+              <a:t>机器学习</a:t>
+            </a:r>
+          </a:p>
+        </p:txBody>
+      </p:sp>
+      <p:sp>
+        <p:nvSpPr>
+          <p:cNvPr id="24" name="TextBox 42" descr="6A3013BADB884660B194CAD3FEF2932C# #TextBox 42"/>
+          <p:cNvSpPr txBox="1">
+            <a:spLocks noChangeArrowheads="1"/>
+          </p:cNvSpPr>
+          <p:nvPr/>
+        </p:nvSpPr>
+        <p:spPr bwMode="auto">
+          <a:xfrm>
+            <a:off x="2318367" y="1613434"/>
+            <a:ext cx="1415772" cy="461665"/>
+          </a:xfrm>
+          <a:prstGeom prst="rect">
+            <a:avLst/>
+          </a:prstGeom>
+          <a:noFill/>
+          <a:ln>
+            <a:noFill/>
+          </a:ln>
+          <a:extLst>
+            <a:ext uri="{909E8E84-426E-40DD-AFC4-6F175D3DCCD1}">
+              <a14:hiddenFill xmlns:a14="http://schemas.microsoft.com/office/drawing/2010/main">
+                <a:solidFill>
+                  <a:srgbClr val="FFFFFF"/>
+                </a:solidFill>
+              </a14:hiddenFill>
+            </a:ext>
+            <a:ext uri="{91240B29-F687-4F45-9708-019B960494DF}">
+              <a14:hiddenLine xmlns:a14="http://schemas.microsoft.com/office/drawing/2010/main" w="9525">
+                <a:solidFill>
+                  <a:srgbClr val="000000"/>
+                </a:solidFill>
+                <a:miter lim="800000"/>
+                <a:headEnd/>
+                <a:tailEnd/>
+              </a14:hiddenLine>
+            </a:ext>
+          </a:extLst>
+        </p:spPr>
+        <p:txBody>
+          <a:bodyPr wrap="none">
+            <a:spAutoFit/>
+          </a:bodyPr>
+          <a:lstStyle>
+            <a:lvl1pPr eaLnBrk="0" hangingPunct="0">
+              <a:spcBef>
+                <a:spcPct val="20000"/>
+              </a:spcBef>
+              <a:buFont typeface="Arial" charset="0"/>
+              <a:buChar char="•"/>
+              <a:defRPr sz="3200">
+                <a:solidFill>
+                  <a:schemeClr val="tx1"/>
+                </a:solidFill>
+                <a:latin typeface="Calibri" pitchFamily="34" charset="0"/>
+                <a:ea typeface="宋体" pitchFamily="2" charset="-122"/>
+              </a:defRPr>
+            </a:lvl1pPr>
+            <a:lvl2pPr marL="742950" indent="-285750" eaLnBrk="0" hangingPunct="0">
+              <a:spcBef>
+                <a:spcPct val="20000"/>
+              </a:spcBef>
+              <a:buFont typeface="Arial" charset="0"/>
+              <a:buChar char="–"/>
+              <a:defRPr sz="2800">
+                <a:solidFill>
+                  <a:schemeClr val="tx1"/>
+                </a:solidFill>
+                <a:latin typeface="Calibri" pitchFamily="34" charset="0"/>
+                <a:ea typeface="宋体" pitchFamily="2" charset="-122"/>
+              </a:defRPr>
+            </a:lvl2pPr>
+            <a:lvl3pPr marL="1143000" indent="-228600" eaLnBrk="0" hangingPunct="0">
+              <a:spcBef>
+                <a:spcPct val="20000"/>
+              </a:spcBef>
+              <a:buFont typeface="Arial" charset="0"/>
+              <a:buChar char="•"/>
+              <a:defRPr sz="2400">
+                <a:solidFill>
+                  <a:schemeClr val="tx1"/>
+                </a:solidFill>
+                <a:latin typeface="Calibri" pitchFamily="34" charset="0"/>
+                <a:ea typeface="宋体" pitchFamily="2" charset="-122"/>
+              </a:defRPr>
+            </a:lvl3pPr>
+            <a:lvl4pPr marL="1600200" indent="-228600" eaLnBrk="0" hangingPunct="0">
+              <a:spcBef>
+                <a:spcPct val="20000"/>
+              </a:spcBef>
+              <a:buFont typeface="Arial" charset="0"/>
+              <a:buChar char="–"/>
+              <a:defRPr sz="2000">
+                <a:solidFill>
+                  <a:schemeClr val="tx1"/>
+                </a:solidFill>
+                <a:latin typeface="Calibri" pitchFamily="34" charset="0"/>
+                <a:ea typeface="宋体" pitchFamily="2" charset="-122"/>
+              </a:defRPr>
+            </a:lvl4pPr>
+            <a:lvl5pPr marL="2057400" indent="-228600" eaLnBrk="0" hangingPunct="0">
+              <a:spcBef>
+                <a:spcPct val="20000"/>
+              </a:spcBef>
+              <a:buFont typeface="Arial" charset="0"/>
+              <a:buChar char="»"/>
+              <a:defRPr sz="2000">
+                <a:solidFill>
+                  <a:schemeClr val="tx1"/>
+                </a:solidFill>
+                <a:latin typeface="Calibri" pitchFamily="34" charset="0"/>
+                <a:ea typeface="宋体" pitchFamily="2" charset="-122"/>
+              </a:defRPr>
+            </a:lvl5pPr>
+            <a:lvl6pPr marL="2514600" indent="-228600" eaLnBrk="0" fontAlgn="base" hangingPunct="0">
+              <a:spcBef>
+                <a:spcPct val="20000"/>
+              </a:spcBef>
+              <a:spcAft>
+                <a:spcPct val="0"/>
+              </a:spcAft>
+              <a:buFont typeface="Arial" charset="0"/>
+              <a:buChar char="»"/>
+              <a:defRPr sz="2000">
+                <a:solidFill>
+                  <a:schemeClr val="tx1"/>
+                </a:solidFill>
+                <a:latin typeface="Calibri" pitchFamily="34" charset="0"/>
+                <a:ea typeface="宋体" pitchFamily="2" charset="-122"/>
+              </a:defRPr>
+            </a:lvl6pPr>
+            <a:lvl7pPr marL="2971800" indent="-228600" eaLnBrk="0" fontAlgn="base" hangingPunct="0">
+              <a:spcBef>
+                <a:spcPct val="20000"/>
+              </a:spcBef>
+              <a:spcAft>
+                <a:spcPct val="0"/>
+              </a:spcAft>
+              <a:buFont typeface="Arial" charset="0"/>
+              <a:buChar char="»"/>
+              <a:defRPr sz="2000">
+                <a:solidFill>
+                  <a:schemeClr val="tx1"/>
+                </a:solidFill>
+                <a:latin typeface="Calibri" pitchFamily="34" charset="0"/>
+                <a:ea typeface="宋体" pitchFamily="2" charset="-122"/>
+              </a:defRPr>
+            </a:lvl7pPr>
+            <a:lvl8pPr marL="3429000" indent="-228600" eaLnBrk="0" fontAlgn="base" hangingPunct="0">
+              <a:spcBef>
+                <a:spcPct val="20000"/>
+              </a:spcBef>
+              <a:spcAft>
+                <a:spcPct val="0"/>
+              </a:spcAft>
+              <a:buFont typeface="Arial" charset="0"/>
+              <a:buChar char="»"/>
+              <a:defRPr sz="2000">
+                <a:solidFill>
+                  <a:schemeClr val="tx1"/>
+                </a:solidFill>
+                <a:latin typeface="Calibri" pitchFamily="34" charset="0"/>
+                <a:ea typeface="宋体" pitchFamily="2" charset="-122"/>
+              </a:defRPr>
+            </a:lvl8pPr>
+            <a:lvl9pPr marL="3886200" indent="-228600" eaLnBrk="0" fontAlgn="base" hangingPunct="0">
+              <a:spcBef>
+                <a:spcPct val="20000"/>
+              </a:spcBef>
+              <a:spcAft>
+                <a:spcPct val="0"/>
+              </a:spcAft>
+              <a:buFont typeface="Arial" charset="0"/>
+              <a:buChar char="»"/>
+              <a:defRPr sz="2000">
+                <a:solidFill>
+                  <a:schemeClr val="tx1"/>
+                </a:solidFill>
+                <a:latin typeface="Calibri" pitchFamily="34" charset="0"/>
+                <a:ea typeface="宋体" pitchFamily="2" charset="-122"/>
+              </a:defRPr>
+            </a:lvl9pPr>
+          </a:lstStyle>
+          <a:p>
+            <a:pPr algn="ctr" eaLnBrk="1" hangingPunct="1">
+              <a:spcBef>
+                <a:spcPct val="0"/>
+              </a:spcBef>
+              <a:buFontTx/>
+              <a:buNone/>
+              <a:defRPr/>
+            </a:pPr>
+            <a:r>
+              <a:rPr lang="zh-CN" altLang="en-US" sz="2400" dirty="0">
+                <a:solidFill>
+                  <a:schemeClr val="bg1"/>
+                </a:solidFill>
+                <a:latin typeface="微软雅黑" panose="020B0503020204020204" pitchFamily="34" charset="-122"/>
+                <a:ea typeface="微软雅黑" panose="020B0503020204020204" pitchFamily="34" charset="-122"/>
+              </a:rPr>
+              <a:t>深度学习</a:t>
+            </a:r>
+          </a:p>
+        </p:txBody>
+      </p:sp>
+      <p:sp>
+        <p:nvSpPr>
+          <p:cNvPr id="25" name="TextBox 42" descr="6A3013BADB884660B194CAD3FEF2932C# #TextBox 42"/>
+          <p:cNvSpPr txBox="1">
+            <a:spLocks noChangeArrowheads="1"/>
+          </p:cNvSpPr>
+          <p:nvPr/>
+        </p:nvSpPr>
+        <p:spPr bwMode="auto">
+          <a:xfrm>
+            <a:off x="4918670" y="2517974"/>
+            <a:ext cx="1415772" cy="461665"/>
+          </a:xfrm>
+          <a:prstGeom prst="rect">
+            <a:avLst/>
+          </a:prstGeom>
+          <a:noFill/>
+          <a:ln>
+            <a:noFill/>
+          </a:ln>
+          <a:extLst>
+            <a:ext uri="{909E8E84-426E-40DD-AFC4-6F175D3DCCD1}">
+              <a14:hiddenFill xmlns:a14="http://schemas.microsoft.com/office/drawing/2010/main">
+                <a:solidFill>
+                  <a:srgbClr val="FFFFFF"/>
+                </a:solidFill>
+              </a14:hiddenFill>
+            </a:ext>
+            <a:ext uri="{91240B29-F687-4F45-9708-019B960494DF}">
+              <a14:hiddenLine xmlns:a14="http://schemas.microsoft.com/office/drawing/2010/main" w="9525">
+                <a:solidFill>
+                  <a:srgbClr val="000000"/>
+                </a:solidFill>
+                <a:miter lim="800000"/>
+                <a:headEnd/>
+                <a:tailEnd/>
+              </a14:hiddenLine>
+            </a:ext>
+          </a:extLst>
+        </p:spPr>
+        <p:txBody>
+          <a:bodyPr wrap="none">
+            <a:spAutoFit/>
+          </a:bodyPr>
+          <a:lstStyle>
+            <a:lvl1pPr eaLnBrk="0" hangingPunct="0">
+              <a:spcBef>
+                <a:spcPct val="20000"/>
+              </a:spcBef>
+              <a:buFont typeface="Arial" charset="0"/>
+              <a:buChar char="•"/>
+              <a:defRPr sz="3200">
+                <a:solidFill>
+                  <a:schemeClr val="tx1"/>
+                </a:solidFill>
+                <a:latin typeface="Calibri" pitchFamily="34" charset="0"/>
+                <a:ea typeface="宋体" pitchFamily="2" charset="-122"/>
+              </a:defRPr>
+            </a:lvl1pPr>
+            <a:lvl2pPr marL="742950" indent="-285750" eaLnBrk="0" hangingPunct="0">
+              <a:spcBef>
+                <a:spcPct val="20000"/>
+              </a:spcBef>
+              <a:buFont typeface="Arial" charset="0"/>
+              <a:buChar char="–"/>
+              <a:defRPr sz="2800">
+                <a:solidFill>
+                  <a:schemeClr val="tx1"/>
+                </a:solidFill>
+                <a:latin typeface="Calibri" pitchFamily="34" charset="0"/>
+                <a:ea typeface="宋体" pitchFamily="2" charset="-122"/>
+              </a:defRPr>
+            </a:lvl2pPr>
+            <a:lvl3pPr marL="1143000" indent="-228600" eaLnBrk="0" hangingPunct="0">
+              <a:spcBef>
+                <a:spcPct val="20000"/>
+              </a:spcBef>
+              <a:buFont typeface="Arial" charset="0"/>
+              <a:buChar char="•"/>
+              <a:defRPr sz="2400">
+                <a:solidFill>
+                  <a:schemeClr val="tx1"/>
+                </a:solidFill>
+                <a:latin typeface="Calibri" pitchFamily="34" charset="0"/>
+                <a:ea typeface="宋体" pitchFamily="2" charset="-122"/>
+              </a:defRPr>
+            </a:lvl3pPr>
+            <a:lvl4pPr marL="1600200" indent="-228600" eaLnBrk="0" hangingPunct="0">
+              <a:spcBef>
+                <a:spcPct val="20000"/>
+              </a:spcBef>
+              <a:buFont typeface="Arial" charset="0"/>
+              <a:buChar char="–"/>
+              <a:defRPr sz="2000">
+                <a:solidFill>
+                  <a:schemeClr val="tx1"/>
+                </a:solidFill>
+                <a:latin typeface="Calibri" pitchFamily="34" charset="0"/>
+                <a:ea typeface="宋体" pitchFamily="2" charset="-122"/>
+              </a:defRPr>
+            </a:lvl4pPr>
+            <a:lvl5pPr marL="2057400" indent="-228600" eaLnBrk="0" hangingPunct="0">
+              <a:spcBef>
+                <a:spcPct val="20000"/>
+              </a:spcBef>
+              <a:buFont typeface="Arial" charset="0"/>
+              <a:buChar char="»"/>
+              <a:defRPr sz="2000">
+                <a:solidFill>
+                  <a:schemeClr val="tx1"/>
+                </a:solidFill>
+                <a:latin typeface="Calibri" pitchFamily="34" charset="0"/>
+                <a:ea typeface="宋体" pitchFamily="2" charset="-122"/>
+              </a:defRPr>
+            </a:lvl5pPr>
+            <a:lvl6pPr marL="2514600" indent="-228600" eaLnBrk="0" fontAlgn="base" hangingPunct="0">
+              <a:spcBef>
+                <a:spcPct val="20000"/>
+              </a:spcBef>
+              <a:spcAft>
+                <a:spcPct val="0"/>
+              </a:spcAft>
+              <a:buFont typeface="Arial" charset="0"/>
+              <a:buChar char="»"/>
+              <a:defRPr sz="2000">
+                <a:solidFill>
+                  <a:schemeClr val="tx1"/>
+                </a:solidFill>
+                <a:latin typeface="Calibri" pitchFamily="34" charset="0"/>
+                <a:ea typeface="宋体" pitchFamily="2" charset="-122"/>
+              </a:defRPr>
+            </a:lvl6pPr>
+            <a:lvl7pPr marL="2971800" indent="-228600" eaLnBrk="0" fontAlgn="base" hangingPunct="0">
+              <a:spcBef>
+                <a:spcPct val="20000"/>
+              </a:spcBef>
+              <a:spcAft>
+                <a:spcPct val="0"/>
+              </a:spcAft>
+              <a:buFont typeface="Arial" charset="0"/>
+              <a:buChar char="»"/>
+              <a:defRPr sz="2000">
+                <a:solidFill>
+                  <a:schemeClr val="tx1"/>
+                </a:solidFill>
+                <a:latin typeface="Calibri" pitchFamily="34" charset="0"/>
+                <a:ea typeface="宋体" pitchFamily="2" charset="-122"/>
+              </a:defRPr>
+            </a:lvl7pPr>
+            <a:lvl8pPr marL="3429000" indent="-228600" eaLnBrk="0" fontAlgn="base" hangingPunct="0">
+              <a:spcBef>
+                <a:spcPct val="20000"/>
+              </a:spcBef>
+              <a:spcAft>
+                <a:spcPct val="0"/>
+              </a:spcAft>
+              <a:buFont typeface="Arial" charset="0"/>
+              <a:buChar char="»"/>
+              <a:defRPr sz="2000">
+                <a:solidFill>
+                  <a:schemeClr val="tx1"/>
+                </a:solidFill>
+                <a:latin typeface="Calibri" pitchFamily="34" charset="0"/>
+                <a:ea typeface="宋体" pitchFamily="2" charset="-122"/>
+              </a:defRPr>
+            </a:lvl8pPr>
+            <a:lvl9pPr marL="3886200" indent="-228600" eaLnBrk="0" fontAlgn="base" hangingPunct="0">
+              <a:spcBef>
+                <a:spcPct val="20000"/>
+              </a:spcBef>
+              <a:spcAft>
+                <a:spcPct val="0"/>
+              </a:spcAft>
+              <a:buFont typeface="Arial" charset="0"/>
+              <a:buChar char="»"/>
+              <a:defRPr sz="2000">
+                <a:solidFill>
+                  <a:schemeClr val="tx1"/>
+                </a:solidFill>
+                <a:latin typeface="Calibri" pitchFamily="34" charset="0"/>
+                <a:ea typeface="宋体" pitchFamily="2" charset="-122"/>
+              </a:defRPr>
+            </a:lvl9pPr>
+          </a:lstStyle>
+          <a:p>
+            <a:pPr algn="ctr" eaLnBrk="1" hangingPunct="1">
+              <a:spcBef>
+                <a:spcPct val="0"/>
+              </a:spcBef>
+              <a:buFontTx/>
+              <a:buNone/>
+              <a:defRPr/>
+            </a:pPr>
+            <a:r>
+              <a:rPr lang="zh-CN" altLang="en-US" sz="2400" dirty="0">
+                <a:solidFill>
+                  <a:schemeClr val="bg1"/>
+                </a:solidFill>
+                <a:latin typeface="微软雅黑" panose="020B0503020204020204" pitchFamily="34" charset="-122"/>
+                <a:ea typeface="微软雅黑" panose="020B0503020204020204" pitchFamily="34" charset="-122"/>
+              </a:rPr>
+              <a:t>神经网络</a:t>
+            </a:r>
+          </a:p>
+        </p:txBody>
+      </p:sp>
+      <p:sp>
+        <p:nvSpPr>
+          <p:cNvPr id="26" name="TextBox 42" descr="6A3013BADB884660B194CAD3FEF2932C# #TextBox 42"/>
+          <p:cNvSpPr txBox="1">
+            <a:spLocks noChangeArrowheads="1"/>
+          </p:cNvSpPr>
+          <p:nvPr/>
+        </p:nvSpPr>
+        <p:spPr bwMode="auto">
+          <a:xfrm>
+            <a:off x="1370705" y="2979639"/>
+            <a:ext cx="1723550" cy="461665"/>
+          </a:xfrm>
+          <a:prstGeom prst="rect">
+            <a:avLst/>
+          </a:prstGeom>
+          <a:noFill/>
+          <a:ln>
+            <a:noFill/>
+          </a:ln>
+          <a:extLst>
+            <a:ext uri="{909E8E84-426E-40DD-AFC4-6F175D3DCCD1}">
+              <a14:hiddenFill xmlns:a14="http://schemas.microsoft.com/office/drawing/2010/main">
+                <a:solidFill>
+                  <a:srgbClr val="FFFFFF"/>
+                </a:solidFill>
+              </a14:hiddenFill>
+            </a:ext>
+            <a:ext uri="{91240B29-F687-4F45-9708-019B960494DF}">
+              <a14:hiddenLine xmlns:a14="http://schemas.microsoft.com/office/drawing/2010/main" w="9525">
+                <a:solidFill>
+                  <a:srgbClr val="000000"/>
+                </a:solidFill>
+                <a:miter lim="800000"/>
+                <a:headEnd/>
+                <a:tailEnd/>
+              </a14:hiddenLine>
+            </a:ext>
+          </a:extLst>
+        </p:spPr>
+        <p:txBody>
+          <a:bodyPr wrap="none">
+            <a:spAutoFit/>
+          </a:bodyPr>
+          <a:lstStyle>
+            <a:lvl1pPr eaLnBrk="0" hangingPunct="0">
+              <a:spcBef>
+                <a:spcPct val="20000"/>
+              </a:spcBef>
+              <a:buFont typeface="Arial" charset="0"/>
+              <a:buChar char="•"/>
+              <a:defRPr sz="3200">
+                <a:solidFill>
+                  <a:schemeClr val="tx1"/>
+                </a:solidFill>
+                <a:latin typeface="Calibri" pitchFamily="34" charset="0"/>
+                <a:ea typeface="宋体" pitchFamily="2" charset="-122"/>
+              </a:defRPr>
+            </a:lvl1pPr>
+            <a:lvl2pPr marL="742950" indent="-285750" eaLnBrk="0" hangingPunct="0">
+              <a:spcBef>
+                <a:spcPct val="20000"/>
+              </a:spcBef>
+              <a:buFont typeface="Arial" charset="0"/>
+              <a:buChar char="–"/>
+              <a:defRPr sz="2800">
+                <a:solidFill>
+                  <a:schemeClr val="tx1"/>
+                </a:solidFill>
+                <a:latin typeface="Calibri" pitchFamily="34" charset="0"/>
+                <a:ea typeface="宋体" pitchFamily="2" charset="-122"/>
+              </a:defRPr>
+            </a:lvl2pPr>
+            <a:lvl3pPr marL="1143000" indent="-228600" eaLnBrk="0" hangingPunct="0">
+              <a:spcBef>
+                <a:spcPct val="20000"/>
+              </a:spcBef>
+              <a:buFont typeface="Arial" charset="0"/>
+              <a:buChar char="•"/>
+              <a:defRPr sz="2400">
+                <a:solidFill>
+                  <a:schemeClr val="tx1"/>
+                </a:solidFill>
+                <a:latin typeface="Calibri" pitchFamily="34" charset="0"/>
+                <a:ea typeface="宋体" pitchFamily="2" charset="-122"/>
+              </a:defRPr>
+            </a:lvl3pPr>
+            <a:lvl4pPr marL="1600200" indent="-228600" eaLnBrk="0" hangingPunct="0">
+              <a:spcBef>
+                <a:spcPct val="20000"/>
+              </a:spcBef>
+              <a:buFont typeface="Arial" charset="0"/>
+              <a:buChar char="–"/>
+              <a:defRPr sz="2000">
+                <a:solidFill>
+                  <a:schemeClr val="tx1"/>
+                </a:solidFill>
+                <a:latin typeface="Calibri" pitchFamily="34" charset="0"/>
+                <a:ea typeface="宋体" pitchFamily="2" charset="-122"/>
+              </a:defRPr>
+            </a:lvl4pPr>
+            <a:lvl5pPr marL="2057400" indent="-228600" eaLnBrk="0" hangingPunct="0">
+              <a:spcBef>
+                <a:spcPct val="20000"/>
+              </a:spcBef>
+              <a:buFont typeface="Arial" charset="0"/>
+              <a:buChar char="»"/>
+              <a:defRPr sz="2000">
+                <a:solidFill>
+                  <a:schemeClr val="tx1"/>
+                </a:solidFill>
+                <a:latin typeface="Calibri" pitchFamily="34" charset="0"/>
+                <a:ea typeface="宋体" pitchFamily="2" charset="-122"/>
+              </a:defRPr>
+            </a:lvl5pPr>
+            <a:lvl6pPr marL="2514600" indent="-228600" eaLnBrk="0" fontAlgn="base" hangingPunct="0">
+              <a:spcBef>
+                <a:spcPct val="20000"/>
+              </a:spcBef>
+              <a:spcAft>
+                <a:spcPct val="0"/>
+              </a:spcAft>
+              <a:buFont typeface="Arial" charset="0"/>
+              <a:buChar char="»"/>
+              <a:defRPr sz="2000">
+                <a:solidFill>
+                  <a:schemeClr val="tx1"/>
+                </a:solidFill>
+                <a:latin typeface="Calibri" pitchFamily="34" charset="0"/>
+                <a:ea typeface="宋体" pitchFamily="2" charset="-122"/>
+              </a:defRPr>
+            </a:lvl6pPr>
+            <a:lvl7pPr marL="2971800" indent="-228600" eaLnBrk="0" fontAlgn="base" hangingPunct="0">
+              <a:spcBef>
+                <a:spcPct val="20000"/>
+              </a:spcBef>
+              <a:spcAft>
+                <a:spcPct val="0"/>
+              </a:spcAft>
+              <a:buFont typeface="Arial" charset="0"/>
+              <a:buChar char="»"/>
+              <a:defRPr sz="2000">
+                <a:solidFill>
+                  <a:schemeClr val="tx1"/>
+                </a:solidFill>
+                <a:latin typeface="Calibri" pitchFamily="34" charset="0"/>
+                <a:ea typeface="宋体" pitchFamily="2" charset="-122"/>
+              </a:defRPr>
+            </a:lvl7pPr>
+            <a:lvl8pPr marL="3429000" indent="-228600" eaLnBrk="0" fontAlgn="base" hangingPunct="0">
+              <a:spcBef>
+                <a:spcPct val="20000"/>
+              </a:spcBef>
+              <a:spcAft>
+                <a:spcPct val="0"/>
+              </a:spcAft>
+              <a:buFont typeface="Arial" charset="0"/>
+              <a:buChar char="»"/>
+              <a:defRPr sz="2000">
+                <a:solidFill>
+                  <a:schemeClr val="tx1"/>
+                </a:solidFill>
+                <a:latin typeface="Calibri" pitchFamily="34" charset="0"/>
+                <a:ea typeface="宋体" pitchFamily="2" charset="-122"/>
+              </a:defRPr>
+            </a:lvl8pPr>
+            <a:lvl9pPr marL="3886200" indent="-228600" eaLnBrk="0" fontAlgn="base" hangingPunct="0">
+              <a:spcBef>
+                <a:spcPct val="20000"/>
+              </a:spcBef>
+              <a:spcAft>
+                <a:spcPct val="0"/>
+              </a:spcAft>
+              <a:buFont typeface="Arial" charset="0"/>
+              <a:buChar char="»"/>
+              <a:defRPr sz="2000">
+                <a:solidFill>
+                  <a:schemeClr val="tx1"/>
+                </a:solidFill>
+                <a:latin typeface="Calibri" pitchFamily="34" charset="0"/>
+                <a:ea typeface="宋体" pitchFamily="2" charset="-122"/>
+              </a:defRPr>
+            </a:lvl9pPr>
+          </a:lstStyle>
+          <a:p>
+            <a:pPr algn="ctr" eaLnBrk="1" hangingPunct="1">
+              <a:spcBef>
+                <a:spcPct val="0"/>
+              </a:spcBef>
+              <a:buFontTx/>
+              <a:buNone/>
+              <a:defRPr/>
+            </a:pPr>
+            <a:r>
+              <a:rPr lang="zh-CN" altLang="en-US" sz="2400" dirty="0">
+                <a:solidFill>
+                  <a:schemeClr val="bg1"/>
+                </a:solidFill>
+                <a:latin typeface="微软雅黑" panose="020B0503020204020204" pitchFamily="34" charset="-122"/>
+                <a:ea typeface="微软雅黑" panose="020B0503020204020204" pitchFamily="34" charset="-122"/>
+              </a:rPr>
+              <a:t>计算机视觉</a:t>
+            </a:r>
+          </a:p>
+        </p:txBody>
+      </p:sp>
+      <p:sp>
+        <p:nvSpPr>
+          <p:cNvPr id="27" name="TextBox 42" descr="6A3013BADB884660B194CAD3FEF2932C# #TextBox 42"/>
+          <p:cNvSpPr txBox="1">
+            <a:spLocks noChangeArrowheads="1"/>
+          </p:cNvSpPr>
+          <p:nvPr/>
+        </p:nvSpPr>
+        <p:spPr bwMode="auto">
+          <a:xfrm>
+            <a:off x="5413044" y="3468439"/>
+            <a:ext cx="1415772" cy="461665"/>
+          </a:xfrm>
+          <a:prstGeom prst="rect">
+            <a:avLst/>
+          </a:prstGeom>
+          <a:noFill/>
+          <a:ln>
+            <a:noFill/>
+          </a:ln>
+          <a:extLst>
+            <a:ext uri="{909E8E84-426E-40DD-AFC4-6F175D3DCCD1}">
+              <a14:hiddenFill xmlns:a14="http://schemas.microsoft.com/office/drawing/2010/main">
+                <a:solidFill>
+                  <a:srgbClr val="FFFFFF"/>
+                </a:solidFill>
+              </a14:hiddenFill>
+            </a:ext>
+            <a:ext uri="{91240B29-F687-4F45-9708-019B960494DF}">
+              <a14:hiddenLine xmlns:a14="http://schemas.microsoft.com/office/drawing/2010/main" w="9525">
+                <a:solidFill>
+                  <a:srgbClr val="000000"/>
+                </a:solidFill>
+                <a:miter lim="800000"/>
+                <a:headEnd/>
+                <a:tailEnd/>
+              </a14:hiddenLine>
+            </a:ext>
+          </a:extLst>
+        </p:spPr>
+        <p:txBody>
+          <a:bodyPr wrap="none">
+            <a:spAutoFit/>
+          </a:bodyPr>
+          <a:lstStyle>
+            <a:lvl1pPr eaLnBrk="0" hangingPunct="0">
+              <a:spcBef>
+                <a:spcPct val="20000"/>
+              </a:spcBef>
+              <a:buFont typeface="Arial" charset="0"/>
+              <a:buChar char="•"/>
+              <a:defRPr sz="3200">
+                <a:solidFill>
+                  <a:schemeClr val="tx1"/>
+                </a:solidFill>
+                <a:latin typeface="Calibri" pitchFamily="34" charset="0"/>
+                <a:ea typeface="宋体" pitchFamily="2" charset="-122"/>
+              </a:defRPr>
+            </a:lvl1pPr>
+            <a:lvl2pPr marL="742950" indent="-285750" eaLnBrk="0" hangingPunct="0">
+              <a:spcBef>
+                <a:spcPct val="20000"/>
+              </a:spcBef>
+              <a:buFont typeface="Arial" charset="0"/>
+              <a:buChar char="–"/>
+              <a:defRPr sz="2800">
+                <a:solidFill>
+                  <a:schemeClr val="tx1"/>
+                </a:solidFill>
+                <a:latin typeface="Calibri" pitchFamily="34" charset="0"/>
+                <a:ea typeface="宋体" pitchFamily="2" charset="-122"/>
+              </a:defRPr>
+            </a:lvl2pPr>
+            <a:lvl3pPr marL="1143000" indent="-228600" eaLnBrk="0" hangingPunct="0">
+              <a:spcBef>
+                <a:spcPct val="20000"/>
+              </a:spcBef>
+              <a:buFont typeface="Arial" charset="0"/>
+              <a:buChar char="•"/>
+              <a:defRPr sz="2400">
+                <a:solidFill>
+                  <a:schemeClr val="tx1"/>
+                </a:solidFill>
+                <a:latin typeface="Calibri" pitchFamily="34" charset="0"/>
+                <a:ea typeface="宋体" pitchFamily="2" charset="-122"/>
+              </a:defRPr>
+            </a:lvl3pPr>
+            <a:lvl4pPr marL="1600200" indent="-228600" eaLnBrk="0" hangingPunct="0">
+              <a:spcBef>
+                <a:spcPct val="20000"/>
+              </a:spcBef>
+              <a:buFont typeface="Arial" charset="0"/>
+              <a:buChar char="–"/>
+              <a:defRPr sz="2000">
+                <a:solidFill>
+                  <a:schemeClr val="tx1"/>
+                </a:solidFill>
+                <a:latin typeface="Calibri" pitchFamily="34" charset="0"/>
+                <a:ea typeface="宋体" pitchFamily="2" charset="-122"/>
+              </a:defRPr>
+            </a:lvl4pPr>
+            <a:lvl5pPr marL="2057400" indent="-228600" eaLnBrk="0" hangingPunct="0">
+              <a:spcBef>
+                <a:spcPct val="20000"/>
+              </a:spcBef>
+              <a:buFont typeface="Arial" charset="0"/>
+              <a:buChar char="»"/>
+              <a:defRPr sz="2000">
+                <a:solidFill>
+                  <a:schemeClr val="tx1"/>
+                </a:solidFill>
+                <a:latin typeface="Calibri" pitchFamily="34" charset="0"/>
+                <a:ea typeface="宋体" pitchFamily="2" charset="-122"/>
+              </a:defRPr>
+            </a:lvl5pPr>
+            <a:lvl6pPr marL="2514600" indent="-228600" eaLnBrk="0" fontAlgn="base" hangingPunct="0">
+              <a:spcBef>
+                <a:spcPct val="20000"/>
+              </a:spcBef>
+              <a:spcAft>
+                <a:spcPct val="0"/>
+              </a:spcAft>
+              <a:buFont typeface="Arial" charset="0"/>
+              <a:buChar char="»"/>
+              <a:defRPr sz="2000">
+                <a:solidFill>
+                  <a:schemeClr val="tx1"/>
+                </a:solidFill>
+                <a:latin typeface="Calibri" pitchFamily="34" charset="0"/>
+                <a:ea typeface="宋体" pitchFamily="2" charset="-122"/>
+              </a:defRPr>
+            </a:lvl6pPr>
+            <a:lvl7pPr marL="2971800" indent="-228600" eaLnBrk="0" fontAlgn="base" hangingPunct="0">
+              <a:spcBef>
+                <a:spcPct val="20000"/>
+              </a:spcBef>
+              <a:spcAft>
+                <a:spcPct val="0"/>
+              </a:spcAft>
+              <a:buFont typeface="Arial" charset="0"/>
+              <a:buChar char="»"/>
+              <a:defRPr sz="2000">
+                <a:solidFill>
+                  <a:schemeClr val="tx1"/>
+                </a:solidFill>
+                <a:latin typeface="Calibri" pitchFamily="34" charset="0"/>
+                <a:ea typeface="宋体" pitchFamily="2" charset="-122"/>
+              </a:defRPr>
+            </a:lvl7pPr>
+            <a:lvl8pPr marL="3429000" indent="-228600" eaLnBrk="0" fontAlgn="base" hangingPunct="0">
+              <a:spcBef>
+                <a:spcPct val="20000"/>
+              </a:spcBef>
+              <a:spcAft>
+                <a:spcPct val="0"/>
+              </a:spcAft>
+              <a:buFont typeface="Arial" charset="0"/>
+              <a:buChar char="»"/>
+              <a:defRPr sz="2000">
+                <a:solidFill>
+                  <a:schemeClr val="tx1"/>
+                </a:solidFill>
+                <a:latin typeface="Calibri" pitchFamily="34" charset="0"/>
+                <a:ea typeface="宋体" pitchFamily="2" charset="-122"/>
+              </a:defRPr>
+            </a:lvl8pPr>
+            <a:lvl9pPr marL="3886200" indent="-228600" eaLnBrk="0" fontAlgn="base" hangingPunct="0">
+              <a:spcBef>
+                <a:spcPct val="20000"/>
+              </a:spcBef>
+              <a:spcAft>
+                <a:spcPct val="0"/>
+              </a:spcAft>
+              <a:buFont typeface="Arial" charset="0"/>
+              <a:buChar char="»"/>
+              <a:defRPr sz="2000">
+                <a:solidFill>
+                  <a:schemeClr val="tx1"/>
+                </a:solidFill>
+                <a:latin typeface="Calibri" pitchFamily="34" charset="0"/>
+                <a:ea typeface="宋体" pitchFamily="2" charset="-122"/>
+              </a:defRPr>
+            </a:lvl9pPr>
+          </a:lstStyle>
+          <a:p>
+            <a:pPr algn="ctr" eaLnBrk="1" hangingPunct="1">
+              <a:spcBef>
+                <a:spcPct val="0"/>
+              </a:spcBef>
+              <a:buFontTx/>
+              <a:buNone/>
+              <a:defRPr/>
+            </a:pPr>
+            <a:r>
+              <a:rPr lang="zh-CN" altLang="en-US" sz="2400" dirty="0">
+                <a:solidFill>
+                  <a:schemeClr val="bg1"/>
+                </a:solidFill>
+                <a:latin typeface="微软雅黑" panose="020B0503020204020204" pitchFamily="34" charset="-122"/>
+                <a:ea typeface="微软雅黑" panose="020B0503020204020204" pitchFamily="34" charset="-122"/>
+              </a:rPr>
+              <a:t>图像识别</a:t>
+            </a:r>
+          </a:p>
+        </p:txBody>
+      </p:sp>
+      <p:sp>
+        <p:nvSpPr>
+          <p:cNvPr id="28" name="TextBox 42" descr="6A3013BADB884660B194CAD3FEF2932C# #TextBox 42"/>
+          <p:cNvSpPr txBox="1">
+            <a:spLocks noChangeArrowheads="1"/>
+          </p:cNvSpPr>
+          <p:nvPr/>
+        </p:nvSpPr>
+        <p:spPr bwMode="auto">
+          <a:xfrm>
+            <a:off x="5879924" y="1489486"/>
+            <a:ext cx="1723550" cy="461665"/>
+          </a:xfrm>
+          <a:prstGeom prst="rect">
+            <a:avLst/>
+          </a:prstGeom>
+          <a:noFill/>
+          <a:ln>
+            <a:noFill/>
+          </a:ln>
+          <a:extLst>
+            <a:ext uri="{909E8E84-426E-40DD-AFC4-6F175D3DCCD1}">
+              <a14:hiddenFill xmlns:a14="http://schemas.microsoft.com/office/drawing/2010/main">
+                <a:solidFill>
+                  <a:srgbClr val="FFFFFF"/>
+                </a:solidFill>
+              </a14:hiddenFill>
+            </a:ext>
+            <a:ext uri="{91240B29-F687-4F45-9708-019B960494DF}">
+              <a14:hiddenLine xmlns:a14="http://schemas.microsoft.com/office/drawing/2010/main" w="9525">
+                <a:solidFill>
+                  <a:srgbClr val="000000"/>
+                </a:solidFill>
+                <a:miter lim="800000"/>
+                <a:headEnd/>
+                <a:tailEnd/>
+              </a14:hiddenLine>
+            </a:ext>
+          </a:extLst>
+        </p:spPr>
+        <p:txBody>
+          <a:bodyPr wrap="none">
+            <a:spAutoFit/>
+          </a:bodyPr>
+          <a:lstStyle>
+            <a:lvl1pPr eaLnBrk="0" hangingPunct="0">
+              <a:spcBef>
+                <a:spcPct val="20000"/>
+              </a:spcBef>
+              <a:buFont typeface="Arial" charset="0"/>
+              <a:buChar char="•"/>
+              <a:defRPr sz="3200">
+                <a:solidFill>
+                  <a:schemeClr val="tx1"/>
+                </a:solidFill>
+                <a:latin typeface="Calibri" pitchFamily="34" charset="0"/>
+                <a:ea typeface="宋体" pitchFamily="2" charset="-122"/>
+              </a:defRPr>
+            </a:lvl1pPr>
+            <a:lvl2pPr marL="742950" indent="-285750" eaLnBrk="0" hangingPunct="0">
+              <a:spcBef>
+                <a:spcPct val="20000"/>
+              </a:spcBef>
+              <a:buFont typeface="Arial" charset="0"/>
+              <a:buChar char="–"/>
+              <a:defRPr sz="2800">
+                <a:solidFill>
+                  <a:schemeClr val="tx1"/>
+                </a:solidFill>
+                <a:latin typeface="Calibri" pitchFamily="34" charset="0"/>
+                <a:ea typeface="宋体" pitchFamily="2" charset="-122"/>
+              </a:defRPr>
+            </a:lvl2pPr>
+            <a:lvl3pPr marL="1143000" indent="-228600" eaLnBrk="0" hangingPunct="0">
+              <a:spcBef>
+                <a:spcPct val="20000"/>
+              </a:spcBef>
+              <a:buFont typeface="Arial" charset="0"/>
+              <a:buChar char="•"/>
+              <a:defRPr sz="2400">
+                <a:solidFill>
+                  <a:schemeClr val="tx1"/>
+                </a:solidFill>
+                <a:latin typeface="Calibri" pitchFamily="34" charset="0"/>
+                <a:ea typeface="宋体" pitchFamily="2" charset="-122"/>
+              </a:defRPr>
+            </a:lvl3pPr>
+            <a:lvl4pPr marL="1600200" indent="-228600" eaLnBrk="0" hangingPunct="0">
+              <a:spcBef>
+                <a:spcPct val="20000"/>
+              </a:spcBef>
+              <a:buFont typeface="Arial" charset="0"/>
+              <a:buChar char="–"/>
+              <a:defRPr sz="2000">
+                <a:solidFill>
+                  <a:schemeClr val="tx1"/>
+                </a:solidFill>
+                <a:latin typeface="Calibri" pitchFamily="34" charset="0"/>
+                <a:ea typeface="宋体" pitchFamily="2" charset="-122"/>
+              </a:defRPr>
+            </a:lvl4pPr>
+            <a:lvl5pPr marL="2057400" indent="-228600" eaLnBrk="0" hangingPunct="0">
+              <a:spcBef>
+                <a:spcPct val="20000"/>
+              </a:spcBef>
+              <a:buFont typeface="Arial" charset="0"/>
+              <a:buChar char="»"/>
+              <a:defRPr sz="2000">
+                <a:solidFill>
+                  <a:schemeClr val="tx1"/>
+                </a:solidFill>
+                <a:latin typeface="Calibri" pitchFamily="34" charset="0"/>
+                <a:ea typeface="宋体" pitchFamily="2" charset="-122"/>
+              </a:defRPr>
+            </a:lvl5pPr>
+            <a:lvl6pPr marL="2514600" indent="-228600" eaLnBrk="0" fontAlgn="base" hangingPunct="0">
+              <a:spcBef>
+                <a:spcPct val="20000"/>
+              </a:spcBef>
+              <a:spcAft>
+                <a:spcPct val="0"/>
+              </a:spcAft>
+              <a:buFont typeface="Arial" charset="0"/>
+              <a:buChar char="»"/>
+              <a:defRPr sz="2000">
+                <a:solidFill>
+                  <a:schemeClr val="tx1"/>
+                </a:solidFill>
+                <a:latin typeface="Calibri" pitchFamily="34" charset="0"/>
+                <a:ea typeface="宋体" pitchFamily="2" charset="-122"/>
+              </a:defRPr>
+            </a:lvl6pPr>
+            <a:lvl7pPr marL="2971800" indent="-228600" eaLnBrk="0" fontAlgn="base" hangingPunct="0">
+              <a:spcBef>
+                <a:spcPct val="20000"/>
+              </a:spcBef>
+              <a:spcAft>
+                <a:spcPct val="0"/>
+              </a:spcAft>
+              <a:buFont typeface="Arial" charset="0"/>
+              <a:buChar char="»"/>
+              <a:defRPr sz="2000">
+                <a:solidFill>
+                  <a:schemeClr val="tx1"/>
+                </a:solidFill>
+                <a:latin typeface="Calibri" pitchFamily="34" charset="0"/>
+                <a:ea typeface="宋体" pitchFamily="2" charset="-122"/>
+              </a:defRPr>
+            </a:lvl7pPr>
+            <a:lvl8pPr marL="3429000" indent="-228600" eaLnBrk="0" fontAlgn="base" hangingPunct="0">
+              <a:spcBef>
+                <a:spcPct val="20000"/>
+              </a:spcBef>
+              <a:spcAft>
+                <a:spcPct val="0"/>
+              </a:spcAft>
+              <a:buFont typeface="Arial" charset="0"/>
+              <a:buChar char="»"/>
+              <a:defRPr sz="2000">
+                <a:solidFill>
+                  <a:schemeClr val="tx1"/>
+                </a:solidFill>
+                <a:latin typeface="Calibri" pitchFamily="34" charset="0"/>
+                <a:ea typeface="宋体" pitchFamily="2" charset="-122"/>
+              </a:defRPr>
+            </a:lvl8pPr>
+            <a:lvl9pPr marL="3886200" indent="-228600" eaLnBrk="0" fontAlgn="base" hangingPunct="0">
+              <a:spcBef>
+                <a:spcPct val="20000"/>
+              </a:spcBef>
+              <a:spcAft>
+                <a:spcPct val="0"/>
+              </a:spcAft>
+              <a:buFont typeface="Arial" charset="0"/>
+              <a:buChar char="»"/>
+              <a:defRPr sz="2000">
+                <a:solidFill>
+                  <a:schemeClr val="tx1"/>
+                </a:solidFill>
+                <a:latin typeface="Calibri" pitchFamily="34" charset="0"/>
+                <a:ea typeface="宋体" pitchFamily="2" charset="-122"/>
+              </a:defRPr>
+            </a:lvl9pPr>
+          </a:lstStyle>
+          <a:p>
+            <a:pPr algn="ctr" eaLnBrk="1" hangingPunct="1">
+              <a:spcBef>
+                <a:spcPct val="0"/>
+              </a:spcBef>
+              <a:buFontTx/>
+              <a:buNone/>
+              <a:defRPr/>
+            </a:pPr>
+            <a:r>
+              <a:rPr lang="zh-CN" altLang="en-US" sz="2400" dirty="0">
+                <a:solidFill>
+                  <a:schemeClr val="bg1"/>
+                </a:solidFill>
+                <a:latin typeface="微软雅黑" panose="020B0503020204020204" pitchFamily="34" charset="-122"/>
+                <a:ea typeface="微软雅黑" panose="020B0503020204020204" pitchFamily="34" charset="-122"/>
+              </a:rPr>
+              <a:t>大数据分析</a:t>
+            </a:r>
+          </a:p>
+        </p:txBody>
+      </p:sp>
+    </p:spTree>
+    <p:extLst>
+      <p:ext uri="{BB962C8B-B14F-4D97-AF65-F5344CB8AC3E}">
+        <p14:creationId xmlns:p14="http://schemas.microsoft.com/office/powerpoint/2010/main" val="1507698410"/>
+      </p:ext>
+    </p:extLst>
+  </p:cSld>
+  <p:clrMapOvr>
+    <a:masterClrMapping/>
+  </p:clrMapOvr>
+  <mc:AlternateContent xmlns:mc="http://schemas.openxmlformats.org/markup-compatibility/2006" xmlns:p14="http://schemas.microsoft.com/office/powerpoint/2010/main">
+    <mc:Choice Requires="p14">
+      <p:transition spd="slow" p14:dur="1500" advClick="0" advTm="1000">
+        <p:random/>
+      </p:transition>
+    </mc:Choice>
+    <mc:Fallback xmlns="">
+      <p:transition spd="slow" advClick="0" advTm="1000">
+        <p:random/>
+      </p:transition>
+    </mc:Fallback>
+  </mc:AlternateContent>
+  <p:timing>
+    <p:tnLst>
+      <p:par>
+        <p:cTn id="1" dur="indefinite" restart="never" nodeType="tmRoot">
+          <p:childTnLst>
+            <p:seq concurrent="1" nextAc="seek">
+              <p:cTn id="2" dur="indefinite" nodeType="mainSeq">
+                <p:childTnLst>
+                  <p:par>
+                    <p:cTn id="3" fill="hold">
+                      <p:stCondLst>
+                        <p:cond delay="indefinite"/>
+                        <p:cond evt="onBegin" delay="0">
+                          <p:tn val="2"/>
+                        </p:cond>
+                      </p:stCondLst>
+                      <p:childTnLst>
+                        <p:par>
+                          <p:cTn id="4" fill="hold">
+                            <p:stCondLst>
+                              <p:cond delay="0"/>
+                            </p:stCondLst>
+                            <p:childTnLst>
+                              <p:par>
+                                <p:cTn id="5" presetID="2" presetClass="entr" presetSubtype="2" fill="hold" grpId="0" nodeType="withEffect">
+                                  <p:stCondLst>
+                                    <p:cond delay="500"/>
+                                  </p:stCondLst>
+                                  <p:childTnLst>
+                                    <p:set>
+                                      <p:cBhvr>
+                                        <p:cTn id="6" dur="1" fill="hold">
+                                          <p:stCondLst>
+                                            <p:cond delay="0"/>
+                                          </p:stCondLst>
+                                        </p:cTn>
+                                        <p:tgtEl>
+                                          <p:spTgt spid="21"/>
+                                        </p:tgtEl>
+                                        <p:attrNameLst>
+                                          <p:attrName>style.visibility</p:attrName>
+                                        </p:attrNameLst>
+                                      </p:cBhvr>
+                                      <p:to>
+                                        <p:strVal val="visible"/>
+                                      </p:to>
+                                    </p:set>
+                                    <p:anim calcmode="lin" valueType="num">
+                                      <p:cBhvr additive="base">
+                                        <p:cTn id="7" dur="500" fill="hold"/>
+                                        <p:tgtEl>
+                                          <p:spTgt spid="21"/>
+                                        </p:tgtEl>
+                                        <p:attrNameLst>
+                                          <p:attrName>ppt_x</p:attrName>
+                                        </p:attrNameLst>
+                                      </p:cBhvr>
+                                      <p:tavLst>
+                                        <p:tav tm="0">
+                                          <p:val>
+                                            <p:strVal val="1+#ppt_w/2"/>
+                                          </p:val>
+                                        </p:tav>
+                                        <p:tav tm="100000">
+                                          <p:val>
+                                            <p:strVal val="#ppt_x"/>
+                                          </p:val>
+                                        </p:tav>
+                                      </p:tavLst>
+                                    </p:anim>
+                                    <p:anim calcmode="lin" valueType="num">
+                                      <p:cBhvr additive="base">
+                                        <p:cTn id="8" dur="500" fill="hold"/>
+                                        <p:tgtEl>
+                                          <p:spTgt spid="21"/>
+                                        </p:tgtEl>
+                                        <p:attrNameLst>
+                                          <p:attrName>ppt_y</p:attrName>
+                                        </p:attrNameLst>
+                                      </p:cBhvr>
+                                      <p:tavLst>
+                                        <p:tav tm="0">
+                                          <p:val>
+                                            <p:strVal val="#ppt_y"/>
+                                          </p:val>
+                                        </p:tav>
+                                        <p:tav tm="100000">
+                                          <p:val>
+                                            <p:strVal val="#ppt_y"/>
+                                          </p:val>
+                                        </p:tav>
+                                      </p:tavLst>
+                                    </p:anim>
+                                  </p:childTnLst>
+                                </p:cTn>
+                              </p:par>
+                              <p:par>
+                                <p:cTn id="9" presetID="2" presetClass="entr" presetSubtype="2" fill="hold" grpId="0" nodeType="withEffect">
+                                  <p:stCondLst>
+                                    <p:cond delay="500"/>
+                                  </p:stCondLst>
+                                  <p:childTnLst>
+                                    <p:set>
+                                      <p:cBhvr>
+                                        <p:cTn id="10" dur="1" fill="hold">
+                                          <p:stCondLst>
+                                            <p:cond delay="0"/>
+                                          </p:stCondLst>
+                                        </p:cTn>
+                                        <p:tgtEl>
+                                          <p:spTgt spid="23"/>
+                                        </p:tgtEl>
+                                        <p:attrNameLst>
+                                          <p:attrName>style.visibility</p:attrName>
+                                        </p:attrNameLst>
+                                      </p:cBhvr>
+                                      <p:to>
+                                        <p:strVal val="visible"/>
+                                      </p:to>
+                                    </p:set>
+                                    <p:anim calcmode="lin" valueType="num">
+                                      <p:cBhvr additive="base">
+                                        <p:cTn id="11" dur="500" fill="hold"/>
+                                        <p:tgtEl>
+                                          <p:spTgt spid="23"/>
+                                        </p:tgtEl>
+                                        <p:attrNameLst>
+                                          <p:attrName>ppt_x</p:attrName>
+                                        </p:attrNameLst>
+                                      </p:cBhvr>
+                                      <p:tavLst>
+                                        <p:tav tm="0">
+                                          <p:val>
+                                            <p:strVal val="1+#ppt_w/2"/>
+                                          </p:val>
+                                        </p:tav>
+                                        <p:tav tm="100000">
+                                          <p:val>
+                                            <p:strVal val="#ppt_x"/>
+                                          </p:val>
+                                        </p:tav>
+                                      </p:tavLst>
+                                    </p:anim>
+                                    <p:anim calcmode="lin" valueType="num">
+                                      <p:cBhvr additive="base">
+                                        <p:cTn id="12" dur="500" fill="hold"/>
+                                        <p:tgtEl>
+                                          <p:spTgt spid="23"/>
+                                        </p:tgtEl>
+                                        <p:attrNameLst>
+                                          <p:attrName>ppt_y</p:attrName>
+                                        </p:attrNameLst>
+                                      </p:cBhvr>
+                                      <p:tavLst>
+                                        <p:tav tm="0">
+                                          <p:val>
+                                            <p:strVal val="#ppt_y"/>
+                                          </p:val>
+                                        </p:tav>
+                                        <p:tav tm="100000">
+                                          <p:val>
+                                            <p:strVal val="#ppt_y"/>
+                                          </p:val>
+                                        </p:tav>
+                                      </p:tavLst>
+                                    </p:anim>
+                                  </p:childTnLst>
+                                </p:cTn>
+                              </p:par>
+                              <p:par>
+                                <p:cTn id="13" presetID="2" presetClass="entr" presetSubtype="2" fill="hold" grpId="0" nodeType="withEffect">
+                                  <p:stCondLst>
+                                    <p:cond delay="500"/>
+                                  </p:stCondLst>
+                                  <p:childTnLst>
+                                    <p:set>
+                                      <p:cBhvr>
+                                        <p:cTn id="14" dur="1" fill="hold">
+                                          <p:stCondLst>
+                                            <p:cond delay="0"/>
+                                          </p:stCondLst>
+                                        </p:cTn>
+                                        <p:tgtEl>
+                                          <p:spTgt spid="24"/>
+                                        </p:tgtEl>
+                                        <p:attrNameLst>
+                                          <p:attrName>style.visibility</p:attrName>
+                                        </p:attrNameLst>
+                                      </p:cBhvr>
+                                      <p:to>
+                                        <p:strVal val="visible"/>
+                                      </p:to>
+                                    </p:set>
+                                    <p:anim calcmode="lin" valueType="num">
+                                      <p:cBhvr additive="base">
+                                        <p:cTn id="15" dur="500" fill="hold"/>
+                                        <p:tgtEl>
+                                          <p:spTgt spid="24"/>
+                                        </p:tgtEl>
+                                        <p:attrNameLst>
+                                          <p:attrName>ppt_x</p:attrName>
+                                        </p:attrNameLst>
+                                      </p:cBhvr>
+                                      <p:tavLst>
+                                        <p:tav tm="0">
+                                          <p:val>
+                                            <p:strVal val="1+#ppt_w/2"/>
+                                          </p:val>
+                                        </p:tav>
+                                        <p:tav tm="100000">
+                                          <p:val>
+                                            <p:strVal val="#ppt_x"/>
+                                          </p:val>
+                                        </p:tav>
+                                      </p:tavLst>
+                                    </p:anim>
+                                    <p:anim calcmode="lin" valueType="num">
+                                      <p:cBhvr additive="base">
+                                        <p:cTn id="16" dur="500" fill="hold"/>
+                                        <p:tgtEl>
+                                          <p:spTgt spid="24"/>
+                                        </p:tgtEl>
+                                        <p:attrNameLst>
+                                          <p:attrName>ppt_y</p:attrName>
+                                        </p:attrNameLst>
+                                      </p:cBhvr>
+                                      <p:tavLst>
+                                        <p:tav tm="0">
+                                          <p:val>
+                                            <p:strVal val="#ppt_y"/>
+                                          </p:val>
+                                        </p:tav>
+                                        <p:tav tm="100000">
+                                          <p:val>
+                                            <p:strVal val="#ppt_y"/>
+                                          </p:val>
+                                        </p:tav>
+                                      </p:tavLst>
+                                    </p:anim>
+                                  </p:childTnLst>
+                                </p:cTn>
+                              </p:par>
+                              <p:par>
+                                <p:cTn id="17" presetID="2" presetClass="entr" presetSubtype="2" fill="hold" grpId="0" nodeType="withEffect">
+                                  <p:stCondLst>
+                                    <p:cond delay="500"/>
+                                  </p:stCondLst>
+                                  <p:childTnLst>
+                                    <p:set>
+                                      <p:cBhvr>
+                                        <p:cTn id="18" dur="1" fill="hold">
+                                          <p:stCondLst>
+                                            <p:cond delay="0"/>
+                                          </p:stCondLst>
+                                        </p:cTn>
+                                        <p:tgtEl>
+                                          <p:spTgt spid="25"/>
+                                        </p:tgtEl>
+                                        <p:attrNameLst>
+                                          <p:attrName>style.visibility</p:attrName>
+                                        </p:attrNameLst>
+                                      </p:cBhvr>
+                                      <p:to>
+                                        <p:strVal val="visible"/>
+                                      </p:to>
+                                    </p:set>
+                                    <p:anim calcmode="lin" valueType="num">
+                                      <p:cBhvr additive="base">
+                                        <p:cTn id="19" dur="500" fill="hold"/>
+                                        <p:tgtEl>
+                                          <p:spTgt spid="25"/>
+                                        </p:tgtEl>
+                                        <p:attrNameLst>
+                                          <p:attrName>ppt_x</p:attrName>
+                                        </p:attrNameLst>
+                                      </p:cBhvr>
+                                      <p:tavLst>
+                                        <p:tav tm="0">
+                                          <p:val>
+                                            <p:strVal val="1+#ppt_w/2"/>
+                                          </p:val>
+                                        </p:tav>
+                                        <p:tav tm="100000">
+                                          <p:val>
+                                            <p:strVal val="#ppt_x"/>
+                                          </p:val>
+                                        </p:tav>
+                                      </p:tavLst>
+                                    </p:anim>
+                                    <p:anim calcmode="lin" valueType="num">
+                                      <p:cBhvr additive="base">
+                                        <p:cTn id="20" dur="500" fill="hold"/>
+                                        <p:tgtEl>
+                                          <p:spTgt spid="25"/>
+                                        </p:tgtEl>
+                                        <p:attrNameLst>
+                                          <p:attrName>ppt_y</p:attrName>
+                                        </p:attrNameLst>
+                                      </p:cBhvr>
+                                      <p:tavLst>
+                                        <p:tav tm="0">
+                                          <p:val>
+                                            <p:strVal val="#ppt_y"/>
+                                          </p:val>
+                                        </p:tav>
+                                        <p:tav tm="100000">
+                                          <p:val>
+                                            <p:strVal val="#ppt_y"/>
+                                          </p:val>
+                                        </p:tav>
+                                      </p:tavLst>
+                                    </p:anim>
+                                  </p:childTnLst>
+                                </p:cTn>
+                              </p:par>
+                              <p:par>
+                                <p:cTn id="21" presetID="2" presetClass="entr" presetSubtype="2" fill="hold" grpId="0" nodeType="withEffect">
+                                  <p:stCondLst>
+                                    <p:cond delay="500"/>
+                                  </p:stCondLst>
+                                  <p:childTnLst>
+                                    <p:set>
+                                      <p:cBhvr>
+                                        <p:cTn id="22" dur="1" fill="hold">
+                                          <p:stCondLst>
+                                            <p:cond delay="0"/>
+                                          </p:stCondLst>
+                                        </p:cTn>
+                                        <p:tgtEl>
+                                          <p:spTgt spid="26"/>
+                                        </p:tgtEl>
+                                        <p:attrNameLst>
+                                          <p:attrName>style.visibility</p:attrName>
+                                        </p:attrNameLst>
+                                      </p:cBhvr>
+                                      <p:to>
+                                        <p:strVal val="visible"/>
+                                      </p:to>
+                                    </p:set>
+                                    <p:anim calcmode="lin" valueType="num">
+                                      <p:cBhvr additive="base">
+                                        <p:cTn id="23" dur="500" fill="hold"/>
+                                        <p:tgtEl>
+                                          <p:spTgt spid="26"/>
+                                        </p:tgtEl>
+                                        <p:attrNameLst>
+                                          <p:attrName>ppt_x</p:attrName>
+                                        </p:attrNameLst>
+                                      </p:cBhvr>
+                                      <p:tavLst>
+                                        <p:tav tm="0">
+                                          <p:val>
+                                            <p:strVal val="1+#ppt_w/2"/>
+                                          </p:val>
+                                        </p:tav>
+                                        <p:tav tm="100000">
+                                          <p:val>
+                                            <p:strVal val="#ppt_x"/>
+                                          </p:val>
+                                        </p:tav>
+                                      </p:tavLst>
+                                    </p:anim>
+                                    <p:anim calcmode="lin" valueType="num">
+                                      <p:cBhvr additive="base">
+                                        <p:cTn id="24" dur="500" fill="hold"/>
+                                        <p:tgtEl>
+                                          <p:spTgt spid="26"/>
+                                        </p:tgtEl>
+                                        <p:attrNameLst>
+                                          <p:attrName>ppt_y</p:attrName>
+                                        </p:attrNameLst>
+                                      </p:cBhvr>
+                                      <p:tavLst>
+                                        <p:tav tm="0">
+                                          <p:val>
+                                            <p:strVal val="#ppt_y"/>
+                                          </p:val>
+                                        </p:tav>
+                                        <p:tav tm="100000">
+                                          <p:val>
+                                            <p:strVal val="#ppt_y"/>
+                                          </p:val>
+                                        </p:tav>
+                                      </p:tavLst>
+                                    </p:anim>
+                                  </p:childTnLst>
+                                </p:cTn>
+                              </p:par>
+                              <p:par>
+                                <p:cTn id="25" presetID="2" presetClass="entr" presetSubtype="2" fill="hold" grpId="0" nodeType="withEffect">
+                                  <p:stCondLst>
+                                    <p:cond delay="500"/>
+                                  </p:stCondLst>
+                                  <p:childTnLst>
+                                    <p:set>
+                                      <p:cBhvr>
+                                        <p:cTn id="26" dur="1" fill="hold">
+                                          <p:stCondLst>
+                                            <p:cond delay="0"/>
+                                          </p:stCondLst>
+                                        </p:cTn>
+                                        <p:tgtEl>
+                                          <p:spTgt spid="27"/>
+                                        </p:tgtEl>
+                                        <p:attrNameLst>
+                                          <p:attrName>style.visibility</p:attrName>
+                                        </p:attrNameLst>
+                                      </p:cBhvr>
+                                      <p:to>
+                                        <p:strVal val="visible"/>
+                                      </p:to>
+                                    </p:set>
+                                    <p:anim calcmode="lin" valueType="num">
+                                      <p:cBhvr additive="base">
+                                        <p:cTn id="27" dur="500" fill="hold"/>
+                                        <p:tgtEl>
+                                          <p:spTgt spid="27"/>
+                                        </p:tgtEl>
+                                        <p:attrNameLst>
+                                          <p:attrName>ppt_x</p:attrName>
+                                        </p:attrNameLst>
+                                      </p:cBhvr>
+                                      <p:tavLst>
+                                        <p:tav tm="0">
+                                          <p:val>
+                                            <p:strVal val="1+#ppt_w/2"/>
+                                          </p:val>
+                                        </p:tav>
+                                        <p:tav tm="100000">
+                                          <p:val>
+                                            <p:strVal val="#ppt_x"/>
+                                          </p:val>
+                                        </p:tav>
+                                      </p:tavLst>
+                                    </p:anim>
+                                    <p:anim calcmode="lin" valueType="num">
+                                      <p:cBhvr additive="base">
+                                        <p:cTn id="28" dur="500" fill="hold"/>
+                                        <p:tgtEl>
+                                          <p:spTgt spid="27"/>
+                                        </p:tgtEl>
+                                        <p:attrNameLst>
+                                          <p:attrName>ppt_y</p:attrName>
+                                        </p:attrNameLst>
+                                      </p:cBhvr>
+                                      <p:tavLst>
+                                        <p:tav tm="0">
+                                          <p:val>
+                                            <p:strVal val="#ppt_y"/>
+                                          </p:val>
+                                        </p:tav>
+                                        <p:tav tm="100000">
+                                          <p:val>
+                                            <p:strVal val="#ppt_y"/>
+                                          </p:val>
+                                        </p:tav>
+                                      </p:tavLst>
+                                    </p:anim>
+                                  </p:childTnLst>
+                                </p:cTn>
+                              </p:par>
+                              <p:par>
+                                <p:cTn id="29" presetID="2" presetClass="entr" presetSubtype="2" fill="hold" grpId="0" nodeType="withEffect">
+                                  <p:stCondLst>
+                                    <p:cond delay="500"/>
+                                  </p:stCondLst>
+                                  <p:childTnLst>
+                                    <p:set>
+                                      <p:cBhvr>
+                                        <p:cTn id="30" dur="1" fill="hold">
+                                          <p:stCondLst>
+                                            <p:cond delay="0"/>
+                                          </p:stCondLst>
+                                        </p:cTn>
+                                        <p:tgtEl>
+                                          <p:spTgt spid="28"/>
+                                        </p:tgtEl>
+                                        <p:attrNameLst>
+                                          <p:attrName>style.visibility</p:attrName>
+                                        </p:attrNameLst>
+                                      </p:cBhvr>
+                                      <p:to>
+                                        <p:strVal val="visible"/>
+                                      </p:to>
+                                    </p:set>
+                                    <p:anim calcmode="lin" valueType="num">
+                                      <p:cBhvr additive="base">
+                                        <p:cTn id="31" dur="500" fill="hold"/>
+                                        <p:tgtEl>
+                                          <p:spTgt spid="28"/>
+                                        </p:tgtEl>
+                                        <p:attrNameLst>
+                                          <p:attrName>ppt_x</p:attrName>
+                                        </p:attrNameLst>
+                                      </p:cBhvr>
+                                      <p:tavLst>
+                                        <p:tav tm="0">
+                                          <p:val>
+                                            <p:strVal val="1+#ppt_w/2"/>
+                                          </p:val>
+                                        </p:tav>
+                                        <p:tav tm="100000">
+                                          <p:val>
+                                            <p:strVal val="#ppt_x"/>
+                                          </p:val>
+                                        </p:tav>
+                                      </p:tavLst>
+                                    </p:anim>
+                                    <p:anim calcmode="lin" valueType="num">
+                                      <p:cBhvr additive="base">
+                                        <p:cTn id="32" dur="500" fill="hold"/>
+                                        <p:tgtEl>
+                                          <p:spTgt spid="28"/>
+                                        </p:tgtEl>
+                                        <p:attrNameLst>
+                                          <p:attrName>ppt_y</p:attrName>
+                                        </p:attrNameLst>
+                                      </p:cBhvr>
+                                      <p:tavLst>
+                                        <p:tav tm="0">
+                                          <p:val>
+                                            <p:strVal val="#ppt_y"/>
+                                          </p:val>
+                                        </p:tav>
+                                        <p:tav tm="100000">
+                                          <p:val>
+                                            <p:strVal val="#ppt_y"/>
+                                          </p:val>
+                                        </p:tav>
+                                      </p:tavLst>
+                                    </p:anim>
+                                  </p:childTnLst>
+                                </p:cTn>
+                              </p:par>
+                            </p:childTnLst>
+                          </p:cTn>
+                        </p:par>
+                      </p:childTnLst>
+                    </p:cTn>
+                  </p:par>
+                </p:childTnLst>
+              </p:cTn>
+              <p:prevCondLst>
+                <p:cond evt="onPrev" delay="0">
+                  <p:tgtEl>
+                    <p:sldTgt/>
+                  </p:tgtEl>
+                </p:cond>
+              </p:prevCondLst>
+              <p:nextCondLst>
+                <p:cond evt="onNext" delay="0">
+                  <p:tgtEl>
+                    <p:sldTgt/>
+                  </p:tgtEl>
+                </p:cond>
+              </p:nextCondLst>
+            </p:seq>
+          </p:childTnLst>
+        </p:cTn>
+      </p:par>
+    </p:tnLst>
+    <p:bldLst>
+      <p:bldP spid="21" grpId="0"/>
+      <p:bldP spid="23" grpId="0"/>
+      <p:bldP spid="24" grpId="0"/>
+      <p:bldP spid="25" grpId="0"/>
+      <p:bldP spid="26" grpId="0"/>
+      <p:bldP spid="27" grpId="0"/>
+      <p:bldP spid="28" grpId="0"/>
+    </p:bldLst>
+  </p:timing>
+</p:sld>
+</file>
+
+<file path=ppt/slides/slide20.xml><?xml version="1.0" encoding="utf-8"?>
+<p:sld xmlns:a="http://schemas.openxmlformats.org/drawingml/2006/main" xmlns:r="http://schemas.openxmlformats.org/officeDocument/2006/relationships" xmlns:p="http://schemas.openxmlformats.org/presentationml/2006/main">
+  <p:cSld>
+    <p:spTree>
+      <p:nvGrpSpPr>
+        <p:cNvPr id="1" name=""/>
+        <p:cNvGrpSpPr/>
+        <p:nvPr/>
+      </p:nvGrpSpPr>
+      <p:grpSpPr>
+        <a:xfrm>
+          <a:off x="0" y="0"/>
+          <a:ext cx="0" cy="0"/>
+          <a:chOff x="0" y="0"/>
+          <a:chExt cx="0" cy="0"/>
+        </a:xfrm>
+      </p:grpSpPr>
+      <p:sp>
+        <p:nvSpPr>
+          <p:cNvPr id="2" name="矩形 1"/>
+          <p:cNvSpPr/>
+          <p:nvPr/>
+        </p:nvSpPr>
+        <p:spPr>
+          <a:xfrm>
+            <a:off x="886521" y="1074912"/>
+            <a:ext cx="6730048" cy="646331"/>
+          </a:xfrm>
+          <a:prstGeom prst="rect">
+            <a:avLst/>
+          </a:prstGeom>
+        </p:spPr>
+        <p:txBody>
+          <a:bodyPr wrap="none">
+            <a:spAutoFit/>
+          </a:bodyPr>
+          <a:lstStyle/>
+          <a:p>
+            <a:r>
+              <a:rPr lang="en-US" altLang="zh-CN" dirty="0" smtClean="0">
+                <a:solidFill>
+                  <a:schemeClr val="bg1"/>
+                </a:solidFill>
+              </a:rPr>
+              <a:t>	</a:t>
+            </a:r>
+            <a:r>
+              <a:rPr lang="zh-CN" altLang="en-US" dirty="0" smtClean="0">
+                <a:solidFill>
+                  <a:schemeClr val="bg1"/>
+                </a:solidFill>
+              </a:rPr>
+              <a:t>在之前数据的基础上，设置回报函数，来引导机器训练结果，</a:t>
+            </a:r>
+            <a:endParaRPr lang="en-US" altLang="zh-CN" dirty="0" smtClean="0">
+              <a:solidFill>
+                <a:schemeClr val="bg1"/>
+              </a:solidFill>
+            </a:endParaRPr>
+          </a:p>
+          <a:p>
+            <a:r>
+              <a:rPr lang="zh-CN" altLang="en-US" dirty="0">
+                <a:solidFill>
+                  <a:schemeClr val="bg1"/>
+                </a:solidFill>
+              </a:rPr>
+              <a:t>最</a:t>
+            </a:r>
+            <a:r>
+              <a:rPr lang="zh-CN" altLang="en-US" dirty="0" smtClean="0">
+                <a:solidFill>
+                  <a:schemeClr val="bg1"/>
+                </a:solidFill>
+              </a:rPr>
+              <a:t>终得到最优策略</a:t>
+            </a:r>
+            <a:endParaRPr lang="zh-CN" altLang="en-US" dirty="0">
+              <a:solidFill>
+                <a:schemeClr val="bg1"/>
+              </a:solidFill>
+            </a:endParaRPr>
+          </a:p>
+        </p:txBody>
+      </p:sp>
+      <p:sp>
+        <p:nvSpPr>
+          <p:cNvPr id="3" name="矩形 2"/>
+          <p:cNvSpPr/>
+          <p:nvPr/>
+        </p:nvSpPr>
+        <p:spPr>
+          <a:xfrm>
+            <a:off x="694015" y="518178"/>
+            <a:ext cx="1107996" cy="369332"/>
+          </a:xfrm>
+          <a:prstGeom prst="rect">
+            <a:avLst/>
+          </a:prstGeom>
+        </p:spPr>
+        <p:txBody>
+          <a:bodyPr wrap="none">
+            <a:spAutoFit/>
+          </a:bodyPr>
+          <a:lstStyle/>
+          <a:p>
+            <a:r>
+              <a:rPr lang="zh-CN" altLang="en-US" dirty="0">
+                <a:solidFill>
+                  <a:schemeClr val="bg1"/>
+                </a:solidFill>
+              </a:rPr>
+              <a:t>强化学</a:t>
+            </a:r>
+            <a:r>
+              <a:rPr lang="zh-CN" altLang="en-US" dirty="0" smtClean="0">
+                <a:solidFill>
+                  <a:schemeClr val="bg1"/>
+                </a:solidFill>
+              </a:rPr>
+              <a:t>习</a:t>
+            </a:r>
+            <a:endParaRPr lang="zh-CN" altLang="en-US" dirty="0"/>
+          </a:p>
+        </p:txBody>
+      </p:sp>
+      <p:sp>
+        <p:nvSpPr>
+          <p:cNvPr id="4" name="矩形 3"/>
+          <p:cNvSpPr/>
+          <p:nvPr/>
+        </p:nvSpPr>
+        <p:spPr>
+          <a:xfrm>
+            <a:off x="694015" y="2323279"/>
+            <a:ext cx="1107996" cy="369332"/>
+          </a:xfrm>
+          <a:prstGeom prst="rect">
+            <a:avLst/>
+          </a:prstGeom>
+        </p:spPr>
+        <p:txBody>
+          <a:bodyPr wrap="none">
+            <a:spAutoFit/>
+          </a:bodyPr>
+          <a:lstStyle/>
+          <a:p>
+            <a:r>
+              <a:rPr lang="zh-CN" altLang="en-US" dirty="0">
+                <a:solidFill>
+                  <a:schemeClr val="bg1"/>
+                </a:solidFill>
+              </a:rPr>
+              <a:t>模仿</a:t>
+            </a:r>
+            <a:r>
+              <a:rPr lang="zh-CN" altLang="en-US" dirty="0" smtClean="0">
+                <a:solidFill>
+                  <a:schemeClr val="bg1"/>
+                </a:solidFill>
+              </a:rPr>
+              <a:t>学习</a:t>
+            </a:r>
+            <a:endParaRPr lang="zh-CN" altLang="en-US" dirty="0"/>
+          </a:p>
+        </p:txBody>
+      </p:sp>
+      <p:sp>
+        <p:nvSpPr>
+          <p:cNvPr id="5" name="矩形 4"/>
+          <p:cNvSpPr/>
+          <p:nvPr/>
+        </p:nvSpPr>
+        <p:spPr>
+          <a:xfrm>
+            <a:off x="886521" y="2839815"/>
+            <a:ext cx="7191712" cy="646331"/>
+          </a:xfrm>
+          <a:prstGeom prst="rect">
+            <a:avLst/>
+          </a:prstGeom>
+        </p:spPr>
+        <p:txBody>
+          <a:bodyPr wrap="none">
+            <a:spAutoFit/>
+          </a:bodyPr>
+          <a:lstStyle/>
+          <a:p>
+            <a:r>
+              <a:rPr lang="en-US" altLang="zh-CN" dirty="0" smtClean="0">
+                <a:solidFill>
+                  <a:schemeClr val="bg1"/>
+                </a:solidFill>
+              </a:rPr>
+              <a:t>	</a:t>
+            </a:r>
+            <a:r>
+              <a:rPr lang="zh-CN" altLang="en-US" dirty="0" smtClean="0">
+                <a:solidFill>
+                  <a:schemeClr val="bg1"/>
+                </a:solidFill>
+              </a:rPr>
+              <a:t>在</a:t>
+            </a:r>
+            <a:r>
+              <a:rPr lang="zh-CN" altLang="en-US" dirty="0">
+                <a:solidFill>
+                  <a:schemeClr val="bg1"/>
+                </a:solidFill>
+              </a:rPr>
+              <a:t>之前数据的基础</a:t>
+            </a:r>
+            <a:r>
+              <a:rPr lang="zh-CN" altLang="en-US" dirty="0" smtClean="0">
+                <a:solidFill>
+                  <a:schemeClr val="bg1"/>
+                </a:solidFill>
+              </a:rPr>
+              <a:t>上，通过对模仿者的决策和状态数据进行学习，</a:t>
+            </a:r>
+            <a:endParaRPr lang="en-US" altLang="zh-CN" dirty="0" smtClean="0">
+              <a:solidFill>
+                <a:schemeClr val="bg1"/>
+              </a:solidFill>
+            </a:endParaRPr>
+          </a:p>
+          <a:p>
+            <a:r>
+              <a:rPr lang="zh-CN" altLang="en-US" dirty="0" smtClean="0">
+                <a:solidFill>
+                  <a:schemeClr val="bg1"/>
+                </a:solidFill>
+              </a:rPr>
+              <a:t>来得到跟模仿这一致的策略</a:t>
+            </a:r>
+            <a:endParaRPr lang="zh-CN" altLang="en-US" dirty="0">
+              <a:solidFill>
+                <a:schemeClr val="bg1"/>
+              </a:solidFill>
+            </a:endParaRPr>
+          </a:p>
+        </p:txBody>
+      </p:sp>
+      <p:sp>
+        <p:nvSpPr>
+          <p:cNvPr id="6" name="矩形 5"/>
+          <p:cNvSpPr/>
+          <p:nvPr/>
+        </p:nvSpPr>
+        <p:spPr>
+          <a:xfrm>
+            <a:off x="1248013" y="3918101"/>
+            <a:ext cx="6417141" cy="369332"/>
+          </a:xfrm>
+          <a:prstGeom prst="rect">
+            <a:avLst/>
+          </a:prstGeom>
+        </p:spPr>
+        <p:txBody>
+          <a:bodyPr wrap="none">
+            <a:spAutoFit/>
+          </a:bodyPr>
+          <a:lstStyle/>
+          <a:p>
+            <a:r>
+              <a:rPr lang="zh-CN" altLang="en-US" dirty="0">
+                <a:solidFill>
+                  <a:schemeClr val="bg1"/>
+                </a:solidFill>
+              </a:rPr>
+              <a:t>强化学</a:t>
+            </a:r>
+            <a:r>
+              <a:rPr lang="zh-CN" altLang="en-US" dirty="0" smtClean="0">
+                <a:solidFill>
+                  <a:schemeClr val="bg1"/>
+                </a:solidFill>
+              </a:rPr>
+              <a:t>习会让人工智能更完美，模仿学习会让人工智能更像人</a:t>
+            </a:r>
+            <a:endParaRPr lang="zh-CN" altLang="en-US" dirty="0"/>
+          </a:p>
+        </p:txBody>
+      </p:sp>
+    </p:spTree>
+    <p:extLst>
+      <p:ext uri="{BB962C8B-B14F-4D97-AF65-F5344CB8AC3E}">
+        <p14:creationId xmlns:p14="http://schemas.microsoft.com/office/powerpoint/2010/main" val="3703811311"/>
+      </p:ext>
+    </p:extLst>
+  </p:cSld>
+  <p:clrMapOvr>
+    <a:masterClrMapping/>
+  </p:clrMapOvr>
+  <p:transition spd="med"/>
+  <p:timing>
+    <p:tnLst>
+      <p:par>
+        <p:cTn id="1" dur="indefinite" restart="never" nodeType="tmRoot"/>
+      </p:par>
+    </p:tnLst>
+  </p:timing>
+</p:sld>
+</file>
+
+<file path=ppt/slides/slide21.xml><?xml version="1.0" encoding="utf-8"?>
 <p:sld xmlns:a="http://schemas.openxmlformats.org/drawingml/2006/main" xmlns:r="http://schemas.openxmlformats.org/officeDocument/2006/relationships" xmlns:p="http://schemas.openxmlformats.org/presentationml/2006/main">
   <p:cSld>
     <p:spTree>
@@ -11680,32 +17364,56 @@
       </p:sp>
       <p:pic>
         <p:nvPicPr>
-          <p:cNvPr id="2" name="图片 1">
-            <a:extLst>
-              <a:ext uri="{FF2B5EF4-FFF2-40B4-BE49-F238E27FC236}">
-                <a16:creationId xmlns:a16="http://schemas.microsoft.com/office/drawing/2014/main" id="{0E195B06-7A18-4169-A48D-39320492FA51}"/>
-              </a:ext>
-            </a:extLst>
-          </p:cNvPr>
+          <p:cNvPr id="2050" name="Picture 2"/>
           <p:cNvPicPr>
-            <a:picLocks noChangeAspect="1"/>
+            <a:picLocks noChangeAspect="1" noChangeArrowheads="1"/>
           </p:cNvPicPr>
           <p:nvPr/>
         </p:nvPicPr>
         <p:blipFill>
-          <a:blip r:embed="rId3"/>
+          <a:blip r:embed="rId3">
+            <a:extLst>
+              <a:ext uri="{28A0092B-C50C-407E-A947-70E740481C1C}">
+                <a14:useLocalDpi xmlns:a14="http://schemas.microsoft.com/office/drawing/2010/main" val="0"/>
+              </a:ext>
+            </a:extLst>
+          </a:blip>
+          <a:srcRect/>
           <a:stretch>
             <a:fillRect/>
           </a:stretch>
         </p:blipFill>
-        <p:spPr>
+        <p:spPr bwMode="auto">
           <a:xfrm>
-            <a:off x="768659" y="840660"/>
-            <a:ext cx="7473147" cy="3828494"/>
+            <a:off x="208548" y="938769"/>
+            <a:ext cx="8714643" cy="3800177"/>
           </a:xfrm>
           <a:prstGeom prst="rect">
             <a:avLst/>
           </a:prstGeom>
+          <a:noFill/>
+          <a:ln>
+            <a:noFill/>
+          </a:ln>
+          <a:extLst>
+            <a:ext uri="{909E8E84-426E-40DD-AFC4-6F175D3DCCD1}">
+              <a14:hiddenFill xmlns:a14="http://schemas.microsoft.com/office/drawing/2010/main">
+                <a:solidFill>
+                  <a:schemeClr val="accent1"/>
+                </a:solidFill>
+              </a14:hiddenFill>
+            </a:ext>
+            <a:ext uri="{91240B29-F687-4F45-9708-019B960494DF}">
+              <a14:hiddenLine xmlns:a14="http://schemas.microsoft.com/office/drawing/2010/main" w="9525">
+                <a:solidFill>
+                  <a:schemeClr val="tx1"/>
+                </a:solidFill>
+                <a:miter lim="800000"/>
+                <a:headEnd/>
+                <a:tailEnd/>
+              </a14:hiddenLine>
+            </a:ext>
+          </a:extLst>
         </p:spPr>
       </p:pic>
     </p:spTree>
@@ -11849,7 +17557,7 @@
 </p:sld>
 </file>
 
-<file path=ppt/slides/slide19.xml><?xml version="1.0" encoding="utf-8"?>
+<file path=ppt/slides/slide22.xml><?xml version="1.0" encoding="utf-8"?>
 <p:sld xmlns:a="http://schemas.openxmlformats.org/drawingml/2006/main" xmlns:r="http://schemas.openxmlformats.org/officeDocument/2006/relationships" xmlns:p="http://schemas.openxmlformats.org/presentationml/2006/main">
   <p:cSld>
     <p:spTree>
@@ -15265,3763 +20973,7 @@
 </p:sld>
 </file>
 
-<file path=ppt/slides/slide2.xml><?xml version="1.0" encoding="utf-8"?>
-<p:sld xmlns:a="http://schemas.openxmlformats.org/drawingml/2006/main" xmlns:r="http://schemas.openxmlformats.org/officeDocument/2006/relationships" xmlns:p="http://schemas.openxmlformats.org/presentationml/2006/main">
-  <p:cSld>
-    <p:spTree>
-      <p:nvGrpSpPr>
-        <p:cNvPr id="1" name=""/>
-        <p:cNvGrpSpPr/>
-        <p:nvPr/>
-      </p:nvGrpSpPr>
-      <p:grpSpPr>
-        <a:xfrm>
-          <a:off x="0" y="0"/>
-          <a:ext cx="0" cy="0"/>
-          <a:chOff x="0" y="0"/>
-          <a:chExt cx="0" cy="0"/>
-        </a:xfrm>
-      </p:grpSpPr>
-      <p:sp>
-        <p:nvSpPr>
-          <p:cNvPr id="13314" name="Shape 99"/>
-          <p:cNvSpPr>
-            <a:spLocks noChangeArrowheads="1"/>
-          </p:cNvSpPr>
-          <p:nvPr/>
-        </p:nvSpPr>
-        <p:spPr bwMode="auto">
-          <a:xfrm>
-            <a:off x="2820988" y="820738"/>
-            <a:ext cx="3502025" cy="3502025"/>
-          </a:xfrm>
-          <a:custGeom>
-            <a:avLst/>
-            <a:gdLst>
-              <a:gd name="T0" fmla="*/ 16796 w 19679"/>
-              <a:gd name="T1" fmla="*/ 2882 h 19679"/>
-              <a:gd name="T2" fmla="*/ 16796 w 19679"/>
-              <a:gd name="T3" fmla="*/ 16796 h 19679"/>
-              <a:gd name="T4" fmla="*/ 2882 w 19679"/>
-              <a:gd name="T5" fmla="*/ 16796 h 19679"/>
-              <a:gd name="T6" fmla="*/ 2882 w 19679"/>
-              <a:gd name="T7" fmla="*/ 2882 h 19679"/>
-              <a:gd name="T8" fmla="*/ 16796 w 19679"/>
-              <a:gd name="T9" fmla="*/ 2882 h 19679"/>
-            </a:gdLst>
-            <a:ahLst/>
-            <a:cxnLst>
-              <a:cxn ang="0">
-                <a:pos x="T0" y="T1"/>
-              </a:cxn>
-              <a:cxn ang="0">
-                <a:pos x="T2" y="T3"/>
-              </a:cxn>
-              <a:cxn ang="0">
-                <a:pos x="T4" y="T5"/>
-              </a:cxn>
-              <a:cxn ang="0">
-                <a:pos x="T6" y="T7"/>
-              </a:cxn>
-              <a:cxn ang="0">
-                <a:pos x="T8" y="T9"/>
-              </a:cxn>
-            </a:cxnLst>
-            <a:rect l="0" t="0" r="r" b="b"/>
-            <a:pathLst>
-              <a:path w="19679" h="19679">
-                <a:moveTo>
-                  <a:pt x="16796" y="2882"/>
-                </a:moveTo>
-                <a:cubicBezTo>
-                  <a:pt x="20639" y="6724"/>
-                  <a:pt x="20639" y="12954"/>
-                  <a:pt x="16796" y="16796"/>
-                </a:cubicBezTo>
-                <a:cubicBezTo>
-                  <a:pt x="12954" y="20639"/>
-                  <a:pt x="6724" y="20639"/>
-                  <a:pt x="2882" y="16796"/>
-                </a:cubicBezTo>
-                <a:cubicBezTo>
-                  <a:pt x="-961" y="12954"/>
-                  <a:pt x="-961" y="6724"/>
-                  <a:pt x="2882" y="2882"/>
-                </a:cubicBezTo>
-                <a:cubicBezTo>
-                  <a:pt x="6724" y="-961"/>
-                  <a:pt x="12954" y="-961"/>
-                  <a:pt x="16796" y="2882"/>
-                </a:cubicBezTo>
-                <a:close/>
-              </a:path>
-            </a:pathLst>
-          </a:custGeom>
-          <a:noFill/>
-          <a:ln w="9525">
-            <a:solidFill>
-              <a:srgbClr val="FFFFFF">
-                <a:alpha val="65097"/>
-              </a:srgbClr>
-            </a:solidFill>
-            <a:miter lim="400000"/>
-            <a:headEnd/>
-            <a:tailEnd/>
-          </a:ln>
-          <a:extLst>
-            <a:ext uri="{909E8E84-426E-40DD-AFC4-6F175D3DCCD1}">
-              <a14:hiddenFill xmlns:a14="http://schemas.microsoft.com/office/drawing/2010/main">
-                <a:solidFill>
-                  <a:srgbClr val="FFFFFF"/>
-                </a:solidFill>
-              </a14:hiddenFill>
-            </a:ext>
-          </a:extLst>
-        </p:spPr>
-        <p:txBody>
-          <a:bodyPr/>
-          <a:lstStyle/>
-          <a:p>
-            <a:pPr eaLnBrk="0" hangingPunct="0"/>
-            <a:endParaRPr lang="zh-CN" altLang="en-US"/>
-          </a:p>
-        </p:txBody>
-      </p:sp>
-      <p:sp>
-        <p:nvSpPr>
-          <p:cNvPr id="13315" name="Shape 100"/>
-          <p:cNvSpPr>
-            <a:spLocks noChangeArrowheads="1"/>
-          </p:cNvSpPr>
-          <p:nvPr/>
-        </p:nvSpPr>
-        <p:spPr bwMode="auto">
-          <a:xfrm>
-            <a:off x="2001838" y="1588"/>
-            <a:ext cx="5140325" cy="5140325"/>
-          </a:xfrm>
-          <a:custGeom>
-            <a:avLst/>
-            <a:gdLst>
-              <a:gd name="T0" fmla="*/ 16796 w 19679"/>
-              <a:gd name="T1" fmla="*/ 2882 h 19679"/>
-              <a:gd name="T2" fmla="*/ 16796 w 19679"/>
-              <a:gd name="T3" fmla="*/ 16796 h 19679"/>
-              <a:gd name="T4" fmla="*/ 2882 w 19679"/>
-              <a:gd name="T5" fmla="*/ 16796 h 19679"/>
-              <a:gd name="T6" fmla="*/ 2882 w 19679"/>
-              <a:gd name="T7" fmla="*/ 2882 h 19679"/>
-              <a:gd name="T8" fmla="*/ 16796 w 19679"/>
-              <a:gd name="T9" fmla="*/ 2882 h 19679"/>
-            </a:gdLst>
-            <a:ahLst/>
-            <a:cxnLst>
-              <a:cxn ang="0">
-                <a:pos x="T0" y="T1"/>
-              </a:cxn>
-              <a:cxn ang="0">
-                <a:pos x="T2" y="T3"/>
-              </a:cxn>
-              <a:cxn ang="0">
-                <a:pos x="T4" y="T5"/>
-              </a:cxn>
-              <a:cxn ang="0">
-                <a:pos x="T6" y="T7"/>
-              </a:cxn>
-              <a:cxn ang="0">
-                <a:pos x="T8" y="T9"/>
-              </a:cxn>
-            </a:cxnLst>
-            <a:rect l="0" t="0" r="r" b="b"/>
-            <a:pathLst>
-              <a:path w="19679" h="19679">
-                <a:moveTo>
-                  <a:pt x="16796" y="2882"/>
-                </a:moveTo>
-                <a:cubicBezTo>
-                  <a:pt x="20639" y="6724"/>
-                  <a:pt x="20639" y="12954"/>
-                  <a:pt x="16796" y="16796"/>
-                </a:cubicBezTo>
-                <a:cubicBezTo>
-                  <a:pt x="12954" y="20639"/>
-                  <a:pt x="6724" y="20639"/>
-                  <a:pt x="2882" y="16796"/>
-                </a:cubicBezTo>
-                <a:cubicBezTo>
-                  <a:pt x="-961" y="12954"/>
-                  <a:pt x="-961" y="6724"/>
-                  <a:pt x="2882" y="2882"/>
-                </a:cubicBezTo>
-                <a:cubicBezTo>
-                  <a:pt x="6724" y="-961"/>
-                  <a:pt x="12954" y="-961"/>
-                  <a:pt x="16796" y="2882"/>
-                </a:cubicBezTo>
-                <a:close/>
-              </a:path>
-            </a:pathLst>
-          </a:custGeom>
-          <a:noFill/>
-          <a:ln w="6350">
-            <a:solidFill>
-              <a:srgbClr val="FFFFFF">
-                <a:alpha val="32156"/>
-              </a:srgbClr>
-            </a:solidFill>
-            <a:miter lim="400000"/>
-            <a:headEnd/>
-            <a:tailEnd/>
-          </a:ln>
-          <a:extLst>
-            <a:ext uri="{909E8E84-426E-40DD-AFC4-6F175D3DCCD1}">
-              <a14:hiddenFill xmlns:a14="http://schemas.microsoft.com/office/drawing/2010/main">
-                <a:solidFill>
-                  <a:srgbClr val="FFFFFF"/>
-                </a:solidFill>
-              </a14:hiddenFill>
-            </a:ext>
-          </a:extLst>
-        </p:spPr>
-        <p:txBody>
-          <a:bodyPr/>
-          <a:lstStyle/>
-          <a:p>
-            <a:pPr eaLnBrk="0" hangingPunct="0"/>
-            <a:endParaRPr lang="zh-CN" altLang="en-US"/>
-          </a:p>
-        </p:txBody>
-      </p:sp>
-      <p:sp>
-        <p:nvSpPr>
-          <p:cNvPr id="13316" name="Shape 101"/>
-          <p:cNvSpPr>
-            <a:spLocks noChangeArrowheads="1"/>
-          </p:cNvSpPr>
-          <p:nvPr/>
-        </p:nvSpPr>
-        <p:spPr bwMode="auto">
-          <a:xfrm rot="18871351" flipH="1">
-            <a:off x="7308850" y="688976"/>
-            <a:ext cx="987425" cy="19050"/>
-          </a:xfrm>
-          <a:prstGeom prst="roundRect">
-            <a:avLst>
-              <a:gd name="adj" fmla="val 16667"/>
-            </a:avLst>
-          </a:prstGeom>
-          <a:solidFill>
-            <a:srgbClr val="FFFFFF">
-              <a:alpha val="0"/>
-            </a:srgbClr>
-          </a:solidFill>
-          <a:ln>
-            <a:noFill/>
-          </a:ln>
-          <a:extLst>
-            <a:ext uri="{91240B29-F687-4F45-9708-019B960494DF}">
-              <a14:hiddenLine xmlns:a14="http://schemas.microsoft.com/office/drawing/2010/main" w="12700">
-                <a:solidFill>
-                  <a:srgbClr val="000000"/>
-                </a:solidFill>
-                <a:round/>
-                <a:headEnd/>
-                <a:tailEnd/>
-              </a14:hiddenLine>
-            </a:ext>
-          </a:extLst>
-        </p:spPr>
-        <p:txBody>
-          <a:bodyPr lIns="17145" rIns="17145" anchor="ctr"/>
-          <a:lstStyle>
-            <a:lvl1pPr defTabSz="342900" eaLnBrk="0" hangingPunct="0">
-              <a:defRPr>
-                <a:solidFill>
-                  <a:schemeClr val="tx1"/>
-                </a:solidFill>
-                <a:latin typeface="Helvetica Light"/>
-                <a:ea typeface="Helvetica Light"/>
-                <a:cs typeface="Helvetica Light"/>
-                <a:sym typeface="Helvetica Light"/>
-              </a:defRPr>
-            </a:lvl1pPr>
-            <a:lvl2pPr defTabSz="342900" eaLnBrk="0" hangingPunct="0">
-              <a:defRPr>
-                <a:solidFill>
-                  <a:schemeClr val="tx1"/>
-                </a:solidFill>
-                <a:latin typeface="Helvetica Light"/>
-                <a:ea typeface="Helvetica Light"/>
-                <a:cs typeface="Helvetica Light"/>
-                <a:sym typeface="Helvetica Light"/>
-              </a:defRPr>
-            </a:lvl2pPr>
-            <a:lvl3pPr defTabSz="342900" eaLnBrk="0" hangingPunct="0">
-              <a:defRPr>
-                <a:solidFill>
-                  <a:schemeClr val="tx1"/>
-                </a:solidFill>
-                <a:latin typeface="Helvetica Light"/>
-                <a:ea typeface="Helvetica Light"/>
-                <a:cs typeface="Helvetica Light"/>
-                <a:sym typeface="Helvetica Light"/>
-              </a:defRPr>
-            </a:lvl3pPr>
-            <a:lvl4pPr defTabSz="342900" eaLnBrk="0" hangingPunct="0">
-              <a:defRPr>
-                <a:solidFill>
-                  <a:schemeClr val="tx1"/>
-                </a:solidFill>
-                <a:latin typeface="Helvetica Light"/>
-                <a:ea typeface="Helvetica Light"/>
-                <a:cs typeface="Helvetica Light"/>
-                <a:sym typeface="Helvetica Light"/>
-              </a:defRPr>
-            </a:lvl4pPr>
-            <a:lvl5pPr defTabSz="342900" eaLnBrk="0" hangingPunct="0">
-              <a:defRPr>
-                <a:solidFill>
-                  <a:schemeClr val="tx1"/>
-                </a:solidFill>
-                <a:latin typeface="Helvetica Light"/>
-                <a:ea typeface="Helvetica Light"/>
-                <a:cs typeface="Helvetica Light"/>
-                <a:sym typeface="Helvetica Light"/>
-              </a:defRPr>
-            </a:lvl5pPr>
-            <a:lvl6pPr indent="-1485900" defTabSz="342900" eaLnBrk="0" fontAlgn="base" hangingPunct="0">
-              <a:spcBef>
-                <a:spcPct val="0"/>
-              </a:spcBef>
-              <a:spcAft>
-                <a:spcPct val="0"/>
-              </a:spcAft>
-              <a:buFont typeface="Arial" pitchFamily="34" charset="0"/>
-              <a:defRPr>
-                <a:solidFill>
-                  <a:schemeClr val="tx1"/>
-                </a:solidFill>
-                <a:latin typeface="Helvetica Light"/>
-                <a:ea typeface="Helvetica Light"/>
-                <a:cs typeface="Helvetica Light"/>
-                <a:sym typeface="Helvetica Light"/>
-              </a:defRPr>
-            </a:lvl6pPr>
-            <a:lvl7pPr indent="-1485900" defTabSz="342900" eaLnBrk="0" fontAlgn="base" hangingPunct="0">
-              <a:spcBef>
-                <a:spcPct val="0"/>
-              </a:spcBef>
-              <a:spcAft>
-                <a:spcPct val="0"/>
-              </a:spcAft>
-              <a:buFont typeface="Arial" pitchFamily="34" charset="0"/>
-              <a:defRPr>
-                <a:solidFill>
-                  <a:schemeClr val="tx1"/>
-                </a:solidFill>
-                <a:latin typeface="Helvetica Light"/>
-                <a:ea typeface="Helvetica Light"/>
-                <a:cs typeface="Helvetica Light"/>
-                <a:sym typeface="Helvetica Light"/>
-              </a:defRPr>
-            </a:lvl7pPr>
-            <a:lvl8pPr indent="-1485900" defTabSz="342900" eaLnBrk="0" fontAlgn="base" hangingPunct="0">
-              <a:spcBef>
-                <a:spcPct val="0"/>
-              </a:spcBef>
-              <a:spcAft>
-                <a:spcPct val="0"/>
-              </a:spcAft>
-              <a:buFont typeface="Arial" pitchFamily="34" charset="0"/>
-              <a:defRPr>
-                <a:solidFill>
-                  <a:schemeClr val="tx1"/>
-                </a:solidFill>
-                <a:latin typeface="Helvetica Light"/>
-                <a:ea typeface="Helvetica Light"/>
-                <a:cs typeface="Helvetica Light"/>
-                <a:sym typeface="Helvetica Light"/>
-              </a:defRPr>
-            </a:lvl8pPr>
-            <a:lvl9pPr indent="-1485900" defTabSz="342900" eaLnBrk="0" fontAlgn="base" hangingPunct="0">
-              <a:spcBef>
-                <a:spcPct val="0"/>
-              </a:spcBef>
-              <a:spcAft>
-                <a:spcPct val="0"/>
-              </a:spcAft>
-              <a:buFont typeface="Arial" pitchFamily="34" charset="0"/>
-              <a:defRPr>
-                <a:solidFill>
-                  <a:schemeClr val="tx1"/>
-                </a:solidFill>
-                <a:latin typeface="Helvetica Light"/>
-                <a:ea typeface="Helvetica Light"/>
-                <a:cs typeface="Helvetica Light"/>
-                <a:sym typeface="Helvetica Light"/>
-              </a:defRPr>
-            </a:lvl9pPr>
-          </a:lstStyle>
-          <a:p>
-            <a:pPr eaLnBrk="1" hangingPunct="1"/>
-            <a:endParaRPr lang="zh-CN" altLang="zh-CN" sz="600">
-              <a:solidFill>
-                <a:srgbClr val="000000"/>
-              </a:solidFill>
-              <a:latin typeface="Arial" pitchFamily="34" charset="0"/>
-              <a:cs typeface="Arial" pitchFamily="34" charset="0"/>
-              <a:sym typeface="Arial" pitchFamily="34" charset="0"/>
-            </a:endParaRPr>
-          </a:p>
-        </p:txBody>
-      </p:sp>
-      <p:sp>
-        <p:nvSpPr>
-          <p:cNvPr id="13317" name="Shape 102"/>
-          <p:cNvSpPr>
-            <a:spLocks noChangeArrowheads="1"/>
-          </p:cNvSpPr>
-          <p:nvPr/>
-        </p:nvSpPr>
-        <p:spPr bwMode="auto">
-          <a:xfrm rot="18871351" flipH="1">
-            <a:off x="7294563" y="1192213"/>
-            <a:ext cx="647700" cy="12700"/>
-          </a:xfrm>
-          <a:prstGeom prst="roundRect">
-            <a:avLst>
-              <a:gd name="adj" fmla="val 16667"/>
-            </a:avLst>
-          </a:prstGeom>
-          <a:solidFill>
-            <a:srgbClr val="FFFFFF">
-              <a:alpha val="0"/>
-            </a:srgbClr>
-          </a:solidFill>
-          <a:ln>
-            <a:noFill/>
-          </a:ln>
-          <a:extLst>
-            <a:ext uri="{91240B29-F687-4F45-9708-019B960494DF}">
-              <a14:hiddenLine xmlns:a14="http://schemas.microsoft.com/office/drawing/2010/main" w="12700">
-                <a:solidFill>
-                  <a:srgbClr val="000000"/>
-                </a:solidFill>
-                <a:round/>
-                <a:headEnd/>
-                <a:tailEnd/>
-              </a14:hiddenLine>
-            </a:ext>
-          </a:extLst>
-        </p:spPr>
-        <p:txBody>
-          <a:bodyPr lIns="17145" rIns="17145" anchor="ctr"/>
-          <a:lstStyle>
-            <a:lvl1pPr defTabSz="342900" eaLnBrk="0" hangingPunct="0">
-              <a:defRPr>
-                <a:solidFill>
-                  <a:schemeClr val="tx1"/>
-                </a:solidFill>
-                <a:latin typeface="Helvetica Light"/>
-                <a:ea typeface="Helvetica Light"/>
-                <a:cs typeface="Helvetica Light"/>
-                <a:sym typeface="Helvetica Light"/>
-              </a:defRPr>
-            </a:lvl1pPr>
-            <a:lvl2pPr defTabSz="342900" eaLnBrk="0" hangingPunct="0">
-              <a:defRPr>
-                <a:solidFill>
-                  <a:schemeClr val="tx1"/>
-                </a:solidFill>
-                <a:latin typeface="Helvetica Light"/>
-                <a:ea typeface="Helvetica Light"/>
-                <a:cs typeface="Helvetica Light"/>
-                <a:sym typeface="Helvetica Light"/>
-              </a:defRPr>
-            </a:lvl2pPr>
-            <a:lvl3pPr defTabSz="342900" eaLnBrk="0" hangingPunct="0">
-              <a:defRPr>
-                <a:solidFill>
-                  <a:schemeClr val="tx1"/>
-                </a:solidFill>
-                <a:latin typeface="Helvetica Light"/>
-                <a:ea typeface="Helvetica Light"/>
-                <a:cs typeface="Helvetica Light"/>
-                <a:sym typeface="Helvetica Light"/>
-              </a:defRPr>
-            </a:lvl3pPr>
-            <a:lvl4pPr defTabSz="342900" eaLnBrk="0" hangingPunct="0">
-              <a:defRPr>
-                <a:solidFill>
-                  <a:schemeClr val="tx1"/>
-                </a:solidFill>
-                <a:latin typeface="Helvetica Light"/>
-                <a:ea typeface="Helvetica Light"/>
-                <a:cs typeface="Helvetica Light"/>
-                <a:sym typeface="Helvetica Light"/>
-              </a:defRPr>
-            </a:lvl4pPr>
-            <a:lvl5pPr defTabSz="342900" eaLnBrk="0" hangingPunct="0">
-              <a:defRPr>
-                <a:solidFill>
-                  <a:schemeClr val="tx1"/>
-                </a:solidFill>
-                <a:latin typeface="Helvetica Light"/>
-                <a:ea typeface="Helvetica Light"/>
-                <a:cs typeface="Helvetica Light"/>
-                <a:sym typeface="Helvetica Light"/>
-              </a:defRPr>
-            </a:lvl5pPr>
-            <a:lvl6pPr indent="-1485900" defTabSz="342900" eaLnBrk="0" fontAlgn="base" hangingPunct="0">
-              <a:spcBef>
-                <a:spcPct val="0"/>
-              </a:spcBef>
-              <a:spcAft>
-                <a:spcPct val="0"/>
-              </a:spcAft>
-              <a:buFont typeface="Arial" pitchFamily="34" charset="0"/>
-              <a:defRPr>
-                <a:solidFill>
-                  <a:schemeClr val="tx1"/>
-                </a:solidFill>
-                <a:latin typeface="Helvetica Light"/>
-                <a:ea typeface="Helvetica Light"/>
-                <a:cs typeface="Helvetica Light"/>
-                <a:sym typeface="Helvetica Light"/>
-              </a:defRPr>
-            </a:lvl6pPr>
-            <a:lvl7pPr indent="-1485900" defTabSz="342900" eaLnBrk="0" fontAlgn="base" hangingPunct="0">
-              <a:spcBef>
-                <a:spcPct val="0"/>
-              </a:spcBef>
-              <a:spcAft>
-                <a:spcPct val="0"/>
-              </a:spcAft>
-              <a:buFont typeface="Arial" pitchFamily="34" charset="0"/>
-              <a:defRPr>
-                <a:solidFill>
-                  <a:schemeClr val="tx1"/>
-                </a:solidFill>
-                <a:latin typeface="Helvetica Light"/>
-                <a:ea typeface="Helvetica Light"/>
-                <a:cs typeface="Helvetica Light"/>
-                <a:sym typeface="Helvetica Light"/>
-              </a:defRPr>
-            </a:lvl7pPr>
-            <a:lvl8pPr indent="-1485900" defTabSz="342900" eaLnBrk="0" fontAlgn="base" hangingPunct="0">
-              <a:spcBef>
-                <a:spcPct val="0"/>
-              </a:spcBef>
-              <a:spcAft>
-                <a:spcPct val="0"/>
-              </a:spcAft>
-              <a:buFont typeface="Arial" pitchFamily="34" charset="0"/>
-              <a:defRPr>
-                <a:solidFill>
-                  <a:schemeClr val="tx1"/>
-                </a:solidFill>
-                <a:latin typeface="Helvetica Light"/>
-                <a:ea typeface="Helvetica Light"/>
-                <a:cs typeface="Helvetica Light"/>
-                <a:sym typeface="Helvetica Light"/>
-              </a:defRPr>
-            </a:lvl8pPr>
-            <a:lvl9pPr indent="-1485900" defTabSz="342900" eaLnBrk="0" fontAlgn="base" hangingPunct="0">
-              <a:spcBef>
-                <a:spcPct val="0"/>
-              </a:spcBef>
-              <a:spcAft>
-                <a:spcPct val="0"/>
-              </a:spcAft>
-              <a:buFont typeface="Arial" pitchFamily="34" charset="0"/>
-              <a:defRPr>
-                <a:solidFill>
-                  <a:schemeClr val="tx1"/>
-                </a:solidFill>
-                <a:latin typeface="Helvetica Light"/>
-                <a:ea typeface="Helvetica Light"/>
-                <a:cs typeface="Helvetica Light"/>
-                <a:sym typeface="Helvetica Light"/>
-              </a:defRPr>
-            </a:lvl9pPr>
-          </a:lstStyle>
-          <a:p>
-            <a:pPr eaLnBrk="1" hangingPunct="1"/>
-            <a:endParaRPr lang="zh-CN" altLang="zh-CN" sz="600">
-              <a:solidFill>
-                <a:srgbClr val="000000"/>
-              </a:solidFill>
-              <a:latin typeface="Arial" pitchFamily="34" charset="0"/>
-              <a:cs typeface="Arial" pitchFamily="34" charset="0"/>
-              <a:sym typeface="Arial" pitchFamily="34" charset="0"/>
-            </a:endParaRPr>
-          </a:p>
-        </p:txBody>
-      </p:sp>
-      <p:sp>
-        <p:nvSpPr>
-          <p:cNvPr id="13318" name="Shape 103"/>
-          <p:cNvSpPr>
-            <a:spLocks noChangeArrowheads="1"/>
-          </p:cNvSpPr>
-          <p:nvPr/>
-        </p:nvSpPr>
-        <p:spPr bwMode="auto">
-          <a:xfrm rot="18871351" flipH="1">
-            <a:off x="5456237" y="892176"/>
-            <a:ext cx="625475" cy="12700"/>
-          </a:xfrm>
-          <a:prstGeom prst="roundRect">
-            <a:avLst>
-              <a:gd name="adj" fmla="val 16667"/>
-            </a:avLst>
-          </a:prstGeom>
-          <a:solidFill>
-            <a:srgbClr val="FFFFFF">
-              <a:alpha val="0"/>
-            </a:srgbClr>
-          </a:solidFill>
-          <a:ln>
-            <a:noFill/>
-          </a:ln>
-          <a:extLst>
-            <a:ext uri="{91240B29-F687-4F45-9708-019B960494DF}">
-              <a14:hiddenLine xmlns:a14="http://schemas.microsoft.com/office/drawing/2010/main" w="12700">
-                <a:solidFill>
-                  <a:srgbClr val="000000"/>
-                </a:solidFill>
-                <a:round/>
-                <a:headEnd/>
-                <a:tailEnd/>
-              </a14:hiddenLine>
-            </a:ext>
-          </a:extLst>
-        </p:spPr>
-        <p:txBody>
-          <a:bodyPr lIns="17145" rIns="17145" anchor="ctr"/>
-          <a:lstStyle>
-            <a:lvl1pPr defTabSz="342900" eaLnBrk="0" hangingPunct="0">
-              <a:defRPr>
-                <a:solidFill>
-                  <a:schemeClr val="tx1"/>
-                </a:solidFill>
-                <a:latin typeface="Helvetica Light"/>
-                <a:ea typeface="Helvetica Light"/>
-                <a:cs typeface="Helvetica Light"/>
-                <a:sym typeface="Helvetica Light"/>
-              </a:defRPr>
-            </a:lvl1pPr>
-            <a:lvl2pPr defTabSz="342900" eaLnBrk="0" hangingPunct="0">
-              <a:defRPr>
-                <a:solidFill>
-                  <a:schemeClr val="tx1"/>
-                </a:solidFill>
-                <a:latin typeface="Helvetica Light"/>
-                <a:ea typeface="Helvetica Light"/>
-                <a:cs typeface="Helvetica Light"/>
-                <a:sym typeface="Helvetica Light"/>
-              </a:defRPr>
-            </a:lvl2pPr>
-            <a:lvl3pPr defTabSz="342900" eaLnBrk="0" hangingPunct="0">
-              <a:defRPr>
-                <a:solidFill>
-                  <a:schemeClr val="tx1"/>
-                </a:solidFill>
-                <a:latin typeface="Helvetica Light"/>
-                <a:ea typeface="Helvetica Light"/>
-                <a:cs typeface="Helvetica Light"/>
-                <a:sym typeface="Helvetica Light"/>
-              </a:defRPr>
-            </a:lvl3pPr>
-            <a:lvl4pPr defTabSz="342900" eaLnBrk="0" hangingPunct="0">
-              <a:defRPr>
-                <a:solidFill>
-                  <a:schemeClr val="tx1"/>
-                </a:solidFill>
-                <a:latin typeface="Helvetica Light"/>
-                <a:ea typeface="Helvetica Light"/>
-                <a:cs typeface="Helvetica Light"/>
-                <a:sym typeface="Helvetica Light"/>
-              </a:defRPr>
-            </a:lvl4pPr>
-            <a:lvl5pPr defTabSz="342900" eaLnBrk="0" hangingPunct="0">
-              <a:defRPr>
-                <a:solidFill>
-                  <a:schemeClr val="tx1"/>
-                </a:solidFill>
-                <a:latin typeface="Helvetica Light"/>
-                <a:ea typeface="Helvetica Light"/>
-                <a:cs typeface="Helvetica Light"/>
-                <a:sym typeface="Helvetica Light"/>
-              </a:defRPr>
-            </a:lvl5pPr>
-            <a:lvl6pPr indent="-1485900" defTabSz="342900" eaLnBrk="0" fontAlgn="base" hangingPunct="0">
-              <a:spcBef>
-                <a:spcPct val="0"/>
-              </a:spcBef>
-              <a:spcAft>
-                <a:spcPct val="0"/>
-              </a:spcAft>
-              <a:buFont typeface="Arial" pitchFamily="34" charset="0"/>
-              <a:defRPr>
-                <a:solidFill>
-                  <a:schemeClr val="tx1"/>
-                </a:solidFill>
-                <a:latin typeface="Helvetica Light"/>
-                <a:ea typeface="Helvetica Light"/>
-                <a:cs typeface="Helvetica Light"/>
-                <a:sym typeface="Helvetica Light"/>
-              </a:defRPr>
-            </a:lvl6pPr>
-            <a:lvl7pPr indent="-1485900" defTabSz="342900" eaLnBrk="0" fontAlgn="base" hangingPunct="0">
-              <a:spcBef>
-                <a:spcPct val="0"/>
-              </a:spcBef>
-              <a:spcAft>
-                <a:spcPct val="0"/>
-              </a:spcAft>
-              <a:buFont typeface="Arial" pitchFamily="34" charset="0"/>
-              <a:defRPr>
-                <a:solidFill>
-                  <a:schemeClr val="tx1"/>
-                </a:solidFill>
-                <a:latin typeface="Helvetica Light"/>
-                <a:ea typeface="Helvetica Light"/>
-                <a:cs typeface="Helvetica Light"/>
-                <a:sym typeface="Helvetica Light"/>
-              </a:defRPr>
-            </a:lvl7pPr>
-            <a:lvl8pPr indent="-1485900" defTabSz="342900" eaLnBrk="0" fontAlgn="base" hangingPunct="0">
-              <a:spcBef>
-                <a:spcPct val="0"/>
-              </a:spcBef>
-              <a:spcAft>
-                <a:spcPct val="0"/>
-              </a:spcAft>
-              <a:buFont typeface="Arial" pitchFamily="34" charset="0"/>
-              <a:defRPr>
-                <a:solidFill>
-                  <a:schemeClr val="tx1"/>
-                </a:solidFill>
-                <a:latin typeface="Helvetica Light"/>
-                <a:ea typeface="Helvetica Light"/>
-                <a:cs typeface="Helvetica Light"/>
-                <a:sym typeface="Helvetica Light"/>
-              </a:defRPr>
-            </a:lvl8pPr>
-            <a:lvl9pPr indent="-1485900" defTabSz="342900" eaLnBrk="0" fontAlgn="base" hangingPunct="0">
-              <a:spcBef>
-                <a:spcPct val="0"/>
-              </a:spcBef>
-              <a:spcAft>
-                <a:spcPct val="0"/>
-              </a:spcAft>
-              <a:buFont typeface="Arial" pitchFamily="34" charset="0"/>
-              <a:defRPr>
-                <a:solidFill>
-                  <a:schemeClr val="tx1"/>
-                </a:solidFill>
-                <a:latin typeface="Helvetica Light"/>
-                <a:ea typeface="Helvetica Light"/>
-                <a:cs typeface="Helvetica Light"/>
-                <a:sym typeface="Helvetica Light"/>
-              </a:defRPr>
-            </a:lvl9pPr>
-          </a:lstStyle>
-          <a:p>
-            <a:pPr eaLnBrk="1" hangingPunct="1"/>
-            <a:endParaRPr lang="zh-CN" altLang="zh-CN" sz="600">
-              <a:solidFill>
-                <a:srgbClr val="000000"/>
-              </a:solidFill>
-              <a:latin typeface="Arial" pitchFamily="34" charset="0"/>
-              <a:cs typeface="Arial" pitchFamily="34" charset="0"/>
-              <a:sym typeface="Arial" pitchFamily="34" charset="0"/>
-            </a:endParaRPr>
-          </a:p>
-        </p:txBody>
-      </p:sp>
-      <p:sp>
-        <p:nvSpPr>
-          <p:cNvPr id="13319" name="Shape 104"/>
-          <p:cNvSpPr>
-            <a:spLocks noChangeArrowheads="1"/>
-          </p:cNvSpPr>
-          <p:nvPr/>
-        </p:nvSpPr>
-        <p:spPr bwMode="auto">
-          <a:xfrm rot="18871351" flipH="1">
-            <a:off x="6677025" y="2354263"/>
-            <a:ext cx="1065213" cy="20637"/>
-          </a:xfrm>
-          <a:prstGeom prst="roundRect">
-            <a:avLst>
-              <a:gd name="adj" fmla="val 16667"/>
-            </a:avLst>
-          </a:prstGeom>
-          <a:solidFill>
-            <a:srgbClr val="FFFFFF">
-              <a:alpha val="0"/>
-            </a:srgbClr>
-          </a:solidFill>
-          <a:ln>
-            <a:noFill/>
-          </a:ln>
-          <a:extLst>
-            <a:ext uri="{91240B29-F687-4F45-9708-019B960494DF}">
-              <a14:hiddenLine xmlns:a14="http://schemas.microsoft.com/office/drawing/2010/main" w="12700">
-                <a:solidFill>
-                  <a:srgbClr val="000000"/>
-                </a:solidFill>
-                <a:round/>
-                <a:headEnd/>
-                <a:tailEnd/>
-              </a14:hiddenLine>
-            </a:ext>
-          </a:extLst>
-        </p:spPr>
-        <p:txBody>
-          <a:bodyPr lIns="17145" rIns="17145" anchor="ctr"/>
-          <a:lstStyle>
-            <a:lvl1pPr defTabSz="342900" eaLnBrk="0" hangingPunct="0">
-              <a:defRPr>
-                <a:solidFill>
-                  <a:schemeClr val="tx1"/>
-                </a:solidFill>
-                <a:latin typeface="Helvetica Light"/>
-                <a:ea typeface="Helvetica Light"/>
-                <a:cs typeface="Helvetica Light"/>
-                <a:sym typeface="Helvetica Light"/>
-              </a:defRPr>
-            </a:lvl1pPr>
-            <a:lvl2pPr defTabSz="342900" eaLnBrk="0" hangingPunct="0">
-              <a:defRPr>
-                <a:solidFill>
-                  <a:schemeClr val="tx1"/>
-                </a:solidFill>
-                <a:latin typeface="Helvetica Light"/>
-                <a:ea typeface="Helvetica Light"/>
-                <a:cs typeface="Helvetica Light"/>
-                <a:sym typeface="Helvetica Light"/>
-              </a:defRPr>
-            </a:lvl2pPr>
-            <a:lvl3pPr defTabSz="342900" eaLnBrk="0" hangingPunct="0">
-              <a:defRPr>
-                <a:solidFill>
-                  <a:schemeClr val="tx1"/>
-                </a:solidFill>
-                <a:latin typeface="Helvetica Light"/>
-                <a:ea typeface="Helvetica Light"/>
-                <a:cs typeface="Helvetica Light"/>
-                <a:sym typeface="Helvetica Light"/>
-              </a:defRPr>
-            </a:lvl3pPr>
-            <a:lvl4pPr defTabSz="342900" eaLnBrk="0" hangingPunct="0">
-              <a:defRPr>
-                <a:solidFill>
-                  <a:schemeClr val="tx1"/>
-                </a:solidFill>
-                <a:latin typeface="Helvetica Light"/>
-                <a:ea typeface="Helvetica Light"/>
-                <a:cs typeface="Helvetica Light"/>
-                <a:sym typeface="Helvetica Light"/>
-              </a:defRPr>
-            </a:lvl4pPr>
-            <a:lvl5pPr defTabSz="342900" eaLnBrk="0" hangingPunct="0">
-              <a:defRPr>
-                <a:solidFill>
-                  <a:schemeClr val="tx1"/>
-                </a:solidFill>
-                <a:latin typeface="Helvetica Light"/>
-                <a:ea typeface="Helvetica Light"/>
-                <a:cs typeface="Helvetica Light"/>
-                <a:sym typeface="Helvetica Light"/>
-              </a:defRPr>
-            </a:lvl5pPr>
-            <a:lvl6pPr indent="-1485900" defTabSz="342900" eaLnBrk="0" fontAlgn="base" hangingPunct="0">
-              <a:spcBef>
-                <a:spcPct val="0"/>
-              </a:spcBef>
-              <a:spcAft>
-                <a:spcPct val="0"/>
-              </a:spcAft>
-              <a:buFont typeface="Arial" pitchFamily="34" charset="0"/>
-              <a:defRPr>
-                <a:solidFill>
-                  <a:schemeClr val="tx1"/>
-                </a:solidFill>
-                <a:latin typeface="Helvetica Light"/>
-                <a:ea typeface="Helvetica Light"/>
-                <a:cs typeface="Helvetica Light"/>
-                <a:sym typeface="Helvetica Light"/>
-              </a:defRPr>
-            </a:lvl6pPr>
-            <a:lvl7pPr indent="-1485900" defTabSz="342900" eaLnBrk="0" fontAlgn="base" hangingPunct="0">
-              <a:spcBef>
-                <a:spcPct val="0"/>
-              </a:spcBef>
-              <a:spcAft>
-                <a:spcPct val="0"/>
-              </a:spcAft>
-              <a:buFont typeface="Arial" pitchFamily="34" charset="0"/>
-              <a:defRPr>
-                <a:solidFill>
-                  <a:schemeClr val="tx1"/>
-                </a:solidFill>
-                <a:latin typeface="Helvetica Light"/>
-                <a:ea typeface="Helvetica Light"/>
-                <a:cs typeface="Helvetica Light"/>
-                <a:sym typeface="Helvetica Light"/>
-              </a:defRPr>
-            </a:lvl7pPr>
-            <a:lvl8pPr indent="-1485900" defTabSz="342900" eaLnBrk="0" fontAlgn="base" hangingPunct="0">
-              <a:spcBef>
-                <a:spcPct val="0"/>
-              </a:spcBef>
-              <a:spcAft>
-                <a:spcPct val="0"/>
-              </a:spcAft>
-              <a:buFont typeface="Arial" pitchFamily="34" charset="0"/>
-              <a:defRPr>
-                <a:solidFill>
-                  <a:schemeClr val="tx1"/>
-                </a:solidFill>
-                <a:latin typeface="Helvetica Light"/>
-                <a:ea typeface="Helvetica Light"/>
-                <a:cs typeface="Helvetica Light"/>
-                <a:sym typeface="Helvetica Light"/>
-              </a:defRPr>
-            </a:lvl8pPr>
-            <a:lvl9pPr indent="-1485900" defTabSz="342900" eaLnBrk="0" fontAlgn="base" hangingPunct="0">
-              <a:spcBef>
-                <a:spcPct val="0"/>
-              </a:spcBef>
-              <a:spcAft>
-                <a:spcPct val="0"/>
-              </a:spcAft>
-              <a:buFont typeface="Arial" pitchFamily="34" charset="0"/>
-              <a:defRPr>
-                <a:solidFill>
-                  <a:schemeClr val="tx1"/>
-                </a:solidFill>
-                <a:latin typeface="Helvetica Light"/>
-                <a:ea typeface="Helvetica Light"/>
-                <a:cs typeface="Helvetica Light"/>
-                <a:sym typeface="Helvetica Light"/>
-              </a:defRPr>
-            </a:lvl9pPr>
-          </a:lstStyle>
-          <a:p>
-            <a:pPr eaLnBrk="1" hangingPunct="1"/>
-            <a:endParaRPr lang="zh-CN" altLang="zh-CN" sz="600">
-              <a:solidFill>
-                <a:srgbClr val="000000"/>
-              </a:solidFill>
-              <a:latin typeface="Arial" pitchFamily="34" charset="0"/>
-              <a:cs typeface="Arial" pitchFamily="34" charset="0"/>
-              <a:sym typeface="Arial" pitchFamily="34" charset="0"/>
-            </a:endParaRPr>
-          </a:p>
-        </p:txBody>
-      </p:sp>
-      <p:sp>
-        <p:nvSpPr>
-          <p:cNvPr id="13326" name="Shape 101"/>
-          <p:cNvSpPr>
-            <a:spLocks noChangeArrowheads="1"/>
-          </p:cNvSpPr>
-          <p:nvPr/>
-        </p:nvSpPr>
-        <p:spPr bwMode="auto">
-          <a:xfrm rot="18871351" flipH="1">
-            <a:off x="2300288" y="3560763"/>
-            <a:ext cx="990600" cy="19050"/>
-          </a:xfrm>
-          <a:prstGeom prst="roundRect">
-            <a:avLst>
-              <a:gd name="adj" fmla="val 16667"/>
-            </a:avLst>
-          </a:prstGeom>
-          <a:solidFill>
-            <a:srgbClr val="FFFFFF">
-              <a:alpha val="0"/>
-            </a:srgbClr>
-          </a:solidFill>
-          <a:ln>
-            <a:noFill/>
-          </a:ln>
-          <a:extLst>
-            <a:ext uri="{91240B29-F687-4F45-9708-019B960494DF}">
-              <a14:hiddenLine xmlns:a14="http://schemas.microsoft.com/office/drawing/2010/main" w="12700">
-                <a:solidFill>
-                  <a:srgbClr val="000000"/>
-                </a:solidFill>
-                <a:round/>
-                <a:headEnd/>
-                <a:tailEnd/>
-              </a14:hiddenLine>
-            </a:ext>
-          </a:extLst>
-        </p:spPr>
-        <p:txBody>
-          <a:bodyPr lIns="17145" rIns="17145" anchor="ctr"/>
-          <a:lstStyle>
-            <a:lvl1pPr defTabSz="342900" eaLnBrk="0" hangingPunct="0">
-              <a:defRPr>
-                <a:solidFill>
-                  <a:schemeClr val="tx1"/>
-                </a:solidFill>
-                <a:latin typeface="Helvetica Light"/>
-                <a:ea typeface="Helvetica Light"/>
-                <a:cs typeface="Helvetica Light"/>
-                <a:sym typeface="Helvetica Light"/>
-              </a:defRPr>
-            </a:lvl1pPr>
-            <a:lvl2pPr defTabSz="342900" eaLnBrk="0" hangingPunct="0">
-              <a:defRPr>
-                <a:solidFill>
-                  <a:schemeClr val="tx1"/>
-                </a:solidFill>
-                <a:latin typeface="Helvetica Light"/>
-                <a:ea typeface="Helvetica Light"/>
-                <a:cs typeface="Helvetica Light"/>
-                <a:sym typeface="Helvetica Light"/>
-              </a:defRPr>
-            </a:lvl2pPr>
-            <a:lvl3pPr defTabSz="342900" eaLnBrk="0" hangingPunct="0">
-              <a:defRPr>
-                <a:solidFill>
-                  <a:schemeClr val="tx1"/>
-                </a:solidFill>
-                <a:latin typeface="Helvetica Light"/>
-                <a:ea typeface="Helvetica Light"/>
-                <a:cs typeface="Helvetica Light"/>
-                <a:sym typeface="Helvetica Light"/>
-              </a:defRPr>
-            </a:lvl3pPr>
-            <a:lvl4pPr defTabSz="342900" eaLnBrk="0" hangingPunct="0">
-              <a:defRPr>
-                <a:solidFill>
-                  <a:schemeClr val="tx1"/>
-                </a:solidFill>
-                <a:latin typeface="Helvetica Light"/>
-                <a:ea typeface="Helvetica Light"/>
-                <a:cs typeface="Helvetica Light"/>
-                <a:sym typeface="Helvetica Light"/>
-              </a:defRPr>
-            </a:lvl4pPr>
-            <a:lvl5pPr defTabSz="342900" eaLnBrk="0" hangingPunct="0">
-              <a:defRPr>
-                <a:solidFill>
-                  <a:schemeClr val="tx1"/>
-                </a:solidFill>
-                <a:latin typeface="Helvetica Light"/>
-                <a:ea typeface="Helvetica Light"/>
-                <a:cs typeface="Helvetica Light"/>
-                <a:sym typeface="Helvetica Light"/>
-              </a:defRPr>
-            </a:lvl5pPr>
-            <a:lvl6pPr indent="-1485900" defTabSz="342900" eaLnBrk="0" fontAlgn="base" hangingPunct="0">
-              <a:spcBef>
-                <a:spcPct val="0"/>
-              </a:spcBef>
-              <a:spcAft>
-                <a:spcPct val="0"/>
-              </a:spcAft>
-              <a:buFont typeface="Arial" pitchFamily="34" charset="0"/>
-              <a:defRPr>
-                <a:solidFill>
-                  <a:schemeClr val="tx1"/>
-                </a:solidFill>
-                <a:latin typeface="Helvetica Light"/>
-                <a:ea typeface="Helvetica Light"/>
-                <a:cs typeface="Helvetica Light"/>
-                <a:sym typeface="Helvetica Light"/>
-              </a:defRPr>
-            </a:lvl6pPr>
-            <a:lvl7pPr indent="-1485900" defTabSz="342900" eaLnBrk="0" fontAlgn="base" hangingPunct="0">
-              <a:spcBef>
-                <a:spcPct val="0"/>
-              </a:spcBef>
-              <a:spcAft>
-                <a:spcPct val="0"/>
-              </a:spcAft>
-              <a:buFont typeface="Arial" pitchFamily="34" charset="0"/>
-              <a:defRPr>
-                <a:solidFill>
-                  <a:schemeClr val="tx1"/>
-                </a:solidFill>
-                <a:latin typeface="Helvetica Light"/>
-                <a:ea typeface="Helvetica Light"/>
-                <a:cs typeface="Helvetica Light"/>
-                <a:sym typeface="Helvetica Light"/>
-              </a:defRPr>
-            </a:lvl7pPr>
-            <a:lvl8pPr indent="-1485900" defTabSz="342900" eaLnBrk="0" fontAlgn="base" hangingPunct="0">
-              <a:spcBef>
-                <a:spcPct val="0"/>
-              </a:spcBef>
-              <a:spcAft>
-                <a:spcPct val="0"/>
-              </a:spcAft>
-              <a:buFont typeface="Arial" pitchFamily="34" charset="0"/>
-              <a:defRPr>
-                <a:solidFill>
-                  <a:schemeClr val="tx1"/>
-                </a:solidFill>
-                <a:latin typeface="Helvetica Light"/>
-                <a:ea typeface="Helvetica Light"/>
-                <a:cs typeface="Helvetica Light"/>
-                <a:sym typeface="Helvetica Light"/>
-              </a:defRPr>
-            </a:lvl8pPr>
-            <a:lvl9pPr indent="-1485900" defTabSz="342900" eaLnBrk="0" fontAlgn="base" hangingPunct="0">
-              <a:spcBef>
-                <a:spcPct val="0"/>
-              </a:spcBef>
-              <a:spcAft>
-                <a:spcPct val="0"/>
-              </a:spcAft>
-              <a:buFont typeface="Arial" pitchFamily="34" charset="0"/>
-              <a:defRPr>
-                <a:solidFill>
-                  <a:schemeClr val="tx1"/>
-                </a:solidFill>
-                <a:latin typeface="Helvetica Light"/>
-                <a:ea typeface="Helvetica Light"/>
-                <a:cs typeface="Helvetica Light"/>
-                <a:sym typeface="Helvetica Light"/>
-              </a:defRPr>
-            </a:lvl9pPr>
-          </a:lstStyle>
-          <a:p>
-            <a:pPr eaLnBrk="1" hangingPunct="1"/>
-            <a:endParaRPr lang="zh-CN" altLang="zh-CN" sz="600">
-              <a:solidFill>
-                <a:srgbClr val="000000"/>
-              </a:solidFill>
-              <a:latin typeface="Arial" pitchFamily="34" charset="0"/>
-              <a:cs typeface="Arial" pitchFamily="34" charset="0"/>
-              <a:sym typeface="Arial" pitchFamily="34" charset="0"/>
-            </a:endParaRPr>
-          </a:p>
-        </p:txBody>
-      </p:sp>
-      <p:sp>
-        <p:nvSpPr>
-          <p:cNvPr id="13327" name="Shape 102"/>
-          <p:cNvSpPr>
-            <a:spLocks noChangeArrowheads="1"/>
-          </p:cNvSpPr>
-          <p:nvPr/>
-        </p:nvSpPr>
-        <p:spPr bwMode="auto">
-          <a:xfrm rot="18871351" flipH="1">
-            <a:off x="2290763" y="4064000"/>
-            <a:ext cx="647700" cy="12700"/>
-          </a:xfrm>
-          <a:prstGeom prst="roundRect">
-            <a:avLst>
-              <a:gd name="adj" fmla="val 16667"/>
-            </a:avLst>
-          </a:prstGeom>
-          <a:solidFill>
-            <a:srgbClr val="FFFFFF">
-              <a:alpha val="0"/>
-            </a:srgbClr>
-          </a:solidFill>
-          <a:ln>
-            <a:noFill/>
-          </a:ln>
-          <a:extLst>
-            <a:ext uri="{91240B29-F687-4F45-9708-019B960494DF}">
-              <a14:hiddenLine xmlns:a14="http://schemas.microsoft.com/office/drawing/2010/main" w="12700">
-                <a:solidFill>
-                  <a:srgbClr val="000000"/>
-                </a:solidFill>
-                <a:round/>
-                <a:headEnd/>
-                <a:tailEnd/>
-              </a14:hiddenLine>
-            </a:ext>
-          </a:extLst>
-        </p:spPr>
-        <p:txBody>
-          <a:bodyPr lIns="17145" rIns="17145" anchor="ctr"/>
-          <a:lstStyle>
-            <a:lvl1pPr defTabSz="342900" eaLnBrk="0" hangingPunct="0">
-              <a:defRPr>
-                <a:solidFill>
-                  <a:schemeClr val="tx1"/>
-                </a:solidFill>
-                <a:latin typeface="Helvetica Light"/>
-                <a:ea typeface="Helvetica Light"/>
-                <a:cs typeface="Helvetica Light"/>
-                <a:sym typeface="Helvetica Light"/>
-              </a:defRPr>
-            </a:lvl1pPr>
-            <a:lvl2pPr defTabSz="342900" eaLnBrk="0" hangingPunct="0">
-              <a:defRPr>
-                <a:solidFill>
-                  <a:schemeClr val="tx1"/>
-                </a:solidFill>
-                <a:latin typeface="Helvetica Light"/>
-                <a:ea typeface="Helvetica Light"/>
-                <a:cs typeface="Helvetica Light"/>
-                <a:sym typeface="Helvetica Light"/>
-              </a:defRPr>
-            </a:lvl2pPr>
-            <a:lvl3pPr defTabSz="342900" eaLnBrk="0" hangingPunct="0">
-              <a:defRPr>
-                <a:solidFill>
-                  <a:schemeClr val="tx1"/>
-                </a:solidFill>
-                <a:latin typeface="Helvetica Light"/>
-                <a:ea typeface="Helvetica Light"/>
-                <a:cs typeface="Helvetica Light"/>
-                <a:sym typeface="Helvetica Light"/>
-              </a:defRPr>
-            </a:lvl3pPr>
-            <a:lvl4pPr defTabSz="342900" eaLnBrk="0" hangingPunct="0">
-              <a:defRPr>
-                <a:solidFill>
-                  <a:schemeClr val="tx1"/>
-                </a:solidFill>
-                <a:latin typeface="Helvetica Light"/>
-                <a:ea typeface="Helvetica Light"/>
-                <a:cs typeface="Helvetica Light"/>
-                <a:sym typeface="Helvetica Light"/>
-              </a:defRPr>
-            </a:lvl4pPr>
-            <a:lvl5pPr defTabSz="342900" eaLnBrk="0" hangingPunct="0">
-              <a:defRPr>
-                <a:solidFill>
-                  <a:schemeClr val="tx1"/>
-                </a:solidFill>
-                <a:latin typeface="Helvetica Light"/>
-                <a:ea typeface="Helvetica Light"/>
-                <a:cs typeface="Helvetica Light"/>
-                <a:sym typeface="Helvetica Light"/>
-              </a:defRPr>
-            </a:lvl5pPr>
-            <a:lvl6pPr indent="-1485900" defTabSz="342900" eaLnBrk="0" fontAlgn="base" hangingPunct="0">
-              <a:spcBef>
-                <a:spcPct val="0"/>
-              </a:spcBef>
-              <a:spcAft>
-                <a:spcPct val="0"/>
-              </a:spcAft>
-              <a:buFont typeface="Arial" pitchFamily="34" charset="0"/>
-              <a:defRPr>
-                <a:solidFill>
-                  <a:schemeClr val="tx1"/>
-                </a:solidFill>
-                <a:latin typeface="Helvetica Light"/>
-                <a:ea typeface="Helvetica Light"/>
-                <a:cs typeface="Helvetica Light"/>
-                <a:sym typeface="Helvetica Light"/>
-              </a:defRPr>
-            </a:lvl6pPr>
-            <a:lvl7pPr indent="-1485900" defTabSz="342900" eaLnBrk="0" fontAlgn="base" hangingPunct="0">
-              <a:spcBef>
-                <a:spcPct val="0"/>
-              </a:spcBef>
-              <a:spcAft>
-                <a:spcPct val="0"/>
-              </a:spcAft>
-              <a:buFont typeface="Arial" pitchFamily="34" charset="0"/>
-              <a:defRPr>
-                <a:solidFill>
-                  <a:schemeClr val="tx1"/>
-                </a:solidFill>
-                <a:latin typeface="Helvetica Light"/>
-                <a:ea typeface="Helvetica Light"/>
-                <a:cs typeface="Helvetica Light"/>
-                <a:sym typeface="Helvetica Light"/>
-              </a:defRPr>
-            </a:lvl7pPr>
-            <a:lvl8pPr indent="-1485900" defTabSz="342900" eaLnBrk="0" fontAlgn="base" hangingPunct="0">
-              <a:spcBef>
-                <a:spcPct val="0"/>
-              </a:spcBef>
-              <a:spcAft>
-                <a:spcPct val="0"/>
-              </a:spcAft>
-              <a:buFont typeface="Arial" pitchFamily="34" charset="0"/>
-              <a:defRPr>
-                <a:solidFill>
-                  <a:schemeClr val="tx1"/>
-                </a:solidFill>
-                <a:latin typeface="Helvetica Light"/>
-                <a:ea typeface="Helvetica Light"/>
-                <a:cs typeface="Helvetica Light"/>
-                <a:sym typeface="Helvetica Light"/>
-              </a:defRPr>
-            </a:lvl8pPr>
-            <a:lvl9pPr indent="-1485900" defTabSz="342900" eaLnBrk="0" fontAlgn="base" hangingPunct="0">
-              <a:spcBef>
-                <a:spcPct val="0"/>
-              </a:spcBef>
-              <a:spcAft>
-                <a:spcPct val="0"/>
-              </a:spcAft>
-              <a:buFont typeface="Arial" pitchFamily="34" charset="0"/>
-              <a:defRPr>
-                <a:solidFill>
-                  <a:schemeClr val="tx1"/>
-                </a:solidFill>
-                <a:latin typeface="Helvetica Light"/>
-                <a:ea typeface="Helvetica Light"/>
-                <a:cs typeface="Helvetica Light"/>
-                <a:sym typeface="Helvetica Light"/>
-              </a:defRPr>
-            </a:lvl9pPr>
-          </a:lstStyle>
-          <a:p>
-            <a:pPr eaLnBrk="1" hangingPunct="1"/>
-            <a:endParaRPr lang="zh-CN" altLang="zh-CN" sz="600">
-              <a:solidFill>
-                <a:srgbClr val="000000"/>
-              </a:solidFill>
-              <a:latin typeface="Arial" pitchFamily="34" charset="0"/>
-              <a:cs typeface="Arial" pitchFamily="34" charset="0"/>
-              <a:sym typeface="Arial" pitchFamily="34" charset="0"/>
-            </a:endParaRPr>
-          </a:p>
-        </p:txBody>
-      </p:sp>
-      <p:sp>
-        <p:nvSpPr>
-          <p:cNvPr id="13328" name="Shape 103"/>
-          <p:cNvSpPr>
-            <a:spLocks noChangeArrowheads="1"/>
-          </p:cNvSpPr>
-          <p:nvPr/>
-        </p:nvSpPr>
-        <p:spPr bwMode="auto">
-          <a:xfrm rot="18871351" flipH="1">
-            <a:off x="452437" y="3763963"/>
-            <a:ext cx="625475" cy="12700"/>
-          </a:xfrm>
-          <a:prstGeom prst="roundRect">
-            <a:avLst>
-              <a:gd name="adj" fmla="val 16667"/>
-            </a:avLst>
-          </a:prstGeom>
-          <a:solidFill>
-            <a:srgbClr val="FFFFFF">
-              <a:alpha val="0"/>
-            </a:srgbClr>
-          </a:solidFill>
-          <a:ln>
-            <a:noFill/>
-          </a:ln>
-          <a:extLst>
-            <a:ext uri="{91240B29-F687-4F45-9708-019B960494DF}">
-              <a14:hiddenLine xmlns:a14="http://schemas.microsoft.com/office/drawing/2010/main" w="12700">
-                <a:solidFill>
-                  <a:srgbClr val="000000"/>
-                </a:solidFill>
-                <a:round/>
-                <a:headEnd/>
-                <a:tailEnd/>
-              </a14:hiddenLine>
-            </a:ext>
-          </a:extLst>
-        </p:spPr>
-        <p:txBody>
-          <a:bodyPr lIns="17145" rIns="17145" anchor="ctr"/>
-          <a:lstStyle>
-            <a:lvl1pPr defTabSz="342900" eaLnBrk="0" hangingPunct="0">
-              <a:defRPr>
-                <a:solidFill>
-                  <a:schemeClr val="tx1"/>
-                </a:solidFill>
-                <a:latin typeface="Helvetica Light"/>
-                <a:ea typeface="Helvetica Light"/>
-                <a:cs typeface="Helvetica Light"/>
-                <a:sym typeface="Helvetica Light"/>
-              </a:defRPr>
-            </a:lvl1pPr>
-            <a:lvl2pPr defTabSz="342900" eaLnBrk="0" hangingPunct="0">
-              <a:defRPr>
-                <a:solidFill>
-                  <a:schemeClr val="tx1"/>
-                </a:solidFill>
-                <a:latin typeface="Helvetica Light"/>
-                <a:ea typeface="Helvetica Light"/>
-                <a:cs typeface="Helvetica Light"/>
-                <a:sym typeface="Helvetica Light"/>
-              </a:defRPr>
-            </a:lvl2pPr>
-            <a:lvl3pPr defTabSz="342900" eaLnBrk="0" hangingPunct="0">
-              <a:defRPr>
-                <a:solidFill>
-                  <a:schemeClr val="tx1"/>
-                </a:solidFill>
-                <a:latin typeface="Helvetica Light"/>
-                <a:ea typeface="Helvetica Light"/>
-                <a:cs typeface="Helvetica Light"/>
-                <a:sym typeface="Helvetica Light"/>
-              </a:defRPr>
-            </a:lvl3pPr>
-            <a:lvl4pPr defTabSz="342900" eaLnBrk="0" hangingPunct="0">
-              <a:defRPr>
-                <a:solidFill>
-                  <a:schemeClr val="tx1"/>
-                </a:solidFill>
-                <a:latin typeface="Helvetica Light"/>
-                <a:ea typeface="Helvetica Light"/>
-                <a:cs typeface="Helvetica Light"/>
-                <a:sym typeface="Helvetica Light"/>
-              </a:defRPr>
-            </a:lvl4pPr>
-            <a:lvl5pPr defTabSz="342900" eaLnBrk="0" hangingPunct="0">
-              <a:defRPr>
-                <a:solidFill>
-                  <a:schemeClr val="tx1"/>
-                </a:solidFill>
-                <a:latin typeface="Helvetica Light"/>
-                <a:ea typeface="Helvetica Light"/>
-                <a:cs typeface="Helvetica Light"/>
-                <a:sym typeface="Helvetica Light"/>
-              </a:defRPr>
-            </a:lvl5pPr>
-            <a:lvl6pPr indent="-1485900" defTabSz="342900" eaLnBrk="0" fontAlgn="base" hangingPunct="0">
-              <a:spcBef>
-                <a:spcPct val="0"/>
-              </a:spcBef>
-              <a:spcAft>
-                <a:spcPct val="0"/>
-              </a:spcAft>
-              <a:buFont typeface="Arial" pitchFamily="34" charset="0"/>
-              <a:defRPr>
-                <a:solidFill>
-                  <a:schemeClr val="tx1"/>
-                </a:solidFill>
-                <a:latin typeface="Helvetica Light"/>
-                <a:ea typeface="Helvetica Light"/>
-                <a:cs typeface="Helvetica Light"/>
-                <a:sym typeface="Helvetica Light"/>
-              </a:defRPr>
-            </a:lvl6pPr>
-            <a:lvl7pPr indent="-1485900" defTabSz="342900" eaLnBrk="0" fontAlgn="base" hangingPunct="0">
-              <a:spcBef>
-                <a:spcPct val="0"/>
-              </a:spcBef>
-              <a:spcAft>
-                <a:spcPct val="0"/>
-              </a:spcAft>
-              <a:buFont typeface="Arial" pitchFamily="34" charset="0"/>
-              <a:defRPr>
-                <a:solidFill>
-                  <a:schemeClr val="tx1"/>
-                </a:solidFill>
-                <a:latin typeface="Helvetica Light"/>
-                <a:ea typeface="Helvetica Light"/>
-                <a:cs typeface="Helvetica Light"/>
-                <a:sym typeface="Helvetica Light"/>
-              </a:defRPr>
-            </a:lvl7pPr>
-            <a:lvl8pPr indent="-1485900" defTabSz="342900" eaLnBrk="0" fontAlgn="base" hangingPunct="0">
-              <a:spcBef>
-                <a:spcPct val="0"/>
-              </a:spcBef>
-              <a:spcAft>
-                <a:spcPct val="0"/>
-              </a:spcAft>
-              <a:buFont typeface="Arial" pitchFamily="34" charset="0"/>
-              <a:defRPr>
-                <a:solidFill>
-                  <a:schemeClr val="tx1"/>
-                </a:solidFill>
-                <a:latin typeface="Helvetica Light"/>
-                <a:ea typeface="Helvetica Light"/>
-                <a:cs typeface="Helvetica Light"/>
-                <a:sym typeface="Helvetica Light"/>
-              </a:defRPr>
-            </a:lvl8pPr>
-            <a:lvl9pPr indent="-1485900" defTabSz="342900" eaLnBrk="0" fontAlgn="base" hangingPunct="0">
-              <a:spcBef>
-                <a:spcPct val="0"/>
-              </a:spcBef>
-              <a:spcAft>
-                <a:spcPct val="0"/>
-              </a:spcAft>
-              <a:buFont typeface="Arial" pitchFamily="34" charset="0"/>
-              <a:defRPr>
-                <a:solidFill>
-                  <a:schemeClr val="tx1"/>
-                </a:solidFill>
-                <a:latin typeface="Helvetica Light"/>
-                <a:ea typeface="Helvetica Light"/>
-                <a:cs typeface="Helvetica Light"/>
-                <a:sym typeface="Helvetica Light"/>
-              </a:defRPr>
-            </a:lvl9pPr>
-          </a:lstStyle>
-          <a:p>
-            <a:pPr eaLnBrk="1" hangingPunct="1"/>
-            <a:endParaRPr lang="zh-CN" altLang="zh-CN" sz="600">
-              <a:solidFill>
-                <a:srgbClr val="000000"/>
-              </a:solidFill>
-              <a:latin typeface="Arial" pitchFamily="34" charset="0"/>
-              <a:cs typeface="Arial" pitchFamily="34" charset="0"/>
-              <a:sym typeface="Arial" pitchFamily="34" charset="0"/>
-            </a:endParaRPr>
-          </a:p>
-        </p:txBody>
-      </p:sp>
-      <p:sp>
-        <p:nvSpPr>
-          <p:cNvPr id="13330" name="Shape 99"/>
-          <p:cNvSpPr>
-            <a:spLocks noChangeArrowheads="1"/>
-          </p:cNvSpPr>
-          <p:nvPr/>
-        </p:nvSpPr>
-        <p:spPr bwMode="auto">
-          <a:xfrm>
-            <a:off x="2822575" y="819150"/>
-            <a:ext cx="3503613" cy="3502025"/>
-          </a:xfrm>
-          <a:custGeom>
-            <a:avLst/>
-            <a:gdLst>
-              <a:gd name="T0" fmla="*/ 16796 w 19679"/>
-              <a:gd name="T1" fmla="*/ 2882 h 19679"/>
-              <a:gd name="T2" fmla="*/ 16796 w 19679"/>
-              <a:gd name="T3" fmla="*/ 16796 h 19679"/>
-              <a:gd name="T4" fmla="*/ 2882 w 19679"/>
-              <a:gd name="T5" fmla="*/ 16796 h 19679"/>
-              <a:gd name="T6" fmla="*/ 2882 w 19679"/>
-              <a:gd name="T7" fmla="*/ 2882 h 19679"/>
-              <a:gd name="T8" fmla="*/ 16796 w 19679"/>
-              <a:gd name="T9" fmla="*/ 2882 h 19679"/>
-            </a:gdLst>
-            <a:ahLst/>
-            <a:cxnLst>
-              <a:cxn ang="0">
-                <a:pos x="T0" y="T1"/>
-              </a:cxn>
-              <a:cxn ang="0">
-                <a:pos x="T2" y="T3"/>
-              </a:cxn>
-              <a:cxn ang="0">
-                <a:pos x="T4" y="T5"/>
-              </a:cxn>
-              <a:cxn ang="0">
-                <a:pos x="T6" y="T7"/>
-              </a:cxn>
-              <a:cxn ang="0">
-                <a:pos x="T8" y="T9"/>
-              </a:cxn>
-            </a:cxnLst>
-            <a:rect l="0" t="0" r="r" b="b"/>
-            <a:pathLst>
-              <a:path w="19679" h="19679">
-                <a:moveTo>
-                  <a:pt x="16796" y="2882"/>
-                </a:moveTo>
-                <a:cubicBezTo>
-                  <a:pt x="20639" y="6724"/>
-                  <a:pt x="20639" y="12954"/>
-                  <a:pt x="16796" y="16796"/>
-                </a:cubicBezTo>
-                <a:cubicBezTo>
-                  <a:pt x="12954" y="20639"/>
-                  <a:pt x="6724" y="20639"/>
-                  <a:pt x="2882" y="16796"/>
-                </a:cubicBezTo>
-                <a:cubicBezTo>
-                  <a:pt x="-961" y="12954"/>
-                  <a:pt x="-961" y="6724"/>
-                  <a:pt x="2882" y="2882"/>
-                </a:cubicBezTo>
-                <a:cubicBezTo>
-                  <a:pt x="6724" y="-961"/>
-                  <a:pt x="12954" y="-961"/>
-                  <a:pt x="16796" y="2882"/>
-                </a:cubicBezTo>
-                <a:close/>
-              </a:path>
-            </a:pathLst>
-          </a:custGeom>
-          <a:noFill/>
-          <a:ln w="9525">
-            <a:solidFill>
-              <a:srgbClr val="FFFFFF">
-                <a:alpha val="65097"/>
-              </a:srgbClr>
-            </a:solidFill>
-            <a:miter lim="400000"/>
-            <a:headEnd/>
-            <a:tailEnd/>
-          </a:ln>
-          <a:extLst>
-            <a:ext uri="{909E8E84-426E-40DD-AFC4-6F175D3DCCD1}">
-              <a14:hiddenFill xmlns:a14="http://schemas.microsoft.com/office/drawing/2010/main">
-                <a:solidFill>
-                  <a:srgbClr val="FFFFFF"/>
-                </a:solidFill>
-              </a14:hiddenFill>
-            </a:ext>
-          </a:extLst>
-        </p:spPr>
-        <p:txBody>
-          <a:bodyPr/>
-          <a:lstStyle/>
-          <a:p>
-            <a:pPr eaLnBrk="0" hangingPunct="0"/>
-            <a:endParaRPr lang="zh-CN" altLang="en-US"/>
-          </a:p>
-        </p:txBody>
-      </p:sp>
-      <p:sp>
-        <p:nvSpPr>
-          <p:cNvPr id="13331" name="Shape 100"/>
-          <p:cNvSpPr>
-            <a:spLocks noChangeArrowheads="1"/>
-          </p:cNvSpPr>
-          <p:nvPr/>
-        </p:nvSpPr>
-        <p:spPr bwMode="auto">
-          <a:xfrm>
-            <a:off x="2003425" y="0"/>
-            <a:ext cx="5141913" cy="5141913"/>
-          </a:xfrm>
-          <a:custGeom>
-            <a:avLst/>
-            <a:gdLst>
-              <a:gd name="T0" fmla="*/ 16796 w 19679"/>
-              <a:gd name="T1" fmla="*/ 2882 h 19679"/>
-              <a:gd name="T2" fmla="*/ 16796 w 19679"/>
-              <a:gd name="T3" fmla="*/ 16796 h 19679"/>
-              <a:gd name="T4" fmla="*/ 2882 w 19679"/>
-              <a:gd name="T5" fmla="*/ 16796 h 19679"/>
-              <a:gd name="T6" fmla="*/ 2882 w 19679"/>
-              <a:gd name="T7" fmla="*/ 2882 h 19679"/>
-              <a:gd name="T8" fmla="*/ 16796 w 19679"/>
-              <a:gd name="T9" fmla="*/ 2882 h 19679"/>
-            </a:gdLst>
-            <a:ahLst/>
-            <a:cxnLst>
-              <a:cxn ang="0">
-                <a:pos x="T0" y="T1"/>
-              </a:cxn>
-              <a:cxn ang="0">
-                <a:pos x="T2" y="T3"/>
-              </a:cxn>
-              <a:cxn ang="0">
-                <a:pos x="T4" y="T5"/>
-              </a:cxn>
-              <a:cxn ang="0">
-                <a:pos x="T6" y="T7"/>
-              </a:cxn>
-              <a:cxn ang="0">
-                <a:pos x="T8" y="T9"/>
-              </a:cxn>
-            </a:cxnLst>
-            <a:rect l="0" t="0" r="r" b="b"/>
-            <a:pathLst>
-              <a:path w="19679" h="19679">
-                <a:moveTo>
-                  <a:pt x="16796" y="2882"/>
-                </a:moveTo>
-                <a:cubicBezTo>
-                  <a:pt x="20639" y="6724"/>
-                  <a:pt x="20639" y="12954"/>
-                  <a:pt x="16796" y="16796"/>
-                </a:cubicBezTo>
-                <a:cubicBezTo>
-                  <a:pt x="12954" y="20639"/>
-                  <a:pt x="6724" y="20639"/>
-                  <a:pt x="2882" y="16796"/>
-                </a:cubicBezTo>
-                <a:cubicBezTo>
-                  <a:pt x="-961" y="12954"/>
-                  <a:pt x="-961" y="6724"/>
-                  <a:pt x="2882" y="2882"/>
-                </a:cubicBezTo>
-                <a:cubicBezTo>
-                  <a:pt x="6724" y="-961"/>
-                  <a:pt x="12954" y="-961"/>
-                  <a:pt x="16796" y="2882"/>
-                </a:cubicBezTo>
-                <a:close/>
-              </a:path>
-            </a:pathLst>
-          </a:custGeom>
-          <a:noFill/>
-          <a:ln w="6350">
-            <a:solidFill>
-              <a:srgbClr val="FFFFFF">
-                <a:alpha val="32156"/>
-              </a:srgbClr>
-            </a:solidFill>
-            <a:miter lim="400000"/>
-            <a:headEnd/>
-            <a:tailEnd/>
-          </a:ln>
-          <a:extLst>
-            <a:ext uri="{909E8E84-426E-40DD-AFC4-6F175D3DCCD1}">
-              <a14:hiddenFill xmlns:a14="http://schemas.microsoft.com/office/drawing/2010/main">
-                <a:solidFill>
-                  <a:srgbClr val="FFFFFF"/>
-                </a:solidFill>
-              </a14:hiddenFill>
-            </a:ext>
-          </a:extLst>
-        </p:spPr>
-        <p:txBody>
-          <a:bodyPr/>
-          <a:lstStyle/>
-          <a:p>
-            <a:pPr eaLnBrk="0" hangingPunct="0"/>
-            <a:endParaRPr lang="zh-CN" altLang="en-US"/>
-          </a:p>
-        </p:txBody>
-      </p:sp>
-      <p:sp>
-        <p:nvSpPr>
-          <p:cNvPr id="21" name="TextBox 42" descr="6A3013BADB884660B194CAD3FEF2932C# #TextBox 42"/>
-          <p:cNvSpPr txBox="1">
-            <a:spLocks noChangeArrowheads="1"/>
-          </p:cNvSpPr>
-          <p:nvPr/>
-        </p:nvSpPr>
-        <p:spPr bwMode="auto">
-          <a:xfrm>
-            <a:off x="541358" y="436861"/>
-            <a:ext cx="1415773" cy="461665"/>
-          </a:xfrm>
-          <a:prstGeom prst="rect">
-            <a:avLst/>
-          </a:prstGeom>
-          <a:noFill/>
-          <a:ln>
-            <a:noFill/>
-          </a:ln>
-          <a:extLst>
-            <a:ext uri="{909E8E84-426E-40DD-AFC4-6F175D3DCCD1}">
-              <a14:hiddenFill xmlns:a14="http://schemas.microsoft.com/office/drawing/2010/main">
-                <a:solidFill>
-                  <a:srgbClr val="FFFFFF"/>
-                </a:solidFill>
-              </a14:hiddenFill>
-            </a:ext>
-            <a:ext uri="{91240B29-F687-4F45-9708-019B960494DF}">
-              <a14:hiddenLine xmlns:a14="http://schemas.microsoft.com/office/drawing/2010/main" w="9525">
-                <a:solidFill>
-                  <a:srgbClr val="000000"/>
-                </a:solidFill>
-                <a:miter lim="800000"/>
-                <a:headEnd/>
-                <a:tailEnd/>
-              </a14:hiddenLine>
-            </a:ext>
-          </a:extLst>
-        </p:spPr>
-        <p:txBody>
-          <a:bodyPr wrap="none">
-            <a:spAutoFit/>
-          </a:bodyPr>
-          <a:lstStyle>
-            <a:lvl1pPr eaLnBrk="0" hangingPunct="0">
-              <a:spcBef>
-                <a:spcPct val="20000"/>
-              </a:spcBef>
-              <a:buFont typeface="Arial" charset="0"/>
-              <a:buChar char="•"/>
-              <a:defRPr sz="3200">
-                <a:solidFill>
-                  <a:schemeClr val="tx1"/>
-                </a:solidFill>
-                <a:latin typeface="Calibri" pitchFamily="34" charset="0"/>
-                <a:ea typeface="宋体" pitchFamily="2" charset="-122"/>
-              </a:defRPr>
-            </a:lvl1pPr>
-            <a:lvl2pPr marL="742950" indent="-285750" eaLnBrk="0" hangingPunct="0">
-              <a:spcBef>
-                <a:spcPct val="20000"/>
-              </a:spcBef>
-              <a:buFont typeface="Arial" charset="0"/>
-              <a:buChar char="–"/>
-              <a:defRPr sz="2800">
-                <a:solidFill>
-                  <a:schemeClr val="tx1"/>
-                </a:solidFill>
-                <a:latin typeface="Calibri" pitchFamily="34" charset="0"/>
-                <a:ea typeface="宋体" pitchFamily="2" charset="-122"/>
-              </a:defRPr>
-            </a:lvl2pPr>
-            <a:lvl3pPr marL="1143000" indent="-228600" eaLnBrk="0" hangingPunct="0">
-              <a:spcBef>
-                <a:spcPct val="20000"/>
-              </a:spcBef>
-              <a:buFont typeface="Arial" charset="0"/>
-              <a:buChar char="•"/>
-              <a:defRPr sz="2400">
-                <a:solidFill>
-                  <a:schemeClr val="tx1"/>
-                </a:solidFill>
-                <a:latin typeface="Calibri" pitchFamily="34" charset="0"/>
-                <a:ea typeface="宋体" pitchFamily="2" charset="-122"/>
-              </a:defRPr>
-            </a:lvl3pPr>
-            <a:lvl4pPr marL="1600200" indent="-228600" eaLnBrk="0" hangingPunct="0">
-              <a:spcBef>
-                <a:spcPct val="20000"/>
-              </a:spcBef>
-              <a:buFont typeface="Arial" charset="0"/>
-              <a:buChar char="–"/>
-              <a:defRPr sz="2000">
-                <a:solidFill>
-                  <a:schemeClr val="tx1"/>
-                </a:solidFill>
-                <a:latin typeface="Calibri" pitchFamily="34" charset="0"/>
-                <a:ea typeface="宋体" pitchFamily="2" charset="-122"/>
-              </a:defRPr>
-            </a:lvl4pPr>
-            <a:lvl5pPr marL="2057400" indent="-228600" eaLnBrk="0" hangingPunct="0">
-              <a:spcBef>
-                <a:spcPct val="20000"/>
-              </a:spcBef>
-              <a:buFont typeface="Arial" charset="0"/>
-              <a:buChar char="»"/>
-              <a:defRPr sz="2000">
-                <a:solidFill>
-                  <a:schemeClr val="tx1"/>
-                </a:solidFill>
-                <a:latin typeface="Calibri" pitchFamily="34" charset="0"/>
-                <a:ea typeface="宋体" pitchFamily="2" charset="-122"/>
-              </a:defRPr>
-            </a:lvl5pPr>
-            <a:lvl6pPr marL="2514600" indent="-228600" eaLnBrk="0" fontAlgn="base" hangingPunct="0">
-              <a:spcBef>
-                <a:spcPct val="20000"/>
-              </a:spcBef>
-              <a:spcAft>
-                <a:spcPct val="0"/>
-              </a:spcAft>
-              <a:buFont typeface="Arial" charset="0"/>
-              <a:buChar char="»"/>
-              <a:defRPr sz="2000">
-                <a:solidFill>
-                  <a:schemeClr val="tx1"/>
-                </a:solidFill>
-                <a:latin typeface="Calibri" pitchFamily="34" charset="0"/>
-                <a:ea typeface="宋体" pitchFamily="2" charset="-122"/>
-              </a:defRPr>
-            </a:lvl6pPr>
-            <a:lvl7pPr marL="2971800" indent="-228600" eaLnBrk="0" fontAlgn="base" hangingPunct="0">
-              <a:spcBef>
-                <a:spcPct val="20000"/>
-              </a:spcBef>
-              <a:spcAft>
-                <a:spcPct val="0"/>
-              </a:spcAft>
-              <a:buFont typeface="Arial" charset="0"/>
-              <a:buChar char="»"/>
-              <a:defRPr sz="2000">
-                <a:solidFill>
-                  <a:schemeClr val="tx1"/>
-                </a:solidFill>
-                <a:latin typeface="Calibri" pitchFamily="34" charset="0"/>
-                <a:ea typeface="宋体" pitchFamily="2" charset="-122"/>
-              </a:defRPr>
-            </a:lvl7pPr>
-            <a:lvl8pPr marL="3429000" indent="-228600" eaLnBrk="0" fontAlgn="base" hangingPunct="0">
-              <a:spcBef>
-                <a:spcPct val="20000"/>
-              </a:spcBef>
-              <a:spcAft>
-                <a:spcPct val="0"/>
-              </a:spcAft>
-              <a:buFont typeface="Arial" charset="0"/>
-              <a:buChar char="»"/>
-              <a:defRPr sz="2000">
-                <a:solidFill>
-                  <a:schemeClr val="tx1"/>
-                </a:solidFill>
-                <a:latin typeface="Calibri" pitchFamily="34" charset="0"/>
-                <a:ea typeface="宋体" pitchFamily="2" charset="-122"/>
-              </a:defRPr>
-            </a:lvl8pPr>
-            <a:lvl9pPr marL="3886200" indent="-228600" eaLnBrk="0" fontAlgn="base" hangingPunct="0">
-              <a:spcBef>
-                <a:spcPct val="20000"/>
-              </a:spcBef>
-              <a:spcAft>
-                <a:spcPct val="0"/>
-              </a:spcAft>
-              <a:buFont typeface="Arial" charset="0"/>
-              <a:buChar char="»"/>
-              <a:defRPr sz="2000">
-                <a:solidFill>
-                  <a:schemeClr val="tx1"/>
-                </a:solidFill>
-                <a:latin typeface="Calibri" pitchFamily="34" charset="0"/>
-                <a:ea typeface="宋体" pitchFamily="2" charset="-122"/>
-              </a:defRPr>
-            </a:lvl9pPr>
-          </a:lstStyle>
-          <a:p>
-            <a:pPr algn="ctr" eaLnBrk="1" hangingPunct="1">
-              <a:spcBef>
-                <a:spcPct val="0"/>
-              </a:spcBef>
-              <a:buFontTx/>
-              <a:buNone/>
-              <a:defRPr/>
-            </a:pPr>
-            <a:r>
-              <a:rPr lang="zh-CN" altLang="en-US" sz="2400" dirty="0">
-                <a:solidFill>
-                  <a:schemeClr val="bg1"/>
-                </a:solidFill>
-                <a:latin typeface="微软雅黑" panose="020B0503020204020204" pitchFamily="34" charset="-122"/>
-                <a:ea typeface="微软雅黑" panose="020B0503020204020204" pitchFamily="34" charset="-122"/>
-              </a:rPr>
-              <a:t>人工智能</a:t>
-            </a:r>
-          </a:p>
-        </p:txBody>
-      </p:sp>
-      <p:sp>
-        <p:nvSpPr>
-          <p:cNvPr id="23" name="TextBox 42" descr="6A3013BADB884660B194CAD3FEF2932C# #TextBox 42"/>
-          <p:cNvSpPr txBox="1">
-            <a:spLocks noChangeArrowheads="1"/>
-          </p:cNvSpPr>
-          <p:nvPr/>
-        </p:nvSpPr>
-        <p:spPr bwMode="auto">
-          <a:xfrm>
-            <a:off x="3734139" y="927634"/>
-            <a:ext cx="1415773" cy="461665"/>
-          </a:xfrm>
-          <a:prstGeom prst="rect">
-            <a:avLst/>
-          </a:prstGeom>
-          <a:noFill/>
-          <a:ln>
-            <a:noFill/>
-          </a:ln>
-          <a:extLst>
-            <a:ext uri="{909E8E84-426E-40DD-AFC4-6F175D3DCCD1}">
-              <a14:hiddenFill xmlns:a14="http://schemas.microsoft.com/office/drawing/2010/main">
-                <a:solidFill>
-                  <a:srgbClr val="FFFFFF"/>
-                </a:solidFill>
-              </a14:hiddenFill>
-            </a:ext>
-            <a:ext uri="{91240B29-F687-4F45-9708-019B960494DF}">
-              <a14:hiddenLine xmlns:a14="http://schemas.microsoft.com/office/drawing/2010/main" w="9525">
-                <a:solidFill>
-                  <a:srgbClr val="000000"/>
-                </a:solidFill>
-                <a:miter lim="800000"/>
-                <a:headEnd/>
-                <a:tailEnd/>
-              </a14:hiddenLine>
-            </a:ext>
-          </a:extLst>
-        </p:spPr>
-        <p:txBody>
-          <a:bodyPr wrap="none">
-            <a:spAutoFit/>
-          </a:bodyPr>
-          <a:lstStyle>
-            <a:lvl1pPr eaLnBrk="0" hangingPunct="0">
-              <a:spcBef>
-                <a:spcPct val="20000"/>
-              </a:spcBef>
-              <a:buFont typeface="Arial" charset="0"/>
-              <a:buChar char="•"/>
-              <a:defRPr sz="3200">
-                <a:solidFill>
-                  <a:schemeClr val="tx1"/>
-                </a:solidFill>
-                <a:latin typeface="Calibri" pitchFamily="34" charset="0"/>
-                <a:ea typeface="宋体" pitchFamily="2" charset="-122"/>
-              </a:defRPr>
-            </a:lvl1pPr>
-            <a:lvl2pPr marL="742950" indent="-285750" eaLnBrk="0" hangingPunct="0">
-              <a:spcBef>
-                <a:spcPct val="20000"/>
-              </a:spcBef>
-              <a:buFont typeface="Arial" charset="0"/>
-              <a:buChar char="–"/>
-              <a:defRPr sz="2800">
-                <a:solidFill>
-                  <a:schemeClr val="tx1"/>
-                </a:solidFill>
-                <a:latin typeface="Calibri" pitchFamily="34" charset="0"/>
-                <a:ea typeface="宋体" pitchFamily="2" charset="-122"/>
-              </a:defRPr>
-            </a:lvl2pPr>
-            <a:lvl3pPr marL="1143000" indent="-228600" eaLnBrk="0" hangingPunct="0">
-              <a:spcBef>
-                <a:spcPct val="20000"/>
-              </a:spcBef>
-              <a:buFont typeface="Arial" charset="0"/>
-              <a:buChar char="•"/>
-              <a:defRPr sz="2400">
-                <a:solidFill>
-                  <a:schemeClr val="tx1"/>
-                </a:solidFill>
-                <a:latin typeface="Calibri" pitchFamily="34" charset="0"/>
-                <a:ea typeface="宋体" pitchFamily="2" charset="-122"/>
-              </a:defRPr>
-            </a:lvl3pPr>
-            <a:lvl4pPr marL="1600200" indent="-228600" eaLnBrk="0" hangingPunct="0">
-              <a:spcBef>
-                <a:spcPct val="20000"/>
-              </a:spcBef>
-              <a:buFont typeface="Arial" charset="0"/>
-              <a:buChar char="–"/>
-              <a:defRPr sz="2000">
-                <a:solidFill>
-                  <a:schemeClr val="tx1"/>
-                </a:solidFill>
-                <a:latin typeface="Calibri" pitchFamily="34" charset="0"/>
-                <a:ea typeface="宋体" pitchFamily="2" charset="-122"/>
-              </a:defRPr>
-            </a:lvl4pPr>
-            <a:lvl5pPr marL="2057400" indent="-228600" eaLnBrk="0" hangingPunct="0">
-              <a:spcBef>
-                <a:spcPct val="20000"/>
-              </a:spcBef>
-              <a:buFont typeface="Arial" charset="0"/>
-              <a:buChar char="»"/>
-              <a:defRPr sz="2000">
-                <a:solidFill>
-                  <a:schemeClr val="tx1"/>
-                </a:solidFill>
-                <a:latin typeface="Calibri" pitchFamily="34" charset="0"/>
-                <a:ea typeface="宋体" pitchFamily="2" charset="-122"/>
-              </a:defRPr>
-            </a:lvl5pPr>
-            <a:lvl6pPr marL="2514600" indent="-228600" eaLnBrk="0" fontAlgn="base" hangingPunct="0">
-              <a:spcBef>
-                <a:spcPct val="20000"/>
-              </a:spcBef>
-              <a:spcAft>
-                <a:spcPct val="0"/>
-              </a:spcAft>
-              <a:buFont typeface="Arial" charset="0"/>
-              <a:buChar char="»"/>
-              <a:defRPr sz="2000">
-                <a:solidFill>
-                  <a:schemeClr val="tx1"/>
-                </a:solidFill>
-                <a:latin typeface="Calibri" pitchFamily="34" charset="0"/>
-                <a:ea typeface="宋体" pitchFamily="2" charset="-122"/>
-              </a:defRPr>
-            </a:lvl6pPr>
-            <a:lvl7pPr marL="2971800" indent="-228600" eaLnBrk="0" fontAlgn="base" hangingPunct="0">
-              <a:spcBef>
-                <a:spcPct val="20000"/>
-              </a:spcBef>
-              <a:spcAft>
-                <a:spcPct val="0"/>
-              </a:spcAft>
-              <a:buFont typeface="Arial" charset="0"/>
-              <a:buChar char="»"/>
-              <a:defRPr sz="2000">
-                <a:solidFill>
-                  <a:schemeClr val="tx1"/>
-                </a:solidFill>
-                <a:latin typeface="Calibri" pitchFamily="34" charset="0"/>
-                <a:ea typeface="宋体" pitchFamily="2" charset="-122"/>
-              </a:defRPr>
-            </a:lvl7pPr>
-            <a:lvl8pPr marL="3429000" indent="-228600" eaLnBrk="0" fontAlgn="base" hangingPunct="0">
-              <a:spcBef>
-                <a:spcPct val="20000"/>
-              </a:spcBef>
-              <a:spcAft>
-                <a:spcPct val="0"/>
-              </a:spcAft>
-              <a:buFont typeface="Arial" charset="0"/>
-              <a:buChar char="»"/>
-              <a:defRPr sz="2000">
-                <a:solidFill>
-                  <a:schemeClr val="tx1"/>
-                </a:solidFill>
-                <a:latin typeface="Calibri" pitchFamily="34" charset="0"/>
-                <a:ea typeface="宋体" pitchFamily="2" charset="-122"/>
-              </a:defRPr>
-            </a:lvl8pPr>
-            <a:lvl9pPr marL="3886200" indent="-228600" eaLnBrk="0" fontAlgn="base" hangingPunct="0">
-              <a:spcBef>
-                <a:spcPct val="20000"/>
-              </a:spcBef>
-              <a:spcAft>
-                <a:spcPct val="0"/>
-              </a:spcAft>
-              <a:buFont typeface="Arial" charset="0"/>
-              <a:buChar char="»"/>
-              <a:defRPr sz="2000">
-                <a:solidFill>
-                  <a:schemeClr val="tx1"/>
-                </a:solidFill>
-                <a:latin typeface="Calibri" pitchFamily="34" charset="0"/>
-                <a:ea typeface="宋体" pitchFamily="2" charset="-122"/>
-              </a:defRPr>
-            </a:lvl9pPr>
-          </a:lstStyle>
-          <a:p>
-            <a:pPr algn="ctr" eaLnBrk="1" hangingPunct="1">
-              <a:spcBef>
-                <a:spcPct val="0"/>
-              </a:spcBef>
-              <a:buFontTx/>
-              <a:buNone/>
-              <a:defRPr/>
-            </a:pPr>
-            <a:r>
-              <a:rPr lang="zh-CN" altLang="en-US" sz="2400" dirty="0">
-                <a:solidFill>
-                  <a:schemeClr val="bg1"/>
-                </a:solidFill>
-                <a:latin typeface="微软雅黑" panose="020B0503020204020204" pitchFamily="34" charset="-122"/>
-                <a:ea typeface="微软雅黑" panose="020B0503020204020204" pitchFamily="34" charset="-122"/>
-              </a:rPr>
-              <a:t>机器学习</a:t>
-            </a:r>
-          </a:p>
-        </p:txBody>
-      </p:sp>
-      <p:sp>
-        <p:nvSpPr>
-          <p:cNvPr id="24" name="TextBox 42" descr="6A3013BADB884660B194CAD3FEF2932C# #TextBox 42"/>
-          <p:cNvSpPr txBox="1">
-            <a:spLocks noChangeArrowheads="1"/>
-          </p:cNvSpPr>
-          <p:nvPr/>
-        </p:nvSpPr>
-        <p:spPr bwMode="auto">
-          <a:xfrm>
-            <a:off x="2318367" y="1613434"/>
-            <a:ext cx="1415772" cy="461665"/>
-          </a:xfrm>
-          <a:prstGeom prst="rect">
-            <a:avLst/>
-          </a:prstGeom>
-          <a:noFill/>
-          <a:ln>
-            <a:noFill/>
-          </a:ln>
-          <a:extLst>
-            <a:ext uri="{909E8E84-426E-40DD-AFC4-6F175D3DCCD1}">
-              <a14:hiddenFill xmlns:a14="http://schemas.microsoft.com/office/drawing/2010/main">
-                <a:solidFill>
-                  <a:srgbClr val="FFFFFF"/>
-                </a:solidFill>
-              </a14:hiddenFill>
-            </a:ext>
-            <a:ext uri="{91240B29-F687-4F45-9708-019B960494DF}">
-              <a14:hiddenLine xmlns:a14="http://schemas.microsoft.com/office/drawing/2010/main" w="9525">
-                <a:solidFill>
-                  <a:srgbClr val="000000"/>
-                </a:solidFill>
-                <a:miter lim="800000"/>
-                <a:headEnd/>
-                <a:tailEnd/>
-              </a14:hiddenLine>
-            </a:ext>
-          </a:extLst>
-        </p:spPr>
-        <p:txBody>
-          <a:bodyPr wrap="none">
-            <a:spAutoFit/>
-          </a:bodyPr>
-          <a:lstStyle>
-            <a:lvl1pPr eaLnBrk="0" hangingPunct="0">
-              <a:spcBef>
-                <a:spcPct val="20000"/>
-              </a:spcBef>
-              <a:buFont typeface="Arial" charset="0"/>
-              <a:buChar char="•"/>
-              <a:defRPr sz="3200">
-                <a:solidFill>
-                  <a:schemeClr val="tx1"/>
-                </a:solidFill>
-                <a:latin typeface="Calibri" pitchFamily="34" charset="0"/>
-                <a:ea typeface="宋体" pitchFamily="2" charset="-122"/>
-              </a:defRPr>
-            </a:lvl1pPr>
-            <a:lvl2pPr marL="742950" indent="-285750" eaLnBrk="0" hangingPunct="0">
-              <a:spcBef>
-                <a:spcPct val="20000"/>
-              </a:spcBef>
-              <a:buFont typeface="Arial" charset="0"/>
-              <a:buChar char="–"/>
-              <a:defRPr sz="2800">
-                <a:solidFill>
-                  <a:schemeClr val="tx1"/>
-                </a:solidFill>
-                <a:latin typeface="Calibri" pitchFamily="34" charset="0"/>
-                <a:ea typeface="宋体" pitchFamily="2" charset="-122"/>
-              </a:defRPr>
-            </a:lvl2pPr>
-            <a:lvl3pPr marL="1143000" indent="-228600" eaLnBrk="0" hangingPunct="0">
-              <a:spcBef>
-                <a:spcPct val="20000"/>
-              </a:spcBef>
-              <a:buFont typeface="Arial" charset="0"/>
-              <a:buChar char="•"/>
-              <a:defRPr sz="2400">
-                <a:solidFill>
-                  <a:schemeClr val="tx1"/>
-                </a:solidFill>
-                <a:latin typeface="Calibri" pitchFamily="34" charset="0"/>
-                <a:ea typeface="宋体" pitchFamily="2" charset="-122"/>
-              </a:defRPr>
-            </a:lvl3pPr>
-            <a:lvl4pPr marL="1600200" indent="-228600" eaLnBrk="0" hangingPunct="0">
-              <a:spcBef>
-                <a:spcPct val="20000"/>
-              </a:spcBef>
-              <a:buFont typeface="Arial" charset="0"/>
-              <a:buChar char="–"/>
-              <a:defRPr sz="2000">
-                <a:solidFill>
-                  <a:schemeClr val="tx1"/>
-                </a:solidFill>
-                <a:latin typeface="Calibri" pitchFamily="34" charset="0"/>
-                <a:ea typeface="宋体" pitchFamily="2" charset="-122"/>
-              </a:defRPr>
-            </a:lvl4pPr>
-            <a:lvl5pPr marL="2057400" indent="-228600" eaLnBrk="0" hangingPunct="0">
-              <a:spcBef>
-                <a:spcPct val="20000"/>
-              </a:spcBef>
-              <a:buFont typeface="Arial" charset="0"/>
-              <a:buChar char="»"/>
-              <a:defRPr sz="2000">
-                <a:solidFill>
-                  <a:schemeClr val="tx1"/>
-                </a:solidFill>
-                <a:latin typeface="Calibri" pitchFamily="34" charset="0"/>
-                <a:ea typeface="宋体" pitchFamily="2" charset="-122"/>
-              </a:defRPr>
-            </a:lvl5pPr>
-            <a:lvl6pPr marL="2514600" indent="-228600" eaLnBrk="0" fontAlgn="base" hangingPunct="0">
-              <a:spcBef>
-                <a:spcPct val="20000"/>
-              </a:spcBef>
-              <a:spcAft>
-                <a:spcPct val="0"/>
-              </a:spcAft>
-              <a:buFont typeface="Arial" charset="0"/>
-              <a:buChar char="»"/>
-              <a:defRPr sz="2000">
-                <a:solidFill>
-                  <a:schemeClr val="tx1"/>
-                </a:solidFill>
-                <a:latin typeface="Calibri" pitchFamily="34" charset="0"/>
-                <a:ea typeface="宋体" pitchFamily="2" charset="-122"/>
-              </a:defRPr>
-            </a:lvl6pPr>
-            <a:lvl7pPr marL="2971800" indent="-228600" eaLnBrk="0" fontAlgn="base" hangingPunct="0">
-              <a:spcBef>
-                <a:spcPct val="20000"/>
-              </a:spcBef>
-              <a:spcAft>
-                <a:spcPct val="0"/>
-              </a:spcAft>
-              <a:buFont typeface="Arial" charset="0"/>
-              <a:buChar char="»"/>
-              <a:defRPr sz="2000">
-                <a:solidFill>
-                  <a:schemeClr val="tx1"/>
-                </a:solidFill>
-                <a:latin typeface="Calibri" pitchFamily="34" charset="0"/>
-                <a:ea typeface="宋体" pitchFamily="2" charset="-122"/>
-              </a:defRPr>
-            </a:lvl7pPr>
-            <a:lvl8pPr marL="3429000" indent="-228600" eaLnBrk="0" fontAlgn="base" hangingPunct="0">
-              <a:spcBef>
-                <a:spcPct val="20000"/>
-              </a:spcBef>
-              <a:spcAft>
-                <a:spcPct val="0"/>
-              </a:spcAft>
-              <a:buFont typeface="Arial" charset="0"/>
-              <a:buChar char="»"/>
-              <a:defRPr sz="2000">
-                <a:solidFill>
-                  <a:schemeClr val="tx1"/>
-                </a:solidFill>
-                <a:latin typeface="Calibri" pitchFamily="34" charset="0"/>
-                <a:ea typeface="宋体" pitchFamily="2" charset="-122"/>
-              </a:defRPr>
-            </a:lvl8pPr>
-            <a:lvl9pPr marL="3886200" indent="-228600" eaLnBrk="0" fontAlgn="base" hangingPunct="0">
-              <a:spcBef>
-                <a:spcPct val="20000"/>
-              </a:spcBef>
-              <a:spcAft>
-                <a:spcPct val="0"/>
-              </a:spcAft>
-              <a:buFont typeface="Arial" charset="0"/>
-              <a:buChar char="»"/>
-              <a:defRPr sz="2000">
-                <a:solidFill>
-                  <a:schemeClr val="tx1"/>
-                </a:solidFill>
-                <a:latin typeface="Calibri" pitchFamily="34" charset="0"/>
-                <a:ea typeface="宋体" pitchFamily="2" charset="-122"/>
-              </a:defRPr>
-            </a:lvl9pPr>
-          </a:lstStyle>
-          <a:p>
-            <a:pPr algn="ctr" eaLnBrk="1" hangingPunct="1">
-              <a:spcBef>
-                <a:spcPct val="0"/>
-              </a:spcBef>
-              <a:buFontTx/>
-              <a:buNone/>
-              <a:defRPr/>
-            </a:pPr>
-            <a:r>
-              <a:rPr lang="zh-CN" altLang="en-US" sz="2400" dirty="0">
-                <a:solidFill>
-                  <a:schemeClr val="bg1"/>
-                </a:solidFill>
-                <a:latin typeface="微软雅黑" panose="020B0503020204020204" pitchFamily="34" charset="-122"/>
-                <a:ea typeface="微软雅黑" panose="020B0503020204020204" pitchFamily="34" charset="-122"/>
-              </a:rPr>
-              <a:t>深度学习</a:t>
-            </a:r>
-          </a:p>
-        </p:txBody>
-      </p:sp>
-      <p:sp>
-        <p:nvSpPr>
-          <p:cNvPr id="25" name="TextBox 42" descr="6A3013BADB884660B194CAD3FEF2932C# #TextBox 42"/>
-          <p:cNvSpPr txBox="1">
-            <a:spLocks noChangeArrowheads="1"/>
-          </p:cNvSpPr>
-          <p:nvPr/>
-        </p:nvSpPr>
-        <p:spPr bwMode="auto">
-          <a:xfrm>
-            <a:off x="4918670" y="2517974"/>
-            <a:ext cx="1415772" cy="461665"/>
-          </a:xfrm>
-          <a:prstGeom prst="rect">
-            <a:avLst/>
-          </a:prstGeom>
-          <a:noFill/>
-          <a:ln>
-            <a:noFill/>
-          </a:ln>
-          <a:extLst>
-            <a:ext uri="{909E8E84-426E-40DD-AFC4-6F175D3DCCD1}">
-              <a14:hiddenFill xmlns:a14="http://schemas.microsoft.com/office/drawing/2010/main">
-                <a:solidFill>
-                  <a:srgbClr val="FFFFFF"/>
-                </a:solidFill>
-              </a14:hiddenFill>
-            </a:ext>
-            <a:ext uri="{91240B29-F687-4F45-9708-019B960494DF}">
-              <a14:hiddenLine xmlns:a14="http://schemas.microsoft.com/office/drawing/2010/main" w="9525">
-                <a:solidFill>
-                  <a:srgbClr val="000000"/>
-                </a:solidFill>
-                <a:miter lim="800000"/>
-                <a:headEnd/>
-                <a:tailEnd/>
-              </a14:hiddenLine>
-            </a:ext>
-          </a:extLst>
-        </p:spPr>
-        <p:txBody>
-          <a:bodyPr wrap="none">
-            <a:spAutoFit/>
-          </a:bodyPr>
-          <a:lstStyle>
-            <a:lvl1pPr eaLnBrk="0" hangingPunct="0">
-              <a:spcBef>
-                <a:spcPct val="20000"/>
-              </a:spcBef>
-              <a:buFont typeface="Arial" charset="0"/>
-              <a:buChar char="•"/>
-              <a:defRPr sz="3200">
-                <a:solidFill>
-                  <a:schemeClr val="tx1"/>
-                </a:solidFill>
-                <a:latin typeface="Calibri" pitchFamily="34" charset="0"/>
-                <a:ea typeface="宋体" pitchFamily="2" charset="-122"/>
-              </a:defRPr>
-            </a:lvl1pPr>
-            <a:lvl2pPr marL="742950" indent="-285750" eaLnBrk="0" hangingPunct="0">
-              <a:spcBef>
-                <a:spcPct val="20000"/>
-              </a:spcBef>
-              <a:buFont typeface="Arial" charset="0"/>
-              <a:buChar char="–"/>
-              <a:defRPr sz="2800">
-                <a:solidFill>
-                  <a:schemeClr val="tx1"/>
-                </a:solidFill>
-                <a:latin typeface="Calibri" pitchFamily="34" charset="0"/>
-                <a:ea typeface="宋体" pitchFamily="2" charset="-122"/>
-              </a:defRPr>
-            </a:lvl2pPr>
-            <a:lvl3pPr marL="1143000" indent="-228600" eaLnBrk="0" hangingPunct="0">
-              <a:spcBef>
-                <a:spcPct val="20000"/>
-              </a:spcBef>
-              <a:buFont typeface="Arial" charset="0"/>
-              <a:buChar char="•"/>
-              <a:defRPr sz="2400">
-                <a:solidFill>
-                  <a:schemeClr val="tx1"/>
-                </a:solidFill>
-                <a:latin typeface="Calibri" pitchFamily="34" charset="0"/>
-                <a:ea typeface="宋体" pitchFamily="2" charset="-122"/>
-              </a:defRPr>
-            </a:lvl3pPr>
-            <a:lvl4pPr marL="1600200" indent="-228600" eaLnBrk="0" hangingPunct="0">
-              <a:spcBef>
-                <a:spcPct val="20000"/>
-              </a:spcBef>
-              <a:buFont typeface="Arial" charset="0"/>
-              <a:buChar char="–"/>
-              <a:defRPr sz="2000">
-                <a:solidFill>
-                  <a:schemeClr val="tx1"/>
-                </a:solidFill>
-                <a:latin typeface="Calibri" pitchFamily="34" charset="0"/>
-                <a:ea typeface="宋体" pitchFamily="2" charset="-122"/>
-              </a:defRPr>
-            </a:lvl4pPr>
-            <a:lvl5pPr marL="2057400" indent="-228600" eaLnBrk="0" hangingPunct="0">
-              <a:spcBef>
-                <a:spcPct val="20000"/>
-              </a:spcBef>
-              <a:buFont typeface="Arial" charset="0"/>
-              <a:buChar char="»"/>
-              <a:defRPr sz="2000">
-                <a:solidFill>
-                  <a:schemeClr val="tx1"/>
-                </a:solidFill>
-                <a:latin typeface="Calibri" pitchFamily="34" charset="0"/>
-                <a:ea typeface="宋体" pitchFamily="2" charset="-122"/>
-              </a:defRPr>
-            </a:lvl5pPr>
-            <a:lvl6pPr marL="2514600" indent="-228600" eaLnBrk="0" fontAlgn="base" hangingPunct="0">
-              <a:spcBef>
-                <a:spcPct val="20000"/>
-              </a:spcBef>
-              <a:spcAft>
-                <a:spcPct val="0"/>
-              </a:spcAft>
-              <a:buFont typeface="Arial" charset="0"/>
-              <a:buChar char="»"/>
-              <a:defRPr sz="2000">
-                <a:solidFill>
-                  <a:schemeClr val="tx1"/>
-                </a:solidFill>
-                <a:latin typeface="Calibri" pitchFamily="34" charset="0"/>
-                <a:ea typeface="宋体" pitchFamily="2" charset="-122"/>
-              </a:defRPr>
-            </a:lvl6pPr>
-            <a:lvl7pPr marL="2971800" indent="-228600" eaLnBrk="0" fontAlgn="base" hangingPunct="0">
-              <a:spcBef>
-                <a:spcPct val="20000"/>
-              </a:spcBef>
-              <a:spcAft>
-                <a:spcPct val="0"/>
-              </a:spcAft>
-              <a:buFont typeface="Arial" charset="0"/>
-              <a:buChar char="»"/>
-              <a:defRPr sz="2000">
-                <a:solidFill>
-                  <a:schemeClr val="tx1"/>
-                </a:solidFill>
-                <a:latin typeface="Calibri" pitchFamily="34" charset="0"/>
-                <a:ea typeface="宋体" pitchFamily="2" charset="-122"/>
-              </a:defRPr>
-            </a:lvl7pPr>
-            <a:lvl8pPr marL="3429000" indent="-228600" eaLnBrk="0" fontAlgn="base" hangingPunct="0">
-              <a:spcBef>
-                <a:spcPct val="20000"/>
-              </a:spcBef>
-              <a:spcAft>
-                <a:spcPct val="0"/>
-              </a:spcAft>
-              <a:buFont typeface="Arial" charset="0"/>
-              <a:buChar char="»"/>
-              <a:defRPr sz="2000">
-                <a:solidFill>
-                  <a:schemeClr val="tx1"/>
-                </a:solidFill>
-                <a:latin typeface="Calibri" pitchFamily="34" charset="0"/>
-                <a:ea typeface="宋体" pitchFamily="2" charset="-122"/>
-              </a:defRPr>
-            </a:lvl8pPr>
-            <a:lvl9pPr marL="3886200" indent="-228600" eaLnBrk="0" fontAlgn="base" hangingPunct="0">
-              <a:spcBef>
-                <a:spcPct val="20000"/>
-              </a:spcBef>
-              <a:spcAft>
-                <a:spcPct val="0"/>
-              </a:spcAft>
-              <a:buFont typeface="Arial" charset="0"/>
-              <a:buChar char="»"/>
-              <a:defRPr sz="2000">
-                <a:solidFill>
-                  <a:schemeClr val="tx1"/>
-                </a:solidFill>
-                <a:latin typeface="Calibri" pitchFamily="34" charset="0"/>
-                <a:ea typeface="宋体" pitchFamily="2" charset="-122"/>
-              </a:defRPr>
-            </a:lvl9pPr>
-          </a:lstStyle>
-          <a:p>
-            <a:pPr algn="ctr" eaLnBrk="1" hangingPunct="1">
-              <a:spcBef>
-                <a:spcPct val="0"/>
-              </a:spcBef>
-              <a:buFontTx/>
-              <a:buNone/>
-              <a:defRPr/>
-            </a:pPr>
-            <a:r>
-              <a:rPr lang="zh-CN" altLang="en-US" sz="2400" dirty="0">
-                <a:solidFill>
-                  <a:schemeClr val="bg1"/>
-                </a:solidFill>
-                <a:latin typeface="微软雅黑" panose="020B0503020204020204" pitchFamily="34" charset="-122"/>
-                <a:ea typeface="微软雅黑" panose="020B0503020204020204" pitchFamily="34" charset="-122"/>
-              </a:rPr>
-              <a:t>神经网络</a:t>
-            </a:r>
-          </a:p>
-        </p:txBody>
-      </p:sp>
-      <p:sp>
-        <p:nvSpPr>
-          <p:cNvPr id="26" name="TextBox 42" descr="6A3013BADB884660B194CAD3FEF2932C# #TextBox 42"/>
-          <p:cNvSpPr txBox="1">
-            <a:spLocks noChangeArrowheads="1"/>
-          </p:cNvSpPr>
-          <p:nvPr/>
-        </p:nvSpPr>
-        <p:spPr bwMode="auto">
-          <a:xfrm>
-            <a:off x="1370705" y="2979639"/>
-            <a:ext cx="1723550" cy="461665"/>
-          </a:xfrm>
-          <a:prstGeom prst="rect">
-            <a:avLst/>
-          </a:prstGeom>
-          <a:noFill/>
-          <a:ln>
-            <a:noFill/>
-          </a:ln>
-          <a:extLst>
-            <a:ext uri="{909E8E84-426E-40DD-AFC4-6F175D3DCCD1}">
-              <a14:hiddenFill xmlns:a14="http://schemas.microsoft.com/office/drawing/2010/main">
-                <a:solidFill>
-                  <a:srgbClr val="FFFFFF"/>
-                </a:solidFill>
-              </a14:hiddenFill>
-            </a:ext>
-            <a:ext uri="{91240B29-F687-4F45-9708-019B960494DF}">
-              <a14:hiddenLine xmlns:a14="http://schemas.microsoft.com/office/drawing/2010/main" w="9525">
-                <a:solidFill>
-                  <a:srgbClr val="000000"/>
-                </a:solidFill>
-                <a:miter lim="800000"/>
-                <a:headEnd/>
-                <a:tailEnd/>
-              </a14:hiddenLine>
-            </a:ext>
-          </a:extLst>
-        </p:spPr>
-        <p:txBody>
-          <a:bodyPr wrap="none">
-            <a:spAutoFit/>
-          </a:bodyPr>
-          <a:lstStyle>
-            <a:lvl1pPr eaLnBrk="0" hangingPunct="0">
-              <a:spcBef>
-                <a:spcPct val="20000"/>
-              </a:spcBef>
-              <a:buFont typeface="Arial" charset="0"/>
-              <a:buChar char="•"/>
-              <a:defRPr sz="3200">
-                <a:solidFill>
-                  <a:schemeClr val="tx1"/>
-                </a:solidFill>
-                <a:latin typeface="Calibri" pitchFamily="34" charset="0"/>
-                <a:ea typeface="宋体" pitchFamily="2" charset="-122"/>
-              </a:defRPr>
-            </a:lvl1pPr>
-            <a:lvl2pPr marL="742950" indent="-285750" eaLnBrk="0" hangingPunct="0">
-              <a:spcBef>
-                <a:spcPct val="20000"/>
-              </a:spcBef>
-              <a:buFont typeface="Arial" charset="0"/>
-              <a:buChar char="–"/>
-              <a:defRPr sz="2800">
-                <a:solidFill>
-                  <a:schemeClr val="tx1"/>
-                </a:solidFill>
-                <a:latin typeface="Calibri" pitchFamily="34" charset="0"/>
-                <a:ea typeface="宋体" pitchFamily="2" charset="-122"/>
-              </a:defRPr>
-            </a:lvl2pPr>
-            <a:lvl3pPr marL="1143000" indent="-228600" eaLnBrk="0" hangingPunct="0">
-              <a:spcBef>
-                <a:spcPct val="20000"/>
-              </a:spcBef>
-              <a:buFont typeface="Arial" charset="0"/>
-              <a:buChar char="•"/>
-              <a:defRPr sz="2400">
-                <a:solidFill>
-                  <a:schemeClr val="tx1"/>
-                </a:solidFill>
-                <a:latin typeface="Calibri" pitchFamily="34" charset="0"/>
-                <a:ea typeface="宋体" pitchFamily="2" charset="-122"/>
-              </a:defRPr>
-            </a:lvl3pPr>
-            <a:lvl4pPr marL="1600200" indent="-228600" eaLnBrk="0" hangingPunct="0">
-              <a:spcBef>
-                <a:spcPct val="20000"/>
-              </a:spcBef>
-              <a:buFont typeface="Arial" charset="0"/>
-              <a:buChar char="–"/>
-              <a:defRPr sz="2000">
-                <a:solidFill>
-                  <a:schemeClr val="tx1"/>
-                </a:solidFill>
-                <a:latin typeface="Calibri" pitchFamily="34" charset="0"/>
-                <a:ea typeface="宋体" pitchFamily="2" charset="-122"/>
-              </a:defRPr>
-            </a:lvl4pPr>
-            <a:lvl5pPr marL="2057400" indent="-228600" eaLnBrk="0" hangingPunct="0">
-              <a:spcBef>
-                <a:spcPct val="20000"/>
-              </a:spcBef>
-              <a:buFont typeface="Arial" charset="0"/>
-              <a:buChar char="»"/>
-              <a:defRPr sz="2000">
-                <a:solidFill>
-                  <a:schemeClr val="tx1"/>
-                </a:solidFill>
-                <a:latin typeface="Calibri" pitchFamily="34" charset="0"/>
-                <a:ea typeface="宋体" pitchFamily="2" charset="-122"/>
-              </a:defRPr>
-            </a:lvl5pPr>
-            <a:lvl6pPr marL="2514600" indent="-228600" eaLnBrk="0" fontAlgn="base" hangingPunct="0">
-              <a:spcBef>
-                <a:spcPct val="20000"/>
-              </a:spcBef>
-              <a:spcAft>
-                <a:spcPct val="0"/>
-              </a:spcAft>
-              <a:buFont typeface="Arial" charset="0"/>
-              <a:buChar char="»"/>
-              <a:defRPr sz="2000">
-                <a:solidFill>
-                  <a:schemeClr val="tx1"/>
-                </a:solidFill>
-                <a:latin typeface="Calibri" pitchFamily="34" charset="0"/>
-                <a:ea typeface="宋体" pitchFamily="2" charset="-122"/>
-              </a:defRPr>
-            </a:lvl6pPr>
-            <a:lvl7pPr marL="2971800" indent="-228600" eaLnBrk="0" fontAlgn="base" hangingPunct="0">
-              <a:spcBef>
-                <a:spcPct val="20000"/>
-              </a:spcBef>
-              <a:spcAft>
-                <a:spcPct val="0"/>
-              </a:spcAft>
-              <a:buFont typeface="Arial" charset="0"/>
-              <a:buChar char="»"/>
-              <a:defRPr sz="2000">
-                <a:solidFill>
-                  <a:schemeClr val="tx1"/>
-                </a:solidFill>
-                <a:latin typeface="Calibri" pitchFamily="34" charset="0"/>
-                <a:ea typeface="宋体" pitchFamily="2" charset="-122"/>
-              </a:defRPr>
-            </a:lvl7pPr>
-            <a:lvl8pPr marL="3429000" indent="-228600" eaLnBrk="0" fontAlgn="base" hangingPunct="0">
-              <a:spcBef>
-                <a:spcPct val="20000"/>
-              </a:spcBef>
-              <a:spcAft>
-                <a:spcPct val="0"/>
-              </a:spcAft>
-              <a:buFont typeface="Arial" charset="0"/>
-              <a:buChar char="»"/>
-              <a:defRPr sz="2000">
-                <a:solidFill>
-                  <a:schemeClr val="tx1"/>
-                </a:solidFill>
-                <a:latin typeface="Calibri" pitchFamily="34" charset="0"/>
-                <a:ea typeface="宋体" pitchFamily="2" charset="-122"/>
-              </a:defRPr>
-            </a:lvl8pPr>
-            <a:lvl9pPr marL="3886200" indent="-228600" eaLnBrk="0" fontAlgn="base" hangingPunct="0">
-              <a:spcBef>
-                <a:spcPct val="20000"/>
-              </a:spcBef>
-              <a:spcAft>
-                <a:spcPct val="0"/>
-              </a:spcAft>
-              <a:buFont typeface="Arial" charset="0"/>
-              <a:buChar char="»"/>
-              <a:defRPr sz="2000">
-                <a:solidFill>
-                  <a:schemeClr val="tx1"/>
-                </a:solidFill>
-                <a:latin typeface="Calibri" pitchFamily="34" charset="0"/>
-                <a:ea typeface="宋体" pitchFamily="2" charset="-122"/>
-              </a:defRPr>
-            </a:lvl9pPr>
-          </a:lstStyle>
-          <a:p>
-            <a:pPr algn="ctr" eaLnBrk="1" hangingPunct="1">
-              <a:spcBef>
-                <a:spcPct val="0"/>
-              </a:spcBef>
-              <a:buFontTx/>
-              <a:buNone/>
-              <a:defRPr/>
-            </a:pPr>
-            <a:r>
-              <a:rPr lang="zh-CN" altLang="en-US" sz="2400" dirty="0">
-                <a:solidFill>
-                  <a:schemeClr val="bg1"/>
-                </a:solidFill>
-                <a:latin typeface="微软雅黑" panose="020B0503020204020204" pitchFamily="34" charset="-122"/>
-                <a:ea typeface="微软雅黑" panose="020B0503020204020204" pitchFamily="34" charset="-122"/>
-              </a:rPr>
-              <a:t>计算机视觉</a:t>
-            </a:r>
-          </a:p>
-        </p:txBody>
-      </p:sp>
-      <p:sp>
-        <p:nvSpPr>
-          <p:cNvPr id="27" name="TextBox 42" descr="6A3013BADB884660B194CAD3FEF2932C# #TextBox 42"/>
-          <p:cNvSpPr txBox="1">
-            <a:spLocks noChangeArrowheads="1"/>
-          </p:cNvSpPr>
-          <p:nvPr/>
-        </p:nvSpPr>
-        <p:spPr bwMode="auto">
-          <a:xfrm>
-            <a:off x="5413044" y="3468439"/>
-            <a:ext cx="1415772" cy="461665"/>
-          </a:xfrm>
-          <a:prstGeom prst="rect">
-            <a:avLst/>
-          </a:prstGeom>
-          <a:noFill/>
-          <a:ln>
-            <a:noFill/>
-          </a:ln>
-          <a:extLst>
-            <a:ext uri="{909E8E84-426E-40DD-AFC4-6F175D3DCCD1}">
-              <a14:hiddenFill xmlns:a14="http://schemas.microsoft.com/office/drawing/2010/main">
-                <a:solidFill>
-                  <a:srgbClr val="FFFFFF"/>
-                </a:solidFill>
-              </a14:hiddenFill>
-            </a:ext>
-            <a:ext uri="{91240B29-F687-4F45-9708-019B960494DF}">
-              <a14:hiddenLine xmlns:a14="http://schemas.microsoft.com/office/drawing/2010/main" w="9525">
-                <a:solidFill>
-                  <a:srgbClr val="000000"/>
-                </a:solidFill>
-                <a:miter lim="800000"/>
-                <a:headEnd/>
-                <a:tailEnd/>
-              </a14:hiddenLine>
-            </a:ext>
-          </a:extLst>
-        </p:spPr>
-        <p:txBody>
-          <a:bodyPr wrap="none">
-            <a:spAutoFit/>
-          </a:bodyPr>
-          <a:lstStyle>
-            <a:lvl1pPr eaLnBrk="0" hangingPunct="0">
-              <a:spcBef>
-                <a:spcPct val="20000"/>
-              </a:spcBef>
-              <a:buFont typeface="Arial" charset="0"/>
-              <a:buChar char="•"/>
-              <a:defRPr sz="3200">
-                <a:solidFill>
-                  <a:schemeClr val="tx1"/>
-                </a:solidFill>
-                <a:latin typeface="Calibri" pitchFamily="34" charset="0"/>
-                <a:ea typeface="宋体" pitchFamily="2" charset="-122"/>
-              </a:defRPr>
-            </a:lvl1pPr>
-            <a:lvl2pPr marL="742950" indent="-285750" eaLnBrk="0" hangingPunct="0">
-              <a:spcBef>
-                <a:spcPct val="20000"/>
-              </a:spcBef>
-              <a:buFont typeface="Arial" charset="0"/>
-              <a:buChar char="–"/>
-              <a:defRPr sz="2800">
-                <a:solidFill>
-                  <a:schemeClr val="tx1"/>
-                </a:solidFill>
-                <a:latin typeface="Calibri" pitchFamily="34" charset="0"/>
-                <a:ea typeface="宋体" pitchFamily="2" charset="-122"/>
-              </a:defRPr>
-            </a:lvl2pPr>
-            <a:lvl3pPr marL="1143000" indent="-228600" eaLnBrk="0" hangingPunct="0">
-              <a:spcBef>
-                <a:spcPct val="20000"/>
-              </a:spcBef>
-              <a:buFont typeface="Arial" charset="0"/>
-              <a:buChar char="•"/>
-              <a:defRPr sz="2400">
-                <a:solidFill>
-                  <a:schemeClr val="tx1"/>
-                </a:solidFill>
-                <a:latin typeface="Calibri" pitchFamily="34" charset="0"/>
-                <a:ea typeface="宋体" pitchFamily="2" charset="-122"/>
-              </a:defRPr>
-            </a:lvl3pPr>
-            <a:lvl4pPr marL="1600200" indent="-228600" eaLnBrk="0" hangingPunct="0">
-              <a:spcBef>
-                <a:spcPct val="20000"/>
-              </a:spcBef>
-              <a:buFont typeface="Arial" charset="0"/>
-              <a:buChar char="–"/>
-              <a:defRPr sz="2000">
-                <a:solidFill>
-                  <a:schemeClr val="tx1"/>
-                </a:solidFill>
-                <a:latin typeface="Calibri" pitchFamily="34" charset="0"/>
-                <a:ea typeface="宋体" pitchFamily="2" charset="-122"/>
-              </a:defRPr>
-            </a:lvl4pPr>
-            <a:lvl5pPr marL="2057400" indent="-228600" eaLnBrk="0" hangingPunct="0">
-              <a:spcBef>
-                <a:spcPct val="20000"/>
-              </a:spcBef>
-              <a:buFont typeface="Arial" charset="0"/>
-              <a:buChar char="»"/>
-              <a:defRPr sz="2000">
-                <a:solidFill>
-                  <a:schemeClr val="tx1"/>
-                </a:solidFill>
-                <a:latin typeface="Calibri" pitchFamily="34" charset="0"/>
-                <a:ea typeface="宋体" pitchFamily="2" charset="-122"/>
-              </a:defRPr>
-            </a:lvl5pPr>
-            <a:lvl6pPr marL="2514600" indent="-228600" eaLnBrk="0" fontAlgn="base" hangingPunct="0">
-              <a:spcBef>
-                <a:spcPct val="20000"/>
-              </a:spcBef>
-              <a:spcAft>
-                <a:spcPct val="0"/>
-              </a:spcAft>
-              <a:buFont typeface="Arial" charset="0"/>
-              <a:buChar char="»"/>
-              <a:defRPr sz="2000">
-                <a:solidFill>
-                  <a:schemeClr val="tx1"/>
-                </a:solidFill>
-                <a:latin typeface="Calibri" pitchFamily="34" charset="0"/>
-                <a:ea typeface="宋体" pitchFamily="2" charset="-122"/>
-              </a:defRPr>
-            </a:lvl6pPr>
-            <a:lvl7pPr marL="2971800" indent="-228600" eaLnBrk="0" fontAlgn="base" hangingPunct="0">
-              <a:spcBef>
-                <a:spcPct val="20000"/>
-              </a:spcBef>
-              <a:spcAft>
-                <a:spcPct val="0"/>
-              </a:spcAft>
-              <a:buFont typeface="Arial" charset="0"/>
-              <a:buChar char="»"/>
-              <a:defRPr sz="2000">
-                <a:solidFill>
-                  <a:schemeClr val="tx1"/>
-                </a:solidFill>
-                <a:latin typeface="Calibri" pitchFamily="34" charset="0"/>
-                <a:ea typeface="宋体" pitchFamily="2" charset="-122"/>
-              </a:defRPr>
-            </a:lvl7pPr>
-            <a:lvl8pPr marL="3429000" indent="-228600" eaLnBrk="0" fontAlgn="base" hangingPunct="0">
-              <a:spcBef>
-                <a:spcPct val="20000"/>
-              </a:spcBef>
-              <a:spcAft>
-                <a:spcPct val="0"/>
-              </a:spcAft>
-              <a:buFont typeface="Arial" charset="0"/>
-              <a:buChar char="»"/>
-              <a:defRPr sz="2000">
-                <a:solidFill>
-                  <a:schemeClr val="tx1"/>
-                </a:solidFill>
-                <a:latin typeface="Calibri" pitchFamily="34" charset="0"/>
-                <a:ea typeface="宋体" pitchFamily="2" charset="-122"/>
-              </a:defRPr>
-            </a:lvl8pPr>
-            <a:lvl9pPr marL="3886200" indent="-228600" eaLnBrk="0" fontAlgn="base" hangingPunct="0">
-              <a:spcBef>
-                <a:spcPct val="20000"/>
-              </a:spcBef>
-              <a:spcAft>
-                <a:spcPct val="0"/>
-              </a:spcAft>
-              <a:buFont typeface="Arial" charset="0"/>
-              <a:buChar char="»"/>
-              <a:defRPr sz="2000">
-                <a:solidFill>
-                  <a:schemeClr val="tx1"/>
-                </a:solidFill>
-                <a:latin typeface="Calibri" pitchFamily="34" charset="0"/>
-                <a:ea typeface="宋体" pitchFamily="2" charset="-122"/>
-              </a:defRPr>
-            </a:lvl9pPr>
-          </a:lstStyle>
-          <a:p>
-            <a:pPr algn="ctr" eaLnBrk="1" hangingPunct="1">
-              <a:spcBef>
-                <a:spcPct val="0"/>
-              </a:spcBef>
-              <a:buFontTx/>
-              <a:buNone/>
-              <a:defRPr/>
-            </a:pPr>
-            <a:r>
-              <a:rPr lang="zh-CN" altLang="en-US" sz="2400" dirty="0">
-                <a:solidFill>
-                  <a:schemeClr val="bg1"/>
-                </a:solidFill>
-                <a:latin typeface="微软雅黑" panose="020B0503020204020204" pitchFamily="34" charset="-122"/>
-                <a:ea typeface="微软雅黑" panose="020B0503020204020204" pitchFamily="34" charset="-122"/>
-              </a:rPr>
-              <a:t>图像识别</a:t>
-            </a:r>
-          </a:p>
-        </p:txBody>
-      </p:sp>
-      <p:sp>
-        <p:nvSpPr>
-          <p:cNvPr id="28" name="TextBox 42" descr="6A3013BADB884660B194CAD3FEF2932C# #TextBox 42"/>
-          <p:cNvSpPr txBox="1">
-            <a:spLocks noChangeArrowheads="1"/>
-          </p:cNvSpPr>
-          <p:nvPr/>
-        </p:nvSpPr>
-        <p:spPr bwMode="auto">
-          <a:xfrm>
-            <a:off x="5879924" y="1489486"/>
-            <a:ext cx="1723550" cy="461665"/>
-          </a:xfrm>
-          <a:prstGeom prst="rect">
-            <a:avLst/>
-          </a:prstGeom>
-          <a:noFill/>
-          <a:ln>
-            <a:noFill/>
-          </a:ln>
-          <a:extLst>
-            <a:ext uri="{909E8E84-426E-40DD-AFC4-6F175D3DCCD1}">
-              <a14:hiddenFill xmlns:a14="http://schemas.microsoft.com/office/drawing/2010/main">
-                <a:solidFill>
-                  <a:srgbClr val="FFFFFF"/>
-                </a:solidFill>
-              </a14:hiddenFill>
-            </a:ext>
-            <a:ext uri="{91240B29-F687-4F45-9708-019B960494DF}">
-              <a14:hiddenLine xmlns:a14="http://schemas.microsoft.com/office/drawing/2010/main" w="9525">
-                <a:solidFill>
-                  <a:srgbClr val="000000"/>
-                </a:solidFill>
-                <a:miter lim="800000"/>
-                <a:headEnd/>
-                <a:tailEnd/>
-              </a14:hiddenLine>
-            </a:ext>
-          </a:extLst>
-        </p:spPr>
-        <p:txBody>
-          <a:bodyPr wrap="none">
-            <a:spAutoFit/>
-          </a:bodyPr>
-          <a:lstStyle>
-            <a:lvl1pPr eaLnBrk="0" hangingPunct="0">
-              <a:spcBef>
-                <a:spcPct val="20000"/>
-              </a:spcBef>
-              <a:buFont typeface="Arial" charset="0"/>
-              <a:buChar char="•"/>
-              <a:defRPr sz="3200">
-                <a:solidFill>
-                  <a:schemeClr val="tx1"/>
-                </a:solidFill>
-                <a:latin typeface="Calibri" pitchFamily="34" charset="0"/>
-                <a:ea typeface="宋体" pitchFamily="2" charset="-122"/>
-              </a:defRPr>
-            </a:lvl1pPr>
-            <a:lvl2pPr marL="742950" indent="-285750" eaLnBrk="0" hangingPunct="0">
-              <a:spcBef>
-                <a:spcPct val="20000"/>
-              </a:spcBef>
-              <a:buFont typeface="Arial" charset="0"/>
-              <a:buChar char="–"/>
-              <a:defRPr sz="2800">
-                <a:solidFill>
-                  <a:schemeClr val="tx1"/>
-                </a:solidFill>
-                <a:latin typeface="Calibri" pitchFamily="34" charset="0"/>
-                <a:ea typeface="宋体" pitchFamily="2" charset="-122"/>
-              </a:defRPr>
-            </a:lvl2pPr>
-            <a:lvl3pPr marL="1143000" indent="-228600" eaLnBrk="0" hangingPunct="0">
-              <a:spcBef>
-                <a:spcPct val="20000"/>
-              </a:spcBef>
-              <a:buFont typeface="Arial" charset="0"/>
-              <a:buChar char="•"/>
-              <a:defRPr sz="2400">
-                <a:solidFill>
-                  <a:schemeClr val="tx1"/>
-                </a:solidFill>
-                <a:latin typeface="Calibri" pitchFamily="34" charset="0"/>
-                <a:ea typeface="宋体" pitchFamily="2" charset="-122"/>
-              </a:defRPr>
-            </a:lvl3pPr>
-            <a:lvl4pPr marL="1600200" indent="-228600" eaLnBrk="0" hangingPunct="0">
-              <a:spcBef>
-                <a:spcPct val="20000"/>
-              </a:spcBef>
-              <a:buFont typeface="Arial" charset="0"/>
-              <a:buChar char="–"/>
-              <a:defRPr sz="2000">
-                <a:solidFill>
-                  <a:schemeClr val="tx1"/>
-                </a:solidFill>
-                <a:latin typeface="Calibri" pitchFamily="34" charset="0"/>
-                <a:ea typeface="宋体" pitchFamily="2" charset="-122"/>
-              </a:defRPr>
-            </a:lvl4pPr>
-            <a:lvl5pPr marL="2057400" indent="-228600" eaLnBrk="0" hangingPunct="0">
-              <a:spcBef>
-                <a:spcPct val="20000"/>
-              </a:spcBef>
-              <a:buFont typeface="Arial" charset="0"/>
-              <a:buChar char="»"/>
-              <a:defRPr sz="2000">
-                <a:solidFill>
-                  <a:schemeClr val="tx1"/>
-                </a:solidFill>
-                <a:latin typeface="Calibri" pitchFamily="34" charset="0"/>
-                <a:ea typeface="宋体" pitchFamily="2" charset="-122"/>
-              </a:defRPr>
-            </a:lvl5pPr>
-            <a:lvl6pPr marL="2514600" indent="-228600" eaLnBrk="0" fontAlgn="base" hangingPunct="0">
-              <a:spcBef>
-                <a:spcPct val="20000"/>
-              </a:spcBef>
-              <a:spcAft>
-                <a:spcPct val="0"/>
-              </a:spcAft>
-              <a:buFont typeface="Arial" charset="0"/>
-              <a:buChar char="»"/>
-              <a:defRPr sz="2000">
-                <a:solidFill>
-                  <a:schemeClr val="tx1"/>
-                </a:solidFill>
-                <a:latin typeface="Calibri" pitchFamily="34" charset="0"/>
-                <a:ea typeface="宋体" pitchFamily="2" charset="-122"/>
-              </a:defRPr>
-            </a:lvl6pPr>
-            <a:lvl7pPr marL="2971800" indent="-228600" eaLnBrk="0" fontAlgn="base" hangingPunct="0">
-              <a:spcBef>
-                <a:spcPct val="20000"/>
-              </a:spcBef>
-              <a:spcAft>
-                <a:spcPct val="0"/>
-              </a:spcAft>
-              <a:buFont typeface="Arial" charset="0"/>
-              <a:buChar char="»"/>
-              <a:defRPr sz="2000">
-                <a:solidFill>
-                  <a:schemeClr val="tx1"/>
-                </a:solidFill>
-                <a:latin typeface="Calibri" pitchFamily="34" charset="0"/>
-                <a:ea typeface="宋体" pitchFamily="2" charset="-122"/>
-              </a:defRPr>
-            </a:lvl7pPr>
-            <a:lvl8pPr marL="3429000" indent="-228600" eaLnBrk="0" fontAlgn="base" hangingPunct="0">
-              <a:spcBef>
-                <a:spcPct val="20000"/>
-              </a:spcBef>
-              <a:spcAft>
-                <a:spcPct val="0"/>
-              </a:spcAft>
-              <a:buFont typeface="Arial" charset="0"/>
-              <a:buChar char="»"/>
-              <a:defRPr sz="2000">
-                <a:solidFill>
-                  <a:schemeClr val="tx1"/>
-                </a:solidFill>
-                <a:latin typeface="Calibri" pitchFamily="34" charset="0"/>
-                <a:ea typeface="宋体" pitchFamily="2" charset="-122"/>
-              </a:defRPr>
-            </a:lvl8pPr>
-            <a:lvl9pPr marL="3886200" indent="-228600" eaLnBrk="0" fontAlgn="base" hangingPunct="0">
-              <a:spcBef>
-                <a:spcPct val="20000"/>
-              </a:spcBef>
-              <a:spcAft>
-                <a:spcPct val="0"/>
-              </a:spcAft>
-              <a:buFont typeface="Arial" charset="0"/>
-              <a:buChar char="»"/>
-              <a:defRPr sz="2000">
-                <a:solidFill>
-                  <a:schemeClr val="tx1"/>
-                </a:solidFill>
-                <a:latin typeface="Calibri" pitchFamily="34" charset="0"/>
-                <a:ea typeface="宋体" pitchFamily="2" charset="-122"/>
-              </a:defRPr>
-            </a:lvl9pPr>
-          </a:lstStyle>
-          <a:p>
-            <a:pPr algn="ctr" eaLnBrk="1" hangingPunct="1">
-              <a:spcBef>
-                <a:spcPct val="0"/>
-              </a:spcBef>
-              <a:buFontTx/>
-              <a:buNone/>
-              <a:defRPr/>
-            </a:pPr>
-            <a:r>
-              <a:rPr lang="zh-CN" altLang="en-US" sz="2400" dirty="0">
-                <a:solidFill>
-                  <a:schemeClr val="bg1"/>
-                </a:solidFill>
-                <a:latin typeface="微软雅黑" panose="020B0503020204020204" pitchFamily="34" charset="-122"/>
-                <a:ea typeface="微软雅黑" panose="020B0503020204020204" pitchFamily="34" charset="-122"/>
-              </a:rPr>
-              <a:t>大数据分析</a:t>
-            </a:r>
-          </a:p>
-        </p:txBody>
-      </p:sp>
-    </p:spTree>
-    <p:extLst>
-      <p:ext uri="{BB962C8B-B14F-4D97-AF65-F5344CB8AC3E}">
-        <p14:creationId xmlns:p14="http://schemas.microsoft.com/office/powerpoint/2010/main" val="1507698410"/>
-      </p:ext>
-    </p:extLst>
-  </p:cSld>
-  <p:clrMapOvr>
-    <a:masterClrMapping/>
-  </p:clrMapOvr>
-  <mc:AlternateContent xmlns:mc="http://schemas.openxmlformats.org/markup-compatibility/2006" xmlns:p14="http://schemas.microsoft.com/office/powerpoint/2010/main">
-    <mc:Choice Requires="p14">
-      <p:transition spd="slow" p14:dur="1500" advClick="0" advTm="1000">
-        <p:random/>
-      </p:transition>
-    </mc:Choice>
-    <mc:Fallback xmlns="">
-      <p:transition spd="slow" advClick="0" advTm="1000">
-        <p:random/>
-      </p:transition>
-    </mc:Fallback>
-  </mc:AlternateContent>
-  <p:timing>
-    <p:tnLst>
-      <p:par>
-        <p:cTn id="1" dur="indefinite" restart="never" nodeType="tmRoot">
-          <p:childTnLst>
-            <p:seq concurrent="1" nextAc="seek">
-              <p:cTn id="2" dur="indefinite" nodeType="mainSeq">
-                <p:childTnLst>
-                  <p:par>
-                    <p:cTn id="3" fill="hold">
-                      <p:stCondLst>
-                        <p:cond delay="indefinite"/>
-                        <p:cond evt="onBegin" delay="0">
-                          <p:tn val="2"/>
-                        </p:cond>
-                      </p:stCondLst>
-                      <p:childTnLst>
-                        <p:par>
-                          <p:cTn id="4" fill="hold">
-                            <p:stCondLst>
-                              <p:cond delay="0"/>
-                            </p:stCondLst>
-                            <p:childTnLst>
-                              <p:par>
-                                <p:cTn id="5" presetID="2" presetClass="entr" presetSubtype="2" fill="hold" grpId="0" nodeType="withEffect">
-                                  <p:stCondLst>
-                                    <p:cond delay="500"/>
-                                  </p:stCondLst>
-                                  <p:childTnLst>
-                                    <p:set>
-                                      <p:cBhvr>
-                                        <p:cTn id="6" dur="1" fill="hold">
-                                          <p:stCondLst>
-                                            <p:cond delay="0"/>
-                                          </p:stCondLst>
-                                        </p:cTn>
-                                        <p:tgtEl>
-                                          <p:spTgt spid="21"/>
-                                        </p:tgtEl>
-                                        <p:attrNameLst>
-                                          <p:attrName>style.visibility</p:attrName>
-                                        </p:attrNameLst>
-                                      </p:cBhvr>
-                                      <p:to>
-                                        <p:strVal val="visible"/>
-                                      </p:to>
-                                    </p:set>
-                                    <p:anim calcmode="lin" valueType="num">
-                                      <p:cBhvr additive="base">
-                                        <p:cTn id="7" dur="500" fill="hold"/>
-                                        <p:tgtEl>
-                                          <p:spTgt spid="21"/>
-                                        </p:tgtEl>
-                                        <p:attrNameLst>
-                                          <p:attrName>ppt_x</p:attrName>
-                                        </p:attrNameLst>
-                                      </p:cBhvr>
-                                      <p:tavLst>
-                                        <p:tav tm="0">
-                                          <p:val>
-                                            <p:strVal val="1+#ppt_w/2"/>
-                                          </p:val>
-                                        </p:tav>
-                                        <p:tav tm="100000">
-                                          <p:val>
-                                            <p:strVal val="#ppt_x"/>
-                                          </p:val>
-                                        </p:tav>
-                                      </p:tavLst>
-                                    </p:anim>
-                                    <p:anim calcmode="lin" valueType="num">
-                                      <p:cBhvr additive="base">
-                                        <p:cTn id="8" dur="500" fill="hold"/>
-                                        <p:tgtEl>
-                                          <p:spTgt spid="21"/>
-                                        </p:tgtEl>
-                                        <p:attrNameLst>
-                                          <p:attrName>ppt_y</p:attrName>
-                                        </p:attrNameLst>
-                                      </p:cBhvr>
-                                      <p:tavLst>
-                                        <p:tav tm="0">
-                                          <p:val>
-                                            <p:strVal val="#ppt_y"/>
-                                          </p:val>
-                                        </p:tav>
-                                        <p:tav tm="100000">
-                                          <p:val>
-                                            <p:strVal val="#ppt_y"/>
-                                          </p:val>
-                                        </p:tav>
-                                      </p:tavLst>
-                                    </p:anim>
-                                  </p:childTnLst>
-                                </p:cTn>
-                              </p:par>
-                              <p:par>
-                                <p:cTn id="9" presetID="2" presetClass="entr" presetSubtype="2" fill="hold" grpId="0" nodeType="withEffect">
-                                  <p:stCondLst>
-                                    <p:cond delay="500"/>
-                                  </p:stCondLst>
-                                  <p:childTnLst>
-                                    <p:set>
-                                      <p:cBhvr>
-                                        <p:cTn id="10" dur="1" fill="hold">
-                                          <p:stCondLst>
-                                            <p:cond delay="0"/>
-                                          </p:stCondLst>
-                                        </p:cTn>
-                                        <p:tgtEl>
-                                          <p:spTgt spid="23"/>
-                                        </p:tgtEl>
-                                        <p:attrNameLst>
-                                          <p:attrName>style.visibility</p:attrName>
-                                        </p:attrNameLst>
-                                      </p:cBhvr>
-                                      <p:to>
-                                        <p:strVal val="visible"/>
-                                      </p:to>
-                                    </p:set>
-                                    <p:anim calcmode="lin" valueType="num">
-                                      <p:cBhvr additive="base">
-                                        <p:cTn id="11" dur="500" fill="hold"/>
-                                        <p:tgtEl>
-                                          <p:spTgt spid="23"/>
-                                        </p:tgtEl>
-                                        <p:attrNameLst>
-                                          <p:attrName>ppt_x</p:attrName>
-                                        </p:attrNameLst>
-                                      </p:cBhvr>
-                                      <p:tavLst>
-                                        <p:tav tm="0">
-                                          <p:val>
-                                            <p:strVal val="1+#ppt_w/2"/>
-                                          </p:val>
-                                        </p:tav>
-                                        <p:tav tm="100000">
-                                          <p:val>
-                                            <p:strVal val="#ppt_x"/>
-                                          </p:val>
-                                        </p:tav>
-                                      </p:tavLst>
-                                    </p:anim>
-                                    <p:anim calcmode="lin" valueType="num">
-                                      <p:cBhvr additive="base">
-                                        <p:cTn id="12" dur="500" fill="hold"/>
-                                        <p:tgtEl>
-                                          <p:spTgt spid="23"/>
-                                        </p:tgtEl>
-                                        <p:attrNameLst>
-                                          <p:attrName>ppt_y</p:attrName>
-                                        </p:attrNameLst>
-                                      </p:cBhvr>
-                                      <p:tavLst>
-                                        <p:tav tm="0">
-                                          <p:val>
-                                            <p:strVal val="#ppt_y"/>
-                                          </p:val>
-                                        </p:tav>
-                                        <p:tav tm="100000">
-                                          <p:val>
-                                            <p:strVal val="#ppt_y"/>
-                                          </p:val>
-                                        </p:tav>
-                                      </p:tavLst>
-                                    </p:anim>
-                                  </p:childTnLst>
-                                </p:cTn>
-                              </p:par>
-                              <p:par>
-                                <p:cTn id="13" presetID="2" presetClass="entr" presetSubtype="2" fill="hold" grpId="0" nodeType="withEffect">
-                                  <p:stCondLst>
-                                    <p:cond delay="500"/>
-                                  </p:stCondLst>
-                                  <p:childTnLst>
-                                    <p:set>
-                                      <p:cBhvr>
-                                        <p:cTn id="14" dur="1" fill="hold">
-                                          <p:stCondLst>
-                                            <p:cond delay="0"/>
-                                          </p:stCondLst>
-                                        </p:cTn>
-                                        <p:tgtEl>
-                                          <p:spTgt spid="24"/>
-                                        </p:tgtEl>
-                                        <p:attrNameLst>
-                                          <p:attrName>style.visibility</p:attrName>
-                                        </p:attrNameLst>
-                                      </p:cBhvr>
-                                      <p:to>
-                                        <p:strVal val="visible"/>
-                                      </p:to>
-                                    </p:set>
-                                    <p:anim calcmode="lin" valueType="num">
-                                      <p:cBhvr additive="base">
-                                        <p:cTn id="15" dur="500" fill="hold"/>
-                                        <p:tgtEl>
-                                          <p:spTgt spid="24"/>
-                                        </p:tgtEl>
-                                        <p:attrNameLst>
-                                          <p:attrName>ppt_x</p:attrName>
-                                        </p:attrNameLst>
-                                      </p:cBhvr>
-                                      <p:tavLst>
-                                        <p:tav tm="0">
-                                          <p:val>
-                                            <p:strVal val="1+#ppt_w/2"/>
-                                          </p:val>
-                                        </p:tav>
-                                        <p:tav tm="100000">
-                                          <p:val>
-                                            <p:strVal val="#ppt_x"/>
-                                          </p:val>
-                                        </p:tav>
-                                      </p:tavLst>
-                                    </p:anim>
-                                    <p:anim calcmode="lin" valueType="num">
-                                      <p:cBhvr additive="base">
-                                        <p:cTn id="16" dur="500" fill="hold"/>
-                                        <p:tgtEl>
-                                          <p:spTgt spid="24"/>
-                                        </p:tgtEl>
-                                        <p:attrNameLst>
-                                          <p:attrName>ppt_y</p:attrName>
-                                        </p:attrNameLst>
-                                      </p:cBhvr>
-                                      <p:tavLst>
-                                        <p:tav tm="0">
-                                          <p:val>
-                                            <p:strVal val="#ppt_y"/>
-                                          </p:val>
-                                        </p:tav>
-                                        <p:tav tm="100000">
-                                          <p:val>
-                                            <p:strVal val="#ppt_y"/>
-                                          </p:val>
-                                        </p:tav>
-                                      </p:tavLst>
-                                    </p:anim>
-                                  </p:childTnLst>
-                                </p:cTn>
-                              </p:par>
-                              <p:par>
-                                <p:cTn id="17" presetID="2" presetClass="entr" presetSubtype="2" fill="hold" grpId="0" nodeType="withEffect">
-                                  <p:stCondLst>
-                                    <p:cond delay="500"/>
-                                  </p:stCondLst>
-                                  <p:childTnLst>
-                                    <p:set>
-                                      <p:cBhvr>
-                                        <p:cTn id="18" dur="1" fill="hold">
-                                          <p:stCondLst>
-                                            <p:cond delay="0"/>
-                                          </p:stCondLst>
-                                        </p:cTn>
-                                        <p:tgtEl>
-                                          <p:spTgt spid="25"/>
-                                        </p:tgtEl>
-                                        <p:attrNameLst>
-                                          <p:attrName>style.visibility</p:attrName>
-                                        </p:attrNameLst>
-                                      </p:cBhvr>
-                                      <p:to>
-                                        <p:strVal val="visible"/>
-                                      </p:to>
-                                    </p:set>
-                                    <p:anim calcmode="lin" valueType="num">
-                                      <p:cBhvr additive="base">
-                                        <p:cTn id="19" dur="500" fill="hold"/>
-                                        <p:tgtEl>
-                                          <p:spTgt spid="25"/>
-                                        </p:tgtEl>
-                                        <p:attrNameLst>
-                                          <p:attrName>ppt_x</p:attrName>
-                                        </p:attrNameLst>
-                                      </p:cBhvr>
-                                      <p:tavLst>
-                                        <p:tav tm="0">
-                                          <p:val>
-                                            <p:strVal val="1+#ppt_w/2"/>
-                                          </p:val>
-                                        </p:tav>
-                                        <p:tav tm="100000">
-                                          <p:val>
-                                            <p:strVal val="#ppt_x"/>
-                                          </p:val>
-                                        </p:tav>
-                                      </p:tavLst>
-                                    </p:anim>
-                                    <p:anim calcmode="lin" valueType="num">
-                                      <p:cBhvr additive="base">
-                                        <p:cTn id="20" dur="500" fill="hold"/>
-                                        <p:tgtEl>
-                                          <p:spTgt spid="25"/>
-                                        </p:tgtEl>
-                                        <p:attrNameLst>
-                                          <p:attrName>ppt_y</p:attrName>
-                                        </p:attrNameLst>
-                                      </p:cBhvr>
-                                      <p:tavLst>
-                                        <p:tav tm="0">
-                                          <p:val>
-                                            <p:strVal val="#ppt_y"/>
-                                          </p:val>
-                                        </p:tav>
-                                        <p:tav tm="100000">
-                                          <p:val>
-                                            <p:strVal val="#ppt_y"/>
-                                          </p:val>
-                                        </p:tav>
-                                      </p:tavLst>
-                                    </p:anim>
-                                  </p:childTnLst>
-                                </p:cTn>
-                              </p:par>
-                              <p:par>
-                                <p:cTn id="21" presetID="2" presetClass="entr" presetSubtype="2" fill="hold" grpId="0" nodeType="withEffect">
-                                  <p:stCondLst>
-                                    <p:cond delay="500"/>
-                                  </p:stCondLst>
-                                  <p:childTnLst>
-                                    <p:set>
-                                      <p:cBhvr>
-                                        <p:cTn id="22" dur="1" fill="hold">
-                                          <p:stCondLst>
-                                            <p:cond delay="0"/>
-                                          </p:stCondLst>
-                                        </p:cTn>
-                                        <p:tgtEl>
-                                          <p:spTgt spid="26"/>
-                                        </p:tgtEl>
-                                        <p:attrNameLst>
-                                          <p:attrName>style.visibility</p:attrName>
-                                        </p:attrNameLst>
-                                      </p:cBhvr>
-                                      <p:to>
-                                        <p:strVal val="visible"/>
-                                      </p:to>
-                                    </p:set>
-                                    <p:anim calcmode="lin" valueType="num">
-                                      <p:cBhvr additive="base">
-                                        <p:cTn id="23" dur="500" fill="hold"/>
-                                        <p:tgtEl>
-                                          <p:spTgt spid="26"/>
-                                        </p:tgtEl>
-                                        <p:attrNameLst>
-                                          <p:attrName>ppt_x</p:attrName>
-                                        </p:attrNameLst>
-                                      </p:cBhvr>
-                                      <p:tavLst>
-                                        <p:tav tm="0">
-                                          <p:val>
-                                            <p:strVal val="1+#ppt_w/2"/>
-                                          </p:val>
-                                        </p:tav>
-                                        <p:tav tm="100000">
-                                          <p:val>
-                                            <p:strVal val="#ppt_x"/>
-                                          </p:val>
-                                        </p:tav>
-                                      </p:tavLst>
-                                    </p:anim>
-                                    <p:anim calcmode="lin" valueType="num">
-                                      <p:cBhvr additive="base">
-                                        <p:cTn id="24" dur="500" fill="hold"/>
-                                        <p:tgtEl>
-                                          <p:spTgt spid="26"/>
-                                        </p:tgtEl>
-                                        <p:attrNameLst>
-                                          <p:attrName>ppt_y</p:attrName>
-                                        </p:attrNameLst>
-                                      </p:cBhvr>
-                                      <p:tavLst>
-                                        <p:tav tm="0">
-                                          <p:val>
-                                            <p:strVal val="#ppt_y"/>
-                                          </p:val>
-                                        </p:tav>
-                                        <p:tav tm="100000">
-                                          <p:val>
-                                            <p:strVal val="#ppt_y"/>
-                                          </p:val>
-                                        </p:tav>
-                                      </p:tavLst>
-                                    </p:anim>
-                                  </p:childTnLst>
-                                </p:cTn>
-                              </p:par>
-                              <p:par>
-                                <p:cTn id="25" presetID="2" presetClass="entr" presetSubtype="2" fill="hold" grpId="0" nodeType="withEffect">
-                                  <p:stCondLst>
-                                    <p:cond delay="500"/>
-                                  </p:stCondLst>
-                                  <p:childTnLst>
-                                    <p:set>
-                                      <p:cBhvr>
-                                        <p:cTn id="26" dur="1" fill="hold">
-                                          <p:stCondLst>
-                                            <p:cond delay="0"/>
-                                          </p:stCondLst>
-                                        </p:cTn>
-                                        <p:tgtEl>
-                                          <p:spTgt spid="27"/>
-                                        </p:tgtEl>
-                                        <p:attrNameLst>
-                                          <p:attrName>style.visibility</p:attrName>
-                                        </p:attrNameLst>
-                                      </p:cBhvr>
-                                      <p:to>
-                                        <p:strVal val="visible"/>
-                                      </p:to>
-                                    </p:set>
-                                    <p:anim calcmode="lin" valueType="num">
-                                      <p:cBhvr additive="base">
-                                        <p:cTn id="27" dur="500" fill="hold"/>
-                                        <p:tgtEl>
-                                          <p:spTgt spid="27"/>
-                                        </p:tgtEl>
-                                        <p:attrNameLst>
-                                          <p:attrName>ppt_x</p:attrName>
-                                        </p:attrNameLst>
-                                      </p:cBhvr>
-                                      <p:tavLst>
-                                        <p:tav tm="0">
-                                          <p:val>
-                                            <p:strVal val="1+#ppt_w/2"/>
-                                          </p:val>
-                                        </p:tav>
-                                        <p:tav tm="100000">
-                                          <p:val>
-                                            <p:strVal val="#ppt_x"/>
-                                          </p:val>
-                                        </p:tav>
-                                      </p:tavLst>
-                                    </p:anim>
-                                    <p:anim calcmode="lin" valueType="num">
-                                      <p:cBhvr additive="base">
-                                        <p:cTn id="28" dur="500" fill="hold"/>
-                                        <p:tgtEl>
-                                          <p:spTgt spid="27"/>
-                                        </p:tgtEl>
-                                        <p:attrNameLst>
-                                          <p:attrName>ppt_y</p:attrName>
-                                        </p:attrNameLst>
-                                      </p:cBhvr>
-                                      <p:tavLst>
-                                        <p:tav tm="0">
-                                          <p:val>
-                                            <p:strVal val="#ppt_y"/>
-                                          </p:val>
-                                        </p:tav>
-                                        <p:tav tm="100000">
-                                          <p:val>
-                                            <p:strVal val="#ppt_y"/>
-                                          </p:val>
-                                        </p:tav>
-                                      </p:tavLst>
-                                    </p:anim>
-                                  </p:childTnLst>
-                                </p:cTn>
-                              </p:par>
-                              <p:par>
-                                <p:cTn id="29" presetID="2" presetClass="entr" presetSubtype="2" fill="hold" grpId="0" nodeType="withEffect">
-                                  <p:stCondLst>
-                                    <p:cond delay="500"/>
-                                  </p:stCondLst>
-                                  <p:childTnLst>
-                                    <p:set>
-                                      <p:cBhvr>
-                                        <p:cTn id="30" dur="1" fill="hold">
-                                          <p:stCondLst>
-                                            <p:cond delay="0"/>
-                                          </p:stCondLst>
-                                        </p:cTn>
-                                        <p:tgtEl>
-                                          <p:spTgt spid="28"/>
-                                        </p:tgtEl>
-                                        <p:attrNameLst>
-                                          <p:attrName>style.visibility</p:attrName>
-                                        </p:attrNameLst>
-                                      </p:cBhvr>
-                                      <p:to>
-                                        <p:strVal val="visible"/>
-                                      </p:to>
-                                    </p:set>
-                                    <p:anim calcmode="lin" valueType="num">
-                                      <p:cBhvr additive="base">
-                                        <p:cTn id="31" dur="500" fill="hold"/>
-                                        <p:tgtEl>
-                                          <p:spTgt spid="28"/>
-                                        </p:tgtEl>
-                                        <p:attrNameLst>
-                                          <p:attrName>ppt_x</p:attrName>
-                                        </p:attrNameLst>
-                                      </p:cBhvr>
-                                      <p:tavLst>
-                                        <p:tav tm="0">
-                                          <p:val>
-                                            <p:strVal val="1+#ppt_w/2"/>
-                                          </p:val>
-                                        </p:tav>
-                                        <p:tav tm="100000">
-                                          <p:val>
-                                            <p:strVal val="#ppt_x"/>
-                                          </p:val>
-                                        </p:tav>
-                                      </p:tavLst>
-                                    </p:anim>
-                                    <p:anim calcmode="lin" valueType="num">
-                                      <p:cBhvr additive="base">
-                                        <p:cTn id="32" dur="500" fill="hold"/>
-                                        <p:tgtEl>
-                                          <p:spTgt spid="28"/>
-                                        </p:tgtEl>
-                                        <p:attrNameLst>
-                                          <p:attrName>ppt_y</p:attrName>
-                                        </p:attrNameLst>
-                                      </p:cBhvr>
-                                      <p:tavLst>
-                                        <p:tav tm="0">
-                                          <p:val>
-                                            <p:strVal val="#ppt_y"/>
-                                          </p:val>
-                                        </p:tav>
-                                        <p:tav tm="100000">
-                                          <p:val>
-                                            <p:strVal val="#ppt_y"/>
-                                          </p:val>
-                                        </p:tav>
-                                      </p:tavLst>
-                                    </p:anim>
-                                  </p:childTnLst>
-                                </p:cTn>
-                              </p:par>
-                            </p:childTnLst>
-                          </p:cTn>
-                        </p:par>
-                      </p:childTnLst>
-                    </p:cTn>
-                  </p:par>
-                </p:childTnLst>
-              </p:cTn>
-              <p:prevCondLst>
-                <p:cond evt="onPrev" delay="0">
-                  <p:tgtEl>
-                    <p:sldTgt/>
-                  </p:tgtEl>
-                </p:cond>
-              </p:prevCondLst>
-              <p:nextCondLst>
-                <p:cond evt="onNext" delay="0">
-                  <p:tgtEl>
-                    <p:sldTgt/>
-                  </p:tgtEl>
-                </p:cond>
-              </p:nextCondLst>
-            </p:seq>
-          </p:childTnLst>
-        </p:cTn>
-      </p:par>
-    </p:tnLst>
-    <p:bldLst>
-      <p:bldP spid="21" grpId="0"/>
-      <p:bldP spid="23" grpId="0"/>
-      <p:bldP spid="24" grpId="0"/>
-      <p:bldP spid="25" grpId="0"/>
-      <p:bldP spid="26" grpId="0"/>
-      <p:bldP spid="27" grpId="0"/>
-      <p:bldP spid="28" grpId="0"/>
-    </p:bldLst>
-  </p:timing>
-</p:sld>
-</file>
-
-<file path=ppt/slides/slide20.xml><?xml version="1.0" encoding="utf-8"?>
+<file path=ppt/slides/slide23.xml><?xml version="1.0" encoding="utf-8"?>
 <p:sld xmlns:a="http://schemas.openxmlformats.org/drawingml/2006/main" xmlns:r="http://schemas.openxmlformats.org/officeDocument/2006/relationships" xmlns:p="http://schemas.openxmlformats.org/presentationml/2006/main">
   <p:cSld>
     <p:spTree>
@@ -22448,7 +24400,7 @@
 </p:sld>
 </file>
 
-<file path=ppt/slides/slide21.xml><?xml version="1.0" encoding="utf-8"?>
+<file path=ppt/slides/slide24.xml><?xml version="1.0" encoding="utf-8"?>
 <p:sld xmlns:a="http://schemas.openxmlformats.org/drawingml/2006/main" xmlns:r="http://schemas.openxmlformats.org/officeDocument/2006/relationships" xmlns:p="http://schemas.openxmlformats.org/presentationml/2006/main">
   <p:cSld>
     <p:spTree>
@@ -25869,7 +27821,7 @@
 </p:sld>
 </file>
 
-<file path=ppt/slides/slide22.xml><?xml version="1.0" encoding="utf-8"?>
+<file path=ppt/slides/slide25.xml><?xml version="1.0" encoding="utf-8"?>
 <p:sld xmlns:a="http://schemas.openxmlformats.org/drawingml/2006/main" xmlns:r="http://schemas.openxmlformats.org/officeDocument/2006/relationships" xmlns:p="http://schemas.openxmlformats.org/presentationml/2006/main">
   <p:cSld>
     <p:spTree>
@@ -43185,7 +45137,7 @@
   <a:extraClrSchemeLst/>
   <a:extLst>
     <a:ext uri="{05A4C25C-085E-4340-85A3-A5531E510DB2}">
-      <thm15:themeFamily xmlns:thm15="http://schemas.microsoft.com/office/thememl/2012/main" name="Office Theme" id="{62F939B6-93AF-4DB8-9C6B-D6C7DFDC589F}" vid="{4A3C46E8-61CC-4603-A589-7422A47A8E4A}"/>
+      <thm15:themeFamily xmlns:thm15="http://schemas.microsoft.com/office/thememl/2012/main" xmlns="" name="Office Theme" id="{62F939B6-93AF-4DB8-9C6B-D6C7DFDC589F}" vid="{4A3C46E8-61CC-4603-A589-7422A47A8E4A}"/>
     </a:ext>
   </a:extLst>
 </a:theme>
@@ -44251,7 +46203,7 @@
   <a:extraClrSchemeLst/>
   <a:extLst>
     <a:ext uri="{05A4C25C-085E-4340-85A3-A5531E510DB2}">
-      <thm15:themeFamily xmlns:thm15="http://schemas.microsoft.com/office/thememl/2012/main" name="Office Theme" id="{62F939B6-93AF-4DB8-9C6B-D6C7DFDC589F}" vid="{4A3C46E8-61CC-4603-A589-7422A47A8E4A}"/>
+      <thm15:themeFamily xmlns:thm15="http://schemas.microsoft.com/office/thememl/2012/main" xmlns="" name="Office Theme" id="{62F939B6-93AF-4DB8-9C6B-D6C7DFDC589F}" vid="{4A3C46E8-61CC-4603-A589-7422A47A8E4A}"/>
     </a:ext>
   </a:extLst>
 </a:theme>
